--- a/inflearn01/doc/심화_개발자가알아두면좋을네트워크개념.pptx
+++ b/inflearn01/doc/심화_개발자가알아두면좋을네트워크개념.pptx
@@ -5,23 +5,20 @@
     <p:sldMasterId id="2147483648" r:id="rId1"/>
   </p:sldMasterIdLst>
   <p:notesMasterIdLst>
-    <p:notesMasterId r:id="rId13"/>
+    <p:notesMasterId r:id="rId10"/>
   </p:notesMasterIdLst>
   <p:handoutMasterIdLst>
-    <p:handoutMasterId r:id="rId14"/>
+    <p:handoutMasterId r:id="rId11"/>
   </p:handoutMasterIdLst>
   <p:sldIdLst>
-    <p:sldId id="261" r:id="rId2"/>
-    <p:sldId id="257" r:id="rId3"/>
-    <p:sldId id="262" r:id="rId4"/>
-    <p:sldId id="263" r:id="rId5"/>
-    <p:sldId id="264" r:id="rId6"/>
-    <p:sldId id="265" r:id="rId7"/>
-    <p:sldId id="266" r:id="rId8"/>
-    <p:sldId id="267" r:id="rId9"/>
-    <p:sldId id="268" r:id="rId10"/>
-    <p:sldId id="269" r:id="rId11"/>
-    <p:sldId id="270" r:id="rId12"/>
+    <p:sldId id="300" r:id="rId2"/>
+    <p:sldId id="292" r:id="rId3"/>
+    <p:sldId id="303" r:id="rId4"/>
+    <p:sldId id="298" r:id="rId5"/>
+    <p:sldId id="295" r:id="rId6"/>
+    <p:sldId id="305" r:id="rId7"/>
+    <p:sldId id="301" r:id="rId8"/>
+    <p:sldId id="299" r:id="rId9"/>
   </p:sldIdLst>
   <p:sldSz cx="12192000" cy="6858000"/>
   <p:notesSz cx="6858000" cy="9144000"/>
@@ -142,4108 +139,6 @@
 </p:presentation>
 </file>
 
-<file path=ppt/charts/chart1.xml><?xml version="1.0" encoding="utf-8"?>
-<c:chartSpace xmlns:c="http://schemas.openxmlformats.org/drawingml/2006/chart" xmlns:a="http://schemas.openxmlformats.org/drawingml/2006/main" xmlns:r="http://schemas.openxmlformats.org/officeDocument/2006/relationships" xmlns:c16r2="http://schemas.microsoft.com/office/drawing/2015/06/chart">
-  <c:date1904 val="0"/>
-  <c:lang val="ko-KR"/>
-  <c:roundedCorners val="0"/>
-  <mc:AlternateContent xmlns:mc="http://schemas.openxmlformats.org/markup-compatibility/2006">
-    <mc:Choice xmlns:c14="http://schemas.microsoft.com/office/drawing/2007/8/2/chart" Requires="c14">
-      <c14:style val="103"/>
-    </mc:Choice>
-    <mc:Fallback>
-      <c:style val="3"/>
-    </mc:Fallback>
-  </mc:AlternateContent>
-  <c:chart>
-    <c:autoTitleDeleted val="1"/>
-    <c:plotArea>
-      <c:layout/>
-      <c:barChart>
-        <c:barDir val="col"/>
-        <c:grouping val="clustered"/>
-        <c:varyColors val="0"/>
-        <c:ser>
-          <c:idx val="0"/>
-          <c:order val="0"/>
-          <c:tx>
-            <c:strRef>
-              <c:f>Sheet1!$B$1</c:f>
-              <c:strCache>
-                <c:ptCount val="1"/>
-                <c:pt idx="0">
-                  <c:v>계열 1</c:v>
-                </c:pt>
-              </c:strCache>
-            </c:strRef>
-          </c:tx>
-          <c:spPr>
-            <a:gradFill rotWithShape="1">
-              <a:gsLst>
-                <a:gs pos="0">
-                  <a:schemeClr val="accent1">
-                    <a:shade val="65000"/>
-                    <a:satMod val="103000"/>
-                    <a:lumMod val="102000"/>
-                    <a:tint val="94000"/>
-                  </a:schemeClr>
-                </a:gs>
-                <a:gs pos="50000">
-                  <a:schemeClr val="accent1">
-                    <a:shade val="65000"/>
-                    <a:satMod val="110000"/>
-                    <a:lumMod val="100000"/>
-                    <a:shade val="100000"/>
-                  </a:schemeClr>
-                </a:gs>
-                <a:gs pos="100000">
-                  <a:schemeClr val="accent1">
-                    <a:shade val="65000"/>
-                    <a:lumMod val="99000"/>
-                    <a:satMod val="120000"/>
-                    <a:shade val="78000"/>
-                  </a:schemeClr>
-                </a:gs>
-              </a:gsLst>
-              <a:lin ang="5400000" scaled="0"/>
-            </a:gradFill>
-            <a:ln>
-              <a:noFill/>
-            </a:ln>
-            <a:effectLst/>
-          </c:spPr>
-          <c:invertIfNegative val="0"/>
-          <c:cat>
-            <c:strRef>
-              <c:f>Sheet1!$A$2:$A$5</c:f>
-              <c:strCache>
-                <c:ptCount val="4"/>
-                <c:pt idx="0">
-                  <c:v>범주 1</c:v>
-                </c:pt>
-                <c:pt idx="1">
-                  <c:v>범주 2</c:v>
-                </c:pt>
-                <c:pt idx="2">
-                  <c:v>범주 3</c:v>
-                </c:pt>
-                <c:pt idx="3">
-                  <c:v>범주 4</c:v>
-                </c:pt>
-              </c:strCache>
-            </c:strRef>
-          </c:cat>
-          <c:val>
-            <c:numRef>
-              <c:f>Sheet1!$B$2:$B$5</c:f>
-              <c:numCache>
-                <c:formatCode>General</c:formatCode>
-                <c:ptCount val="4"/>
-                <c:pt idx="0">
-                  <c:v>4.3</c:v>
-                </c:pt>
-                <c:pt idx="1">
-                  <c:v>2.5</c:v>
-                </c:pt>
-                <c:pt idx="2">
-                  <c:v>3.5</c:v>
-                </c:pt>
-                <c:pt idx="3">
-                  <c:v>4.5</c:v>
-                </c:pt>
-              </c:numCache>
-            </c:numRef>
-          </c:val>
-          <c:extLst>
-            <c:ext xmlns:c16="http://schemas.microsoft.com/office/drawing/2014/chart" uri="{C3380CC4-5D6E-409C-BE32-E72D297353CC}">
-              <c16:uniqueId val="{00000000-B15F-4CC6-AB46-0F5752DC9A2C}"/>
-            </c:ext>
-          </c:extLst>
-        </c:ser>
-        <c:ser>
-          <c:idx val="1"/>
-          <c:order val="1"/>
-          <c:tx>
-            <c:strRef>
-              <c:f>Sheet1!$C$1</c:f>
-              <c:strCache>
-                <c:ptCount val="1"/>
-                <c:pt idx="0">
-                  <c:v>계열 2</c:v>
-                </c:pt>
-              </c:strCache>
-            </c:strRef>
-          </c:tx>
-          <c:spPr>
-            <a:gradFill rotWithShape="1">
-              <a:gsLst>
-                <a:gs pos="0">
-                  <a:schemeClr val="accent1">
-                    <a:satMod val="103000"/>
-                    <a:lumMod val="102000"/>
-                    <a:tint val="94000"/>
-                  </a:schemeClr>
-                </a:gs>
-                <a:gs pos="50000">
-                  <a:schemeClr val="accent1">
-                    <a:satMod val="110000"/>
-                    <a:lumMod val="100000"/>
-                    <a:shade val="100000"/>
-                  </a:schemeClr>
-                </a:gs>
-                <a:gs pos="100000">
-                  <a:schemeClr val="accent1">
-                    <a:lumMod val="99000"/>
-                    <a:satMod val="120000"/>
-                    <a:shade val="78000"/>
-                  </a:schemeClr>
-                </a:gs>
-              </a:gsLst>
-              <a:lin ang="5400000" scaled="0"/>
-            </a:gradFill>
-            <a:ln>
-              <a:noFill/>
-            </a:ln>
-            <a:effectLst/>
-          </c:spPr>
-          <c:invertIfNegative val="0"/>
-          <c:cat>
-            <c:strRef>
-              <c:f>Sheet1!$A$2:$A$5</c:f>
-              <c:strCache>
-                <c:ptCount val="4"/>
-                <c:pt idx="0">
-                  <c:v>범주 1</c:v>
-                </c:pt>
-                <c:pt idx="1">
-                  <c:v>범주 2</c:v>
-                </c:pt>
-                <c:pt idx="2">
-                  <c:v>범주 3</c:v>
-                </c:pt>
-                <c:pt idx="3">
-                  <c:v>범주 4</c:v>
-                </c:pt>
-              </c:strCache>
-            </c:strRef>
-          </c:cat>
-          <c:val>
-            <c:numRef>
-              <c:f>Sheet1!$C$2:$C$5</c:f>
-              <c:numCache>
-                <c:formatCode>General</c:formatCode>
-                <c:ptCount val="4"/>
-                <c:pt idx="0">
-                  <c:v>2.4</c:v>
-                </c:pt>
-                <c:pt idx="1">
-                  <c:v>4.4000000000000004</c:v>
-                </c:pt>
-                <c:pt idx="2">
-                  <c:v>1.8</c:v>
-                </c:pt>
-                <c:pt idx="3">
-                  <c:v>2.8</c:v>
-                </c:pt>
-              </c:numCache>
-            </c:numRef>
-          </c:val>
-          <c:extLst>
-            <c:ext xmlns:c16="http://schemas.microsoft.com/office/drawing/2014/chart" uri="{C3380CC4-5D6E-409C-BE32-E72D297353CC}">
-              <c16:uniqueId val="{00000001-B15F-4CC6-AB46-0F5752DC9A2C}"/>
-            </c:ext>
-          </c:extLst>
-        </c:ser>
-        <c:ser>
-          <c:idx val="2"/>
-          <c:order val="2"/>
-          <c:tx>
-            <c:strRef>
-              <c:f>Sheet1!$D$1</c:f>
-              <c:strCache>
-                <c:ptCount val="1"/>
-                <c:pt idx="0">
-                  <c:v>계열 3</c:v>
-                </c:pt>
-              </c:strCache>
-            </c:strRef>
-          </c:tx>
-          <c:spPr>
-            <a:gradFill rotWithShape="1">
-              <a:gsLst>
-                <a:gs pos="0">
-                  <a:schemeClr val="accent1">
-                    <a:tint val="65000"/>
-                    <a:satMod val="103000"/>
-                    <a:lumMod val="102000"/>
-                    <a:tint val="94000"/>
-                  </a:schemeClr>
-                </a:gs>
-                <a:gs pos="50000">
-                  <a:schemeClr val="accent1">
-                    <a:tint val="65000"/>
-                    <a:satMod val="110000"/>
-                    <a:lumMod val="100000"/>
-                    <a:shade val="100000"/>
-                  </a:schemeClr>
-                </a:gs>
-                <a:gs pos="100000">
-                  <a:schemeClr val="accent1">
-                    <a:tint val="65000"/>
-                    <a:lumMod val="99000"/>
-                    <a:satMod val="120000"/>
-                    <a:shade val="78000"/>
-                  </a:schemeClr>
-                </a:gs>
-              </a:gsLst>
-              <a:lin ang="5400000" scaled="0"/>
-            </a:gradFill>
-            <a:ln>
-              <a:noFill/>
-            </a:ln>
-            <a:effectLst/>
-          </c:spPr>
-          <c:invertIfNegative val="0"/>
-          <c:cat>
-            <c:strRef>
-              <c:f>Sheet1!$A$2:$A$5</c:f>
-              <c:strCache>
-                <c:ptCount val="4"/>
-                <c:pt idx="0">
-                  <c:v>범주 1</c:v>
-                </c:pt>
-                <c:pt idx="1">
-                  <c:v>범주 2</c:v>
-                </c:pt>
-                <c:pt idx="2">
-                  <c:v>범주 3</c:v>
-                </c:pt>
-                <c:pt idx="3">
-                  <c:v>범주 4</c:v>
-                </c:pt>
-              </c:strCache>
-            </c:strRef>
-          </c:cat>
-          <c:val>
-            <c:numRef>
-              <c:f>Sheet1!$D$2:$D$5</c:f>
-              <c:numCache>
-                <c:formatCode>General</c:formatCode>
-                <c:ptCount val="4"/>
-                <c:pt idx="0">
-                  <c:v>2</c:v>
-                </c:pt>
-                <c:pt idx="1">
-                  <c:v>2</c:v>
-                </c:pt>
-                <c:pt idx="2">
-                  <c:v>3</c:v>
-                </c:pt>
-                <c:pt idx="3">
-                  <c:v>5</c:v>
-                </c:pt>
-              </c:numCache>
-            </c:numRef>
-          </c:val>
-          <c:extLst>
-            <c:ext xmlns:c16="http://schemas.microsoft.com/office/drawing/2014/chart" uri="{C3380CC4-5D6E-409C-BE32-E72D297353CC}">
-              <c16:uniqueId val="{00000002-B15F-4CC6-AB46-0F5752DC9A2C}"/>
-            </c:ext>
-          </c:extLst>
-        </c:ser>
-        <c:dLbls>
-          <c:showLegendKey val="0"/>
-          <c:showVal val="0"/>
-          <c:showCatName val="0"/>
-          <c:showSerName val="0"/>
-          <c:showPercent val="0"/>
-          <c:showBubbleSize val="0"/>
-        </c:dLbls>
-        <c:gapWidth val="100"/>
-        <c:overlap val="-24"/>
-        <c:axId val="96190280"/>
-        <c:axId val="96186752"/>
-      </c:barChart>
-      <c:catAx>
-        <c:axId val="96190280"/>
-        <c:scaling>
-          <c:orientation val="minMax"/>
-        </c:scaling>
-        <c:delete val="0"/>
-        <c:axPos val="b"/>
-        <c:numFmt formatCode="General" sourceLinked="1"/>
-        <c:majorTickMark val="none"/>
-        <c:minorTickMark val="none"/>
-        <c:tickLblPos val="nextTo"/>
-        <c:spPr>
-          <a:noFill/>
-          <a:ln w="9525" cap="flat" cmpd="sng" algn="ctr">
-            <a:solidFill>
-              <a:schemeClr val="tx2">
-                <a:lumMod val="15000"/>
-                <a:lumOff val="85000"/>
-              </a:schemeClr>
-            </a:solidFill>
-            <a:round/>
-          </a:ln>
-          <a:effectLst/>
-        </c:spPr>
-        <c:txPr>
-          <a:bodyPr rot="-60000000" spcFirstLastPara="1" vertOverflow="ellipsis" vert="horz" wrap="square" anchor="ctr" anchorCtr="1"/>
-          <a:lstStyle/>
-          <a:p>
-            <a:pPr>
-              <a:defRPr lang="ko-KR" sz="1197" b="0" i="0" u="none" strike="noStrike" kern="1200" baseline="0" noProof="0">
-                <a:solidFill>
-                  <a:schemeClr val="tx2"/>
-                </a:solidFill>
-                <a:latin typeface="맑은 고딕" panose="020B0503020000020004" pitchFamily="50" charset="-127"/>
-                <a:ea typeface="맑은 고딕" panose="020B0503020000020004" pitchFamily="50" charset="-127"/>
-                <a:cs typeface="+mn-cs"/>
-              </a:defRPr>
-            </a:pPr>
-            <a:endParaRPr lang="ko-KR"/>
-          </a:p>
-        </c:txPr>
-        <c:crossAx val="96186752"/>
-        <c:crosses val="autoZero"/>
-        <c:auto val="1"/>
-        <c:lblAlgn val="ctr"/>
-        <c:lblOffset val="100"/>
-        <c:noMultiLvlLbl val="0"/>
-      </c:catAx>
-      <c:valAx>
-        <c:axId val="96186752"/>
-        <c:scaling>
-          <c:orientation val="minMax"/>
-        </c:scaling>
-        <c:delete val="0"/>
-        <c:axPos val="l"/>
-        <c:majorGridlines>
-          <c:spPr>
-            <a:ln w="9525" cap="flat" cmpd="sng" algn="ctr">
-              <a:solidFill>
-                <a:schemeClr val="tx2">
-                  <a:lumMod val="15000"/>
-                  <a:lumOff val="85000"/>
-                </a:schemeClr>
-              </a:solidFill>
-              <a:round/>
-            </a:ln>
-            <a:effectLst/>
-          </c:spPr>
-        </c:majorGridlines>
-        <c:numFmt formatCode="General" sourceLinked="1"/>
-        <c:majorTickMark val="none"/>
-        <c:minorTickMark val="none"/>
-        <c:tickLblPos val="nextTo"/>
-        <c:spPr>
-          <a:noFill/>
-          <a:ln>
-            <a:noFill/>
-          </a:ln>
-          <a:effectLst/>
-        </c:spPr>
-        <c:txPr>
-          <a:bodyPr rot="-60000000" spcFirstLastPara="1" vertOverflow="ellipsis" vert="horz" wrap="square" anchor="ctr" anchorCtr="1"/>
-          <a:lstStyle/>
-          <a:p>
-            <a:pPr>
-              <a:defRPr lang="ko-KR" sz="1197" b="0" i="0" u="none" strike="noStrike" kern="1200" baseline="0" noProof="0">
-                <a:solidFill>
-                  <a:schemeClr val="tx2"/>
-                </a:solidFill>
-                <a:latin typeface="맑은 고딕" panose="020B0503020000020004" pitchFamily="50" charset="-127"/>
-                <a:ea typeface="맑은 고딕" panose="020B0503020000020004" pitchFamily="50" charset="-127"/>
-                <a:cs typeface="+mn-cs"/>
-              </a:defRPr>
-            </a:pPr>
-            <a:endParaRPr lang="ko-KR"/>
-          </a:p>
-        </c:txPr>
-        <c:crossAx val="96190280"/>
-        <c:crosses val="autoZero"/>
-        <c:crossBetween val="between"/>
-      </c:valAx>
-      <c:spPr>
-        <a:noFill/>
-        <a:ln>
-          <a:noFill/>
-        </a:ln>
-        <a:effectLst/>
-      </c:spPr>
-    </c:plotArea>
-    <c:legend>
-      <c:legendPos val="b"/>
-      <c:overlay val="0"/>
-      <c:spPr>
-        <a:noFill/>
-        <a:ln>
-          <a:noFill/>
-        </a:ln>
-        <a:effectLst/>
-      </c:spPr>
-      <c:txPr>
-        <a:bodyPr rot="0" spcFirstLastPara="1" vertOverflow="ellipsis" vert="horz" wrap="square" anchor="ctr" anchorCtr="1"/>
-        <a:lstStyle/>
-        <a:p>
-          <a:pPr>
-            <a:defRPr lang="ko-KR" sz="1197" b="0" i="0" u="none" strike="noStrike" kern="1200" baseline="0" noProof="0">
-              <a:solidFill>
-                <a:schemeClr val="tx2"/>
-              </a:solidFill>
-              <a:latin typeface="맑은 고딕" panose="020B0503020000020004" pitchFamily="50" charset="-127"/>
-              <a:ea typeface="맑은 고딕" panose="020B0503020000020004" pitchFamily="50" charset="-127"/>
-              <a:cs typeface="+mn-cs"/>
-            </a:defRPr>
-          </a:pPr>
-          <a:endParaRPr lang="ko-KR"/>
-        </a:p>
-      </c:txPr>
-    </c:legend>
-    <c:plotVisOnly val="1"/>
-    <c:dispBlanksAs val="gap"/>
-    <c:showDLblsOverMax val="0"/>
-  </c:chart>
-  <c:spPr>
-    <a:noFill/>
-    <a:ln>
-      <a:noFill/>
-    </a:ln>
-    <a:effectLst/>
-  </c:spPr>
-  <c:txPr>
-    <a:bodyPr/>
-    <a:lstStyle/>
-    <a:p>
-      <a:pPr>
-        <a:defRPr lang="ko-KR" noProof="0">
-          <a:latin typeface="맑은 고딕" panose="020B0503020000020004" pitchFamily="50" charset="-127"/>
-          <a:ea typeface="맑은 고딕" panose="020B0503020000020004" pitchFamily="50" charset="-127"/>
-        </a:defRPr>
-      </a:pPr>
-      <a:endParaRPr lang="ko-KR"/>
-    </a:p>
-  </c:txPr>
-  <c:externalData r:id="rId3">
-    <c:autoUpdate val="0"/>
-  </c:externalData>
-</c:chartSpace>
-</file>
-
-<file path=ppt/charts/colors1.xml><?xml version="1.0" encoding="utf-8"?>
-<cs:colorStyle xmlns:cs="http://schemas.microsoft.com/office/drawing/2012/chartStyle" xmlns:a="http://schemas.openxmlformats.org/drawingml/2006/main" meth="withinLinear" id="14">
-  <a:schemeClr val="accent1"/>
-</cs:colorStyle>
-</file>
-
-<file path=ppt/charts/style1.xml><?xml version="1.0" encoding="utf-8"?>
-<cs:chartStyle xmlns:cs="http://schemas.microsoft.com/office/drawing/2012/chartStyle" xmlns:a="http://schemas.openxmlformats.org/drawingml/2006/main" id="207">
-  <cs:axisTitle>
-    <cs:lnRef idx="0"/>
-    <cs:fillRef idx="0"/>
-    <cs:effectRef idx="0"/>
-    <cs:fontRef idx="minor">
-      <a:schemeClr val="tx2"/>
-    </cs:fontRef>
-    <cs:defRPr sz="1197" b="1" kern="1200"/>
-  </cs:axisTitle>
-  <cs:categoryAxis>
-    <cs:lnRef idx="0"/>
-    <cs:fillRef idx="0"/>
-    <cs:effectRef idx="0"/>
-    <cs:fontRef idx="minor">
-      <a:schemeClr val="tx2"/>
-    </cs:fontRef>
-    <cs:spPr>
-      <a:ln w="9525" cap="flat" cmpd="sng" algn="ctr">
-        <a:solidFill>
-          <a:schemeClr val="tx2">
-            <a:lumMod val="15000"/>
-            <a:lumOff val="85000"/>
-          </a:schemeClr>
-        </a:solidFill>
-        <a:round/>
-      </a:ln>
-    </cs:spPr>
-    <cs:defRPr sz="1197" kern="1200"/>
-  </cs:categoryAxis>
-  <cs:chartArea mods="allowNoFillOverride allowNoLineOverride">
-    <cs:lnRef idx="0"/>
-    <cs:fillRef idx="0"/>
-    <cs:effectRef idx="0"/>
-    <cs:fontRef idx="minor">
-      <a:schemeClr val="tx2"/>
-    </cs:fontRef>
-    <cs:spPr>
-      <a:solidFill>
-        <a:schemeClr val="bg1"/>
-      </a:solidFill>
-      <a:ln w="9525" cap="flat" cmpd="sng" algn="ctr">
-        <a:solidFill>
-          <a:schemeClr val="tx2">
-            <a:lumMod val="15000"/>
-            <a:lumOff val="85000"/>
-          </a:schemeClr>
-        </a:solidFill>
-        <a:round/>
-      </a:ln>
-    </cs:spPr>
-    <cs:defRPr sz="1197" kern="1200"/>
-  </cs:chartArea>
-  <cs:dataLabel>
-    <cs:lnRef idx="0"/>
-    <cs:fillRef idx="0"/>
-    <cs:effectRef idx="0"/>
-    <cs:fontRef idx="minor">
-      <a:schemeClr val="tx2"/>
-    </cs:fontRef>
-    <cs:defRPr sz="1197" kern="1200"/>
-  </cs:dataLabel>
-  <cs:dataLabelCallout>
-    <cs:lnRef idx="0"/>
-    <cs:fillRef idx="0"/>
-    <cs:effectRef idx="0"/>
-    <cs:fontRef idx="minor">
-      <a:schemeClr val="dk2">
-        <a:lumMod val="75000"/>
-      </a:schemeClr>
-    </cs:fontRef>
-    <cs:spPr>
-      <a:solidFill>
-        <a:schemeClr val="lt1"/>
-      </a:solidFill>
-      <a:ln>
-        <a:solidFill>
-          <a:schemeClr val="dk1">
-            <a:lumMod val="25000"/>
-            <a:lumOff val="75000"/>
-          </a:schemeClr>
-        </a:solidFill>
-      </a:ln>
-    </cs:spPr>
-    <cs:defRPr sz="1197" kern="1200"/>
-    <cs:bodyPr rot="0" spcFirstLastPara="1" vertOverflow="clip" horzOverflow="clip" vert="horz" wrap="square" lIns="36576" tIns="18288" rIns="36576" bIns="18288" anchor="ctr" anchorCtr="1">
-      <a:spAutoFit/>
-    </cs:bodyPr>
-  </cs:dataLabelCallout>
-  <cs:dataPoint>
-    <cs:lnRef idx="0"/>
-    <cs:fillRef idx="3">
-      <cs:styleClr val="auto"/>
-    </cs:fillRef>
-    <cs:effectRef idx="2"/>
-    <cs:fontRef idx="minor">
-      <a:schemeClr val="tx2"/>
-    </cs:fontRef>
-  </cs:dataPoint>
-  <cs:dataPoint3D>
-    <cs:lnRef idx="0"/>
-    <cs:fillRef idx="3">
-      <cs:styleClr val="auto"/>
-    </cs:fillRef>
-    <cs:effectRef idx="2"/>
-    <cs:fontRef idx="minor">
-      <a:schemeClr val="tx2"/>
-    </cs:fontRef>
-  </cs:dataPoint3D>
-  <cs:dataPointLine>
-    <cs:lnRef idx="0">
-      <cs:styleClr val="auto"/>
-    </cs:lnRef>
-    <cs:fillRef idx="3"/>
-    <cs:effectRef idx="2"/>
-    <cs:fontRef idx="minor">
-      <a:schemeClr val="tx2"/>
-    </cs:fontRef>
-    <cs:spPr>
-      <a:ln w="31750" cap="rnd">
-        <a:solidFill>
-          <a:schemeClr val="phClr"/>
-        </a:solidFill>
-        <a:round/>
-      </a:ln>
-    </cs:spPr>
-  </cs:dataPointLine>
-  <cs:dataPointMarker>
-    <cs:lnRef idx="0"/>
-    <cs:fillRef idx="3">
-      <cs:styleClr val="auto"/>
-    </cs:fillRef>
-    <cs:effectRef idx="2"/>
-    <cs:fontRef idx="minor">
-      <a:schemeClr val="tx2"/>
-    </cs:fontRef>
-    <cs:spPr>
-      <a:ln w="12700">
-        <a:solidFill>
-          <a:schemeClr val="lt2"/>
-        </a:solidFill>
-        <a:round/>
-      </a:ln>
-    </cs:spPr>
-  </cs:dataPointMarker>
-  <cs:dataPointMarkerLayout symbol="circle" size="6"/>
-  <cs:dataPointWireframe>
-    <cs:lnRef idx="0">
-      <cs:styleClr val="auto"/>
-    </cs:lnRef>
-    <cs:fillRef idx="3"/>
-    <cs:effectRef idx="2"/>
-    <cs:fontRef idx="minor">
-      <a:schemeClr val="tx2"/>
-    </cs:fontRef>
-    <cs:spPr>
-      <a:ln w="9525" cap="rnd">
-        <a:solidFill>
-          <a:schemeClr val="phClr"/>
-        </a:solidFill>
-        <a:round/>
-      </a:ln>
-    </cs:spPr>
-  </cs:dataPointWireframe>
-  <cs:dataTable>
-    <cs:lnRef idx="0"/>
-    <cs:fillRef idx="0"/>
-    <cs:effectRef idx="0"/>
-    <cs:fontRef idx="minor">
-      <a:schemeClr val="tx2"/>
-    </cs:fontRef>
-    <cs:spPr>
-      <a:ln w="9525">
-        <a:solidFill>
-          <a:schemeClr val="tx2">
-            <a:lumMod val="15000"/>
-            <a:lumOff val="85000"/>
-          </a:schemeClr>
-        </a:solidFill>
-      </a:ln>
-    </cs:spPr>
-    <cs:defRPr sz="1197" kern="1200"/>
-  </cs:dataTable>
-  <cs:downBar>
-    <cs:lnRef idx="0"/>
-    <cs:fillRef idx="0"/>
-    <cs:effectRef idx="0"/>
-    <cs:fontRef idx="minor">
-      <a:schemeClr val="dk1"/>
-    </cs:fontRef>
-    <cs:spPr>
-      <a:solidFill>
-        <a:schemeClr val="dk1">
-          <a:lumMod val="65000"/>
-          <a:lumOff val="35000"/>
-        </a:schemeClr>
-      </a:solidFill>
-      <a:ln w="9525">
-        <a:solidFill>
-          <a:schemeClr val="tx1">
-            <a:lumMod val="65000"/>
-            <a:lumOff val="35000"/>
-          </a:schemeClr>
-        </a:solidFill>
-      </a:ln>
-    </cs:spPr>
-  </cs:downBar>
-  <cs:dropLine>
-    <cs:lnRef idx="0"/>
-    <cs:fillRef idx="0"/>
-    <cs:effectRef idx="0"/>
-    <cs:fontRef idx="minor">
-      <a:schemeClr val="tx2"/>
-    </cs:fontRef>
-    <cs:spPr>
-      <a:ln w="9525">
-        <a:solidFill>
-          <a:schemeClr val="tx2">
-            <a:lumMod val="60000"/>
-            <a:lumOff val="40000"/>
-          </a:schemeClr>
-        </a:solidFill>
-        <a:prstDash val="dash"/>
-      </a:ln>
-    </cs:spPr>
-  </cs:dropLine>
-  <cs:errorBar>
-    <cs:lnRef idx="0"/>
-    <cs:fillRef idx="0"/>
-    <cs:effectRef idx="0"/>
-    <cs:fontRef idx="minor">
-      <a:schemeClr val="tx2"/>
-    </cs:fontRef>
-    <cs:spPr>
-      <a:ln w="9525">
-        <a:solidFill>
-          <a:schemeClr val="tx2">
-            <a:lumMod val="75000"/>
-            <a:lumOff val="25000"/>
-          </a:schemeClr>
-        </a:solidFill>
-        <a:round/>
-      </a:ln>
-    </cs:spPr>
-  </cs:errorBar>
-  <cs:floor>
-    <cs:lnRef idx="0"/>
-    <cs:fillRef idx="0"/>
-    <cs:effectRef idx="0"/>
-    <cs:fontRef idx="minor">
-      <a:schemeClr val="tx2"/>
-    </cs:fontRef>
-  </cs:floor>
-  <cs:gridlineMajor>
-    <cs:lnRef idx="0"/>
-    <cs:fillRef idx="0"/>
-    <cs:effectRef idx="0"/>
-    <cs:fontRef idx="minor">
-      <a:schemeClr val="tx2"/>
-    </cs:fontRef>
-    <cs:spPr>
-      <a:ln w="9525" cap="flat" cmpd="sng" algn="ctr">
-        <a:solidFill>
-          <a:schemeClr val="tx2">
-            <a:lumMod val="15000"/>
-            <a:lumOff val="85000"/>
-          </a:schemeClr>
-        </a:solidFill>
-        <a:round/>
-      </a:ln>
-    </cs:spPr>
-  </cs:gridlineMajor>
-  <cs:gridlineMinor>
-    <cs:lnRef idx="0"/>
-    <cs:fillRef idx="0"/>
-    <cs:effectRef idx="0"/>
-    <cs:fontRef idx="minor">
-      <a:schemeClr val="tx2"/>
-    </cs:fontRef>
-    <cs:spPr>
-      <a:ln>
-        <a:solidFill>
-          <a:schemeClr val="tx2">
-            <a:lumMod val="5000"/>
-            <a:lumOff val="95000"/>
-          </a:schemeClr>
-        </a:solidFill>
-      </a:ln>
-    </cs:spPr>
-  </cs:gridlineMinor>
-  <cs:hiLoLine>
-    <cs:lnRef idx="0"/>
-    <cs:fillRef idx="0"/>
-    <cs:effectRef idx="0"/>
-    <cs:fontRef idx="minor">
-      <a:schemeClr val="tx2"/>
-    </cs:fontRef>
-    <cs:spPr>
-      <a:ln w="9525">
-        <a:solidFill>
-          <a:schemeClr val="tx2">
-            <a:lumMod val="60000"/>
-            <a:lumOff val="40000"/>
-          </a:schemeClr>
-        </a:solidFill>
-        <a:prstDash val="dash"/>
-      </a:ln>
-    </cs:spPr>
-  </cs:hiLoLine>
-  <cs:leaderLine>
-    <cs:lnRef idx="0"/>
-    <cs:fillRef idx="0"/>
-    <cs:effectRef idx="0"/>
-    <cs:fontRef idx="minor">
-      <a:schemeClr val="tx2"/>
-    </cs:fontRef>
-    <cs:spPr>
-      <a:ln w="9525">
-        <a:solidFill>
-          <a:schemeClr val="tx2">
-            <a:lumMod val="35000"/>
-            <a:lumOff val="65000"/>
-          </a:schemeClr>
-        </a:solidFill>
-      </a:ln>
-    </cs:spPr>
-  </cs:leaderLine>
-  <cs:legend>
-    <cs:lnRef idx="0"/>
-    <cs:fillRef idx="0"/>
-    <cs:effectRef idx="0"/>
-    <cs:fontRef idx="minor">
-      <a:schemeClr val="tx2"/>
-    </cs:fontRef>
-    <cs:defRPr sz="1197" kern="1200"/>
-  </cs:legend>
-  <cs:plotArea>
-    <cs:lnRef idx="0"/>
-    <cs:fillRef idx="0"/>
-    <cs:effectRef idx="0"/>
-    <cs:fontRef idx="minor">
-      <a:schemeClr val="tx2"/>
-    </cs:fontRef>
-  </cs:plotArea>
-  <cs:plotArea3D>
-    <cs:lnRef idx="0"/>
-    <cs:fillRef idx="0"/>
-    <cs:effectRef idx="0"/>
-    <cs:fontRef idx="minor">
-      <a:schemeClr val="tx2"/>
-    </cs:fontRef>
-  </cs:plotArea3D>
-  <cs:seriesAxis>
-    <cs:lnRef idx="0"/>
-    <cs:fillRef idx="0"/>
-    <cs:effectRef idx="0"/>
-    <cs:fontRef idx="minor">
-      <a:schemeClr val="tx2"/>
-    </cs:fontRef>
-    <cs:spPr>
-      <a:ln w="9525" cap="flat" cmpd="sng" algn="ctr">
-        <a:solidFill>
-          <a:schemeClr val="tx2">
-            <a:lumMod val="15000"/>
-            <a:lumOff val="85000"/>
-          </a:schemeClr>
-        </a:solidFill>
-        <a:round/>
-      </a:ln>
-    </cs:spPr>
-    <cs:defRPr sz="1197" kern="1200"/>
-  </cs:seriesAxis>
-  <cs:seriesLine>
-    <cs:lnRef idx="0"/>
-    <cs:fillRef idx="0"/>
-    <cs:effectRef idx="0"/>
-    <cs:fontRef idx="minor">
-      <a:schemeClr val="tx2"/>
-    </cs:fontRef>
-    <cs:spPr>
-      <a:ln w="9525">
-        <a:solidFill>
-          <a:schemeClr val="tx2">
-            <a:lumMod val="60000"/>
-            <a:lumOff val="40000"/>
-          </a:schemeClr>
-        </a:solidFill>
-        <a:prstDash val="dash"/>
-      </a:ln>
-    </cs:spPr>
-  </cs:seriesLine>
-  <cs:title>
-    <cs:lnRef idx="0"/>
-    <cs:fillRef idx="0"/>
-    <cs:effectRef idx="0"/>
-    <cs:fontRef idx="minor">
-      <a:schemeClr val="tx2"/>
-    </cs:fontRef>
-    <cs:defRPr sz="2128" b="1" kern="1200"/>
-  </cs:title>
-  <cs:trendline>
-    <cs:lnRef idx="0">
-      <cs:styleClr val="auto"/>
-    </cs:lnRef>
-    <cs:fillRef idx="0"/>
-    <cs:effectRef idx="0"/>
-    <cs:fontRef idx="minor">
-      <a:schemeClr val="tx2"/>
-    </cs:fontRef>
-    <cs:spPr>
-      <a:ln w="19050" cap="rnd">
-        <a:solidFill>
-          <a:schemeClr val="phClr"/>
-        </a:solidFill>
-        <a:prstDash val="sysDash"/>
-      </a:ln>
-    </cs:spPr>
-  </cs:trendline>
-  <cs:trendlineLabel>
-    <cs:lnRef idx="0"/>
-    <cs:fillRef idx="0"/>
-    <cs:effectRef idx="0"/>
-    <cs:fontRef idx="minor">
-      <a:schemeClr val="tx2"/>
-    </cs:fontRef>
-    <cs:defRPr sz="1197" kern="1200"/>
-  </cs:trendlineLabel>
-  <cs:upBar>
-    <cs:lnRef idx="0"/>
-    <cs:fillRef idx="0"/>
-    <cs:effectRef idx="0"/>
-    <cs:fontRef idx="minor">
-      <a:schemeClr val="tx2"/>
-    </cs:fontRef>
-    <cs:spPr>
-      <a:solidFill>
-        <a:schemeClr val="lt1"/>
-      </a:solidFill>
-      <a:ln w="9525">
-        <a:solidFill>
-          <a:schemeClr val="tx1">
-            <a:lumMod val="15000"/>
-            <a:lumOff val="85000"/>
-          </a:schemeClr>
-        </a:solidFill>
-      </a:ln>
-    </cs:spPr>
-  </cs:upBar>
-  <cs:valueAxis>
-    <cs:lnRef idx="0"/>
-    <cs:fillRef idx="0"/>
-    <cs:effectRef idx="0"/>
-    <cs:fontRef idx="minor">
-      <a:schemeClr val="tx2"/>
-    </cs:fontRef>
-    <cs:defRPr sz="1197" kern="1200"/>
-  </cs:valueAxis>
-  <cs:wall>
-    <cs:lnRef idx="0"/>
-    <cs:fillRef idx="0"/>
-    <cs:effectRef idx="0"/>
-    <cs:fontRef idx="minor">
-      <a:schemeClr val="tx2"/>
-    </cs:fontRef>
-  </cs:wall>
-</cs:chartStyle>
-</file>
-
-<file path=ppt/diagrams/colors1.xml><?xml version="1.0" encoding="utf-8"?>
-<dgm:colorsDef xmlns:dgm="http://schemas.openxmlformats.org/drawingml/2006/diagram" xmlns:a="http://schemas.openxmlformats.org/drawingml/2006/main" uniqueId="urn:microsoft.com/office/officeart/2005/8/colors/accent1_1">
-  <dgm:title val=""/>
-  <dgm:desc val=""/>
-  <dgm:catLst>
-    <dgm:cat type="accent1" pri="11100"/>
-  </dgm:catLst>
-  <dgm:styleLbl name="node0">
-    <dgm:fillClrLst meth="repeat">
-      <a:schemeClr val="lt1"/>
-    </dgm:fillClrLst>
-    <dgm:linClrLst meth="repeat">
-      <a:schemeClr val="accent1">
-        <a:shade val="80000"/>
-      </a:schemeClr>
-    </dgm:linClrLst>
-    <dgm:effectClrLst/>
-    <dgm:txLinClrLst/>
-    <dgm:txFillClrLst meth="repeat">
-      <a:schemeClr val="dk1"/>
-    </dgm:txFillClrLst>
-    <dgm:txEffectClrLst/>
-  </dgm:styleLbl>
-  <dgm:styleLbl name="alignNode1">
-    <dgm:fillClrLst meth="repeat">
-      <a:schemeClr val="lt1"/>
-    </dgm:fillClrLst>
-    <dgm:linClrLst meth="repeat">
-      <a:schemeClr val="accent1">
-        <a:shade val="80000"/>
-      </a:schemeClr>
-    </dgm:linClrLst>
-    <dgm:effectClrLst/>
-    <dgm:txLinClrLst/>
-    <dgm:txFillClrLst meth="repeat">
-      <a:schemeClr val="dk1"/>
-    </dgm:txFillClrLst>
-    <dgm:txEffectClrLst/>
-  </dgm:styleLbl>
-  <dgm:styleLbl name="node1">
-    <dgm:fillClrLst meth="repeat">
-      <a:schemeClr val="lt1"/>
-    </dgm:fillClrLst>
-    <dgm:linClrLst meth="repeat">
-      <a:schemeClr val="accent1">
-        <a:shade val="80000"/>
-      </a:schemeClr>
-    </dgm:linClrLst>
-    <dgm:effectClrLst/>
-    <dgm:txLinClrLst/>
-    <dgm:txFillClrLst meth="repeat">
-      <a:schemeClr val="dk1"/>
-    </dgm:txFillClrLst>
-    <dgm:txEffectClrLst/>
-  </dgm:styleLbl>
-  <dgm:styleLbl name="lnNode1">
-    <dgm:fillClrLst meth="repeat">
-      <a:schemeClr val="lt1"/>
-    </dgm:fillClrLst>
-    <dgm:linClrLst meth="repeat">
-      <a:schemeClr val="accent1">
-        <a:shade val="80000"/>
-      </a:schemeClr>
-    </dgm:linClrLst>
-    <dgm:effectClrLst/>
-    <dgm:txLinClrLst/>
-    <dgm:txFillClrLst meth="repeat">
-      <a:schemeClr val="dk1"/>
-    </dgm:txFillClrLst>
-    <dgm:txEffectClrLst/>
-  </dgm:styleLbl>
-  <dgm:styleLbl name="vennNode1">
-    <dgm:fillClrLst meth="repeat">
-      <a:schemeClr val="lt1">
-        <a:alpha val="50000"/>
-      </a:schemeClr>
-    </dgm:fillClrLst>
-    <dgm:linClrLst meth="repeat">
-      <a:schemeClr val="accent1">
-        <a:shade val="80000"/>
-      </a:schemeClr>
-    </dgm:linClrLst>
-    <dgm:effectClrLst/>
-    <dgm:txLinClrLst/>
-    <dgm:txFillClrLst/>
-    <dgm:txEffectClrLst/>
-  </dgm:styleLbl>
-  <dgm:styleLbl name="node2">
-    <dgm:fillClrLst meth="repeat">
-      <a:schemeClr val="lt1"/>
-    </dgm:fillClrLst>
-    <dgm:linClrLst meth="repeat">
-      <a:schemeClr val="accent1">
-        <a:shade val="80000"/>
-      </a:schemeClr>
-    </dgm:linClrLst>
-    <dgm:effectClrLst/>
-    <dgm:txLinClrLst/>
-    <dgm:txFillClrLst meth="repeat">
-      <a:schemeClr val="dk1"/>
-    </dgm:txFillClrLst>
-    <dgm:txEffectClrLst/>
-  </dgm:styleLbl>
-  <dgm:styleLbl name="node3">
-    <dgm:fillClrLst meth="repeat">
-      <a:schemeClr val="lt1"/>
-    </dgm:fillClrLst>
-    <dgm:linClrLst meth="repeat">
-      <a:schemeClr val="accent1">
-        <a:shade val="80000"/>
-      </a:schemeClr>
-    </dgm:linClrLst>
-    <dgm:effectClrLst/>
-    <dgm:txLinClrLst/>
-    <dgm:txFillClrLst meth="repeat">
-      <a:schemeClr val="dk1"/>
-    </dgm:txFillClrLst>
-    <dgm:txEffectClrLst/>
-  </dgm:styleLbl>
-  <dgm:styleLbl name="node4">
-    <dgm:fillClrLst meth="repeat">
-      <a:schemeClr val="lt1"/>
-    </dgm:fillClrLst>
-    <dgm:linClrLst meth="repeat">
-      <a:schemeClr val="accent1">
-        <a:shade val="80000"/>
-      </a:schemeClr>
-    </dgm:linClrLst>
-    <dgm:effectClrLst/>
-    <dgm:txLinClrLst/>
-    <dgm:txFillClrLst meth="repeat">
-      <a:schemeClr val="dk1"/>
-    </dgm:txFillClrLst>
-    <dgm:txEffectClrLst/>
-  </dgm:styleLbl>
-  <dgm:styleLbl name="fgImgPlace1">
-    <dgm:fillClrLst meth="repeat">
-      <a:schemeClr val="accent1">
-        <a:tint val="40000"/>
-      </a:schemeClr>
-    </dgm:fillClrLst>
-    <dgm:linClrLst meth="repeat">
-      <a:schemeClr val="accent1">
-        <a:shade val="80000"/>
-      </a:schemeClr>
-    </dgm:linClrLst>
-    <dgm:effectClrLst/>
-    <dgm:txLinClrLst/>
-    <dgm:txFillClrLst meth="repeat">
-      <a:schemeClr val="lt1"/>
-    </dgm:txFillClrLst>
-    <dgm:txEffectClrLst/>
-  </dgm:styleLbl>
-  <dgm:styleLbl name="alignImgPlace1">
-    <dgm:fillClrLst meth="repeat">
-      <a:schemeClr val="accent1">
-        <a:tint val="40000"/>
-      </a:schemeClr>
-    </dgm:fillClrLst>
-    <dgm:linClrLst meth="repeat">
-      <a:schemeClr val="accent1">
-        <a:shade val="80000"/>
-      </a:schemeClr>
-    </dgm:linClrLst>
-    <dgm:effectClrLst/>
-    <dgm:txLinClrLst/>
-    <dgm:txFillClrLst meth="repeat">
-      <a:schemeClr val="lt1"/>
-    </dgm:txFillClrLst>
-    <dgm:txEffectClrLst/>
-  </dgm:styleLbl>
-  <dgm:styleLbl name="bgImgPlace1">
-    <dgm:fillClrLst meth="repeat">
-      <a:schemeClr val="accent1">
-        <a:tint val="40000"/>
-      </a:schemeClr>
-    </dgm:fillClrLst>
-    <dgm:linClrLst meth="repeat">
-      <a:schemeClr val="accent1">
-        <a:shade val="80000"/>
-      </a:schemeClr>
-    </dgm:linClrLst>
-    <dgm:effectClrLst/>
-    <dgm:txLinClrLst/>
-    <dgm:txFillClrLst meth="repeat">
-      <a:schemeClr val="lt1"/>
-    </dgm:txFillClrLst>
-    <dgm:txEffectClrLst/>
-  </dgm:styleLbl>
-  <dgm:styleLbl name="sibTrans2D1">
-    <dgm:fillClrLst meth="repeat">
-      <a:schemeClr val="accent1">
-        <a:tint val="60000"/>
-      </a:schemeClr>
-    </dgm:fillClrLst>
-    <dgm:linClrLst meth="repeat">
-      <a:schemeClr val="accent1">
-        <a:tint val="60000"/>
-      </a:schemeClr>
-    </dgm:linClrLst>
-    <dgm:effectClrLst/>
-    <dgm:txLinClrLst/>
-    <dgm:txFillClrLst meth="repeat">
-      <a:schemeClr val="dk1"/>
-    </dgm:txFillClrLst>
-    <dgm:txEffectClrLst/>
-  </dgm:styleLbl>
-  <dgm:styleLbl name="fgSibTrans2D1">
-    <dgm:fillClrLst meth="repeat">
-      <a:schemeClr val="accent1">
-        <a:tint val="60000"/>
-      </a:schemeClr>
-    </dgm:fillClrLst>
-    <dgm:linClrLst meth="repeat">
-      <a:schemeClr val="accent1">
-        <a:tint val="60000"/>
-      </a:schemeClr>
-    </dgm:linClrLst>
-    <dgm:effectClrLst/>
-    <dgm:txLinClrLst/>
-    <dgm:txFillClrLst meth="repeat">
-      <a:schemeClr val="dk1"/>
-    </dgm:txFillClrLst>
-    <dgm:txEffectClrLst/>
-  </dgm:styleLbl>
-  <dgm:styleLbl name="bgSibTrans2D1">
-    <dgm:fillClrLst meth="repeat">
-      <a:schemeClr val="accent1">
-        <a:tint val="60000"/>
-      </a:schemeClr>
-    </dgm:fillClrLst>
-    <dgm:linClrLst meth="repeat">
-      <a:schemeClr val="accent1">
-        <a:tint val="60000"/>
-      </a:schemeClr>
-    </dgm:linClrLst>
-    <dgm:effectClrLst/>
-    <dgm:txLinClrLst/>
-    <dgm:txFillClrLst meth="repeat">
-      <a:schemeClr val="dk1"/>
-    </dgm:txFillClrLst>
-    <dgm:txEffectClrLst/>
-  </dgm:styleLbl>
-  <dgm:styleLbl name="sibTrans1D1">
-    <dgm:fillClrLst meth="repeat">
-      <a:schemeClr val="accent1"/>
-    </dgm:fillClrLst>
-    <dgm:linClrLst meth="repeat">
-      <a:schemeClr val="accent1"/>
-    </dgm:linClrLst>
-    <dgm:effectClrLst/>
-    <dgm:txLinClrLst/>
-    <dgm:txFillClrLst meth="repeat">
-      <a:schemeClr val="tx1"/>
-    </dgm:txFillClrLst>
-    <dgm:txEffectClrLst/>
-  </dgm:styleLbl>
-  <dgm:styleLbl name="callout">
-    <dgm:fillClrLst meth="repeat">
-      <a:schemeClr val="accent1"/>
-    </dgm:fillClrLst>
-    <dgm:linClrLst meth="repeat">
-      <a:schemeClr val="accent1"/>
-    </dgm:linClrLst>
-    <dgm:effectClrLst/>
-    <dgm:txLinClrLst/>
-    <dgm:txFillClrLst meth="repeat">
-      <a:schemeClr val="tx1"/>
-    </dgm:txFillClrLst>
-    <dgm:txEffectClrLst/>
-  </dgm:styleLbl>
-  <dgm:styleLbl name="asst0">
-    <dgm:fillClrLst meth="repeat">
-      <a:schemeClr val="lt1"/>
-    </dgm:fillClrLst>
-    <dgm:linClrLst meth="repeat">
-      <a:schemeClr val="accent1">
-        <a:shade val="80000"/>
-      </a:schemeClr>
-    </dgm:linClrLst>
-    <dgm:effectClrLst/>
-    <dgm:txLinClrLst/>
-    <dgm:txFillClrLst meth="repeat">
-      <a:schemeClr val="dk1"/>
-    </dgm:txFillClrLst>
-    <dgm:txEffectClrLst/>
-  </dgm:styleLbl>
-  <dgm:styleLbl name="asst1">
-    <dgm:fillClrLst meth="repeat">
-      <a:schemeClr val="lt1"/>
-    </dgm:fillClrLst>
-    <dgm:linClrLst meth="repeat">
-      <a:schemeClr val="accent1">
-        <a:shade val="80000"/>
-      </a:schemeClr>
-    </dgm:linClrLst>
-    <dgm:effectClrLst/>
-    <dgm:txLinClrLst/>
-    <dgm:txFillClrLst meth="repeat">
-      <a:schemeClr val="dk1"/>
-    </dgm:txFillClrLst>
-    <dgm:txEffectClrLst/>
-  </dgm:styleLbl>
-  <dgm:styleLbl name="asst2">
-    <dgm:fillClrLst meth="repeat">
-      <a:schemeClr val="lt1"/>
-    </dgm:fillClrLst>
-    <dgm:linClrLst meth="repeat">
-      <a:schemeClr val="accent1">
-        <a:shade val="80000"/>
-      </a:schemeClr>
-    </dgm:linClrLst>
-    <dgm:effectClrLst/>
-    <dgm:txLinClrLst/>
-    <dgm:txFillClrLst meth="repeat">
-      <a:schemeClr val="dk1"/>
-    </dgm:txFillClrLst>
-    <dgm:txEffectClrLst/>
-  </dgm:styleLbl>
-  <dgm:styleLbl name="asst3">
-    <dgm:fillClrLst meth="repeat">
-      <a:schemeClr val="lt1"/>
-    </dgm:fillClrLst>
-    <dgm:linClrLst meth="repeat">
-      <a:schemeClr val="accent1">
-        <a:shade val="80000"/>
-      </a:schemeClr>
-    </dgm:linClrLst>
-    <dgm:effectClrLst/>
-    <dgm:txLinClrLst/>
-    <dgm:txFillClrLst meth="repeat">
-      <a:schemeClr val="dk1"/>
-    </dgm:txFillClrLst>
-    <dgm:txEffectClrLst/>
-  </dgm:styleLbl>
-  <dgm:styleLbl name="asst4">
-    <dgm:fillClrLst meth="repeat">
-      <a:schemeClr val="lt1"/>
-    </dgm:fillClrLst>
-    <dgm:linClrLst meth="repeat">
-      <a:schemeClr val="accent1">
-        <a:shade val="80000"/>
-      </a:schemeClr>
-    </dgm:linClrLst>
-    <dgm:effectClrLst/>
-    <dgm:txLinClrLst/>
-    <dgm:txFillClrLst meth="repeat">
-      <a:schemeClr val="dk1"/>
-    </dgm:txFillClrLst>
-    <dgm:txEffectClrLst/>
-  </dgm:styleLbl>
-  <dgm:styleLbl name="parChTrans2D1">
-    <dgm:fillClrLst meth="repeat">
-      <a:schemeClr val="accent1">
-        <a:tint val="60000"/>
-      </a:schemeClr>
-    </dgm:fillClrLst>
-    <dgm:linClrLst meth="repeat">
-      <a:schemeClr val="accent1">
-        <a:tint val="60000"/>
-      </a:schemeClr>
-    </dgm:linClrLst>
-    <dgm:effectClrLst/>
-    <dgm:txLinClrLst/>
-    <dgm:txFillClrLst/>
-    <dgm:txEffectClrLst/>
-  </dgm:styleLbl>
-  <dgm:styleLbl name="parChTrans2D2">
-    <dgm:fillClrLst meth="repeat">
-      <a:schemeClr val="accent1"/>
-    </dgm:fillClrLst>
-    <dgm:linClrLst meth="repeat">
-      <a:schemeClr val="accent1"/>
-    </dgm:linClrLst>
-    <dgm:effectClrLst/>
-    <dgm:txLinClrLst/>
-    <dgm:txFillClrLst/>
-    <dgm:txEffectClrLst/>
-  </dgm:styleLbl>
-  <dgm:styleLbl name="parChTrans2D3">
-    <dgm:fillClrLst meth="repeat">
-      <a:schemeClr val="accent1"/>
-    </dgm:fillClrLst>
-    <dgm:linClrLst meth="repeat">
-      <a:schemeClr val="accent1"/>
-    </dgm:linClrLst>
-    <dgm:effectClrLst/>
-    <dgm:txLinClrLst/>
-    <dgm:txFillClrLst/>
-    <dgm:txEffectClrLst/>
-  </dgm:styleLbl>
-  <dgm:styleLbl name="parChTrans2D4">
-    <dgm:fillClrLst meth="repeat">
-      <a:schemeClr val="accent1"/>
-    </dgm:fillClrLst>
-    <dgm:linClrLst meth="repeat">
-      <a:schemeClr val="accent1"/>
-    </dgm:linClrLst>
-    <dgm:effectClrLst/>
-    <dgm:txLinClrLst/>
-    <dgm:txFillClrLst meth="repeat">
-      <a:schemeClr val="lt1"/>
-    </dgm:txFillClrLst>
-    <dgm:txEffectClrLst/>
-  </dgm:styleLbl>
-  <dgm:styleLbl name="parChTrans1D1">
-    <dgm:fillClrLst meth="repeat">
-      <a:schemeClr val="accent1"/>
-    </dgm:fillClrLst>
-    <dgm:linClrLst meth="repeat">
-      <a:schemeClr val="accent1">
-        <a:shade val="60000"/>
-      </a:schemeClr>
-    </dgm:linClrLst>
-    <dgm:effectClrLst/>
-    <dgm:txLinClrLst/>
-    <dgm:txFillClrLst meth="repeat">
-      <a:schemeClr val="tx1"/>
-    </dgm:txFillClrLst>
-    <dgm:txEffectClrLst/>
-  </dgm:styleLbl>
-  <dgm:styleLbl name="parChTrans1D2">
-    <dgm:fillClrLst meth="repeat">
-      <a:schemeClr val="accent1"/>
-    </dgm:fillClrLst>
-    <dgm:linClrLst meth="repeat">
-      <a:schemeClr val="accent1">
-        <a:shade val="60000"/>
-      </a:schemeClr>
-    </dgm:linClrLst>
-    <dgm:effectClrLst/>
-    <dgm:txLinClrLst/>
-    <dgm:txFillClrLst meth="repeat">
-      <a:schemeClr val="tx1"/>
-    </dgm:txFillClrLst>
-    <dgm:txEffectClrLst/>
-  </dgm:styleLbl>
-  <dgm:styleLbl name="parChTrans1D3">
-    <dgm:fillClrLst meth="repeat">
-      <a:schemeClr val="accent1"/>
-    </dgm:fillClrLst>
-    <dgm:linClrLst meth="repeat">
-      <a:schemeClr val="accent1">
-        <a:shade val="80000"/>
-      </a:schemeClr>
-    </dgm:linClrLst>
-    <dgm:effectClrLst/>
-    <dgm:txLinClrLst/>
-    <dgm:txFillClrLst meth="repeat">
-      <a:schemeClr val="tx1"/>
-    </dgm:txFillClrLst>
-    <dgm:txEffectClrLst/>
-  </dgm:styleLbl>
-  <dgm:styleLbl name="parChTrans1D4">
-    <dgm:fillClrLst meth="repeat">
-      <a:schemeClr val="accent1"/>
-    </dgm:fillClrLst>
-    <dgm:linClrLst meth="repeat">
-      <a:schemeClr val="accent1">
-        <a:shade val="80000"/>
-      </a:schemeClr>
-    </dgm:linClrLst>
-    <dgm:effectClrLst/>
-    <dgm:txLinClrLst/>
-    <dgm:txFillClrLst meth="repeat">
-      <a:schemeClr val="tx1"/>
-    </dgm:txFillClrLst>
-    <dgm:txEffectClrLst/>
-  </dgm:styleLbl>
-  <dgm:styleLbl name="fgAcc1">
-    <dgm:fillClrLst meth="repeat">
-      <a:schemeClr val="accent1">
-        <a:alpha val="90000"/>
-        <a:tint val="40000"/>
-      </a:schemeClr>
-    </dgm:fillClrLst>
-    <dgm:linClrLst meth="repeat">
-      <a:schemeClr val="accent1"/>
-    </dgm:linClrLst>
-    <dgm:effectClrLst/>
-    <dgm:txLinClrLst/>
-    <dgm:txFillClrLst meth="repeat">
-      <a:schemeClr val="dk1"/>
-    </dgm:txFillClrLst>
-    <dgm:txEffectClrLst/>
-  </dgm:styleLbl>
-  <dgm:styleLbl name="conFgAcc1">
-    <dgm:fillClrLst meth="repeat">
-      <a:schemeClr val="accent1">
-        <a:alpha val="90000"/>
-        <a:tint val="40000"/>
-      </a:schemeClr>
-    </dgm:fillClrLst>
-    <dgm:linClrLst meth="repeat">
-      <a:schemeClr val="accent1"/>
-    </dgm:linClrLst>
-    <dgm:effectClrLst/>
-    <dgm:txLinClrLst/>
-    <dgm:txFillClrLst meth="repeat">
-      <a:schemeClr val="dk1"/>
-    </dgm:txFillClrLst>
-    <dgm:txEffectClrLst/>
-  </dgm:styleLbl>
-  <dgm:styleLbl name="alignAcc1">
-    <dgm:fillClrLst meth="repeat">
-      <a:schemeClr val="accent1">
-        <a:alpha val="90000"/>
-        <a:tint val="40000"/>
-      </a:schemeClr>
-    </dgm:fillClrLst>
-    <dgm:linClrLst meth="repeat">
-      <a:schemeClr val="accent1"/>
-    </dgm:linClrLst>
-    <dgm:effectClrLst/>
-    <dgm:txLinClrLst/>
-    <dgm:txFillClrLst meth="repeat">
-      <a:schemeClr val="dk1"/>
-    </dgm:txFillClrLst>
-    <dgm:txEffectClrLst/>
-  </dgm:styleLbl>
-  <dgm:styleLbl name="trAlignAcc1">
-    <dgm:fillClrLst meth="repeat">
-      <a:schemeClr val="accent1">
-        <a:alpha val="40000"/>
-        <a:tint val="40000"/>
-      </a:schemeClr>
-    </dgm:fillClrLst>
-    <dgm:linClrLst meth="repeat">
-      <a:schemeClr val="accent1"/>
-    </dgm:linClrLst>
-    <dgm:effectClrLst/>
-    <dgm:txLinClrLst/>
-    <dgm:txFillClrLst meth="repeat">
-      <a:schemeClr val="dk1"/>
-    </dgm:txFillClrLst>
-    <dgm:txEffectClrLst/>
-  </dgm:styleLbl>
-  <dgm:styleLbl name="bgAcc1">
-    <dgm:fillClrLst meth="repeat">
-      <a:schemeClr val="accent1">
-        <a:alpha val="90000"/>
-        <a:tint val="40000"/>
-      </a:schemeClr>
-    </dgm:fillClrLst>
-    <dgm:linClrLst meth="repeat">
-      <a:schemeClr val="accent1"/>
-    </dgm:linClrLst>
-    <dgm:effectClrLst/>
-    <dgm:txLinClrLst/>
-    <dgm:txFillClrLst meth="repeat">
-      <a:schemeClr val="dk1"/>
-    </dgm:txFillClrLst>
-    <dgm:txEffectClrLst/>
-  </dgm:styleLbl>
-  <dgm:styleLbl name="solidFgAcc1">
-    <dgm:fillClrLst meth="repeat">
-      <a:schemeClr val="lt1"/>
-    </dgm:fillClrLst>
-    <dgm:linClrLst meth="repeat">
-      <a:schemeClr val="accent1"/>
-    </dgm:linClrLst>
-    <dgm:effectClrLst/>
-    <dgm:txLinClrLst/>
-    <dgm:txFillClrLst meth="repeat">
-      <a:schemeClr val="dk1"/>
-    </dgm:txFillClrLst>
-    <dgm:txEffectClrLst/>
-  </dgm:styleLbl>
-  <dgm:styleLbl name="solidAlignAcc1">
-    <dgm:fillClrLst meth="repeat">
-      <a:schemeClr val="lt1"/>
-    </dgm:fillClrLst>
-    <dgm:linClrLst meth="repeat">
-      <a:schemeClr val="accent1"/>
-    </dgm:linClrLst>
-    <dgm:effectClrLst/>
-    <dgm:txLinClrLst/>
-    <dgm:txFillClrLst meth="repeat">
-      <a:schemeClr val="dk1"/>
-    </dgm:txFillClrLst>
-    <dgm:txEffectClrLst/>
-  </dgm:styleLbl>
-  <dgm:styleLbl name="solidBgAcc1">
-    <dgm:fillClrLst meth="repeat">
-      <a:schemeClr val="lt1"/>
-    </dgm:fillClrLst>
-    <dgm:linClrLst meth="repeat">
-      <a:schemeClr val="accent1"/>
-    </dgm:linClrLst>
-    <dgm:effectClrLst/>
-    <dgm:txLinClrLst/>
-    <dgm:txFillClrLst meth="repeat">
-      <a:schemeClr val="dk1"/>
-    </dgm:txFillClrLst>
-    <dgm:txEffectClrLst/>
-  </dgm:styleLbl>
-  <dgm:styleLbl name="fgAccFollowNode1">
-    <dgm:fillClrLst meth="repeat">
-      <a:schemeClr val="lt1">
-        <a:alpha val="90000"/>
-        <a:tint val="40000"/>
-      </a:schemeClr>
-    </dgm:fillClrLst>
-    <dgm:linClrLst meth="repeat">
-      <a:schemeClr val="accent1">
-        <a:alpha val="90000"/>
-      </a:schemeClr>
-    </dgm:linClrLst>
-    <dgm:effectClrLst/>
-    <dgm:txLinClrLst/>
-    <dgm:txFillClrLst meth="repeat">
-      <a:schemeClr val="dk1"/>
-    </dgm:txFillClrLst>
-    <dgm:txEffectClrLst/>
-  </dgm:styleLbl>
-  <dgm:styleLbl name="alignAccFollowNode1">
-    <dgm:fillClrLst meth="repeat">
-      <a:schemeClr val="lt1">
-        <a:alpha val="90000"/>
-        <a:tint val="40000"/>
-      </a:schemeClr>
-    </dgm:fillClrLst>
-    <dgm:linClrLst meth="repeat">
-      <a:schemeClr val="accent1">
-        <a:alpha val="90000"/>
-      </a:schemeClr>
-    </dgm:linClrLst>
-    <dgm:effectClrLst/>
-    <dgm:txLinClrLst/>
-    <dgm:txFillClrLst meth="repeat">
-      <a:schemeClr val="dk1"/>
-    </dgm:txFillClrLst>
-    <dgm:txEffectClrLst/>
-  </dgm:styleLbl>
-  <dgm:styleLbl name="bgAccFollowNode1">
-    <dgm:fillClrLst meth="repeat">
-      <a:schemeClr val="lt1">
-        <a:alpha val="90000"/>
-        <a:tint val="40000"/>
-      </a:schemeClr>
-    </dgm:fillClrLst>
-    <dgm:linClrLst meth="repeat">
-      <a:schemeClr val="accent1">
-        <a:alpha val="90000"/>
-      </a:schemeClr>
-    </dgm:linClrLst>
-    <dgm:effectClrLst/>
-    <dgm:txLinClrLst/>
-    <dgm:txFillClrLst meth="repeat">
-      <a:schemeClr val="dk1"/>
-    </dgm:txFillClrLst>
-    <dgm:txEffectClrLst/>
-  </dgm:styleLbl>
-  <dgm:styleLbl name="fgAcc0">
-    <dgm:fillClrLst meth="repeat">
-      <a:schemeClr val="accent1">
-        <a:alpha val="90000"/>
-        <a:tint val="40000"/>
-      </a:schemeClr>
-    </dgm:fillClrLst>
-    <dgm:linClrLst meth="repeat">
-      <a:schemeClr val="accent1"/>
-    </dgm:linClrLst>
-    <dgm:effectClrLst/>
-    <dgm:txLinClrLst/>
-    <dgm:txFillClrLst meth="repeat">
-      <a:schemeClr val="dk1"/>
-    </dgm:txFillClrLst>
-    <dgm:txEffectClrLst/>
-  </dgm:styleLbl>
-  <dgm:styleLbl name="fgAcc2">
-    <dgm:fillClrLst meth="repeat">
-      <a:schemeClr val="accent1">
-        <a:alpha val="90000"/>
-        <a:tint val="40000"/>
-      </a:schemeClr>
-    </dgm:fillClrLst>
-    <dgm:linClrLst meth="repeat">
-      <a:schemeClr val="accent1"/>
-    </dgm:linClrLst>
-    <dgm:effectClrLst/>
-    <dgm:txLinClrLst/>
-    <dgm:txFillClrLst meth="repeat">
-      <a:schemeClr val="dk1"/>
-    </dgm:txFillClrLst>
-    <dgm:txEffectClrLst/>
-  </dgm:styleLbl>
-  <dgm:styleLbl name="fgAcc3">
-    <dgm:fillClrLst meth="repeat">
-      <a:schemeClr val="accent1">
-        <a:alpha val="90000"/>
-        <a:tint val="40000"/>
-      </a:schemeClr>
-    </dgm:fillClrLst>
-    <dgm:linClrLst meth="repeat">
-      <a:schemeClr val="accent1"/>
-    </dgm:linClrLst>
-    <dgm:effectClrLst/>
-    <dgm:txLinClrLst/>
-    <dgm:txFillClrLst meth="repeat">
-      <a:schemeClr val="dk1"/>
-    </dgm:txFillClrLst>
-    <dgm:txEffectClrLst/>
-  </dgm:styleLbl>
-  <dgm:styleLbl name="fgAcc4">
-    <dgm:fillClrLst meth="repeat">
-      <a:schemeClr val="accent1">
-        <a:alpha val="90000"/>
-        <a:tint val="40000"/>
-      </a:schemeClr>
-    </dgm:fillClrLst>
-    <dgm:linClrLst meth="repeat">
-      <a:schemeClr val="accent1"/>
-    </dgm:linClrLst>
-    <dgm:effectClrLst/>
-    <dgm:txLinClrLst/>
-    <dgm:txFillClrLst meth="repeat">
-      <a:schemeClr val="dk1"/>
-    </dgm:txFillClrLst>
-    <dgm:txEffectClrLst/>
-  </dgm:styleLbl>
-  <dgm:styleLbl name="bgShp">
-    <dgm:fillClrLst meth="repeat">
-      <a:schemeClr val="accent1">
-        <a:tint val="40000"/>
-      </a:schemeClr>
-    </dgm:fillClrLst>
-    <dgm:linClrLst meth="repeat">
-      <a:schemeClr val="accent1"/>
-    </dgm:linClrLst>
-    <dgm:effectClrLst/>
-    <dgm:txLinClrLst/>
-    <dgm:txFillClrLst meth="repeat">
-      <a:schemeClr val="dk1"/>
-    </dgm:txFillClrLst>
-    <dgm:txEffectClrLst/>
-  </dgm:styleLbl>
-  <dgm:styleLbl name="dkBgShp">
-    <dgm:fillClrLst meth="repeat">
-      <a:schemeClr val="accent1">
-        <a:shade val="80000"/>
-      </a:schemeClr>
-    </dgm:fillClrLst>
-    <dgm:linClrLst meth="repeat">
-      <a:schemeClr val="accent1"/>
-    </dgm:linClrLst>
-    <dgm:effectClrLst/>
-    <dgm:txLinClrLst/>
-    <dgm:txFillClrLst meth="repeat">
-      <a:schemeClr val="lt1"/>
-    </dgm:txFillClrLst>
-    <dgm:txEffectClrLst/>
-  </dgm:styleLbl>
-  <dgm:styleLbl name="trBgShp">
-    <dgm:fillClrLst meth="repeat">
-      <a:schemeClr val="accent1">
-        <a:tint val="50000"/>
-        <a:alpha val="40000"/>
-      </a:schemeClr>
-    </dgm:fillClrLst>
-    <dgm:linClrLst meth="repeat">
-      <a:schemeClr val="accent1"/>
-    </dgm:linClrLst>
-    <dgm:effectClrLst/>
-    <dgm:txLinClrLst/>
-    <dgm:txFillClrLst meth="repeat">
-      <a:schemeClr val="lt1"/>
-    </dgm:txFillClrLst>
-    <dgm:txEffectClrLst/>
-  </dgm:styleLbl>
-  <dgm:styleLbl name="fgShp">
-    <dgm:fillClrLst meth="repeat">
-      <a:schemeClr val="accent1">
-        <a:tint val="60000"/>
-      </a:schemeClr>
-    </dgm:fillClrLst>
-    <dgm:linClrLst meth="repeat">
-      <a:schemeClr val="lt1"/>
-    </dgm:linClrLst>
-    <dgm:effectClrLst/>
-    <dgm:txLinClrLst/>
-    <dgm:txFillClrLst meth="repeat">
-      <a:schemeClr val="dk1"/>
-    </dgm:txFillClrLst>
-    <dgm:txEffectClrLst/>
-  </dgm:styleLbl>
-  <dgm:styleLbl name="revTx">
-    <dgm:fillClrLst meth="repeat">
-      <a:schemeClr val="lt1">
-        <a:alpha val="0"/>
-      </a:schemeClr>
-    </dgm:fillClrLst>
-    <dgm:linClrLst meth="repeat">
-      <a:schemeClr val="dk1">
-        <a:alpha val="0"/>
-      </a:schemeClr>
-    </dgm:linClrLst>
-    <dgm:effectClrLst/>
-    <dgm:txLinClrLst/>
-    <dgm:txFillClrLst meth="repeat">
-      <a:schemeClr val="tx1"/>
-    </dgm:txFillClrLst>
-    <dgm:txEffectClrLst/>
-  </dgm:styleLbl>
-</dgm:colorsDef>
-</file>
-
-<file path=ppt/diagrams/data1.xml><?xml version="1.0" encoding="utf-8"?>
-<dgm:dataModel xmlns:dgm="http://schemas.openxmlformats.org/drawingml/2006/diagram" xmlns:a="http://schemas.openxmlformats.org/drawingml/2006/main">
-  <dgm:ptLst>
-    <dgm:pt modelId="{FBA29113-7A70-4E0E-B036-871C49B835F1}" type="doc">
-      <dgm:prSet loTypeId="urn:microsoft.com/office/officeart/2005/8/layout/hProcess6" loCatId="process" qsTypeId="urn:microsoft.com/office/officeart/2005/8/quickstyle/simple1" qsCatId="simple" csTypeId="urn:microsoft.com/office/officeart/2005/8/colors/accent1_1" csCatId="accent1" phldr="1"/>
-      <dgm:spPr/>
-      <dgm:t>
-        <a:bodyPr rtlCol="0"/>
-        <a:lstStyle/>
-        <a:p>
-          <a:pPr rtl="0"/>
-          <a:endParaRPr lang="en-US"/>
-        </a:p>
-      </dgm:t>
-    </dgm:pt>
-    <dgm:pt modelId="{A6406C01-7E83-4650-8EF5-394419DCB348}">
-      <dgm:prSet phldrT="[Text]"/>
-      <dgm:spPr/>
-      <dgm:t>
-        <a:bodyPr rtlCol="0"/>
-        <a:lstStyle/>
-        <a:p>
-          <a:pPr rtl="0"/>
-          <a:r>
-            <a:rPr lang="en-US" altLang="ko-KR" noProof="0" dirty="0">
-              <a:latin typeface="맑은 고딕" panose="020B0503020000020004" pitchFamily="50" charset="-127"/>
-              <a:ea typeface="맑은 고딕" panose="020B0503020000020004" pitchFamily="50" charset="-127"/>
-            </a:rPr>
-            <a:t>1</a:t>
-          </a:r>
-          <a:r>
-            <a:rPr lang="ko-KR" altLang="en-US" noProof="0" dirty="0">
-              <a:latin typeface="맑은 고딕" panose="020B0503020000020004" pitchFamily="50" charset="-127"/>
-              <a:ea typeface="맑은 고딕" panose="020B0503020000020004" pitchFamily="50" charset="-127"/>
-            </a:rPr>
-            <a:t>단계 제목</a:t>
-          </a:r>
-        </a:p>
-      </dgm:t>
-      <dgm:extLst>
-        <a:ext uri="{E40237B7-FDA0-4F09-8148-C483321AD2D9}">
-          <dgm14:cNvPr xmlns:dgm14="http://schemas.microsoft.com/office/drawing/2010/diagram" id="0" name="" title="Step 1 title"/>
-        </a:ext>
-      </dgm:extLst>
-    </dgm:pt>
-    <dgm:pt modelId="{2586B3BB-DA8B-42DF-AC9A-77CE21607FD0}" type="parTrans" cxnId="{4D956F8D-5727-488A-93AF-F33602655A44}">
-      <dgm:prSet/>
-      <dgm:spPr/>
-      <dgm:t>
-        <a:bodyPr rtlCol="0"/>
-        <a:lstStyle/>
-        <a:p>
-          <a:pPr rtl="0"/>
-          <a:endParaRPr lang="ko-KR" altLang="en-US" noProof="0" dirty="0"/>
-        </a:p>
-      </dgm:t>
-    </dgm:pt>
-    <dgm:pt modelId="{7C5B61F0-A4F6-4FCA-B552-36151F31051E}" type="sibTrans" cxnId="{4D956F8D-5727-488A-93AF-F33602655A44}">
-      <dgm:prSet/>
-      <dgm:spPr/>
-      <dgm:t>
-        <a:bodyPr rtlCol="0"/>
-        <a:lstStyle/>
-        <a:p>
-          <a:pPr rtl="0"/>
-          <a:endParaRPr lang="ko-KR" altLang="en-US" noProof="0" dirty="0"/>
-        </a:p>
-      </dgm:t>
-    </dgm:pt>
-    <dgm:pt modelId="{E4E9F0D0-FF23-4B59-9B97-973BCBE5DC65}">
-      <dgm:prSet phldrT="[Text]"/>
-      <dgm:spPr/>
-      <dgm:t>
-        <a:bodyPr rtlCol="0"/>
-        <a:lstStyle/>
-        <a:p>
-          <a:pPr rtl="0"/>
-          <a:r>
-            <a:rPr lang="ko-KR" altLang="en-US" noProof="0" dirty="0">
-              <a:latin typeface="맑은 고딕" panose="020B0503020000020004" pitchFamily="50" charset="-127"/>
-              <a:ea typeface="맑은 고딕" panose="020B0503020000020004" pitchFamily="50" charset="-127"/>
-            </a:rPr>
-            <a:t>작업 설명</a:t>
-          </a:r>
-        </a:p>
-      </dgm:t>
-      <dgm:extLst>
-        <a:ext uri="{E40237B7-FDA0-4F09-8148-C483321AD2D9}">
-          <dgm14:cNvPr xmlns:dgm14="http://schemas.microsoft.com/office/drawing/2010/diagram" id="0" name="" title="Step 1 - task description"/>
-        </a:ext>
-      </dgm:extLst>
-    </dgm:pt>
-    <dgm:pt modelId="{E9237435-F938-45D4-8BF4-6D5D4DFF850F}" type="parTrans" cxnId="{37A3A996-9723-4BDB-8959-9D9B7799BD9A}">
-      <dgm:prSet/>
-      <dgm:spPr/>
-      <dgm:t>
-        <a:bodyPr rtlCol="0"/>
-        <a:lstStyle/>
-        <a:p>
-          <a:pPr rtl="0"/>
-          <a:endParaRPr lang="ko-KR" altLang="en-US" noProof="0" dirty="0"/>
-        </a:p>
-      </dgm:t>
-    </dgm:pt>
-    <dgm:pt modelId="{D32B195A-7CAD-474B-B79C-BE4BB171E742}" type="sibTrans" cxnId="{37A3A996-9723-4BDB-8959-9D9B7799BD9A}">
-      <dgm:prSet/>
-      <dgm:spPr/>
-      <dgm:t>
-        <a:bodyPr rtlCol="0"/>
-        <a:lstStyle/>
-        <a:p>
-          <a:pPr rtl="0"/>
-          <a:endParaRPr lang="ko-KR" altLang="en-US" noProof="0" dirty="0"/>
-        </a:p>
-      </dgm:t>
-    </dgm:pt>
-    <dgm:pt modelId="{5D952622-A79E-41E4-BBC2-6212DEFFA91C}">
-      <dgm:prSet phldrT="[Text]"/>
-      <dgm:spPr/>
-      <dgm:t>
-        <a:bodyPr rtlCol="0"/>
-        <a:lstStyle/>
-        <a:p>
-          <a:pPr rtl="0"/>
-          <a:r>
-            <a:rPr lang="en-US" altLang="ko-KR" noProof="0" dirty="0">
-              <a:latin typeface="맑은 고딕" panose="020B0503020000020004" pitchFamily="50" charset="-127"/>
-              <a:ea typeface="맑은 고딕" panose="020B0503020000020004" pitchFamily="50" charset="-127"/>
-            </a:rPr>
-            <a:t>2</a:t>
-          </a:r>
-          <a:r>
-            <a:rPr lang="ko-KR" altLang="en-US" noProof="0" dirty="0">
-              <a:latin typeface="맑은 고딕" panose="020B0503020000020004" pitchFamily="50" charset="-127"/>
-              <a:ea typeface="맑은 고딕" panose="020B0503020000020004" pitchFamily="50" charset="-127"/>
-            </a:rPr>
-            <a:t>단계 제목</a:t>
-          </a:r>
-        </a:p>
-      </dgm:t>
-      <dgm:extLst>
-        <a:ext uri="{E40237B7-FDA0-4F09-8148-C483321AD2D9}">
-          <dgm14:cNvPr xmlns:dgm14="http://schemas.microsoft.com/office/drawing/2010/diagram" id="0" name="" title="Step 2 title"/>
-        </a:ext>
-      </dgm:extLst>
-    </dgm:pt>
-    <dgm:pt modelId="{10627A68-BE4B-4A4A-9EC9-4CFEF1E4DF39}" type="parTrans" cxnId="{A22BDB9A-90BB-4DA2-8850-00D4F1D3B898}">
-      <dgm:prSet/>
-      <dgm:spPr/>
-      <dgm:t>
-        <a:bodyPr rtlCol="0"/>
-        <a:lstStyle/>
-        <a:p>
-          <a:pPr rtl="0"/>
-          <a:endParaRPr lang="ko-KR" altLang="en-US" noProof="0" dirty="0"/>
-        </a:p>
-      </dgm:t>
-    </dgm:pt>
-    <dgm:pt modelId="{092BAEF3-D9F2-476B-9A0B-6F14CC814529}" type="sibTrans" cxnId="{A22BDB9A-90BB-4DA2-8850-00D4F1D3B898}">
-      <dgm:prSet/>
-      <dgm:spPr/>
-      <dgm:t>
-        <a:bodyPr rtlCol="0"/>
-        <a:lstStyle/>
-        <a:p>
-          <a:pPr rtl="0"/>
-          <a:endParaRPr lang="ko-KR" altLang="en-US" noProof="0" dirty="0"/>
-        </a:p>
-      </dgm:t>
-    </dgm:pt>
-    <dgm:pt modelId="{5248D9DA-6444-46F6-8D28-C8BB2253AAD1}">
-      <dgm:prSet phldrT="[Text]"/>
-      <dgm:spPr/>
-      <dgm:t>
-        <a:bodyPr rtlCol="0"/>
-        <a:lstStyle/>
-        <a:p>
-          <a:pPr rtl="0"/>
-          <a:r>
-            <a:rPr lang="ko-KR" altLang="en-US" noProof="0" dirty="0">
-              <a:latin typeface="맑은 고딕" panose="020B0503020000020004" pitchFamily="50" charset="-127"/>
-              <a:ea typeface="맑은 고딕" panose="020B0503020000020004" pitchFamily="50" charset="-127"/>
-            </a:rPr>
-            <a:t>작업 설명</a:t>
-          </a:r>
-        </a:p>
-      </dgm:t>
-      <dgm:extLst>
-        <a:ext uri="{E40237B7-FDA0-4F09-8148-C483321AD2D9}">
-          <dgm14:cNvPr xmlns:dgm14="http://schemas.microsoft.com/office/drawing/2010/diagram" id="0" name="" title="Step 2 - task description"/>
-        </a:ext>
-      </dgm:extLst>
-    </dgm:pt>
-    <dgm:pt modelId="{A8533F77-F094-4EDB-BCC7-35E0D6A46B71}" type="parTrans" cxnId="{35AF286C-A401-4C08-B8A3-F38B03322BD8}">
-      <dgm:prSet/>
-      <dgm:spPr/>
-      <dgm:t>
-        <a:bodyPr rtlCol="0"/>
-        <a:lstStyle/>
-        <a:p>
-          <a:pPr rtl="0"/>
-          <a:endParaRPr lang="ko-KR" altLang="en-US" noProof="0" dirty="0"/>
-        </a:p>
-      </dgm:t>
-    </dgm:pt>
-    <dgm:pt modelId="{011B552E-515A-4C41-B810-0D2552861422}" type="sibTrans" cxnId="{35AF286C-A401-4C08-B8A3-F38B03322BD8}">
-      <dgm:prSet/>
-      <dgm:spPr/>
-      <dgm:t>
-        <a:bodyPr rtlCol="0"/>
-        <a:lstStyle/>
-        <a:p>
-          <a:pPr rtl="0"/>
-          <a:endParaRPr lang="ko-KR" altLang="en-US" noProof="0" dirty="0"/>
-        </a:p>
-      </dgm:t>
-    </dgm:pt>
-    <dgm:pt modelId="{50706FFE-8A00-485D-9FF7-8D310692C602}">
-      <dgm:prSet phldrT="[Text]"/>
-      <dgm:spPr/>
-      <dgm:t>
-        <a:bodyPr rtlCol="0"/>
-        <a:lstStyle/>
-        <a:p>
-          <a:pPr rtl="0"/>
-          <a:r>
-            <a:rPr lang="en-US" altLang="ko-KR" noProof="0" dirty="0">
-              <a:latin typeface="맑은 고딕" panose="020B0503020000020004" pitchFamily="50" charset="-127"/>
-              <a:ea typeface="맑은 고딕" panose="020B0503020000020004" pitchFamily="50" charset="-127"/>
-            </a:rPr>
-            <a:t>3</a:t>
-          </a:r>
-          <a:r>
-            <a:rPr lang="ko-KR" altLang="en-US" noProof="0" dirty="0">
-              <a:latin typeface="맑은 고딕" panose="020B0503020000020004" pitchFamily="50" charset="-127"/>
-              <a:ea typeface="맑은 고딕" panose="020B0503020000020004" pitchFamily="50" charset="-127"/>
-            </a:rPr>
-            <a:t>단계 제목</a:t>
-          </a:r>
-        </a:p>
-      </dgm:t>
-      <dgm:extLst>
-        <a:ext uri="{E40237B7-FDA0-4F09-8148-C483321AD2D9}">
-          <dgm14:cNvPr xmlns:dgm14="http://schemas.microsoft.com/office/drawing/2010/diagram" id="0" name="" title="Step 3 title"/>
-        </a:ext>
-      </dgm:extLst>
-    </dgm:pt>
-    <dgm:pt modelId="{EF44BD91-19A4-424B-BA32-4A5492B6E40B}" type="parTrans" cxnId="{7599CECE-5293-4C57-A979-D096C99254C7}">
-      <dgm:prSet/>
-      <dgm:spPr/>
-      <dgm:t>
-        <a:bodyPr rtlCol="0"/>
-        <a:lstStyle/>
-        <a:p>
-          <a:pPr rtl="0"/>
-          <a:endParaRPr lang="ko-KR" altLang="en-US" noProof="0" dirty="0"/>
-        </a:p>
-      </dgm:t>
-    </dgm:pt>
-    <dgm:pt modelId="{CD03DFF4-D962-46D6-AFFA-2A87FD08403E}" type="sibTrans" cxnId="{7599CECE-5293-4C57-A979-D096C99254C7}">
-      <dgm:prSet/>
-      <dgm:spPr/>
-      <dgm:t>
-        <a:bodyPr rtlCol="0"/>
-        <a:lstStyle/>
-        <a:p>
-          <a:pPr rtl="0"/>
-          <a:endParaRPr lang="ko-KR" altLang="en-US" noProof="0" dirty="0"/>
-        </a:p>
-      </dgm:t>
-    </dgm:pt>
-    <dgm:pt modelId="{3A9B5D84-CB00-4BC9-ADB2-5CF832F36763}">
-      <dgm:prSet phldrT="[Text]"/>
-      <dgm:spPr/>
-      <dgm:t>
-        <a:bodyPr rtlCol="0"/>
-        <a:lstStyle/>
-        <a:p>
-          <a:pPr rtl="0"/>
-          <a:r>
-            <a:rPr lang="ko-KR" altLang="en-US" noProof="0" dirty="0">
-              <a:latin typeface="맑은 고딕" panose="020B0503020000020004" pitchFamily="50" charset="-127"/>
-              <a:ea typeface="맑은 고딕" panose="020B0503020000020004" pitchFamily="50" charset="-127"/>
-            </a:rPr>
-            <a:t>작업 설명</a:t>
-          </a:r>
-        </a:p>
-      </dgm:t>
-      <dgm:extLst>
-        <a:ext uri="{E40237B7-FDA0-4F09-8148-C483321AD2D9}">
-          <dgm14:cNvPr xmlns:dgm14="http://schemas.microsoft.com/office/drawing/2010/diagram" id="0" name="" title="Step 3 - task description"/>
-        </a:ext>
-      </dgm:extLst>
-    </dgm:pt>
-    <dgm:pt modelId="{BD57EC4A-052D-4824-8820-064BAC997A9B}" type="parTrans" cxnId="{11A0AF47-4BCA-470E-92BF-7B388FFB0DE8}">
-      <dgm:prSet/>
-      <dgm:spPr/>
-      <dgm:t>
-        <a:bodyPr rtlCol="0"/>
-        <a:lstStyle/>
-        <a:p>
-          <a:pPr rtl="0"/>
-          <a:endParaRPr lang="ko-KR" altLang="en-US" noProof="0" dirty="0"/>
-        </a:p>
-      </dgm:t>
-    </dgm:pt>
-    <dgm:pt modelId="{98E878CF-4A49-4E76-BD23-AE7C5290BAFD}" type="sibTrans" cxnId="{11A0AF47-4BCA-470E-92BF-7B388FFB0DE8}">
-      <dgm:prSet/>
-      <dgm:spPr/>
-      <dgm:t>
-        <a:bodyPr rtlCol="0"/>
-        <a:lstStyle/>
-        <a:p>
-          <a:pPr rtl="0"/>
-          <a:endParaRPr lang="ko-KR" altLang="en-US" noProof="0" dirty="0"/>
-        </a:p>
-      </dgm:t>
-    </dgm:pt>
-    <dgm:pt modelId="{8734DFB3-ADD8-4FD2-87D8-1981AA0ADD0B}" type="pres">
-      <dgm:prSet presAssocID="{FBA29113-7A70-4E0E-B036-871C49B835F1}" presName="theList" presStyleCnt="0">
-        <dgm:presLayoutVars>
-          <dgm:dir/>
-          <dgm:animLvl val="lvl"/>
-          <dgm:resizeHandles val="exact"/>
-        </dgm:presLayoutVars>
-      </dgm:prSet>
-      <dgm:spPr/>
-    </dgm:pt>
-    <dgm:pt modelId="{5C04AEFB-7132-4B28-A7D3-862245070A8D}" type="pres">
-      <dgm:prSet presAssocID="{A6406C01-7E83-4650-8EF5-394419DCB348}" presName="compNode" presStyleCnt="0"/>
-      <dgm:spPr/>
-    </dgm:pt>
-    <dgm:pt modelId="{358F74AC-FC7D-465B-BD12-B6CCC00F3D29}" type="pres">
-      <dgm:prSet presAssocID="{A6406C01-7E83-4650-8EF5-394419DCB348}" presName="noGeometry" presStyleCnt="0"/>
-      <dgm:spPr/>
-    </dgm:pt>
-    <dgm:pt modelId="{610B5FFC-C0C9-444C-9F7A-14D1B54F604D}" type="pres">
-      <dgm:prSet presAssocID="{A6406C01-7E83-4650-8EF5-394419DCB348}" presName="childTextVisible" presStyleLbl="bgAccFollowNode1" presStyleIdx="0" presStyleCnt="3">
-        <dgm:presLayoutVars>
-          <dgm:bulletEnabled val="1"/>
-        </dgm:presLayoutVars>
-      </dgm:prSet>
-      <dgm:spPr/>
-    </dgm:pt>
-    <dgm:pt modelId="{FB705FC1-639E-4064-8E9A-A79870DE5273}" type="pres">
-      <dgm:prSet presAssocID="{A6406C01-7E83-4650-8EF5-394419DCB348}" presName="childTextHidden" presStyleLbl="bgAccFollowNode1" presStyleIdx="0" presStyleCnt="3"/>
-      <dgm:spPr/>
-    </dgm:pt>
-    <dgm:pt modelId="{47DA5750-48DC-4E4F-815D-0B05DBC30DAB}" type="pres">
-      <dgm:prSet presAssocID="{A6406C01-7E83-4650-8EF5-394419DCB348}" presName="parentText" presStyleLbl="node1" presStyleIdx="0" presStyleCnt="3">
-        <dgm:presLayoutVars>
-          <dgm:chMax val="1"/>
-          <dgm:bulletEnabled val="1"/>
-        </dgm:presLayoutVars>
-      </dgm:prSet>
-      <dgm:spPr/>
-    </dgm:pt>
-    <dgm:pt modelId="{6319C676-A7DE-4777-9BB4-3B6D30ED3F5C}" type="pres">
-      <dgm:prSet presAssocID="{A6406C01-7E83-4650-8EF5-394419DCB348}" presName="aSpace" presStyleCnt="0"/>
-      <dgm:spPr/>
-    </dgm:pt>
-    <dgm:pt modelId="{CA708D38-D093-4C16-A955-CF2CAC7F0A99}" type="pres">
-      <dgm:prSet presAssocID="{5D952622-A79E-41E4-BBC2-6212DEFFA91C}" presName="compNode" presStyleCnt="0"/>
-      <dgm:spPr/>
-    </dgm:pt>
-    <dgm:pt modelId="{6F3066E9-E96F-489D-8A4B-6D55FBE389F2}" type="pres">
-      <dgm:prSet presAssocID="{5D952622-A79E-41E4-BBC2-6212DEFFA91C}" presName="noGeometry" presStyleCnt="0"/>
-      <dgm:spPr/>
-    </dgm:pt>
-    <dgm:pt modelId="{00D2DC2C-7CA2-4A4B-B66D-3DDCAB7DC8E9}" type="pres">
-      <dgm:prSet presAssocID="{5D952622-A79E-41E4-BBC2-6212DEFFA91C}" presName="childTextVisible" presStyleLbl="bgAccFollowNode1" presStyleIdx="1" presStyleCnt="3">
-        <dgm:presLayoutVars>
-          <dgm:bulletEnabled val="1"/>
-        </dgm:presLayoutVars>
-      </dgm:prSet>
-      <dgm:spPr/>
-    </dgm:pt>
-    <dgm:pt modelId="{072FB640-0A28-40E8-9C0C-86BAF45C6EF0}" type="pres">
-      <dgm:prSet presAssocID="{5D952622-A79E-41E4-BBC2-6212DEFFA91C}" presName="childTextHidden" presStyleLbl="bgAccFollowNode1" presStyleIdx="1" presStyleCnt="3"/>
-      <dgm:spPr/>
-    </dgm:pt>
-    <dgm:pt modelId="{EE8733A1-7662-4D0A-B39E-2218596CC81C}" type="pres">
-      <dgm:prSet presAssocID="{5D952622-A79E-41E4-BBC2-6212DEFFA91C}" presName="parentText" presStyleLbl="node1" presStyleIdx="1" presStyleCnt="3">
-        <dgm:presLayoutVars>
-          <dgm:chMax val="1"/>
-          <dgm:bulletEnabled val="1"/>
-        </dgm:presLayoutVars>
-      </dgm:prSet>
-      <dgm:spPr/>
-    </dgm:pt>
-    <dgm:pt modelId="{E0D7C734-E391-436F-996C-E60442F50A17}" type="pres">
-      <dgm:prSet presAssocID="{5D952622-A79E-41E4-BBC2-6212DEFFA91C}" presName="aSpace" presStyleCnt="0"/>
-      <dgm:spPr/>
-    </dgm:pt>
-    <dgm:pt modelId="{E8F3A685-8F9F-4BAC-8C8B-A1DE5AA41F3A}" type="pres">
-      <dgm:prSet presAssocID="{50706FFE-8A00-485D-9FF7-8D310692C602}" presName="compNode" presStyleCnt="0"/>
-      <dgm:spPr/>
-    </dgm:pt>
-    <dgm:pt modelId="{84BFA617-6CAF-4DA9-A086-82BCA61093BE}" type="pres">
-      <dgm:prSet presAssocID="{50706FFE-8A00-485D-9FF7-8D310692C602}" presName="noGeometry" presStyleCnt="0"/>
-      <dgm:spPr/>
-    </dgm:pt>
-    <dgm:pt modelId="{4BF699B1-BE15-42D1-9784-AA33CF29870E}" type="pres">
-      <dgm:prSet presAssocID="{50706FFE-8A00-485D-9FF7-8D310692C602}" presName="childTextVisible" presStyleLbl="bgAccFollowNode1" presStyleIdx="2" presStyleCnt="3">
-        <dgm:presLayoutVars>
-          <dgm:bulletEnabled val="1"/>
-        </dgm:presLayoutVars>
-      </dgm:prSet>
-      <dgm:spPr/>
-    </dgm:pt>
-    <dgm:pt modelId="{F0925EF4-86E2-4748-BA70-94AAF55AB064}" type="pres">
-      <dgm:prSet presAssocID="{50706FFE-8A00-485D-9FF7-8D310692C602}" presName="childTextHidden" presStyleLbl="bgAccFollowNode1" presStyleIdx="2" presStyleCnt="3"/>
-      <dgm:spPr/>
-    </dgm:pt>
-    <dgm:pt modelId="{78E9A4E4-18A9-4B73-8007-A63A71C71937}" type="pres">
-      <dgm:prSet presAssocID="{50706FFE-8A00-485D-9FF7-8D310692C602}" presName="parentText" presStyleLbl="node1" presStyleIdx="2" presStyleCnt="3">
-        <dgm:presLayoutVars>
-          <dgm:chMax val="1"/>
-          <dgm:bulletEnabled val="1"/>
-        </dgm:presLayoutVars>
-      </dgm:prSet>
-      <dgm:spPr/>
-    </dgm:pt>
-  </dgm:ptLst>
-  <dgm:cxnLst>
-    <dgm:cxn modelId="{99E34304-5770-4691-A3EE-6A7C8B9ACD53}" type="presOf" srcId="{E4E9F0D0-FF23-4B59-9B97-973BCBE5DC65}" destId="{610B5FFC-C0C9-444C-9F7A-14D1B54F604D}" srcOrd="0" destOrd="0" presId="urn:microsoft.com/office/officeart/2005/8/layout/hProcess6"/>
-    <dgm:cxn modelId="{81ACEA16-295B-4802-A889-1DC375F525AB}" type="presOf" srcId="{A6406C01-7E83-4650-8EF5-394419DCB348}" destId="{47DA5750-48DC-4E4F-815D-0B05DBC30DAB}" srcOrd="0" destOrd="0" presId="urn:microsoft.com/office/officeart/2005/8/layout/hProcess6"/>
-    <dgm:cxn modelId="{130B0544-2388-4104-A721-8D29E7C77420}" type="presOf" srcId="{5D952622-A79E-41E4-BBC2-6212DEFFA91C}" destId="{EE8733A1-7662-4D0A-B39E-2218596CC81C}" srcOrd="0" destOrd="0" presId="urn:microsoft.com/office/officeart/2005/8/layout/hProcess6"/>
-    <dgm:cxn modelId="{31498E67-CEA0-4571-B7AB-26A2113144F6}" type="presOf" srcId="{FBA29113-7A70-4E0E-B036-871C49B835F1}" destId="{8734DFB3-ADD8-4FD2-87D8-1981AA0ADD0B}" srcOrd="0" destOrd="0" presId="urn:microsoft.com/office/officeart/2005/8/layout/hProcess6"/>
-    <dgm:cxn modelId="{11A0AF47-4BCA-470E-92BF-7B388FFB0DE8}" srcId="{50706FFE-8A00-485D-9FF7-8D310692C602}" destId="{3A9B5D84-CB00-4BC9-ADB2-5CF832F36763}" srcOrd="0" destOrd="0" parTransId="{BD57EC4A-052D-4824-8820-064BAC997A9B}" sibTransId="{98E878CF-4A49-4E76-BD23-AE7C5290BAFD}"/>
-    <dgm:cxn modelId="{019AA969-1A2B-48C0-B7C9-005E817BC2CB}" type="presOf" srcId="{E4E9F0D0-FF23-4B59-9B97-973BCBE5DC65}" destId="{FB705FC1-639E-4064-8E9A-A79870DE5273}" srcOrd="1" destOrd="0" presId="urn:microsoft.com/office/officeart/2005/8/layout/hProcess6"/>
-    <dgm:cxn modelId="{35AF286C-A401-4C08-B8A3-F38B03322BD8}" srcId="{5D952622-A79E-41E4-BBC2-6212DEFFA91C}" destId="{5248D9DA-6444-46F6-8D28-C8BB2253AAD1}" srcOrd="0" destOrd="0" parTransId="{A8533F77-F094-4EDB-BCC7-35E0D6A46B71}" sibTransId="{011B552E-515A-4C41-B810-0D2552861422}"/>
-    <dgm:cxn modelId="{F36BB86E-E9BB-4DBF-9DFE-F8050046ED1F}" type="presOf" srcId="{3A9B5D84-CB00-4BC9-ADB2-5CF832F36763}" destId="{4BF699B1-BE15-42D1-9784-AA33CF29870E}" srcOrd="0" destOrd="0" presId="urn:microsoft.com/office/officeart/2005/8/layout/hProcess6"/>
-    <dgm:cxn modelId="{BA539253-48E3-447C-8770-C31D10399C4A}" type="presOf" srcId="{50706FFE-8A00-485D-9FF7-8D310692C602}" destId="{78E9A4E4-18A9-4B73-8007-A63A71C71937}" srcOrd="0" destOrd="0" presId="urn:microsoft.com/office/officeart/2005/8/layout/hProcess6"/>
-    <dgm:cxn modelId="{D2E26D7D-A939-4166-987B-3E9E5A080266}" type="presOf" srcId="{3A9B5D84-CB00-4BC9-ADB2-5CF832F36763}" destId="{F0925EF4-86E2-4748-BA70-94AAF55AB064}" srcOrd="1" destOrd="0" presId="urn:microsoft.com/office/officeart/2005/8/layout/hProcess6"/>
-    <dgm:cxn modelId="{4D956F8D-5727-488A-93AF-F33602655A44}" srcId="{FBA29113-7A70-4E0E-B036-871C49B835F1}" destId="{A6406C01-7E83-4650-8EF5-394419DCB348}" srcOrd="0" destOrd="0" parTransId="{2586B3BB-DA8B-42DF-AC9A-77CE21607FD0}" sibTransId="{7C5B61F0-A4F6-4FCA-B552-36151F31051E}"/>
-    <dgm:cxn modelId="{37A3A996-9723-4BDB-8959-9D9B7799BD9A}" srcId="{A6406C01-7E83-4650-8EF5-394419DCB348}" destId="{E4E9F0D0-FF23-4B59-9B97-973BCBE5DC65}" srcOrd="0" destOrd="0" parTransId="{E9237435-F938-45D4-8BF4-6D5D4DFF850F}" sibTransId="{D32B195A-7CAD-474B-B79C-BE4BB171E742}"/>
-    <dgm:cxn modelId="{E23D729A-C2FC-40CD-8A08-F5EBB66CF80B}" type="presOf" srcId="{5248D9DA-6444-46F6-8D28-C8BB2253AAD1}" destId="{072FB640-0A28-40E8-9C0C-86BAF45C6EF0}" srcOrd="1" destOrd="0" presId="urn:microsoft.com/office/officeart/2005/8/layout/hProcess6"/>
-    <dgm:cxn modelId="{A22BDB9A-90BB-4DA2-8850-00D4F1D3B898}" srcId="{FBA29113-7A70-4E0E-B036-871C49B835F1}" destId="{5D952622-A79E-41E4-BBC2-6212DEFFA91C}" srcOrd="1" destOrd="0" parTransId="{10627A68-BE4B-4A4A-9EC9-4CFEF1E4DF39}" sibTransId="{092BAEF3-D9F2-476B-9A0B-6F14CC814529}"/>
-    <dgm:cxn modelId="{AE4FA1B2-1FFD-4999-BFB4-0E2A9E4BEBBB}" type="presOf" srcId="{5248D9DA-6444-46F6-8D28-C8BB2253AAD1}" destId="{00D2DC2C-7CA2-4A4B-B66D-3DDCAB7DC8E9}" srcOrd="0" destOrd="0" presId="urn:microsoft.com/office/officeart/2005/8/layout/hProcess6"/>
-    <dgm:cxn modelId="{7599CECE-5293-4C57-A979-D096C99254C7}" srcId="{FBA29113-7A70-4E0E-B036-871C49B835F1}" destId="{50706FFE-8A00-485D-9FF7-8D310692C602}" srcOrd="2" destOrd="0" parTransId="{EF44BD91-19A4-424B-BA32-4A5492B6E40B}" sibTransId="{CD03DFF4-D962-46D6-AFFA-2A87FD08403E}"/>
-    <dgm:cxn modelId="{FF0D50D3-9477-4407-8F44-B60B9728DED7}" type="presParOf" srcId="{8734DFB3-ADD8-4FD2-87D8-1981AA0ADD0B}" destId="{5C04AEFB-7132-4B28-A7D3-862245070A8D}" srcOrd="0" destOrd="0" presId="urn:microsoft.com/office/officeart/2005/8/layout/hProcess6"/>
-    <dgm:cxn modelId="{126CE751-65CF-4E60-902C-2D0B01478834}" type="presParOf" srcId="{5C04AEFB-7132-4B28-A7D3-862245070A8D}" destId="{358F74AC-FC7D-465B-BD12-B6CCC00F3D29}" srcOrd="0" destOrd="0" presId="urn:microsoft.com/office/officeart/2005/8/layout/hProcess6"/>
-    <dgm:cxn modelId="{C6915109-771C-43AE-A4C7-A411D8E5978F}" type="presParOf" srcId="{5C04AEFB-7132-4B28-A7D3-862245070A8D}" destId="{610B5FFC-C0C9-444C-9F7A-14D1B54F604D}" srcOrd="1" destOrd="0" presId="urn:microsoft.com/office/officeart/2005/8/layout/hProcess6"/>
-    <dgm:cxn modelId="{954FE73F-9595-47D0-9AB9-6EB7EDC39F8E}" type="presParOf" srcId="{5C04AEFB-7132-4B28-A7D3-862245070A8D}" destId="{FB705FC1-639E-4064-8E9A-A79870DE5273}" srcOrd="2" destOrd="0" presId="urn:microsoft.com/office/officeart/2005/8/layout/hProcess6"/>
-    <dgm:cxn modelId="{362B7B1C-776A-481A-B10E-B2136C044DB5}" type="presParOf" srcId="{5C04AEFB-7132-4B28-A7D3-862245070A8D}" destId="{47DA5750-48DC-4E4F-815D-0B05DBC30DAB}" srcOrd="3" destOrd="0" presId="urn:microsoft.com/office/officeart/2005/8/layout/hProcess6"/>
-    <dgm:cxn modelId="{AB361918-49A4-4458-A6B4-A38162139DB4}" type="presParOf" srcId="{8734DFB3-ADD8-4FD2-87D8-1981AA0ADD0B}" destId="{6319C676-A7DE-4777-9BB4-3B6D30ED3F5C}" srcOrd="1" destOrd="0" presId="urn:microsoft.com/office/officeart/2005/8/layout/hProcess6"/>
-    <dgm:cxn modelId="{3E32ED31-FAFA-41FB-A502-0C9269827B55}" type="presParOf" srcId="{8734DFB3-ADD8-4FD2-87D8-1981AA0ADD0B}" destId="{CA708D38-D093-4C16-A955-CF2CAC7F0A99}" srcOrd="2" destOrd="0" presId="urn:microsoft.com/office/officeart/2005/8/layout/hProcess6"/>
-    <dgm:cxn modelId="{38B5F8BF-C6A8-4D51-8681-B847070CD1C0}" type="presParOf" srcId="{CA708D38-D093-4C16-A955-CF2CAC7F0A99}" destId="{6F3066E9-E96F-489D-8A4B-6D55FBE389F2}" srcOrd="0" destOrd="0" presId="urn:microsoft.com/office/officeart/2005/8/layout/hProcess6"/>
-    <dgm:cxn modelId="{B873A9F4-217E-473A-8D65-14527890AC34}" type="presParOf" srcId="{CA708D38-D093-4C16-A955-CF2CAC7F0A99}" destId="{00D2DC2C-7CA2-4A4B-B66D-3DDCAB7DC8E9}" srcOrd="1" destOrd="0" presId="urn:microsoft.com/office/officeart/2005/8/layout/hProcess6"/>
-    <dgm:cxn modelId="{F573A08D-1388-4362-9D10-155655876363}" type="presParOf" srcId="{CA708D38-D093-4C16-A955-CF2CAC7F0A99}" destId="{072FB640-0A28-40E8-9C0C-86BAF45C6EF0}" srcOrd="2" destOrd="0" presId="urn:microsoft.com/office/officeart/2005/8/layout/hProcess6"/>
-    <dgm:cxn modelId="{7ADF5CCF-F26A-45B5-9692-98B07AFD46A1}" type="presParOf" srcId="{CA708D38-D093-4C16-A955-CF2CAC7F0A99}" destId="{EE8733A1-7662-4D0A-B39E-2218596CC81C}" srcOrd="3" destOrd="0" presId="urn:microsoft.com/office/officeart/2005/8/layout/hProcess6"/>
-    <dgm:cxn modelId="{985C18C8-95A3-4479-821C-610A2BAFFFF3}" type="presParOf" srcId="{8734DFB3-ADD8-4FD2-87D8-1981AA0ADD0B}" destId="{E0D7C734-E391-436F-996C-E60442F50A17}" srcOrd="3" destOrd="0" presId="urn:microsoft.com/office/officeart/2005/8/layout/hProcess6"/>
-    <dgm:cxn modelId="{951CD7FA-A9B4-463F-BD0D-452C521FF523}" type="presParOf" srcId="{8734DFB3-ADD8-4FD2-87D8-1981AA0ADD0B}" destId="{E8F3A685-8F9F-4BAC-8C8B-A1DE5AA41F3A}" srcOrd="4" destOrd="0" presId="urn:microsoft.com/office/officeart/2005/8/layout/hProcess6"/>
-    <dgm:cxn modelId="{E08D8862-B273-4AA6-9A90-754366CE4945}" type="presParOf" srcId="{E8F3A685-8F9F-4BAC-8C8B-A1DE5AA41F3A}" destId="{84BFA617-6CAF-4DA9-A086-82BCA61093BE}" srcOrd="0" destOrd="0" presId="urn:microsoft.com/office/officeart/2005/8/layout/hProcess6"/>
-    <dgm:cxn modelId="{69392B4C-2A7B-41A4-A48C-35E312A6434A}" type="presParOf" srcId="{E8F3A685-8F9F-4BAC-8C8B-A1DE5AA41F3A}" destId="{4BF699B1-BE15-42D1-9784-AA33CF29870E}" srcOrd="1" destOrd="0" presId="urn:microsoft.com/office/officeart/2005/8/layout/hProcess6"/>
-    <dgm:cxn modelId="{29F5DEAB-A9C8-47F8-A089-1585C323795A}" type="presParOf" srcId="{E8F3A685-8F9F-4BAC-8C8B-A1DE5AA41F3A}" destId="{F0925EF4-86E2-4748-BA70-94AAF55AB064}" srcOrd="2" destOrd="0" presId="urn:microsoft.com/office/officeart/2005/8/layout/hProcess6"/>
-    <dgm:cxn modelId="{E9A57A1B-DDAF-4905-B46C-246DB5E9FB2A}" type="presParOf" srcId="{E8F3A685-8F9F-4BAC-8C8B-A1DE5AA41F3A}" destId="{78E9A4E4-18A9-4B73-8007-A63A71C71937}" srcOrd="3" destOrd="0" presId="urn:microsoft.com/office/officeart/2005/8/layout/hProcess6"/>
-  </dgm:cxnLst>
-  <dgm:bg/>
-  <dgm:whole/>
-  <dgm:extLst>
-    <a:ext uri="http://schemas.microsoft.com/office/drawing/2008/diagram">
-      <dsp:dataModelExt xmlns:dsp="http://schemas.microsoft.com/office/drawing/2008/diagram" relId="rId7" minVer="http://schemas.openxmlformats.org/drawingml/2006/diagram"/>
-    </a:ext>
-  </dgm:extLst>
-</dgm:dataModel>
-</file>
-
-<file path=ppt/diagrams/drawing1.xml><?xml version="1.0" encoding="utf-8"?>
-<dsp:drawing xmlns:dgm="http://schemas.openxmlformats.org/drawingml/2006/diagram" xmlns:dsp="http://schemas.microsoft.com/office/drawing/2008/diagram" xmlns:a="http://schemas.openxmlformats.org/drawingml/2006/main">
-  <dsp:spTree>
-    <dsp:nvGrpSpPr>
-      <dsp:cNvPr id="0" name=""/>
-      <dsp:cNvGrpSpPr/>
-    </dsp:nvGrpSpPr>
-    <dsp:grpSpPr/>
-    <dsp:sp modelId="{610B5FFC-C0C9-444C-9F7A-14D1B54F604D}">
-      <dsp:nvSpPr>
-        <dsp:cNvPr id="0" name=""/>
-        <dsp:cNvSpPr/>
-      </dsp:nvSpPr>
-      <dsp:spPr>
-        <a:xfrm>
-          <a:off x="623515" y="823134"/>
-          <a:ext cx="2475309" cy="2163731"/>
-        </a:xfrm>
-        <a:prstGeom prst="rightArrow">
-          <a:avLst>
-            <a:gd name="adj1" fmla="val 70000"/>
-            <a:gd name="adj2" fmla="val 50000"/>
-          </a:avLst>
-        </a:prstGeom>
-        <a:solidFill>
-          <a:schemeClr val="lt1">
-            <a:alpha val="90000"/>
-            <a:tint val="40000"/>
-            <a:hueOff val="0"/>
-            <a:satOff val="0"/>
-            <a:lumOff val="0"/>
-            <a:alphaOff val="0"/>
-          </a:schemeClr>
-        </a:solidFill>
-        <a:ln w="12700" cap="flat" cmpd="sng" algn="ctr">
-          <a:solidFill>
-            <a:schemeClr val="accent1">
-              <a:alpha val="90000"/>
-              <a:hueOff val="0"/>
-              <a:satOff val="0"/>
-              <a:lumOff val="0"/>
-              <a:alphaOff val="0"/>
-            </a:schemeClr>
-          </a:solidFill>
-          <a:prstDash val="solid"/>
-          <a:miter lim="800000"/>
-        </a:ln>
-        <a:effectLst/>
-      </dsp:spPr>
-      <dsp:style>
-        <a:lnRef idx="2">
-          <a:scrgbClr r="0" g="0" b="0"/>
-        </a:lnRef>
-        <a:fillRef idx="1">
-          <a:scrgbClr r="0" g="0" b="0"/>
-        </a:fillRef>
-        <a:effectRef idx="0">
-          <a:scrgbClr r="0" g="0" b="0"/>
-        </a:effectRef>
-        <a:fontRef idx="minor"/>
-      </dsp:style>
-      <dsp:txBody>
-        <a:bodyPr spcFirstLastPara="0" vert="horz" wrap="square" lIns="91440" tIns="22860" rIns="45720" bIns="22860" numCol="1" spcCol="1270" rtlCol="0" anchor="ctr" anchorCtr="0">
-          <a:noAutofit/>
-        </a:bodyPr>
-        <a:lstStyle/>
-        <a:p>
-          <a:pPr marL="0" lvl="0" indent="0" algn="ctr" defTabSz="1600200" rtl="0">
-            <a:lnSpc>
-              <a:spcPct val="90000"/>
-            </a:lnSpc>
-            <a:spcBef>
-              <a:spcPct val="0"/>
-            </a:spcBef>
-            <a:spcAft>
-              <a:spcPct val="35000"/>
-            </a:spcAft>
-            <a:buNone/>
-          </a:pPr>
-          <a:r>
-            <a:rPr lang="ko-KR" altLang="en-US" sz="3600" kern="1200" noProof="0" dirty="0">
-              <a:latin typeface="맑은 고딕" panose="020B0503020000020004" pitchFamily="50" charset="-127"/>
-              <a:ea typeface="맑은 고딕" panose="020B0503020000020004" pitchFamily="50" charset="-127"/>
-            </a:rPr>
-            <a:t>작업 설명</a:t>
-          </a:r>
-        </a:p>
-      </dsp:txBody>
-      <dsp:txXfrm>
-        <a:off x="1242342" y="1147694"/>
-        <a:ext cx="1206713" cy="1514611"/>
-      </dsp:txXfrm>
-    </dsp:sp>
-    <dsp:sp modelId="{47DA5750-48DC-4E4F-815D-0B05DBC30DAB}">
-      <dsp:nvSpPr>
-        <dsp:cNvPr id="0" name=""/>
-        <dsp:cNvSpPr/>
-      </dsp:nvSpPr>
-      <dsp:spPr>
-        <a:xfrm>
-          <a:off x="4688" y="1286172"/>
-          <a:ext cx="1237654" cy="1237654"/>
-        </a:xfrm>
-        <a:prstGeom prst="ellipse">
-          <a:avLst/>
-        </a:prstGeom>
-        <a:solidFill>
-          <a:schemeClr val="lt1">
-            <a:hueOff val="0"/>
-            <a:satOff val="0"/>
-            <a:lumOff val="0"/>
-            <a:alphaOff val="0"/>
-          </a:schemeClr>
-        </a:solidFill>
-        <a:ln w="12700" cap="flat" cmpd="sng" algn="ctr">
-          <a:solidFill>
-            <a:schemeClr val="accent1">
-              <a:shade val="80000"/>
-              <a:hueOff val="0"/>
-              <a:satOff val="0"/>
-              <a:lumOff val="0"/>
-              <a:alphaOff val="0"/>
-            </a:schemeClr>
-          </a:solidFill>
-          <a:prstDash val="solid"/>
-          <a:miter lim="800000"/>
-        </a:ln>
-        <a:effectLst/>
-      </dsp:spPr>
-      <dsp:style>
-        <a:lnRef idx="2">
-          <a:scrgbClr r="0" g="0" b="0"/>
-        </a:lnRef>
-        <a:fillRef idx="1">
-          <a:scrgbClr r="0" g="0" b="0"/>
-        </a:fillRef>
-        <a:effectRef idx="0">
-          <a:scrgbClr r="0" g="0" b="0"/>
-        </a:effectRef>
-        <a:fontRef idx="minor">
-          <a:schemeClr val="lt1"/>
-        </a:fontRef>
-      </dsp:style>
-      <dsp:txBody>
-        <a:bodyPr spcFirstLastPara="0" vert="horz" wrap="square" lIns="13335" tIns="13335" rIns="13335" bIns="13335" numCol="1" spcCol="1270" rtlCol="0" anchor="ctr" anchorCtr="0">
-          <a:noAutofit/>
-        </a:bodyPr>
-        <a:lstStyle/>
-        <a:p>
-          <a:pPr marL="0" lvl="0" indent="0" algn="ctr" defTabSz="933450" rtl="0">
-            <a:lnSpc>
-              <a:spcPct val="90000"/>
-            </a:lnSpc>
-            <a:spcBef>
-              <a:spcPct val="0"/>
-            </a:spcBef>
-            <a:spcAft>
-              <a:spcPct val="35000"/>
-            </a:spcAft>
-            <a:buNone/>
-          </a:pPr>
-          <a:r>
-            <a:rPr lang="en-US" altLang="ko-KR" sz="2100" kern="1200" noProof="0" dirty="0">
-              <a:latin typeface="맑은 고딕" panose="020B0503020000020004" pitchFamily="50" charset="-127"/>
-              <a:ea typeface="맑은 고딕" panose="020B0503020000020004" pitchFamily="50" charset="-127"/>
-            </a:rPr>
-            <a:t>1</a:t>
-          </a:r>
-          <a:r>
-            <a:rPr lang="ko-KR" altLang="en-US" sz="2100" kern="1200" noProof="0" dirty="0">
-              <a:latin typeface="맑은 고딕" panose="020B0503020000020004" pitchFamily="50" charset="-127"/>
-              <a:ea typeface="맑은 고딕" panose="020B0503020000020004" pitchFamily="50" charset="-127"/>
-            </a:rPr>
-            <a:t>단계 제목</a:t>
-          </a:r>
-        </a:p>
-      </dsp:txBody>
-      <dsp:txXfrm>
-        <a:off x="185938" y="1467422"/>
-        <a:ext cx="875154" cy="875154"/>
-      </dsp:txXfrm>
-    </dsp:sp>
-    <dsp:sp modelId="{00D2DC2C-7CA2-4A4B-B66D-3DDCAB7DC8E9}">
-      <dsp:nvSpPr>
-        <dsp:cNvPr id="0" name=""/>
-        <dsp:cNvSpPr/>
-      </dsp:nvSpPr>
-      <dsp:spPr>
-        <a:xfrm>
-          <a:off x="3872358" y="823134"/>
-          <a:ext cx="2475309" cy="2163731"/>
-        </a:xfrm>
-        <a:prstGeom prst="rightArrow">
-          <a:avLst>
-            <a:gd name="adj1" fmla="val 70000"/>
-            <a:gd name="adj2" fmla="val 50000"/>
-          </a:avLst>
-        </a:prstGeom>
-        <a:solidFill>
-          <a:schemeClr val="lt1">
-            <a:alpha val="90000"/>
-            <a:tint val="40000"/>
-            <a:hueOff val="0"/>
-            <a:satOff val="0"/>
-            <a:lumOff val="0"/>
-            <a:alphaOff val="0"/>
-          </a:schemeClr>
-        </a:solidFill>
-        <a:ln w="12700" cap="flat" cmpd="sng" algn="ctr">
-          <a:solidFill>
-            <a:schemeClr val="accent1">
-              <a:alpha val="90000"/>
-              <a:hueOff val="0"/>
-              <a:satOff val="0"/>
-              <a:lumOff val="0"/>
-              <a:alphaOff val="0"/>
-            </a:schemeClr>
-          </a:solidFill>
-          <a:prstDash val="solid"/>
-          <a:miter lim="800000"/>
-        </a:ln>
-        <a:effectLst/>
-      </dsp:spPr>
-      <dsp:style>
-        <a:lnRef idx="2">
-          <a:scrgbClr r="0" g="0" b="0"/>
-        </a:lnRef>
-        <a:fillRef idx="1">
-          <a:scrgbClr r="0" g="0" b="0"/>
-        </a:fillRef>
-        <a:effectRef idx="0">
-          <a:scrgbClr r="0" g="0" b="0"/>
-        </a:effectRef>
-        <a:fontRef idx="minor"/>
-      </dsp:style>
-      <dsp:txBody>
-        <a:bodyPr spcFirstLastPara="0" vert="horz" wrap="square" lIns="91440" tIns="22860" rIns="45720" bIns="22860" numCol="1" spcCol="1270" rtlCol="0" anchor="ctr" anchorCtr="0">
-          <a:noAutofit/>
-        </a:bodyPr>
-        <a:lstStyle/>
-        <a:p>
-          <a:pPr marL="0" lvl="0" indent="0" algn="ctr" defTabSz="1600200" rtl="0">
-            <a:lnSpc>
-              <a:spcPct val="90000"/>
-            </a:lnSpc>
-            <a:spcBef>
-              <a:spcPct val="0"/>
-            </a:spcBef>
-            <a:spcAft>
-              <a:spcPct val="35000"/>
-            </a:spcAft>
-            <a:buNone/>
-          </a:pPr>
-          <a:r>
-            <a:rPr lang="ko-KR" altLang="en-US" sz="3600" kern="1200" noProof="0" dirty="0">
-              <a:latin typeface="맑은 고딕" panose="020B0503020000020004" pitchFamily="50" charset="-127"/>
-              <a:ea typeface="맑은 고딕" panose="020B0503020000020004" pitchFamily="50" charset="-127"/>
-            </a:rPr>
-            <a:t>작업 설명</a:t>
-          </a:r>
-        </a:p>
-      </dsp:txBody>
-      <dsp:txXfrm>
-        <a:off x="4491186" y="1147694"/>
-        <a:ext cx="1206713" cy="1514611"/>
-      </dsp:txXfrm>
-    </dsp:sp>
-    <dsp:sp modelId="{EE8733A1-7662-4D0A-B39E-2218596CC81C}">
-      <dsp:nvSpPr>
-        <dsp:cNvPr id="0" name=""/>
-        <dsp:cNvSpPr/>
-      </dsp:nvSpPr>
-      <dsp:spPr>
-        <a:xfrm>
-          <a:off x="3253531" y="1286172"/>
-          <a:ext cx="1237654" cy="1237654"/>
-        </a:xfrm>
-        <a:prstGeom prst="ellipse">
-          <a:avLst/>
-        </a:prstGeom>
-        <a:solidFill>
-          <a:schemeClr val="lt1">
-            <a:hueOff val="0"/>
-            <a:satOff val="0"/>
-            <a:lumOff val="0"/>
-            <a:alphaOff val="0"/>
-          </a:schemeClr>
-        </a:solidFill>
-        <a:ln w="12700" cap="flat" cmpd="sng" algn="ctr">
-          <a:solidFill>
-            <a:schemeClr val="accent1">
-              <a:shade val="80000"/>
-              <a:hueOff val="0"/>
-              <a:satOff val="0"/>
-              <a:lumOff val="0"/>
-              <a:alphaOff val="0"/>
-            </a:schemeClr>
-          </a:solidFill>
-          <a:prstDash val="solid"/>
-          <a:miter lim="800000"/>
-        </a:ln>
-        <a:effectLst/>
-      </dsp:spPr>
-      <dsp:style>
-        <a:lnRef idx="2">
-          <a:scrgbClr r="0" g="0" b="0"/>
-        </a:lnRef>
-        <a:fillRef idx="1">
-          <a:scrgbClr r="0" g="0" b="0"/>
-        </a:fillRef>
-        <a:effectRef idx="0">
-          <a:scrgbClr r="0" g="0" b="0"/>
-        </a:effectRef>
-        <a:fontRef idx="minor">
-          <a:schemeClr val="lt1"/>
-        </a:fontRef>
-      </dsp:style>
-      <dsp:txBody>
-        <a:bodyPr spcFirstLastPara="0" vert="horz" wrap="square" lIns="13335" tIns="13335" rIns="13335" bIns="13335" numCol="1" spcCol="1270" rtlCol="0" anchor="ctr" anchorCtr="0">
-          <a:noAutofit/>
-        </a:bodyPr>
-        <a:lstStyle/>
-        <a:p>
-          <a:pPr marL="0" lvl="0" indent="0" algn="ctr" defTabSz="933450" rtl="0">
-            <a:lnSpc>
-              <a:spcPct val="90000"/>
-            </a:lnSpc>
-            <a:spcBef>
-              <a:spcPct val="0"/>
-            </a:spcBef>
-            <a:spcAft>
-              <a:spcPct val="35000"/>
-            </a:spcAft>
-            <a:buNone/>
-          </a:pPr>
-          <a:r>
-            <a:rPr lang="en-US" altLang="ko-KR" sz="2100" kern="1200" noProof="0" dirty="0">
-              <a:latin typeface="맑은 고딕" panose="020B0503020000020004" pitchFamily="50" charset="-127"/>
-              <a:ea typeface="맑은 고딕" panose="020B0503020000020004" pitchFamily="50" charset="-127"/>
-            </a:rPr>
-            <a:t>2</a:t>
-          </a:r>
-          <a:r>
-            <a:rPr lang="ko-KR" altLang="en-US" sz="2100" kern="1200" noProof="0" dirty="0">
-              <a:latin typeface="맑은 고딕" panose="020B0503020000020004" pitchFamily="50" charset="-127"/>
-              <a:ea typeface="맑은 고딕" panose="020B0503020000020004" pitchFamily="50" charset="-127"/>
-            </a:rPr>
-            <a:t>단계 제목</a:t>
-          </a:r>
-        </a:p>
-      </dsp:txBody>
-      <dsp:txXfrm>
-        <a:off x="3434781" y="1467422"/>
-        <a:ext cx="875154" cy="875154"/>
-      </dsp:txXfrm>
-    </dsp:sp>
-    <dsp:sp modelId="{4BF699B1-BE15-42D1-9784-AA33CF29870E}">
-      <dsp:nvSpPr>
-        <dsp:cNvPr id="0" name=""/>
-        <dsp:cNvSpPr/>
-      </dsp:nvSpPr>
-      <dsp:spPr>
-        <a:xfrm>
-          <a:off x="7121202" y="823134"/>
-          <a:ext cx="2475309" cy="2163731"/>
-        </a:xfrm>
-        <a:prstGeom prst="rightArrow">
-          <a:avLst>
-            <a:gd name="adj1" fmla="val 70000"/>
-            <a:gd name="adj2" fmla="val 50000"/>
-          </a:avLst>
-        </a:prstGeom>
-        <a:solidFill>
-          <a:schemeClr val="lt1">
-            <a:alpha val="90000"/>
-            <a:tint val="40000"/>
-            <a:hueOff val="0"/>
-            <a:satOff val="0"/>
-            <a:lumOff val="0"/>
-            <a:alphaOff val="0"/>
-          </a:schemeClr>
-        </a:solidFill>
-        <a:ln w="12700" cap="flat" cmpd="sng" algn="ctr">
-          <a:solidFill>
-            <a:schemeClr val="accent1">
-              <a:alpha val="90000"/>
-              <a:hueOff val="0"/>
-              <a:satOff val="0"/>
-              <a:lumOff val="0"/>
-              <a:alphaOff val="0"/>
-            </a:schemeClr>
-          </a:solidFill>
-          <a:prstDash val="solid"/>
-          <a:miter lim="800000"/>
-        </a:ln>
-        <a:effectLst/>
-      </dsp:spPr>
-      <dsp:style>
-        <a:lnRef idx="2">
-          <a:scrgbClr r="0" g="0" b="0"/>
-        </a:lnRef>
-        <a:fillRef idx="1">
-          <a:scrgbClr r="0" g="0" b="0"/>
-        </a:fillRef>
-        <a:effectRef idx="0">
-          <a:scrgbClr r="0" g="0" b="0"/>
-        </a:effectRef>
-        <a:fontRef idx="minor"/>
-      </dsp:style>
-      <dsp:txBody>
-        <a:bodyPr spcFirstLastPara="0" vert="horz" wrap="square" lIns="91440" tIns="22860" rIns="45720" bIns="22860" numCol="1" spcCol="1270" rtlCol="0" anchor="ctr" anchorCtr="0">
-          <a:noAutofit/>
-        </a:bodyPr>
-        <a:lstStyle/>
-        <a:p>
-          <a:pPr marL="0" lvl="0" indent="0" algn="ctr" defTabSz="1600200" rtl="0">
-            <a:lnSpc>
-              <a:spcPct val="90000"/>
-            </a:lnSpc>
-            <a:spcBef>
-              <a:spcPct val="0"/>
-            </a:spcBef>
-            <a:spcAft>
-              <a:spcPct val="35000"/>
-            </a:spcAft>
-            <a:buNone/>
-          </a:pPr>
-          <a:r>
-            <a:rPr lang="ko-KR" altLang="en-US" sz="3600" kern="1200" noProof="0" dirty="0">
-              <a:latin typeface="맑은 고딕" panose="020B0503020000020004" pitchFamily="50" charset="-127"/>
-              <a:ea typeface="맑은 고딕" panose="020B0503020000020004" pitchFamily="50" charset="-127"/>
-            </a:rPr>
-            <a:t>작업 설명</a:t>
-          </a:r>
-        </a:p>
-      </dsp:txBody>
-      <dsp:txXfrm>
-        <a:off x="7740029" y="1147694"/>
-        <a:ext cx="1206713" cy="1514611"/>
-      </dsp:txXfrm>
-    </dsp:sp>
-    <dsp:sp modelId="{78E9A4E4-18A9-4B73-8007-A63A71C71937}">
-      <dsp:nvSpPr>
-        <dsp:cNvPr id="0" name=""/>
-        <dsp:cNvSpPr/>
-      </dsp:nvSpPr>
-      <dsp:spPr>
-        <a:xfrm>
-          <a:off x="6502375" y="1286172"/>
-          <a:ext cx="1237654" cy="1237654"/>
-        </a:xfrm>
-        <a:prstGeom prst="ellipse">
-          <a:avLst/>
-        </a:prstGeom>
-        <a:solidFill>
-          <a:schemeClr val="lt1">
-            <a:hueOff val="0"/>
-            <a:satOff val="0"/>
-            <a:lumOff val="0"/>
-            <a:alphaOff val="0"/>
-          </a:schemeClr>
-        </a:solidFill>
-        <a:ln w="12700" cap="flat" cmpd="sng" algn="ctr">
-          <a:solidFill>
-            <a:schemeClr val="accent1">
-              <a:shade val="80000"/>
-              <a:hueOff val="0"/>
-              <a:satOff val="0"/>
-              <a:lumOff val="0"/>
-              <a:alphaOff val="0"/>
-            </a:schemeClr>
-          </a:solidFill>
-          <a:prstDash val="solid"/>
-          <a:miter lim="800000"/>
-        </a:ln>
-        <a:effectLst/>
-      </dsp:spPr>
-      <dsp:style>
-        <a:lnRef idx="2">
-          <a:scrgbClr r="0" g="0" b="0"/>
-        </a:lnRef>
-        <a:fillRef idx="1">
-          <a:scrgbClr r="0" g="0" b="0"/>
-        </a:fillRef>
-        <a:effectRef idx="0">
-          <a:scrgbClr r="0" g="0" b="0"/>
-        </a:effectRef>
-        <a:fontRef idx="minor">
-          <a:schemeClr val="lt1"/>
-        </a:fontRef>
-      </dsp:style>
-      <dsp:txBody>
-        <a:bodyPr spcFirstLastPara="0" vert="horz" wrap="square" lIns="13335" tIns="13335" rIns="13335" bIns="13335" numCol="1" spcCol="1270" rtlCol="0" anchor="ctr" anchorCtr="0">
-          <a:noAutofit/>
-        </a:bodyPr>
-        <a:lstStyle/>
-        <a:p>
-          <a:pPr marL="0" lvl="0" indent="0" algn="ctr" defTabSz="933450" rtl="0">
-            <a:lnSpc>
-              <a:spcPct val="90000"/>
-            </a:lnSpc>
-            <a:spcBef>
-              <a:spcPct val="0"/>
-            </a:spcBef>
-            <a:spcAft>
-              <a:spcPct val="35000"/>
-            </a:spcAft>
-            <a:buNone/>
-          </a:pPr>
-          <a:r>
-            <a:rPr lang="en-US" altLang="ko-KR" sz="2100" kern="1200" noProof="0" dirty="0">
-              <a:latin typeface="맑은 고딕" panose="020B0503020000020004" pitchFamily="50" charset="-127"/>
-              <a:ea typeface="맑은 고딕" panose="020B0503020000020004" pitchFamily="50" charset="-127"/>
-            </a:rPr>
-            <a:t>3</a:t>
-          </a:r>
-          <a:r>
-            <a:rPr lang="ko-KR" altLang="en-US" sz="2100" kern="1200" noProof="0" dirty="0">
-              <a:latin typeface="맑은 고딕" panose="020B0503020000020004" pitchFamily="50" charset="-127"/>
-              <a:ea typeface="맑은 고딕" panose="020B0503020000020004" pitchFamily="50" charset="-127"/>
-            </a:rPr>
-            <a:t>단계 제목</a:t>
-          </a:r>
-        </a:p>
-      </dsp:txBody>
-      <dsp:txXfrm>
-        <a:off x="6683625" y="1467422"/>
-        <a:ext cx="875154" cy="875154"/>
-      </dsp:txXfrm>
-    </dsp:sp>
-  </dsp:spTree>
-</dsp:drawing>
-</file>
-
-<file path=ppt/diagrams/layout1.xml><?xml version="1.0" encoding="utf-8"?>
-<dgm:layoutDef xmlns:dgm="http://schemas.openxmlformats.org/drawingml/2006/diagram" xmlns:a="http://schemas.openxmlformats.org/drawingml/2006/main" uniqueId="urn:microsoft.com/office/officeart/2005/8/layout/hProcess6">
-  <dgm:title val=""/>
-  <dgm:desc val=""/>
-  <dgm:catLst>
-    <dgm:cat type="process" pri="7000"/>
-  </dgm:catLst>
-  <dgm:sampData>
-    <dgm:dataModel>
-      <dgm:ptLst>
-        <dgm:pt modelId="0" type="doc"/>
-        <dgm:pt modelId="1">
-          <dgm:prSet phldr="1"/>
-        </dgm:pt>
-        <dgm:pt modelId="11">
-          <dgm:prSet phldr="1"/>
-        </dgm:pt>
-        <dgm:pt modelId="12">
-          <dgm:prSet phldr="1"/>
-        </dgm:pt>
-        <dgm:pt modelId="2">
-          <dgm:prSet phldr="1"/>
-        </dgm:pt>
-        <dgm:pt modelId="21">
-          <dgm:prSet phldr="1"/>
-        </dgm:pt>
-        <dgm:pt modelId="22">
-          <dgm:prSet phldr="1"/>
-        </dgm:pt>
-        <dgm:pt modelId="3">
-          <dgm:prSet phldr="1"/>
-        </dgm:pt>
-        <dgm:pt modelId="31">
-          <dgm:prSet phldr="1"/>
-        </dgm:pt>
-        <dgm:pt modelId="32">
-          <dgm:prSet phldr="1"/>
-        </dgm:pt>
-      </dgm:ptLst>
-      <dgm:cxnLst>
-        <dgm:cxn modelId="4" srcId="0" destId="1" srcOrd="0" destOrd="0"/>
-        <dgm:cxn modelId="5" srcId="0" destId="2" srcOrd="1" destOrd="0"/>
-        <dgm:cxn modelId="13" srcId="1" destId="11" srcOrd="0" destOrd="0"/>
-        <dgm:cxn modelId="14" srcId="1" destId="12" srcOrd="0" destOrd="0"/>
-        <dgm:cxn modelId="23" srcId="2" destId="21" srcOrd="0" destOrd="0"/>
-        <dgm:cxn modelId="24" srcId="2" destId="22" srcOrd="0" destOrd="0"/>
-        <dgm:cxn modelId="33" srcId="3" destId="31" srcOrd="0" destOrd="0"/>
-        <dgm:cxn modelId="34" srcId="3" destId="32" srcOrd="0" destOrd="0"/>
-      </dgm:cxnLst>
-      <dgm:bg/>
-      <dgm:whole/>
-    </dgm:dataModel>
-  </dgm:sampData>
-  <dgm:styleData>
-    <dgm:dataModel>
-      <dgm:ptLst>
-        <dgm:pt modelId="0" type="doc"/>
-        <dgm:pt modelId="1"/>
-        <dgm:pt modelId="11"/>
-        <dgm:pt modelId="2"/>
-        <dgm:pt modelId="21"/>
-      </dgm:ptLst>
-      <dgm:cxnLst>
-        <dgm:cxn modelId="4" srcId="0" destId="1" srcOrd="0" destOrd="0"/>
-        <dgm:cxn modelId="5" srcId="0" destId="2" srcOrd="1" destOrd="0"/>
-        <dgm:cxn modelId="13" srcId="1" destId="11" srcOrd="0" destOrd="0"/>
-        <dgm:cxn modelId="23" srcId="2" destId="21" srcOrd="0" destOrd="0"/>
-      </dgm:cxnLst>
-      <dgm:bg/>
-      <dgm:whole/>
-    </dgm:dataModel>
-  </dgm:styleData>
-  <dgm:clrData>
-    <dgm:dataModel>
-      <dgm:ptLst>
-        <dgm:pt modelId="0" type="doc"/>
-        <dgm:pt modelId="1"/>
-        <dgm:pt modelId="11"/>
-        <dgm:pt modelId="2"/>
-        <dgm:pt modelId="21"/>
-        <dgm:pt modelId="3"/>
-        <dgm:pt modelId="31"/>
-        <dgm:pt modelId="4"/>
-        <dgm:pt modelId="41"/>
-      </dgm:ptLst>
-      <dgm:cxnLst>
-        <dgm:cxn modelId="5" srcId="0" destId="1" srcOrd="0" destOrd="0"/>
-        <dgm:cxn modelId="6" srcId="0" destId="2" srcOrd="1" destOrd="0"/>
-        <dgm:cxn modelId="7" srcId="0" destId="3" srcOrd="2" destOrd="0"/>
-        <dgm:cxn modelId="8" srcId="0" destId="4" srcOrd="3" destOrd="0"/>
-        <dgm:cxn modelId="13" srcId="1" destId="11" srcOrd="0" destOrd="0"/>
-        <dgm:cxn modelId="23" srcId="2" destId="21" srcOrd="0" destOrd="0"/>
-        <dgm:cxn modelId="33" srcId="3" destId="31" srcOrd="0" destOrd="0"/>
-        <dgm:cxn modelId="43" srcId="4" destId="41" srcOrd="0" destOrd="0"/>
-      </dgm:cxnLst>
-      <dgm:bg/>
-      <dgm:whole/>
-    </dgm:dataModel>
-  </dgm:clrData>
-  <dgm:layoutNode name="theList">
-    <dgm:varLst>
-      <dgm:dir/>
-      <dgm:animLvl val="lvl"/>
-      <dgm:resizeHandles val="exact"/>
-    </dgm:varLst>
-    <dgm:choose name="Name0">
-      <dgm:if name="Name1" func="var" arg="dir" op="equ" val="norm">
-        <dgm:alg type="lin">
-          <dgm:param type="linDir" val="fromL"/>
-          <dgm:param type="nodeHorzAlign" val="l"/>
-        </dgm:alg>
-      </dgm:if>
-      <dgm:else name="Name2">
-        <dgm:alg type="lin">
-          <dgm:param type="linDir" val="fromR"/>
-          <dgm:param type="nodeHorzAlign" val="r"/>
-        </dgm:alg>
-      </dgm:else>
-    </dgm:choose>
-    <dgm:shape xmlns:r="http://schemas.openxmlformats.org/officeDocument/2006/relationships" r:blip="">
-      <dgm:adjLst/>
-    </dgm:shape>
-    <dgm:presOf/>
-    <dgm:constrLst>
-      <dgm:constr type="w" for="ch" forName="compNode" refType="w"/>
-      <dgm:constr type="h" for="ch" forName="compNode" refType="w" refFor="ch" refForName="compNode" fact="0.7"/>
-      <dgm:constr type="ctrY" for="ch" forName="compNode" refType="h" fact="0.5"/>
-      <dgm:constr type="w" for="ch" forName="aSpace" refType="w" fact="0.05"/>
-      <dgm:constr type="primFontSz" for="des" forName="childTextHidden" op="equ" val="65"/>
-      <dgm:constr type="primFontSz" for="des" forName="parentText" op="equ"/>
-    </dgm:constrLst>
-    <dgm:ruleLst/>
-    <dgm:forEach name="aNodeForEach" axis="ch" ptType="node">
-      <dgm:layoutNode name="compNode">
-        <dgm:alg type="composite">
-          <dgm:param type="ar" val="1.43"/>
-        </dgm:alg>
-        <dgm:shape xmlns:r="http://schemas.openxmlformats.org/officeDocument/2006/relationships" r:blip="">
-          <dgm:adjLst/>
-        </dgm:shape>
-        <dgm:presOf/>
-        <dgm:choose name="Name3">
-          <dgm:if name="Name4" func="var" arg="dir" op="equ" val="norm">
-            <dgm:constrLst>
-              <dgm:constr type="w" for="ch" forName="childTextVisible" refType="w" fact="0.8"/>
-              <dgm:constr type="h" for="ch" forName="childTextVisible" refType="h"/>
-              <dgm:constr type="r" for="ch" forName="childTextVisible" refType="w"/>
-              <dgm:constr type="w" for="ch" forName="childTextHidden" refType="w" fact="0.6"/>
-              <dgm:constr type="h" for="ch" forName="childTextHidden" refType="h"/>
-              <dgm:constr type="r" for="ch" forName="childTextHidden" refType="w"/>
-              <dgm:constr type="l" for="ch" forName="parentText"/>
-              <dgm:constr type="w" for="ch" forName="parentText" refType="w" fact="0.4"/>
-              <dgm:constr type="h" for="ch" forName="parentText" refType="w" refFor="ch" refForName="parentText" op="equ"/>
-              <dgm:constr type="ctrY" for="ch" forName="parentText" refType="h" fact="0.5"/>
-            </dgm:constrLst>
-          </dgm:if>
-          <dgm:else name="Name5">
-            <dgm:constrLst>
-              <dgm:constr type="w" for="ch" forName="childTextVisible" refType="w" fact="0.8"/>
-              <dgm:constr type="h" for="ch" forName="childTextVisible" refType="h"/>
-              <dgm:constr type="l" for="ch" forName="childTextVisible"/>
-              <dgm:constr type="w" for="ch" forName="childTextHidden" refType="w" fact="0.6"/>
-              <dgm:constr type="h" for="ch" forName="childTextHidden" refType="h"/>
-              <dgm:constr type="l" for="ch" forName="childTextHidden"/>
-              <dgm:constr type="r" for="ch" forName="parentText" refType="w"/>
-              <dgm:constr type="w" for="ch" forName="parentText" refType="w" fact="0.4"/>
-              <dgm:constr type="h" for="ch" forName="parentText" refType="w" refFor="ch" refForName="parentText" op="equ"/>
-              <dgm:constr type="ctrY" for="ch" forName="parentText" refType="h" fact="0.5"/>
-            </dgm:constrLst>
-          </dgm:else>
-        </dgm:choose>
-        <dgm:ruleLst/>
-        <dgm:layoutNode name="noGeometry">
-          <dgm:alg type="sp"/>
-          <dgm:shape xmlns:r="http://schemas.openxmlformats.org/officeDocument/2006/relationships" r:blip="">
-            <dgm:adjLst/>
-          </dgm:shape>
-          <dgm:presOf/>
-          <dgm:constrLst/>
-          <dgm:ruleLst/>
-        </dgm:layoutNode>
-        <dgm:layoutNode name="childTextVisible" styleLbl="bgAccFollowNode1">
-          <dgm:varLst>
-            <dgm:bulletEnabled val="1"/>
-          </dgm:varLst>
-          <dgm:alg type="sp"/>
-          <dgm:choose name="Name6">
-            <dgm:if name="Name7" func="var" arg="dir" op="equ" val="norm">
-              <dgm:shape xmlns:r="http://schemas.openxmlformats.org/officeDocument/2006/relationships" type="rightArrow" r:blip="">
-                <dgm:adjLst>
-                  <dgm:adj idx="1" val="0.7"/>
-                  <dgm:adj idx="2" val="0.5"/>
-                </dgm:adjLst>
-              </dgm:shape>
-            </dgm:if>
-            <dgm:else name="Name8">
-              <dgm:shape xmlns:r="http://schemas.openxmlformats.org/officeDocument/2006/relationships" type="leftArrow" r:blip="">
-                <dgm:adjLst>
-                  <dgm:adj idx="1" val="0.7"/>
-                  <dgm:adj idx="2" val="0.5"/>
-                </dgm:adjLst>
-              </dgm:shape>
-            </dgm:else>
-          </dgm:choose>
-          <dgm:presOf axis="des" ptType="node"/>
-          <dgm:constrLst/>
-          <dgm:ruleLst/>
-        </dgm:layoutNode>
-        <dgm:layoutNode name="childTextHidden" styleLbl="bgAccFollowNode1">
-          <dgm:choose name="Name9">
-            <dgm:if name="Name10" axis="des followSib" ptType="node node" st="1 1" cnt="1 0" func="cnt" op="gte" val="1">
-              <dgm:alg type="tx">
-                <dgm:param type="stBulletLvl" val="1"/>
-                <dgm:param type="txAnchorVertCh" val="mid"/>
-              </dgm:alg>
-            </dgm:if>
-            <dgm:else name="Name11">
-              <dgm:alg type="tx">
-                <dgm:param type="stBulletLvl" val="2"/>
-                <dgm:param type="txAnchorVertCh" val="mid"/>
-              </dgm:alg>
-            </dgm:else>
-          </dgm:choose>
-          <dgm:choose name="Name12">
-            <dgm:if name="Name13" func="var" arg="dir" op="equ" val="norm">
-              <dgm:shape xmlns:r="http://schemas.openxmlformats.org/officeDocument/2006/relationships" type="rightArrow" r:blip="" hideGeom="1">
-                <dgm:adjLst>
-                  <dgm:adj idx="1" val="0.7"/>
-                  <dgm:adj idx="2" val="0.5"/>
-                </dgm:adjLst>
-              </dgm:shape>
-            </dgm:if>
-            <dgm:else name="Name14">
-              <dgm:shape xmlns:r="http://schemas.openxmlformats.org/officeDocument/2006/relationships" type="leftArrow" r:blip="" hideGeom="1">
-                <dgm:adjLst>
-                  <dgm:adj idx="1" val="0.7"/>
-                  <dgm:adj idx="2" val="0.5"/>
-                </dgm:adjLst>
-              </dgm:shape>
-            </dgm:else>
-          </dgm:choose>
-          <dgm:presOf axis="des" ptType="node"/>
-          <dgm:constrLst>
-            <dgm:constr type="secFontSz" refType="primFontSz"/>
-            <dgm:constr type="tMarg" refType="primFontSz" fact="0.05"/>
-            <dgm:constr type="bMarg" refType="primFontSz" fact="0.05"/>
-            <dgm:constr type="rMarg" refType="primFontSz" fact="0.1"/>
-            <dgm:constr type="lMarg" refType="primFontSz" fact="0.2"/>
-          </dgm:constrLst>
-          <dgm:ruleLst>
-            <dgm:rule type="primFontSz" val="5" fact="NaN" max="NaN"/>
-          </dgm:ruleLst>
-        </dgm:layoutNode>
-        <dgm:layoutNode name="parentText" styleLbl="node1">
-          <dgm:varLst>
-            <dgm:chMax val="1"/>
-            <dgm:bulletEnabled val="1"/>
-          </dgm:varLst>
-          <dgm:alg type="tx"/>
-          <dgm:shape xmlns:r="http://schemas.openxmlformats.org/officeDocument/2006/relationships" type="ellipse" r:blip="">
-            <dgm:adjLst/>
-          </dgm:shape>
-          <dgm:presOf axis="self"/>
-          <dgm:constrLst>
-            <dgm:constr type="primFontSz" val="65"/>
-            <dgm:constr type="tMarg" refType="primFontSz" fact="0.05"/>
-            <dgm:constr type="bMarg" refType="primFontSz" fact="0.05"/>
-            <dgm:constr type="lMarg" refType="primFontSz" fact="0.05"/>
-            <dgm:constr type="rMarg" refType="primFontSz" fact="0.05"/>
-          </dgm:constrLst>
-          <dgm:ruleLst>
-            <dgm:rule type="primFontSz" val="5" fact="NaN" max="NaN"/>
-          </dgm:ruleLst>
-        </dgm:layoutNode>
-      </dgm:layoutNode>
-      <dgm:choose name="Name15">
-        <dgm:if name="Name16" axis="self" ptType="node" func="revPos" op="gte" val="2">
-          <dgm:layoutNode name="aSpace">
-            <dgm:alg type="sp"/>
-            <dgm:shape xmlns:r="http://schemas.openxmlformats.org/officeDocument/2006/relationships" r:blip="">
-              <dgm:adjLst/>
-            </dgm:shape>
-            <dgm:presOf/>
-            <dgm:constrLst/>
-            <dgm:ruleLst/>
-          </dgm:layoutNode>
-        </dgm:if>
-        <dgm:else name="Name17"/>
-      </dgm:choose>
-    </dgm:forEach>
-  </dgm:layoutNode>
-</dgm:layoutDef>
-</file>
-
-<file path=ppt/diagrams/quickStyle1.xml><?xml version="1.0" encoding="utf-8"?>
-<dgm:styleDef xmlns:dgm="http://schemas.openxmlformats.org/drawingml/2006/diagram" xmlns:a="http://schemas.openxmlformats.org/drawingml/2006/main" uniqueId="urn:microsoft.com/office/officeart/2005/8/quickstyle/simple1">
-  <dgm:title val=""/>
-  <dgm:desc val=""/>
-  <dgm:catLst>
-    <dgm:cat type="simple" pri="10100"/>
-  </dgm:catLst>
-  <dgm:scene3d>
-    <a:camera prst="orthographicFront"/>
-    <a:lightRig rig="threePt" dir="t"/>
-  </dgm:scene3d>
-  <dgm:styleLbl name="node0">
-    <dgm:scene3d>
-      <a:camera prst="orthographicFront"/>
-      <a:lightRig rig="threePt" dir="t"/>
-    </dgm:scene3d>
-    <dgm:sp3d/>
-    <dgm:txPr/>
-    <dgm:style>
-      <a:lnRef idx="2">
-        <a:scrgbClr r="0" g="0" b="0"/>
-      </a:lnRef>
-      <a:fillRef idx="1">
-        <a:scrgbClr r="0" g="0" b="0"/>
-      </a:fillRef>
-      <a:effectRef idx="0">
-        <a:scrgbClr r="0" g="0" b="0"/>
-      </a:effectRef>
-      <a:fontRef idx="minor">
-        <a:schemeClr val="lt1"/>
-      </a:fontRef>
-    </dgm:style>
-  </dgm:styleLbl>
-  <dgm:styleLbl name="lnNode1">
-    <dgm:scene3d>
-      <a:camera prst="orthographicFront"/>
-      <a:lightRig rig="threePt" dir="t"/>
-    </dgm:scene3d>
-    <dgm:sp3d/>
-    <dgm:txPr/>
-    <dgm:style>
-      <a:lnRef idx="2">
-        <a:scrgbClr r="0" g="0" b="0"/>
-      </a:lnRef>
-      <a:fillRef idx="1">
-        <a:scrgbClr r="0" g="0" b="0"/>
-      </a:fillRef>
-      <a:effectRef idx="0">
-        <a:scrgbClr r="0" g="0" b="0"/>
-      </a:effectRef>
-      <a:fontRef idx="minor">
-        <a:schemeClr val="lt1"/>
-      </a:fontRef>
-    </dgm:style>
-  </dgm:styleLbl>
-  <dgm:styleLbl name="vennNode1">
-    <dgm:scene3d>
-      <a:camera prst="orthographicFront"/>
-      <a:lightRig rig="threePt" dir="t"/>
-    </dgm:scene3d>
-    <dgm:sp3d/>
-    <dgm:txPr/>
-    <dgm:style>
-      <a:lnRef idx="2">
-        <a:scrgbClr r="0" g="0" b="0"/>
-      </a:lnRef>
-      <a:fillRef idx="1">
-        <a:scrgbClr r="0" g="0" b="0"/>
-      </a:fillRef>
-      <a:effectRef idx="0">
-        <a:scrgbClr r="0" g="0" b="0"/>
-      </a:effectRef>
-      <a:fontRef idx="minor">
-        <a:schemeClr val="tx1"/>
-      </a:fontRef>
-    </dgm:style>
-  </dgm:styleLbl>
-  <dgm:styleLbl name="alignNode1">
-    <dgm:scene3d>
-      <a:camera prst="orthographicFront"/>
-      <a:lightRig rig="threePt" dir="t"/>
-    </dgm:scene3d>
-    <dgm:sp3d/>
-    <dgm:txPr/>
-    <dgm:style>
-      <a:lnRef idx="2">
-        <a:scrgbClr r="0" g="0" b="0"/>
-      </a:lnRef>
-      <a:fillRef idx="1">
-        <a:scrgbClr r="0" g="0" b="0"/>
-      </a:fillRef>
-      <a:effectRef idx="0">
-        <a:scrgbClr r="0" g="0" b="0"/>
-      </a:effectRef>
-      <a:fontRef idx="minor">
-        <a:schemeClr val="lt1"/>
-      </a:fontRef>
-    </dgm:style>
-  </dgm:styleLbl>
-  <dgm:styleLbl name="node1">
-    <dgm:scene3d>
-      <a:camera prst="orthographicFront"/>
-      <a:lightRig rig="threePt" dir="t"/>
-    </dgm:scene3d>
-    <dgm:sp3d/>
-    <dgm:txPr/>
-    <dgm:style>
-      <a:lnRef idx="2">
-        <a:scrgbClr r="0" g="0" b="0"/>
-      </a:lnRef>
-      <a:fillRef idx="1">
-        <a:scrgbClr r="0" g="0" b="0"/>
-      </a:fillRef>
-      <a:effectRef idx="0">
-        <a:scrgbClr r="0" g="0" b="0"/>
-      </a:effectRef>
-      <a:fontRef idx="minor">
-        <a:schemeClr val="lt1"/>
-      </a:fontRef>
-    </dgm:style>
-  </dgm:styleLbl>
-  <dgm:styleLbl name="node2">
-    <dgm:scene3d>
-      <a:camera prst="orthographicFront"/>
-      <a:lightRig rig="threePt" dir="t"/>
-    </dgm:scene3d>
-    <dgm:sp3d/>
-    <dgm:txPr/>
-    <dgm:style>
-      <a:lnRef idx="2">
-        <a:scrgbClr r="0" g="0" b="0"/>
-      </a:lnRef>
-      <a:fillRef idx="1">
-        <a:scrgbClr r="0" g="0" b="0"/>
-      </a:fillRef>
-      <a:effectRef idx="0">
-        <a:scrgbClr r="0" g="0" b="0"/>
-      </a:effectRef>
-      <a:fontRef idx="minor">
-        <a:schemeClr val="lt1"/>
-      </a:fontRef>
-    </dgm:style>
-  </dgm:styleLbl>
-  <dgm:styleLbl name="node3">
-    <dgm:scene3d>
-      <a:camera prst="orthographicFront"/>
-      <a:lightRig rig="threePt" dir="t"/>
-    </dgm:scene3d>
-    <dgm:sp3d/>
-    <dgm:txPr/>
-    <dgm:style>
-      <a:lnRef idx="2">
-        <a:scrgbClr r="0" g="0" b="0"/>
-      </a:lnRef>
-      <a:fillRef idx="1">
-        <a:scrgbClr r="0" g="0" b="0"/>
-      </a:fillRef>
-      <a:effectRef idx="0">
-        <a:scrgbClr r="0" g="0" b="0"/>
-      </a:effectRef>
-      <a:fontRef idx="minor">
-        <a:schemeClr val="lt1"/>
-      </a:fontRef>
-    </dgm:style>
-  </dgm:styleLbl>
-  <dgm:styleLbl name="node4">
-    <dgm:scene3d>
-      <a:camera prst="orthographicFront"/>
-      <a:lightRig rig="threePt" dir="t"/>
-    </dgm:scene3d>
-    <dgm:sp3d/>
-    <dgm:txPr/>
-    <dgm:style>
-      <a:lnRef idx="2">
-        <a:scrgbClr r="0" g="0" b="0"/>
-      </a:lnRef>
-      <a:fillRef idx="1">
-        <a:scrgbClr r="0" g="0" b="0"/>
-      </a:fillRef>
-      <a:effectRef idx="0">
-        <a:scrgbClr r="0" g="0" b="0"/>
-      </a:effectRef>
-      <a:fontRef idx="minor">
-        <a:schemeClr val="lt1"/>
-      </a:fontRef>
-    </dgm:style>
-  </dgm:styleLbl>
-  <dgm:styleLbl name="fgImgPlace1">
-    <dgm:scene3d>
-      <a:camera prst="orthographicFront"/>
-      <a:lightRig rig="threePt" dir="t"/>
-    </dgm:scene3d>
-    <dgm:sp3d/>
-    <dgm:txPr/>
-    <dgm:style>
-      <a:lnRef idx="2">
-        <a:scrgbClr r="0" g="0" b="0"/>
-      </a:lnRef>
-      <a:fillRef idx="1">
-        <a:scrgbClr r="0" g="0" b="0"/>
-      </a:fillRef>
-      <a:effectRef idx="0">
-        <a:scrgbClr r="0" g="0" b="0"/>
-      </a:effectRef>
-      <a:fontRef idx="minor"/>
-    </dgm:style>
-  </dgm:styleLbl>
-  <dgm:styleLbl name="alignImgPlace1">
-    <dgm:scene3d>
-      <a:camera prst="orthographicFront"/>
-      <a:lightRig rig="threePt" dir="t"/>
-    </dgm:scene3d>
-    <dgm:sp3d/>
-    <dgm:txPr/>
-    <dgm:style>
-      <a:lnRef idx="2">
-        <a:scrgbClr r="0" g="0" b="0"/>
-      </a:lnRef>
-      <a:fillRef idx="1">
-        <a:scrgbClr r="0" g="0" b="0"/>
-      </a:fillRef>
-      <a:effectRef idx="0">
-        <a:scrgbClr r="0" g="0" b="0"/>
-      </a:effectRef>
-      <a:fontRef idx="minor"/>
-    </dgm:style>
-  </dgm:styleLbl>
-  <dgm:styleLbl name="bgImgPlace1">
-    <dgm:scene3d>
-      <a:camera prst="orthographicFront"/>
-      <a:lightRig rig="threePt" dir="t"/>
-    </dgm:scene3d>
-    <dgm:sp3d/>
-    <dgm:txPr/>
-    <dgm:style>
-      <a:lnRef idx="2">
-        <a:scrgbClr r="0" g="0" b="0"/>
-      </a:lnRef>
-      <a:fillRef idx="1">
-        <a:scrgbClr r="0" g="0" b="0"/>
-      </a:fillRef>
-      <a:effectRef idx="0">
-        <a:scrgbClr r="0" g="0" b="0"/>
-      </a:effectRef>
-      <a:fontRef idx="minor"/>
-    </dgm:style>
-  </dgm:styleLbl>
-  <dgm:styleLbl name="sibTrans2D1">
-    <dgm:scene3d>
-      <a:camera prst="orthographicFront"/>
-      <a:lightRig rig="threePt" dir="t"/>
-    </dgm:scene3d>
-    <dgm:sp3d/>
-    <dgm:txPr/>
-    <dgm:style>
-      <a:lnRef idx="0">
-        <a:scrgbClr r="0" g="0" b="0"/>
-      </a:lnRef>
-      <a:fillRef idx="1">
-        <a:scrgbClr r="0" g="0" b="0"/>
-      </a:fillRef>
-      <a:effectRef idx="0">
-        <a:scrgbClr r="0" g="0" b="0"/>
-      </a:effectRef>
-      <a:fontRef idx="minor">
-        <a:schemeClr val="lt1"/>
-      </a:fontRef>
-    </dgm:style>
-  </dgm:styleLbl>
-  <dgm:styleLbl name="fgSibTrans2D1">
-    <dgm:scene3d>
-      <a:camera prst="orthographicFront"/>
-      <a:lightRig rig="threePt" dir="t"/>
-    </dgm:scene3d>
-    <dgm:sp3d/>
-    <dgm:txPr/>
-    <dgm:style>
-      <a:lnRef idx="0">
-        <a:scrgbClr r="0" g="0" b="0"/>
-      </a:lnRef>
-      <a:fillRef idx="1">
-        <a:scrgbClr r="0" g="0" b="0"/>
-      </a:fillRef>
-      <a:effectRef idx="0">
-        <a:scrgbClr r="0" g="0" b="0"/>
-      </a:effectRef>
-      <a:fontRef idx="minor">
-        <a:schemeClr val="lt1"/>
-      </a:fontRef>
-    </dgm:style>
-  </dgm:styleLbl>
-  <dgm:styleLbl name="bgSibTrans2D1">
-    <dgm:scene3d>
-      <a:camera prst="orthographicFront"/>
-      <a:lightRig rig="threePt" dir="t"/>
-    </dgm:scene3d>
-    <dgm:sp3d/>
-    <dgm:txPr/>
-    <dgm:style>
-      <a:lnRef idx="0">
-        <a:scrgbClr r="0" g="0" b="0"/>
-      </a:lnRef>
-      <a:fillRef idx="1">
-        <a:scrgbClr r="0" g="0" b="0"/>
-      </a:fillRef>
-      <a:effectRef idx="0">
-        <a:scrgbClr r="0" g="0" b="0"/>
-      </a:effectRef>
-      <a:fontRef idx="minor">
-        <a:schemeClr val="lt1"/>
-      </a:fontRef>
-    </dgm:style>
-  </dgm:styleLbl>
-  <dgm:styleLbl name="sibTrans1D1">
-    <dgm:scene3d>
-      <a:camera prst="orthographicFront"/>
-      <a:lightRig rig="threePt" dir="t"/>
-    </dgm:scene3d>
-    <dgm:sp3d/>
-    <dgm:txPr/>
-    <dgm:style>
-      <a:lnRef idx="1">
-        <a:scrgbClr r="0" g="0" b="0"/>
-      </a:lnRef>
-      <a:fillRef idx="0">
-        <a:scrgbClr r="0" g="0" b="0"/>
-      </a:fillRef>
-      <a:effectRef idx="0">
-        <a:scrgbClr r="0" g="0" b="0"/>
-      </a:effectRef>
-      <a:fontRef idx="minor"/>
-    </dgm:style>
-  </dgm:styleLbl>
-  <dgm:styleLbl name="callout">
-    <dgm:scene3d>
-      <a:camera prst="orthographicFront"/>
-      <a:lightRig rig="threePt" dir="t"/>
-    </dgm:scene3d>
-    <dgm:sp3d/>
-    <dgm:txPr/>
-    <dgm:style>
-      <a:lnRef idx="2">
-        <a:scrgbClr r="0" g="0" b="0"/>
-      </a:lnRef>
-      <a:fillRef idx="1">
-        <a:scrgbClr r="0" g="0" b="0"/>
-      </a:fillRef>
-      <a:effectRef idx="0">
-        <a:scrgbClr r="0" g="0" b="0"/>
-      </a:effectRef>
-      <a:fontRef idx="minor"/>
-    </dgm:style>
-  </dgm:styleLbl>
-  <dgm:styleLbl name="asst0">
-    <dgm:scene3d>
-      <a:camera prst="orthographicFront"/>
-      <a:lightRig rig="threePt" dir="t"/>
-    </dgm:scene3d>
-    <dgm:sp3d/>
-    <dgm:txPr/>
-    <dgm:style>
-      <a:lnRef idx="2">
-        <a:scrgbClr r="0" g="0" b="0"/>
-      </a:lnRef>
-      <a:fillRef idx="1">
-        <a:scrgbClr r="0" g="0" b="0"/>
-      </a:fillRef>
-      <a:effectRef idx="0">
-        <a:scrgbClr r="0" g="0" b="0"/>
-      </a:effectRef>
-      <a:fontRef idx="minor">
-        <a:schemeClr val="lt1"/>
-      </a:fontRef>
-    </dgm:style>
-  </dgm:styleLbl>
-  <dgm:styleLbl name="asst1">
-    <dgm:scene3d>
-      <a:camera prst="orthographicFront"/>
-      <a:lightRig rig="threePt" dir="t"/>
-    </dgm:scene3d>
-    <dgm:sp3d/>
-    <dgm:txPr/>
-    <dgm:style>
-      <a:lnRef idx="2">
-        <a:scrgbClr r="0" g="0" b="0"/>
-      </a:lnRef>
-      <a:fillRef idx="1">
-        <a:scrgbClr r="0" g="0" b="0"/>
-      </a:fillRef>
-      <a:effectRef idx="0">
-        <a:scrgbClr r="0" g="0" b="0"/>
-      </a:effectRef>
-      <a:fontRef idx="minor">
-        <a:schemeClr val="lt1"/>
-      </a:fontRef>
-    </dgm:style>
-  </dgm:styleLbl>
-  <dgm:styleLbl name="asst2">
-    <dgm:scene3d>
-      <a:camera prst="orthographicFront"/>
-      <a:lightRig rig="threePt" dir="t"/>
-    </dgm:scene3d>
-    <dgm:sp3d/>
-    <dgm:txPr/>
-    <dgm:style>
-      <a:lnRef idx="2">
-        <a:scrgbClr r="0" g="0" b="0"/>
-      </a:lnRef>
-      <a:fillRef idx="1">
-        <a:scrgbClr r="0" g="0" b="0"/>
-      </a:fillRef>
-      <a:effectRef idx="0">
-        <a:scrgbClr r="0" g="0" b="0"/>
-      </a:effectRef>
-      <a:fontRef idx="minor">
-        <a:schemeClr val="lt1"/>
-      </a:fontRef>
-    </dgm:style>
-  </dgm:styleLbl>
-  <dgm:styleLbl name="asst3">
-    <dgm:scene3d>
-      <a:camera prst="orthographicFront"/>
-      <a:lightRig rig="threePt" dir="t"/>
-    </dgm:scene3d>
-    <dgm:sp3d/>
-    <dgm:txPr/>
-    <dgm:style>
-      <a:lnRef idx="2">
-        <a:scrgbClr r="0" g="0" b="0"/>
-      </a:lnRef>
-      <a:fillRef idx="1">
-        <a:scrgbClr r="0" g="0" b="0"/>
-      </a:fillRef>
-      <a:effectRef idx="0">
-        <a:scrgbClr r="0" g="0" b="0"/>
-      </a:effectRef>
-      <a:fontRef idx="minor">
-        <a:schemeClr val="lt1"/>
-      </a:fontRef>
-    </dgm:style>
-  </dgm:styleLbl>
-  <dgm:styleLbl name="asst4">
-    <dgm:scene3d>
-      <a:camera prst="orthographicFront"/>
-      <a:lightRig rig="threePt" dir="t"/>
-    </dgm:scene3d>
-    <dgm:sp3d/>
-    <dgm:txPr/>
-    <dgm:style>
-      <a:lnRef idx="2">
-        <a:scrgbClr r="0" g="0" b="0"/>
-      </a:lnRef>
-      <a:fillRef idx="1">
-        <a:scrgbClr r="0" g="0" b="0"/>
-      </a:fillRef>
-      <a:effectRef idx="0">
-        <a:scrgbClr r="0" g="0" b="0"/>
-      </a:effectRef>
-      <a:fontRef idx="minor">
-        <a:schemeClr val="lt1"/>
-      </a:fontRef>
-    </dgm:style>
-  </dgm:styleLbl>
-  <dgm:styleLbl name="parChTrans2D1">
-    <dgm:scene3d>
-      <a:camera prst="orthographicFront"/>
-      <a:lightRig rig="threePt" dir="t"/>
-    </dgm:scene3d>
-    <dgm:sp3d/>
-    <dgm:txPr/>
-    <dgm:style>
-      <a:lnRef idx="2">
-        <a:scrgbClr r="0" g="0" b="0"/>
-      </a:lnRef>
-      <a:fillRef idx="1">
-        <a:scrgbClr r="0" g="0" b="0"/>
-      </a:fillRef>
-      <a:effectRef idx="0">
-        <a:scrgbClr r="0" g="0" b="0"/>
-      </a:effectRef>
-      <a:fontRef idx="minor">
-        <a:schemeClr val="lt1"/>
-      </a:fontRef>
-    </dgm:style>
-  </dgm:styleLbl>
-  <dgm:styleLbl name="parChTrans2D2">
-    <dgm:scene3d>
-      <a:camera prst="orthographicFront"/>
-      <a:lightRig rig="threePt" dir="t"/>
-    </dgm:scene3d>
-    <dgm:sp3d/>
-    <dgm:txPr/>
-    <dgm:style>
-      <a:lnRef idx="2">
-        <a:scrgbClr r="0" g="0" b="0"/>
-      </a:lnRef>
-      <a:fillRef idx="1">
-        <a:scrgbClr r="0" g="0" b="0"/>
-      </a:fillRef>
-      <a:effectRef idx="0">
-        <a:scrgbClr r="0" g="0" b="0"/>
-      </a:effectRef>
-      <a:fontRef idx="minor">
-        <a:schemeClr val="lt1"/>
-      </a:fontRef>
-    </dgm:style>
-  </dgm:styleLbl>
-  <dgm:styleLbl name="parChTrans2D3">
-    <dgm:scene3d>
-      <a:camera prst="orthographicFront"/>
-      <a:lightRig rig="threePt" dir="t"/>
-    </dgm:scene3d>
-    <dgm:sp3d/>
-    <dgm:txPr/>
-    <dgm:style>
-      <a:lnRef idx="2">
-        <a:scrgbClr r="0" g="0" b="0"/>
-      </a:lnRef>
-      <a:fillRef idx="1">
-        <a:scrgbClr r="0" g="0" b="0"/>
-      </a:fillRef>
-      <a:effectRef idx="0">
-        <a:scrgbClr r="0" g="0" b="0"/>
-      </a:effectRef>
-      <a:fontRef idx="minor">
-        <a:schemeClr val="lt1"/>
-      </a:fontRef>
-    </dgm:style>
-  </dgm:styleLbl>
-  <dgm:styleLbl name="parChTrans2D4">
-    <dgm:scene3d>
-      <a:camera prst="orthographicFront"/>
-      <a:lightRig rig="threePt" dir="t"/>
-    </dgm:scene3d>
-    <dgm:sp3d/>
-    <dgm:txPr/>
-    <dgm:style>
-      <a:lnRef idx="2">
-        <a:scrgbClr r="0" g="0" b="0"/>
-      </a:lnRef>
-      <a:fillRef idx="1">
-        <a:scrgbClr r="0" g="0" b="0"/>
-      </a:fillRef>
-      <a:effectRef idx="0">
-        <a:scrgbClr r="0" g="0" b="0"/>
-      </a:effectRef>
-      <a:fontRef idx="minor">
-        <a:schemeClr val="lt1"/>
-      </a:fontRef>
-    </dgm:style>
-  </dgm:styleLbl>
-  <dgm:styleLbl name="parChTrans1D1">
-    <dgm:scene3d>
-      <a:camera prst="orthographicFront"/>
-      <a:lightRig rig="threePt" dir="t"/>
-    </dgm:scene3d>
-    <dgm:sp3d/>
-    <dgm:txPr/>
-    <dgm:style>
-      <a:lnRef idx="2">
-        <a:scrgbClr r="0" g="0" b="0"/>
-      </a:lnRef>
-      <a:fillRef idx="0">
-        <a:scrgbClr r="0" g="0" b="0"/>
-      </a:fillRef>
-      <a:effectRef idx="0">
-        <a:scrgbClr r="0" g="0" b="0"/>
-      </a:effectRef>
-      <a:fontRef idx="minor"/>
-    </dgm:style>
-  </dgm:styleLbl>
-  <dgm:styleLbl name="parChTrans1D2">
-    <dgm:scene3d>
-      <a:camera prst="orthographicFront"/>
-      <a:lightRig rig="threePt" dir="t"/>
-    </dgm:scene3d>
-    <dgm:sp3d/>
-    <dgm:txPr/>
-    <dgm:style>
-      <a:lnRef idx="2">
-        <a:scrgbClr r="0" g="0" b="0"/>
-      </a:lnRef>
-      <a:fillRef idx="0">
-        <a:scrgbClr r="0" g="0" b="0"/>
-      </a:fillRef>
-      <a:effectRef idx="0">
-        <a:scrgbClr r="0" g="0" b="0"/>
-      </a:effectRef>
-      <a:fontRef idx="minor"/>
-    </dgm:style>
-  </dgm:styleLbl>
-  <dgm:styleLbl name="parChTrans1D3">
-    <dgm:scene3d>
-      <a:camera prst="orthographicFront"/>
-      <a:lightRig rig="threePt" dir="t"/>
-    </dgm:scene3d>
-    <dgm:sp3d/>
-    <dgm:txPr/>
-    <dgm:style>
-      <a:lnRef idx="2">
-        <a:scrgbClr r="0" g="0" b="0"/>
-      </a:lnRef>
-      <a:fillRef idx="0">
-        <a:scrgbClr r="0" g="0" b="0"/>
-      </a:fillRef>
-      <a:effectRef idx="0">
-        <a:scrgbClr r="0" g="0" b="0"/>
-      </a:effectRef>
-      <a:fontRef idx="minor"/>
-    </dgm:style>
-  </dgm:styleLbl>
-  <dgm:styleLbl name="parChTrans1D4">
-    <dgm:scene3d>
-      <a:camera prst="orthographicFront"/>
-      <a:lightRig rig="threePt" dir="t"/>
-    </dgm:scene3d>
-    <dgm:sp3d/>
-    <dgm:txPr/>
-    <dgm:style>
-      <a:lnRef idx="2">
-        <a:scrgbClr r="0" g="0" b="0"/>
-      </a:lnRef>
-      <a:fillRef idx="0">
-        <a:scrgbClr r="0" g="0" b="0"/>
-      </a:fillRef>
-      <a:effectRef idx="0">
-        <a:scrgbClr r="0" g="0" b="0"/>
-      </a:effectRef>
-      <a:fontRef idx="minor"/>
-    </dgm:style>
-  </dgm:styleLbl>
-  <dgm:styleLbl name="fgAcc1">
-    <dgm:scene3d>
-      <a:camera prst="orthographicFront"/>
-      <a:lightRig rig="threePt" dir="t"/>
-    </dgm:scene3d>
-    <dgm:sp3d/>
-    <dgm:txPr/>
-    <dgm:style>
-      <a:lnRef idx="2">
-        <a:scrgbClr r="0" g="0" b="0"/>
-      </a:lnRef>
-      <a:fillRef idx="1">
-        <a:scrgbClr r="0" g="0" b="0"/>
-      </a:fillRef>
-      <a:effectRef idx="0">
-        <a:scrgbClr r="0" g="0" b="0"/>
-      </a:effectRef>
-      <a:fontRef idx="minor"/>
-    </dgm:style>
-  </dgm:styleLbl>
-  <dgm:styleLbl name="conFgAcc1">
-    <dgm:scene3d>
-      <a:camera prst="orthographicFront"/>
-      <a:lightRig rig="threePt" dir="t"/>
-    </dgm:scene3d>
-    <dgm:sp3d/>
-    <dgm:txPr/>
-    <dgm:style>
-      <a:lnRef idx="2">
-        <a:scrgbClr r="0" g="0" b="0"/>
-      </a:lnRef>
-      <a:fillRef idx="1">
-        <a:scrgbClr r="0" g="0" b="0"/>
-      </a:fillRef>
-      <a:effectRef idx="0">
-        <a:scrgbClr r="0" g="0" b="0"/>
-      </a:effectRef>
-      <a:fontRef idx="minor"/>
-    </dgm:style>
-  </dgm:styleLbl>
-  <dgm:styleLbl name="alignAcc1">
-    <dgm:scene3d>
-      <a:camera prst="orthographicFront"/>
-      <a:lightRig rig="threePt" dir="t"/>
-    </dgm:scene3d>
-    <dgm:sp3d/>
-    <dgm:txPr/>
-    <dgm:style>
-      <a:lnRef idx="2">
-        <a:scrgbClr r="0" g="0" b="0"/>
-      </a:lnRef>
-      <a:fillRef idx="1">
-        <a:scrgbClr r="0" g="0" b="0"/>
-      </a:fillRef>
-      <a:effectRef idx="0">
-        <a:scrgbClr r="0" g="0" b="0"/>
-      </a:effectRef>
-      <a:fontRef idx="minor"/>
-    </dgm:style>
-  </dgm:styleLbl>
-  <dgm:styleLbl name="trAlignAcc1">
-    <dgm:scene3d>
-      <a:camera prst="orthographicFront"/>
-      <a:lightRig rig="threePt" dir="t"/>
-    </dgm:scene3d>
-    <dgm:sp3d/>
-    <dgm:txPr/>
-    <dgm:style>
-      <a:lnRef idx="1">
-        <a:scrgbClr r="0" g="0" b="0"/>
-      </a:lnRef>
-      <a:fillRef idx="1">
-        <a:scrgbClr r="0" g="0" b="0"/>
-      </a:fillRef>
-      <a:effectRef idx="0">
-        <a:scrgbClr r="0" g="0" b="0"/>
-      </a:effectRef>
-      <a:fontRef idx="minor"/>
-    </dgm:style>
-  </dgm:styleLbl>
-  <dgm:styleLbl name="bgAcc1">
-    <dgm:scene3d>
-      <a:camera prst="orthographicFront"/>
-      <a:lightRig rig="threePt" dir="t"/>
-    </dgm:scene3d>
-    <dgm:sp3d/>
-    <dgm:txPr/>
-    <dgm:style>
-      <a:lnRef idx="2">
-        <a:scrgbClr r="0" g="0" b="0"/>
-      </a:lnRef>
-      <a:fillRef idx="1">
-        <a:scrgbClr r="0" g="0" b="0"/>
-      </a:fillRef>
-      <a:effectRef idx="0">
-        <a:scrgbClr r="0" g="0" b="0"/>
-      </a:effectRef>
-      <a:fontRef idx="minor"/>
-    </dgm:style>
-  </dgm:styleLbl>
-  <dgm:styleLbl name="solidFgAcc1">
-    <dgm:scene3d>
-      <a:camera prst="orthographicFront"/>
-      <a:lightRig rig="threePt" dir="t"/>
-    </dgm:scene3d>
-    <dgm:sp3d/>
-    <dgm:txPr/>
-    <dgm:style>
-      <a:lnRef idx="2">
-        <a:scrgbClr r="0" g="0" b="0"/>
-      </a:lnRef>
-      <a:fillRef idx="1">
-        <a:scrgbClr r="0" g="0" b="0"/>
-      </a:fillRef>
-      <a:effectRef idx="0">
-        <a:scrgbClr r="0" g="0" b="0"/>
-      </a:effectRef>
-      <a:fontRef idx="minor"/>
-    </dgm:style>
-  </dgm:styleLbl>
-  <dgm:styleLbl name="solidAlignAcc1">
-    <dgm:scene3d>
-      <a:camera prst="orthographicFront"/>
-      <a:lightRig rig="threePt" dir="t"/>
-    </dgm:scene3d>
-    <dgm:sp3d/>
-    <dgm:txPr/>
-    <dgm:style>
-      <a:lnRef idx="2">
-        <a:scrgbClr r="0" g="0" b="0"/>
-      </a:lnRef>
-      <a:fillRef idx="1">
-        <a:scrgbClr r="0" g="0" b="0"/>
-      </a:fillRef>
-      <a:effectRef idx="0">
-        <a:scrgbClr r="0" g="0" b="0"/>
-      </a:effectRef>
-      <a:fontRef idx="minor"/>
-    </dgm:style>
-  </dgm:styleLbl>
-  <dgm:styleLbl name="solidBgAcc1">
-    <dgm:scene3d>
-      <a:camera prst="orthographicFront"/>
-      <a:lightRig rig="threePt" dir="t"/>
-    </dgm:scene3d>
-    <dgm:sp3d/>
-    <dgm:txPr/>
-    <dgm:style>
-      <a:lnRef idx="2">
-        <a:scrgbClr r="0" g="0" b="0"/>
-      </a:lnRef>
-      <a:fillRef idx="1">
-        <a:scrgbClr r="0" g="0" b="0"/>
-      </a:fillRef>
-      <a:effectRef idx="0">
-        <a:scrgbClr r="0" g="0" b="0"/>
-      </a:effectRef>
-      <a:fontRef idx="minor"/>
-    </dgm:style>
-  </dgm:styleLbl>
-  <dgm:styleLbl name="fgAccFollowNode1">
-    <dgm:scene3d>
-      <a:camera prst="orthographicFront"/>
-      <a:lightRig rig="threePt" dir="t"/>
-    </dgm:scene3d>
-    <dgm:sp3d/>
-    <dgm:txPr/>
-    <dgm:style>
-      <a:lnRef idx="2">
-        <a:scrgbClr r="0" g="0" b="0"/>
-      </a:lnRef>
-      <a:fillRef idx="1">
-        <a:scrgbClr r="0" g="0" b="0"/>
-      </a:fillRef>
-      <a:effectRef idx="0">
-        <a:scrgbClr r="0" g="0" b="0"/>
-      </a:effectRef>
-      <a:fontRef idx="minor"/>
-    </dgm:style>
-  </dgm:styleLbl>
-  <dgm:styleLbl name="alignAccFollowNode1">
-    <dgm:scene3d>
-      <a:camera prst="orthographicFront"/>
-      <a:lightRig rig="threePt" dir="t"/>
-    </dgm:scene3d>
-    <dgm:sp3d/>
-    <dgm:txPr/>
-    <dgm:style>
-      <a:lnRef idx="2">
-        <a:scrgbClr r="0" g="0" b="0"/>
-      </a:lnRef>
-      <a:fillRef idx="1">
-        <a:scrgbClr r="0" g="0" b="0"/>
-      </a:fillRef>
-      <a:effectRef idx="0">
-        <a:scrgbClr r="0" g="0" b="0"/>
-      </a:effectRef>
-      <a:fontRef idx="minor"/>
-    </dgm:style>
-  </dgm:styleLbl>
-  <dgm:styleLbl name="bgAccFollowNode1">
-    <dgm:scene3d>
-      <a:camera prst="orthographicFront"/>
-      <a:lightRig rig="threePt" dir="t"/>
-    </dgm:scene3d>
-    <dgm:sp3d/>
-    <dgm:txPr/>
-    <dgm:style>
-      <a:lnRef idx="2">
-        <a:scrgbClr r="0" g="0" b="0"/>
-      </a:lnRef>
-      <a:fillRef idx="1">
-        <a:scrgbClr r="0" g="0" b="0"/>
-      </a:fillRef>
-      <a:effectRef idx="0">
-        <a:scrgbClr r="0" g="0" b="0"/>
-      </a:effectRef>
-      <a:fontRef idx="minor"/>
-    </dgm:style>
-  </dgm:styleLbl>
-  <dgm:styleLbl name="fgAcc0">
-    <dgm:scene3d>
-      <a:camera prst="orthographicFront"/>
-      <a:lightRig rig="threePt" dir="t"/>
-    </dgm:scene3d>
-    <dgm:sp3d/>
-    <dgm:txPr/>
-    <dgm:style>
-      <a:lnRef idx="2">
-        <a:scrgbClr r="0" g="0" b="0"/>
-      </a:lnRef>
-      <a:fillRef idx="1">
-        <a:scrgbClr r="0" g="0" b="0"/>
-      </a:fillRef>
-      <a:effectRef idx="0">
-        <a:scrgbClr r="0" g="0" b="0"/>
-      </a:effectRef>
-      <a:fontRef idx="minor"/>
-    </dgm:style>
-  </dgm:styleLbl>
-  <dgm:styleLbl name="fgAcc2">
-    <dgm:scene3d>
-      <a:camera prst="orthographicFront"/>
-      <a:lightRig rig="threePt" dir="t"/>
-    </dgm:scene3d>
-    <dgm:sp3d/>
-    <dgm:txPr/>
-    <dgm:style>
-      <a:lnRef idx="2">
-        <a:scrgbClr r="0" g="0" b="0"/>
-      </a:lnRef>
-      <a:fillRef idx="1">
-        <a:scrgbClr r="0" g="0" b="0"/>
-      </a:fillRef>
-      <a:effectRef idx="0">
-        <a:scrgbClr r="0" g="0" b="0"/>
-      </a:effectRef>
-      <a:fontRef idx="minor"/>
-    </dgm:style>
-  </dgm:styleLbl>
-  <dgm:styleLbl name="fgAcc3">
-    <dgm:scene3d>
-      <a:camera prst="orthographicFront"/>
-      <a:lightRig rig="threePt" dir="t"/>
-    </dgm:scene3d>
-    <dgm:sp3d/>
-    <dgm:txPr/>
-    <dgm:style>
-      <a:lnRef idx="2">
-        <a:scrgbClr r="0" g="0" b="0"/>
-      </a:lnRef>
-      <a:fillRef idx="1">
-        <a:scrgbClr r="0" g="0" b="0"/>
-      </a:fillRef>
-      <a:effectRef idx="0">
-        <a:scrgbClr r="0" g="0" b="0"/>
-      </a:effectRef>
-      <a:fontRef idx="minor"/>
-    </dgm:style>
-  </dgm:styleLbl>
-  <dgm:styleLbl name="fgAcc4">
-    <dgm:scene3d>
-      <a:camera prst="orthographicFront"/>
-      <a:lightRig rig="threePt" dir="t"/>
-    </dgm:scene3d>
-    <dgm:sp3d/>
-    <dgm:txPr/>
-    <dgm:style>
-      <a:lnRef idx="2">
-        <a:scrgbClr r="0" g="0" b="0"/>
-      </a:lnRef>
-      <a:fillRef idx="1">
-        <a:scrgbClr r="0" g="0" b="0"/>
-      </a:fillRef>
-      <a:effectRef idx="0">
-        <a:scrgbClr r="0" g="0" b="0"/>
-      </a:effectRef>
-      <a:fontRef idx="minor"/>
-    </dgm:style>
-  </dgm:styleLbl>
-  <dgm:styleLbl name="bgShp">
-    <dgm:scene3d>
-      <a:camera prst="orthographicFront"/>
-      <a:lightRig rig="threePt" dir="t"/>
-    </dgm:scene3d>
-    <dgm:sp3d/>
-    <dgm:txPr/>
-    <dgm:style>
-      <a:lnRef idx="0">
-        <a:scrgbClr r="0" g="0" b="0"/>
-      </a:lnRef>
-      <a:fillRef idx="1">
-        <a:scrgbClr r="0" g="0" b="0"/>
-      </a:fillRef>
-      <a:effectRef idx="0">
-        <a:scrgbClr r="0" g="0" b="0"/>
-      </a:effectRef>
-      <a:fontRef idx="minor"/>
-    </dgm:style>
-  </dgm:styleLbl>
-  <dgm:styleLbl name="dkBgShp">
-    <dgm:scene3d>
-      <a:camera prst="orthographicFront"/>
-      <a:lightRig rig="threePt" dir="t"/>
-    </dgm:scene3d>
-    <dgm:sp3d/>
-    <dgm:txPr/>
-    <dgm:style>
-      <a:lnRef idx="0">
-        <a:scrgbClr r="0" g="0" b="0"/>
-      </a:lnRef>
-      <a:fillRef idx="1">
-        <a:scrgbClr r="0" g="0" b="0"/>
-      </a:fillRef>
-      <a:effectRef idx="0">
-        <a:scrgbClr r="0" g="0" b="0"/>
-      </a:effectRef>
-      <a:fontRef idx="minor"/>
-    </dgm:style>
-  </dgm:styleLbl>
-  <dgm:styleLbl name="trBgShp">
-    <dgm:scene3d>
-      <a:camera prst="orthographicFront"/>
-      <a:lightRig rig="threePt" dir="t"/>
-    </dgm:scene3d>
-    <dgm:sp3d/>
-    <dgm:txPr/>
-    <dgm:style>
-      <a:lnRef idx="0">
-        <a:scrgbClr r="0" g="0" b="0"/>
-      </a:lnRef>
-      <a:fillRef idx="1">
-        <a:scrgbClr r="0" g="0" b="0"/>
-      </a:fillRef>
-      <a:effectRef idx="0">
-        <a:scrgbClr r="0" g="0" b="0"/>
-      </a:effectRef>
-      <a:fontRef idx="minor"/>
-    </dgm:style>
-  </dgm:styleLbl>
-  <dgm:styleLbl name="fgShp">
-    <dgm:scene3d>
-      <a:camera prst="orthographicFront"/>
-      <a:lightRig rig="threePt" dir="t"/>
-    </dgm:scene3d>
-    <dgm:sp3d/>
-    <dgm:txPr/>
-    <dgm:style>
-      <a:lnRef idx="2">
-        <a:scrgbClr r="0" g="0" b="0"/>
-      </a:lnRef>
-      <a:fillRef idx="1">
-        <a:scrgbClr r="0" g="0" b="0"/>
-      </a:fillRef>
-      <a:effectRef idx="0">
-        <a:scrgbClr r="0" g="0" b="0"/>
-      </a:effectRef>
-      <a:fontRef idx="minor"/>
-    </dgm:style>
-  </dgm:styleLbl>
-  <dgm:styleLbl name="revTx">
-    <dgm:scene3d>
-      <a:camera prst="orthographicFront"/>
-      <a:lightRig rig="threePt" dir="t"/>
-    </dgm:scene3d>
-    <dgm:sp3d/>
-    <dgm:txPr/>
-    <dgm:style>
-      <a:lnRef idx="0">
-        <a:scrgbClr r="0" g="0" b="0"/>
-      </a:lnRef>
-      <a:fillRef idx="0">
-        <a:scrgbClr r="0" g="0" b="0"/>
-      </a:fillRef>
-      <a:effectRef idx="0">
-        <a:scrgbClr r="0" g="0" b="0"/>
-      </a:effectRef>
-      <a:fontRef idx="minor"/>
-    </dgm:style>
-  </dgm:styleLbl>
-</dgm:styleDef>
-</file>
-
 <file path=ppt/handoutMasters/handoutMaster1.xml><?xml version="1.0" encoding="utf-8"?>
 <p:handoutMaster xmlns:a="http://schemas.openxmlformats.org/drawingml/2006/main" xmlns:r="http://schemas.openxmlformats.org/officeDocument/2006/relationships" xmlns:p="http://schemas.openxmlformats.org/presentationml/2006/main">
   <p:cSld>
@@ -4294,7 +189,7 @@
           </a:lstStyle>
           <a:p>
             <a:pPr rtl="0"/>
-            <a:endParaRPr lang="ko-KR" altLang="en-US" dirty="0">
+            <a:endParaRPr lang="ko-KR" altLang="en-US">
               <a:latin typeface="맑은 고딕" panose="020B0503020000020004" pitchFamily="50" charset="-127"/>
               <a:ea typeface="맑은 고딕" panose="020B0503020000020004" pitchFamily="50" charset="-127"/>
             </a:endParaRPr>
@@ -4334,9 +229,9 @@
                 <a:latin typeface="맑은 고딕" panose="020B0503020000020004" pitchFamily="50" charset="-127"/>
                 <a:ea typeface="맑은 고딕" panose="020B0503020000020004" pitchFamily="50" charset="-127"/>
               </a:rPr>
-              <a:t>2021년 3월 5일</a:t>
+              <a:t>2021년 6월 24일</a:t>
             </a:fld>
-            <a:endParaRPr lang="ko-KR" altLang="en-US" dirty="0">
+            <a:endParaRPr lang="ko-KR" altLang="en-US">
               <a:latin typeface="맑은 고딕" panose="020B0503020000020004" pitchFamily="50" charset="-127"/>
               <a:ea typeface="맑은 고딕" panose="020B0503020000020004" pitchFamily="50" charset="-127"/>
             </a:endParaRPr>
@@ -4371,7 +266,7 @@
           </a:lstStyle>
           <a:p>
             <a:pPr rtl="0"/>
-            <a:endParaRPr lang="ko-KR" altLang="en-US" dirty="0">
+            <a:endParaRPr lang="ko-KR" altLang="en-US">
               <a:latin typeface="맑은 고딕" panose="020B0503020000020004" pitchFamily="50" charset="-127"/>
               <a:ea typeface="맑은 고딕" panose="020B0503020000020004" pitchFamily="50" charset="-127"/>
             </a:endParaRPr>
@@ -4413,7 +308,7 @@
               </a:rPr>
               <a:t>‹#›</a:t>
             </a:fld>
-            <a:endParaRPr lang="ko-KR" altLang="en-US" dirty="0">
+            <a:endParaRPr lang="ko-KR" altLang="en-US">
               <a:latin typeface="맑은 고딕" panose="020B0503020000020004" pitchFamily="50" charset="-127"/>
               <a:ea typeface="맑은 고딕" panose="020B0503020000020004" pitchFamily="50" charset="-127"/>
             </a:endParaRPr>
@@ -4483,7 +378,7 @@
             </a:lvl1pPr>
           </a:lstStyle>
           <a:p>
-            <a:endParaRPr lang="ko-KR" altLang="en-US" noProof="0" dirty="0"/>
+            <a:endParaRPr lang="ko-KR" altLang="en-US" noProof="0"/>
           </a:p>
         </p:txBody>
       </p:sp>
@@ -4520,9 +415,9 @@
             <a:fld id="{BE16EC8A-0758-4FA9-BF4D-3119057076D1}" type="datetime4">
               <a:rPr lang="ko-KR" altLang="en-US" smtClean="0"/>
               <a:pPr/>
-              <a:t>2021년 3월 5일</a:t>
+              <a:t>2021년 6월 24일</a:t>
             </a:fld>
-            <a:endParaRPr lang="ko-KR" altLang="en-US" dirty="0"/>
+            <a:endParaRPr lang="ko-KR" altLang="en-US"/>
           </a:p>
         </p:txBody>
       </p:sp>
@@ -4556,7 +451,7 @@
           <a:lstStyle/>
           <a:p>
             <a:pPr rtl="0"/>
-            <a:endParaRPr lang="ko-KR" altLang="en-US" noProof="0" dirty="0"/>
+            <a:endParaRPr lang="ko-KR" altLang="en-US" noProof="0"/>
           </a:p>
         </p:txBody>
       </p:sp>
@@ -4653,7 +548,7 @@
             </a:lvl1pPr>
           </a:lstStyle>
           <a:p>
-            <a:endParaRPr lang="ko-KR" altLang="en-US" noProof="0" dirty="0"/>
+            <a:endParaRPr lang="ko-KR" altLang="en-US" noProof="0"/>
           </a:p>
         </p:txBody>
       </p:sp>
@@ -4692,7 +587,7 @@
               <a:pPr/>
               <a:t>‹#›</a:t>
             </a:fld>
-            <a:endParaRPr lang="ko-KR" altLang="en-US" noProof="0" dirty="0"/>
+            <a:endParaRPr lang="ko-KR" altLang="en-US" noProof="0"/>
           </a:p>
         </p:txBody>
       </p:sp>
@@ -4797,1041 +692,6 @@
     </a:lvl9pPr>
   </p:notesStyle>
 </p:notesMaster>
-</file>
-
-<file path=ppt/notesSlides/notesSlide1.xml><?xml version="1.0" encoding="utf-8"?>
-<p:notes xmlns:a="http://schemas.openxmlformats.org/drawingml/2006/main" xmlns:r="http://schemas.openxmlformats.org/officeDocument/2006/relationships" xmlns:p="http://schemas.openxmlformats.org/presentationml/2006/main">
-  <p:cSld>
-    <p:spTree>
-      <p:nvGrpSpPr>
-        <p:cNvPr id="1" name=""/>
-        <p:cNvGrpSpPr/>
-        <p:nvPr/>
-      </p:nvGrpSpPr>
-      <p:grpSpPr>
-        <a:xfrm>
-          <a:off x="0" y="0"/>
-          <a:ext cx="0" cy="0"/>
-          <a:chOff x="0" y="0"/>
-          <a:chExt cx="0" cy="0"/>
-        </a:xfrm>
-      </p:grpSpPr>
-      <p:sp>
-        <p:nvSpPr>
-          <p:cNvPr id="2" name="슬라이드 이미지 개체 틀 1"/>
-          <p:cNvSpPr>
-            <a:spLocks noGrp="1" noRot="1" noChangeAspect="1"/>
-          </p:cNvSpPr>
-          <p:nvPr>
-            <p:ph type="sldImg"/>
-          </p:nvPr>
-        </p:nvSpPr>
-        <p:spPr/>
-      </p:sp>
-      <p:sp>
-        <p:nvSpPr>
-          <p:cNvPr id="3" name="슬라이드 노트 개체 틀 2"/>
-          <p:cNvSpPr>
-            <a:spLocks noGrp="1"/>
-          </p:cNvSpPr>
-          <p:nvPr>
-            <p:ph type="body" idx="1"/>
-          </p:nvPr>
-        </p:nvSpPr>
-        <p:spPr/>
-        <p:txBody>
-          <a:bodyPr/>
-          <a:lstStyle/>
-          <a:p>
-            <a:endParaRPr lang="ko-KR" altLang="en-US" dirty="0">
-              <a:latin typeface="맑은 고딕" panose="020B0503020000020004" pitchFamily="50" charset="-127"/>
-              <a:ea typeface="맑은 고딕" panose="020B0503020000020004" pitchFamily="50" charset="-127"/>
-            </a:endParaRPr>
-          </a:p>
-        </p:txBody>
-      </p:sp>
-      <p:sp>
-        <p:nvSpPr>
-          <p:cNvPr id="4" name="슬라이드 번호 개체 틀 3"/>
-          <p:cNvSpPr>
-            <a:spLocks noGrp="1"/>
-          </p:cNvSpPr>
-          <p:nvPr>
-            <p:ph type="sldNum" sz="quarter" idx="10"/>
-          </p:nvPr>
-        </p:nvSpPr>
-        <p:spPr/>
-        <p:txBody>
-          <a:bodyPr/>
-          <a:lstStyle/>
-          <a:p>
-            <a:pPr rtl="0"/>
-            <a:fld id="{82869989-EB00-4EE7-BCB5-25BDC5BB29F8}" type="slidenum">
-              <a:rPr lang="en-US" altLang="ko-KR" smtClean="0">
-                <a:latin typeface="맑은 고딕" panose="020B0503020000020004" pitchFamily="50" charset="-127"/>
-                <a:ea typeface="맑은 고딕" panose="020B0503020000020004" pitchFamily="50" charset="-127"/>
-              </a:rPr>
-              <a:t>1</a:t>
-            </a:fld>
-            <a:endParaRPr lang="ko-KR" altLang="en-US" dirty="0">
-              <a:latin typeface="맑은 고딕" panose="020B0503020000020004" pitchFamily="50" charset="-127"/>
-              <a:ea typeface="맑은 고딕" panose="020B0503020000020004" pitchFamily="50" charset="-127"/>
-            </a:endParaRPr>
-          </a:p>
-        </p:txBody>
-      </p:sp>
-    </p:spTree>
-    <p:extLst>
-      <p:ext uri="{BB962C8B-B14F-4D97-AF65-F5344CB8AC3E}">
-        <p14:creationId xmlns:p14="http://schemas.microsoft.com/office/powerpoint/2010/main" val="3019099660"/>
-      </p:ext>
-    </p:extLst>
-  </p:cSld>
-  <p:clrMapOvr>
-    <a:masterClrMapping/>
-  </p:clrMapOvr>
-</p:notes>
-</file>
-
-<file path=ppt/notesSlides/notesSlide10.xml><?xml version="1.0" encoding="utf-8"?>
-<p:notes xmlns:a="http://schemas.openxmlformats.org/drawingml/2006/main" xmlns:r="http://schemas.openxmlformats.org/officeDocument/2006/relationships" xmlns:p="http://schemas.openxmlformats.org/presentationml/2006/main">
-  <p:cSld>
-    <p:spTree>
-      <p:nvGrpSpPr>
-        <p:cNvPr id="1" name=""/>
-        <p:cNvGrpSpPr/>
-        <p:nvPr/>
-      </p:nvGrpSpPr>
-      <p:grpSpPr>
-        <a:xfrm>
-          <a:off x="0" y="0"/>
-          <a:ext cx="0" cy="0"/>
-          <a:chOff x="0" y="0"/>
-          <a:chExt cx="0" cy="0"/>
-        </a:xfrm>
-      </p:grpSpPr>
-      <p:sp>
-        <p:nvSpPr>
-          <p:cNvPr id="2" name="슬라이드 이미지 개체 틀 1"/>
-          <p:cNvSpPr>
-            <a:spLocks noGrp="1" noRot="1" noChangeAspect="1"/>
-          </p:cNvSpPr>
-          <p:nvPr>
-            <p:ph type="sldImg"/>
-          </p:nvPr>
-        </p:nvSpPr>
-        <p:spPr/>
-      </p:sp>
-      <p:sp>
-        <p:nvSpPr>
-          <p:cNvPr id="3" name="슬라이드 노트 개체 틀 2"/>
-          <p:cNvSpPr>
-            <a:spLocks noGrp="1"/>
-          </p:cNvSpPr>
-          <p:nvPr>
-            <p:ph type="body" idx="1"/>
-          </p:nvPr>
-        </p:nvSpPr>
-        <p:spPr/>
-        <p:txBody>
-          <a:bodyPr/>
-          <a:lstStyle/>
-          <a:p>
-            <a:endParaRPr lang="ko-KR" altLang="en-US" dirty="0">
-              <a:latin typeface="맑은 고딕" panose="020B0503020000020004" pitchFamily="50" charset="-127"/>
-              <a:ea typeface="맑은 고딕" panose="020B0503020000020004" pitchFamily="50" charset="-127"/>
-            </a:endParaRPr>
-          </a:p>
-        </p:txBody>
-      </p:sp>
-      <p:sp>
-        <p:nvSpPr>
-          <p:cNvPr id="4" name="슬라이드 번호 개체 틀 3"/>
-          <p:cNvSpPr>
-            <a:spLocks noGrp="1"/>
-          </p:cNvSpPr>
-          <p:nvPr>
-            <p:ph type="sldNum" sz="quarter" idx="10"/>
-          </p:nvPr>
-        </p:nvSpPr>
-        <p:spPr/>
-        <p:txBody>
-          <a:bodyPr/>
-          <a:lstStyle/>
-          <a:p>
-            <a:pPr rtl="0"/>
-            <a:fld id="{82869989-EB00-4EE7-BCB5-25BDC5BB29F8}" type="slidenum">
-              <a:rPr lang="en-US" altLang="ko-KR" smtClean="0">
-                <a:latin typeface="맑은 고딕" panose="020B0503020000020004" pitchFamily="50" charset="-127"/>
-                <a:ea typeface="맑은 고딕" panose="020B0503020000020004" pitchFamily="50" charset="-127"/>
-              </a:rPr>
-              <a:t>10</a:t>
-            </a:fld>
-            <a:endParaRPr lang="ko-KR" altLang="en-US" dirty="0">
-              <a:latin typeface="맑은 고딕" panose="020B0503020000020004" pitchFamily="50" charset="-127"/>
-              <a:ea typeface="맑은 고딕" panose="020B0503020000020004" pitchFamily="50" charset="-127"/>
-            </a:endParaRPr>
-          </a:p>
-        </p:txBody>
-      </p:sp>
-    </p:spTree>
-    <p:extLst>
-      <p:ext uri="{BB962C8B-B14F-4D97-AF65-F5344CB8AC3E}">
-        <p14:creationId xmlns:p14="http://schemas.microsoft.com/office/powerpoint/2010/main" val="3219704989"/>
-      </p:ext>
-    </p:extLst>
-  </p:cSld>
-  <p:clrMapOvr>
-    <a:masterClrMapping/>
-  </p:clrMapOvr>
-</p:notes>
-</file>
-
-<file path=ppt/notesSlides/notesSlide11.xml><?xml version="1.0" encoding="utf-8"?>
-<p:notes xmlns:a="http://schemas.openxmlformats.org/drawingml/2006/main" xmlns:r="http://schemas.openxmlformats.org/officeDocument/2006/relationships" xmlns:p="http://schemas.openxmlformats.org/presentationml/2006/main">
-  <p:cSld>
-    <p:spTree>
-      <p:nvGrpSpPr>
-        <p:cNvPr id="1" name=""/>
-        <p:cNvGrpSpPr/>
-        <p:nvPr/>
-      </p:nvGrpSpPr>
-      <p:grpSpPr>
-        <a:xfrm>
-          <a:off x="0" y="0"/>
-          <a:ext cx="0" cy="0"/>
-          <a:chOff x="0" y="0"/>
-          <a:chExt cx="0" cy="0"/>
-        </a:xfrm>
-      </p:grpSpPr>
-      <p:sp>
-        <p:nvSpPr>
-          <p:cNvPr id="2" name="슬라이드 이미지 개체 틀 1"/>
-          <p:cNvSpPr>
-            <a:spLocks noGrp="1" noRot="1" noChangeAspect="1"/>
-          </p:cNvSpPr>
-          <p:nvPr>
-            <p:ph type="sldImg"/>
-          </p:nvPr>
-        </p:nvSpPr>
-        <p:spPr/>
-      </p:sp>
-      <p:sp>
-        <p:nvSpPr>
-          <p:cNvPr id="3" name="슬라이드 노트 개체 틀 2"/>
-          <p:cNvSpPr>
-            <a:spLocks noGrp="1"/>
-          </p:cNvSpPr>
-          <p:nvPr>
-            <p:ph type="body" idx="1"/>
-          </p:nvPr>
-        </p:nvSpPr>
-        <p:spPr/>
-        <p:txBody>
-          <a:bodyPr/>
-          <a:lstStyle/>
-          <a:p>
-            <a:endParaRPr lang="ko-KR" altLang="en-US" dirty="0">
-              <a:latin typeface="맑은 고딕" panose="020B0503020000020004" pitchFamily="50" charset="-127"/>
-              <a:ea typeface="맑은 고딕" panose="020B0503020000020004" pitchFamily="50" charset="-127"/>
-            </a:endParaRPr>
-          </a:p>
-        </p:txBody>
-      </p:sp>
-      <p:sp>
-        <p:nvSpPr>
-          <p:cNvPr id="4" name="슬라이드 번호 개체 틀 3"/>
-          <p:cNvSpPr>
-            <a:spLocks noGrp="1"/>
-          </p:cNvSpPr>
-          <p:nvPr>
-            <p:ph type="sldNum" sz="quarter" idx="10"/>
-          </p:nvPr>
-        </p:nvSpPr>
-        <p:spPr/>
-        <p:txBody>
-          <a:bodyPr/>
-          <a:lstStyle/>
-          <a:p>
-            <a:pPr rtl="0"/>
-            <a:fld id="{82869989-EB00-4EE7-BCB5-25BDC5BB29F8}" type="slidenum">
-              <a:rPr lang="en-US" altLang="ko-KR" smtClean="0">
-                <a:latin typeface="맑은 고딕" panose="020B0503020000020004" pitchFamily="50" charset="-127"/>
-                <a:ea typeface="맑은 고딕" panose="020B0503020000020004" pitchFamily="50" charset="-127"/>
-              </a:rPr>
-              <a:t>11</a:t>
-            </a:fld>
-            <a:endParaRPr lang="ko-KR" altLang="en-US" dirty="0">
-              <a:latin typeface="맑은 고딕" panose="020B0503020000020004" pitchFamily="50" charset="-127"/>
-              <a:ea typeface="맑은 고딕" panose="020B0503020000020004" pitchFamily="50" charset="-127"/>
-            </a:endParaRPr>
-          </a:p>
-        </p:txBody>
-      </p:sp>
-    </p:spTree>
-    <p:extLst>
-      <p:ext uri="{BB962C8B-B14F-4D97-AF65-F5344CB8AC3E}">
-        <p14:creationId xmlns:p14="http://schemas.microsoft.com/office/powerpoint/2010/main" val="2938084464"/>
-      </p:ext>
-    </p:extLst>
-  </p:cSld>
-  <p:clrMapOvr>
-    <a:masterClrMapping/>
-  </p:clrMapOvr>
-</p:notes>
-</file>
-
-<file path=ppt/notesSlides/notesSlide2.xml><?xml version="1.0" encoding="utf-8"?>
-<p:notes xmlns:a="http://schemas.openxmlformats.org/drawingml/2006/main" xmlns:r="http://schemas.openxmlformats.org/officeDocument/2006/relationships" xmlns:p="http://schemas.openxmlformats.org/presentationml/2006/main">
-  <p:cSld>
-    <p:spTree>
-      <p:nvGrpSpPr>
-        <p:cNvPr id="1" name=""/>
-        <p:cNvGrpSpPr/>
-        <p:nvPr/>
-      </p:nvGrpSpPr>
-      <p:grpSpPr>
-        <a:xfrm>
-          <a:off x="0" y="0"/>
-          <a:ext cx="0" cy="0"/>
-          <a:chOff x="0" y="0"/>
-          <a:chExt cx="0" cy="0"/>
-        </a:xfrm>
-      </p:grpSpPr>
-      <p:sp>
-        <p:nvSpPr>
-          <p:cNvPr id="2" name="슬라이드 이미지 개체 틀 1"/>
-          <p:cNvSpPr>
-            <a:spLocks noGrp="1" noRot="1" noChangeAspect="1"/>
-          </p:cNvSpPr>
-          <p:nvPr>
-            <p:ph type="sldImg"/>
-          </p:nvPr>
-        </p:nvSpPr>
-        <p:spPr/>
-      </p:sp>
-      <p:sp>
-        <p:nvSpPr>
-          <p:cNvPr id="3" name="슬라이드 노트 개체 틀 2"/>
-          <p:cNvSpPr>
-            <a:spLocks noGrp="1"/>
-          </p:cNvSpPr>
-          <p:nvPr>
-            <p:ph type="body" idx="1"/>
-          </p:nvPr>
-        </p:nvSpPr>
-        <p:spPr/>
-        <p:txBody>
-          <a:bodyPr rtlCol="0"/>
-          <a:lstStyle/>
-          <a:p>
-            <a:pPr rtl="0"/>
-            <a:endParaRPr lang="ko-KR" altLang="en-US" dirty="0">
-              <a:latin typeface="맑은 고딕" panose="020B0503020000020004" pitchFamily="50" charset="-127"/>
-              <a:ea typeface="맑은 고딕" panose="020B0503020000020004" pitchFamily="50" charset="-127"/>
-            </a:endParaRPr>
-          </a:p>
-        </p:txBody>
-      </p:sp>
-      <p:sp>
-        <p:nvSpPr>
-          <p:cNvPr id="4" name="슬라이드 번호 개체 틀 3"/>
-          <p:cNvSpPr>
-            <a:spLocks noGrp="1"/>
-          </p:cNvSpPr>
-          <p:nvPr>
-            <p:ph type="sldNum" sz="quarter" idx="10"/>
-          </p:nvPr>
-        </p:nvSpPr>
-        <p:spPr/>
-        <p:txBody>
-          <a:bodyPr rtlCol="0"/>
-          <a:lstStyle/>
-          <a:p>
-            <a:pPr rtl="0"/>
-            <a:fld id="{82869989-EB00-4EE7-BCB5-25BDC5BB29F8}" type="slidenum">
-              <a:rPr lang="en-US" altLang="ko-KR" smtClean="0">
-                <a:latin typeface="맑은 고딕" panose="020B0503020000020004" pitchFamily="50" charset="-127"/>
-                <a:ea typeface="맑은 고딕" panose="020B0503020000020004" pitchFamily="50" charset="-127"/>
-              </a:rPr>
-              <a:t>2</a:t>
-            </a:fld>
-            <a:endParaRPr lang="ko-KR" altLang="en-US" dirty="0">
-              <a:latin typeface="맑은 고딕" panose="020B0503020000020004" pitchFamily="50" charset="-127"/>
-              <a:ea typeface="맑은 고딕" panose="020B0503020000020004" pitchFamily="50" charset="-127"/>
-            </a:endParaRPr>
-          </a:p>
-        </p:txBody>
-      </p:sp>
-    </p:spTree>
-    <p:extLst>
-      <p:ext uri="{BB962C8B-B14F-4D97-AF65-F5344CB8AC3E}">
-        <p14:creationId xmlns:p14="http://schemas.microsoft.com/office/powerpoint/2010/main" val="1980303916"/>
-      </p:ext>
-    </p:extLst>
-  </p:cSld>
-  <p:clrMapOvr>
-    <a:masterClrMapping/>
-  </p:clrMapOvr>
-</p:notes>
-</file>
-
-<file path=ppt/notesSlides/notesSlide3.xml><?xml version="1.0" encoding="utf-8"?>
-<p:notes xmlns:a="http://schemas.openxmlformats.org/drawingml/2006/main" xmlns:r="http://schemas.openxmlformats.org/officeDocument/2006/relationships" xmlns:p="http://schemas.openxmlformats.org/presentationml/2006/main">
-  <p:cSld>
-    <p:spTree>
-      <p:nvGrpSpPr>
-        <p:cNvPr id="1" name=""/>
-        <p:cNvGrpSpPr/>
-        <p:nvPr/>
-      </p:nvGrpSpPr>
-      <p:grpSpPr>
-        <a:xfrm>
-          <a:off x="0" y="0"/>
-          <a:ext cx="0" cy="0"/>
-          <a:chOff x="0" y="0"/>
-          <a:chExt cx="0" cy="0"/>
-        </a:xfrm>
-      </p:grpSpPr>
-      <p:sp>
-        <p:nvSpPr>
-          <p:cNvPr id="2" name="슬라이드 이미지 개체 틀 1"/>
-          <p:cNvSpPr>
-            <a:spLocks noGrp="1" noRot="1" noChangeAspect="1"/>
-          </p:cNvSpPr>
-          <p:nvPr>
-            <p:ph type="sldImg"/>
-          </p:nvPr>
-        </p:nvSpPr>
-        <p:spPr/>
-      </p:sp>
-      <p:sp>
-        <p:nvSpPr>
-          <p:cNvPr id="3" name="슬라이드 노트 개체 틀 2"/>
-          <p:cNvSpPr>
-            <a:spLocks noGrp="1"/>
-          </p:cNvSpPr>
-          <p:nvPr>
-            <p:ph type="body" idx="1"/>
-          </p:nvPr>
-        </p:nvSpPr>
-        <p:spPr/>
-        <p:txBody>
-          <a:bodyPr/>
-          <a:lstStyle/>
-          <a:p>
-            <a:endParaRPr lang="ko-KR" altLang="en-US" dirty="0">
-              <a:latin typeface="맑은 고딕" panose="020B0503020000020004" pitchFamily="50" charset="-127"/>
-              <a:ea typeface="맑은 고딕" panose="020B0503020000020004" pitchFamily="50" charset="-127"/>
-            </a:endParaRPr>
-          </a:p>
-        </p:txBody>
-      </p:sp>
-      <p:sp>
-        <p:nvSpPr>
-          <p:cNvPr id="4" name="슬라이드 번호 개체 틀 3"/>
-          <p:cNvSpPr>
-            <a:spLocks noGrp="1"/>
-          </p:cNvSpPr>
-          <p:nvPr>
-            <p:ph type="sldNum" sz="quarter" idx="10"/>
-          </p:nvPr>
-        </p:nvSpPr>
-        <p:spPr/>
-        <p:txBody>
-          <a:bodyPr/>
-          <a:lstStyle/>
-          <a:p>
-            <a:pPr rtl="0"/>
-            <a:fld id="{82869989-EB00-4EE7-BCB5-25BDC5BB29F8}" type="slidenum">
-              <a:rPr lang="en-US" altLang="ko-KR" smtClean="0">
-                <a:latin typeface="맑은 고딕" panose="020B0503020000020004" pitchFamily="50" charset="-127"/>
-                <a:ea typeface="맑은 고딕" panose="020B0503020000020004" pitchFamily="50" charset="-127"/>
-              </a:rPr>
-              <a:t>3</a:t>
-            </a:fld>
-            <a:endParaRPr lang="ko-KR" altLang="en-US" dirty="0">
-              <a:latin typeface="맑은 고딕" panose="020B0503020000020004" pitchFamily="50" charset="-127"/>
-              <a:ea typeface="맑은 고딕" panose="020B0503020000020004" pitchFamily="50" charset="-127"/>
-            </a:endParaRPr>
-          </a:p>
-        </p:txBody>
-      </p:sp>
-    </p:spTree>
-    <p:extLst>
-      <p:ext uri="{BB962C8B-B14F-4D97-AF65-F5344CB8AC3E}">
-        <p14:creationId xmlns:p14="http://schemas.microsoft.com/office/powerpoint/2010/main" val="4200904051"/>
-      </p:ext>
-    </p:extLst>
-  </p:cSld>
-  <p:clrMapOvr>
-    <a:masterClrMapping/>
-  </p:clrMapOvr>
-</p:notes>
-</file>
-
-<file path=ppt/notesSlides/notesSlide4.xml><?xml version="1.0" encoding="utf-8"?>
-<p:notes xmlns:a="http://schemas.openxmlformats.org/drawingml/2006/main" xmlns:r="http://schemas.openxmlformats.org/officeDocument/2006/relationships" xmlns:p="http://schemas.openxmlformats.org/presentationml/2006/main">
-  <p:cSld>
-    <p:spTree>
-      <p:nvGrpSpPr>
-        <p:cNvPr id="1" name=""/>
-        <p:cNvGrpSpPr/>
-        <p:nvPr/>
-      </p:nvGrpSpPr>
-      <p:grpSpPr>
-        <a:xfrm>
-          <a:off x="0" y="0"/>
-          <a:ext cx="0" cy="0"/>
-          <a:chOff x="0" y="0"/>
-          <a:chExt cx="0" cy="0"/>
-        </a:xfrm>
-      </p:grpSpPr>
-      <p:sp>
-        <p:nvSpPr>
-          <p:cNvPr id="2" name="슬라이드 이미지 개체 틀 1"/>
-          <p:cNvSpPr>
-            <a:spLocks noGrp="1" noRot="1" noChangeAspect="1"/>
-          </p:cNvSpPr>
-          <p:nvPr>
-            <p:ph type="sldImg"/>
-          </p:nvPr>
-        </p:nvSpPr>
-        <p:spPr/>
-      </p:sp>
-      <p:sp>
-        <p:nvSpPr>
-          <p:cNvPr id="3" name="슬라이드 노트 개체 틀 2"/>
-          <p:cNvSpPr>
-            <a:spLocks noGrp="1"/>
-          </p:cNvSpPr>
-          <p:nvPr>
-            <p:ph type="body" idx="1"/>
-          </p:nvPr>
-        </p:nvSpPr>
-        <p:spPr/>
-        <p:txBody>
-          <a:bodyPr/>
-          <a:lstStyle/>
-          <a:p>
-            <a:endParaRPr lang="ko-KR" altLang="en-US" dirty="0">
-              <a:latin typeface="맑은 고딕" panose="020B0503020000020004" pitchFamily="50" charset="-127"/>
-              <a:ea typeface="맑은 고딕" panose="020B0503020000020004" pitchFamily="50" charset="-127"/>
-            </a:endParaRPr>
-          </a:p>
-        </p:txBody>
-      </p:sp>
-      <p:sp>
-        <p:nvSpPr>
-          <p:cNvPr id="4" name="슬라이드 번호 개체 틀 3"/>
-          <p:cNvSpPr>
-            <a:spLocks noGrp="1"/>
-          </p:cNvSpPr>
-          <p:nvPr>
-            <p:ph type="sldNum" sz="quarter" idx="10"/>
-          </p:nvPr>
-        </p:nvSpPr>
-        <p:spPr/>
-        <p:txBody>
-          <a:bodyPr/>
-          <a:lstStyle/>
-          <a:p>
-            <a:pPr rtl="0"/>
-            <a:fld id="{82869989-EB00-4EE7-BCB5-25BDC5BB29F8}" type="slidenum">
-              <a:rPr lang="en-US" altLang="ko-KR" smtClean="0">
-                <a:latin typeface="맑은 고딕" panose="020B0503020000020004" pitchFamily="50" charset="-127"/>
-                <a:ea typeface="맑은 고딕" panose="020B0503020000020004" pitchFamily="50" charset="-127"/>
-              </a:rPr>
-              <a:t>4</a:t>
-            </a:fld>
-            <a:endParaRPr lang="ko-KR" altLang="en-US" dirty="0">
-              <a:latin typeface="맑은 고딕" panose="020B0503020000020004" pitchFamily="50" charset="-127"/>
-              <a:ea typeface="맑은 고딕" panose="020B0503020000020004" pitchFamily="50" charset="-127"/>
-            </a:endParaRPr>
-          </a:p>
-        </p:txBody>
-      </p:sp>
-    </p:spTree>
-    <p:extLst>
-      <p:ext uri="{BB962C8B-B14F-4D97-AF65-F5344CB8AC3E}">
-        <p14:creationId xmlns:p14="http://schemas.microsoft.com/office/powerpoint/2010/main" val="13273776"/>
-      </p:ext>
-    </p:extLst>
-  </p:cSld>
-  <p:clrMapOvr>
-    <a:masterClrMapping/>
-  </p:clrMapOvr>
-</p:notes>
-</file>
-
-<file path=ppt/notesSlides/notesSlide5.xml><?xml version="1.0" encoding="utf-8"?>
-<p:notes xmlns:a="http://schemas.openxmlformats.org/drawingml/2006/main" xmlns:r="http://schemas.openxmlformats.org/officeDocument/2006/relationships" xmlns:p="http://schemas.openxmlformats.org/presentationml/2006/main">
-  <p:cSld>
-    <p:spTree>
-      <p:nvGrpSpPr>
-        <p:cNvPr id="1" name=""/>
-        <p:cNvGrpSpPr/>
-        <p:nvPr/>
-      </p:nvGrpSpPr>
-      <p:grpSpPr>
-        <a:xfrm>
-          <a:off x="0" y="0"/>
-          <a:ext cx="0" cy="0"/>
-          <a:chOff x="0" y="0"/>
-          <a:chExt cx="0" cy="0"/>
-        </a:xfrm>
-      </p:grpSpPr>
-      <p:sp>
-        <p:nvSpPr>
-          <p:cNvPr id="2" name="슬라이드 이미지 개체 틀 1"/>
-          <p:cNvSpPr>
-            <a:spLocks noGrp="1" noRot="1" noChangeAspect="1"/>
-          </p:cNvSpPr>
-          <p:nvPr>
-            <p:ph type="sldImg"/>
-          </p:nvPr>
-        </p:nvSpPr>
-        <p:spPr/>
-      </p:sp>
-      <p:sp>
-        <p:nvSpPr>
-          <p:cNvPr id="3" name="슬라이드 노트 개체 틀 2"/>
-          <p:cNvSpPr>
-            <a:spLocks noGrp="1"/>
-          </p:cNvSpPr>
-          <p:nvPr>
-            <p:ph type="body" idx="1"/>
-          </p:nvPr>
-        </p:nvSpPr>
-        <p:spPr/>
-        <p:txBody>
-          <a:bodyPr/>
-          <a:lstStyle/>
-          <a:p>
-            <a:endParaRPr lang="ko-KR" altLang="en-US" dirty="0">
-              <a:latin typeface="맑은 고딕" panose="020B0503020000020004" pitchFamily="50" charset="-127"/>
-              <a:ea typeface="맑은 고딕" panose="020B0503020000020004" pitchFamily="50" charset="-127"/>
-            </a:endParaRPr>
-          </a:p>
-        </p:txBody>
-      </p:sp>
-      <p:sp>
-        <p:nvSpPr>
-          <p:cNvPr id="4" name="슬라이드 번호 개체 틀 3"/>
-          <p:cNvSpPr>
-            <a:spLocks noGrp="1"/>
-          </p:cNvSpPr>
-          <p:nvPr>
-            <p:ph type="sldNum" sz="quarter" idx="10"/>
-          </p:nvPr>
-        </p:nvSpPr>
-        <p:spPr/>
-        <p:txBody>
-          <a:bodyPr/>
-          <a:lstStyle/>
-          <a:p>
-            <a:pPr rtl="0"/>
-            <a:fld id="{82869989-EB00-4EE7-BCB5-25BDC5BB29F8}" type="slidenum">
-              <a:rPr lang="en-US" altLang="ko-KR" smtClean="0">
-                <a:latin typeface="맑은 고딕" panose="020B0503020000020004" pitchFamily="50" charset="-127"/>
-                <a:ea typeface="맑은 고딕" panose="020B0503020000020004" pitchFamily="50" charset="-127"/>
-              </a:rPr>
-              <a:t>5</a:t>
-            </a:fld>
-            <a:endParaRPr lang="ko-KR" altLang="en-US" dirty="0">
-              <a:latin typeface="맑은 고딕" panose="020B0503020000020004" pitchFamily="50" charset="-127"/>
-              <a:ea typeface="맑은 고딕" panose="020B0503020000020004" pitchFamily="50" charset="-127"/>
-            </a:endParaRPr>
-          </a:p>
-        </p:txBody>
-      </p:sp>
-    </p:spTree>
-    <p:extLst>
-      <p:ext uri="{BB962C8B-B14F-4D97-AF65-F5344CB8AC3E}">
-        <p14:creationId xmlns:p14="http://schemas.microsoft.com/office/powerpoint/2010/main" val="395476298"/>
-      </p:ext>
-    </p:extLst>
-  </p:cSld>
-  <p:clrMapOvr>
-    <a:masterClrMapping/>
-  </p:clrMapOvr>
-</p:notes>
-</file>
-
-<file path=ppt/notesSlides/notesSlide6.xml><?xml version="1.0" encoding="utf-8"?>
-<p:notes xmlns:a="http://schemas.openxmlformats.org/drawingml/2006/main" xmlns:r="http://schemas.openxmlformats.org/officeDocument/2006/relationships" xmlns:p="http://schemas.openxmlformats.org/presentationml/2006/main">
-  <p:cSld>
-    <p:spTree>
-      <p:nvGrpSpPr>
-        <p:cNvPr id="1" name=""/>
-        <p:cNvGrpSpPr/>
-        <p:nvPr/>
-      </p:nvGrpSpPr>
-      <p:grpSpPr>
-        <a:xfrm>
-          <a:off x="0" y="0"/>
-          <a:ext cx="0" cy="0"/>
-          <a:chOff x="0" y="0"/>
-          <a:chExt cx="0" cy="0"/>
-        </a:xfrm>
-      </p:grpSpPr>
-      <p:sp>
-        <p:nvSpPr>
-          <p:cNvPr id="2" name="슬라이드 이미지 개체 틀 1"/>
-          <p:cNvSpPr>
-            <a:spLocks noGrp="1" noRot="1" noChangeAspect="1"/>
-          </p:cNvSpPr>
-          <p:nvPr>
-            <p:ph type="sldImg"/>
-          </p:nvPr>
-        </p:nvSpPr>
-        <p:spPr/>
-      </p:sp>
-      <p:sp>
-        <p:nvSpPr>
-          <p:cNvPr id="3" name="슬라이드 노트 개체 틀 2"/>
-          <p:cNvSpPr>
-            <a:spLocks noGrp="1"/>
-          </p:cNvSpPr>
-          <p:nvPr>
-            <p:ph type="body" idx="1"/>
-          </p:nvPr>
-        </p:nvSpPr>
-        <p:spPr/>
-        <p:txBody>
-          <a:bodyPr/>
-          <a:lstStyle/>
-          <a:p>
-            <a:endParaRPr lang="ko-KR" altLang="en-US" dirty="0">
-              <a:latin typeface="맑은 고딕" panose="020B0503020000020004" pitchFamily="50" charset="-127"/>
-              <a:ea typeface="맑은 고딕" panose="020B0503020000020004" pitchFamily="50" charset="-127"/>
-            </a:endParaRPr>
-          </a:p>
-        </p:txBody>
-      </p:sp>
-      <p:sp>
-        <p:nvSpPr>
-          <p:cNvPr id="4" name="슬라이드 번호 개체 틀 3"/>
-          <p:cNvSpPr>
-            <a:spLocks noGrp="1"/>
-          </p:cNvSpPr>
-          <p:nvPr>
-            <p:ph type="sldNum" sz="quarter" idx="10"/>
-          </p:nvPr>
-        </p:nvSpPr>
-        <p:spPr/>
-        <p:txBody>
-          <a:bodyPr/>
-          <a:lstStyle/>
-          <a:p>
-            <a:pPr rtl="0"/>
-            <a:fld id="{82869989-EB00-4EE7-BCB5-25BDC5BB29F8}" type="slidenum">
-              <a:rPr lang="en-US" altLang="ko-KR" smtClean="0">
-                <a:latin typeface="맑은 고딕" panose="020B0503020000020004" pitchFamily="50" charset="-127"/>
-                <a:ea typeface="맑은 고딕" panose="020B0503020000020004" pitchFamily="50" charset="-127"/>
-              </a:rPr>
-              <a:t>6</a:t>
-            </a:fld>
-            <a:endParaRPr lang="ko-KR" altLang="en-US" dirty="0">
-              <a:latin typeface="맑은 고딕" panose="020B0503020000020004" pitchFamily="50" charset="-127"/>
-              <a:ea typeface="맑은 고딕" panose="020B0503020000020004" pitchFamily="50" charset="-127"/>
-            </a:endParaRPr>
-          </a:p>
-        </p:txBody>
-      </p:sp>
-    </p:spTree>
-    <p:extLst>
-      <p:ext uri="{BB962C8B-B14F-4D97-AF65-F5344CB8AC3E}">
-        <p14:creationId xmlns:p14="http://schemas.microsoft.com/office/powerpoint/2010/main" val="2156841782"/>
-      </p:ext>
-    </p:extLst>
-  </p:cSld>
-  <p:clrMapOvr>
-    <a:masterClrMapping/>
-  </p:clrMapOvr>
-</p:notes>
-</file>
-
-<file path=ppt/notesSlides/notesSlide7.xml><?xml version="1.0" encoding="utf-8"?>
-<p:notes xmlns:a="http://schemas.openxmlformats.org/drawingml/2006/main" xmlns:r="http://schemas.openxmlformats.org/officeDocument/2006/relationships" xmlns:p="http://schemas.openxmlformats.org/presentationml/2006/main">
-  <p:cSld>
-    <p:spTree>
-      <p:nvGrpSpPr>
-        <p:cNvPr id="1" name=""/>
-        <p:cNvGrpSpPr/>
-        <p:nvPr/>
-      </p:nvGrpSpPr>
-      <p:grpSpPr>
-        <a:xfrm>
-          <a:off x="0" y="0"/>
-          <a:ext cx="0" cy="0"/>
-          <a:chOff x="0" y="0"/>
-          <a:chExt cx="0" cy="0"/>
-        </a:xfrm>
-      </p:grpSpPr>
-      <p:sp>
-        <p:nvSpPr>
-          <p:cNvPr id="2" name="슬라이드 이미지 개체 틀 1"/>
-          <p:cNvSpPr>
-            <a:spLocks noGrp="1" noRot="1" noChangeAspect="1"/>
-          </p:cNvSpPr>
-          <p:nvPr>
-            <p:ph type="sldImg"/>
-          </p:nvPr>
-        </p:nvSpPr>
-        <p:spPr/>
-      </p:sp>
-      <p:sp>
-        <p:nvSpPr>
-          <p:cNvPr id="3" name="슬라이드 노트 개체 틀 2"/>
-          <p:cNvSpPr>
-            <a:spLocks noGrp="1"/>
-          </p:cNvSpPr>
-          <p:nvPr>
-            <p:ph type="body" idx="1"/>
-          </p:nvPr>
-        </p:nvSpPr>
-        <p:spPr/>
-        <p:txBody>
-          <a:bodyPr/>
-          <a:lstStyle/>
-          <a:p>
-            <a:endParaRPr lang="ko-KR" altLang="en-US" dirty="0">
-              <a:latin typeface="맑은 고딕" panose="020B0503020000020004" pitchFamily="50" charset="-127"/>
-              <a:ea typeface="맑은 고딕" panose="020B0503020000020004" pitchFamily="50" charset="-127"/>
-            </a:endParaRPr>
-          </a:p>
-        </p:txBody>
-      </p:sp>
-      <p:sp>
-        <p:nvSpPr>
-          <p:cNvPr id="4" name="슬라이드 번호 개체 틀 3"/>
-          <p:cNvSpPr>
-            <a:spLocks noGrp="1"/>
-          </p:cNvSpPr>
-          <p:nvPr>
-            <p:ph type="sldNum" sz="quarter" idx="10"/>
-          </p:nvPr>
-        </p:nvSpPr>
-        <p:spPr/>
-        <p:txBody>
-          <a:bodyPr/>
-          <a:lstStyle/>
-          <a:p>
-            <a:pPr rtl="0"/>
-            <a:fld id="{82869989-EB00-4EE7-BCB5-25BDC5BB29F8}" type="slidenum">
-              <a:rPr lang="en-US" altLang="ko-KR" smtClean="0">
-                <a:latin typeface="맑은 고딕" panose="020B0503020000020004" pitchFamily="50" charset="-127"/>
-                <a:ea typeface="맑은 고딕" panose="020B0503020000020004" pitchFamily="50" charset="-127"/>
-              </a:rPr>
-              <a:t>7</a:t>
-            </a:fld>
-            <a:endParaRPr lang="ko-KR" altLang="en-US" dirty="0">
-              <a:latin typeface="맑은 고딕" panose="020B0503020000020004" pitchFamily="50" charset="-127"/>
-              <a:ea typeface="맑은 고딕" panose="020B0503020000020004" pitchFamily="50" charset="-127"/>
-            </a:endParaRPr>
-          </a:p>
-        </p:txBody>
-      </p:sp>
-    </p:spTree>
-    <p:extLst>
-      <p:ext uri="{BB962C8B-B14F-4D97-AF65-F5344CB8AC3E}">
-        <p14:creationId xmlns:p14="http://schemas.microsoft.com/office/powerpoint/2010/main" val="1214785384"/>
-      </p:ext>
-    </p:extLst>
-  </p:cSld>
-  <p:clrMapOvr>
-    <a:masterClrMapping/>
-  </p:clrMapOvr>
-</p:notes>
-</file>
-
-<file path=ppt/notesSlides/notesSlide8.xml><?xml version="1.0" encoding="utf-8"?>
-<p:notes xmlns:a="http://schemas.openxmlformats.org/drawingml/2006/main" xmlns:r="http://schemas.openxmlformats.org/officeDocument/2006/relationships" xmlns:p="http://schemas.openxmlformats.org/presentationml/2006/main">
-  <p:cSld>
-    <p:spTree>
-      <p:nvGrpSpPr>
-        <p:cNvPr id="1" name=""/>
-        <p:cNvGrpSpPr/>
-        <p:nvPr/>
-      </p:nvGrpSpPr>
-      <p:grpSpPr>
-        <a:xfrm>
-          <a:off x="0" y="0"/>
-          <a:ext cx="0" cy="0"/>
-          <a:chOff x="0" y="0"/>
-          <a:chExt cx="0" cy="0"/>
-        </a:xfrm>
-      </p:grpSpPr>
-      <p:sp>
-        <p:nvSpPr>
-          <p:cNvPr id="2" name="슬라이드 이미지 개체 틀 1"/>
-          <p:cNvSpPr>
-            <a:spLocks noGrp="1" noRot="1" noChangeAspect="1"/>
-          </p:cNvSpPr>
-          <p:nvPr>
-            <p:ph type="sldImg"/>
-          </p:nvPr>
-        </p:nvSpPr>
-        <p:spPr/>
-      </p:sp>
-      <p:sp>
-        <p:nvSpPr>
-          <p:cNvPr id="3" name="슬라이드 노트 개체 틀 2"/>
-          <p:cNvSpPr>
-            <a:spLocks noGrp="1"/>
-          </p:cNvSpPr>
-          <p:nvPr>
-            <p:ph type="body" idx="1"/>
-          </p:nvPr>
-        </p:nvSpPr>
-        <p:spPr/>
-        <p:txBody>
-          <a:bodyPr/>
-          <a:lstStyle/>
-          <a:p>
-            <a:endParaRPr lang="ko-KR" altLang="en-US" dirty="0">
-              <a:latin typeface="맑은 고딕" panose="020B0503020000020004" pitchFamily="50" charset="-127"/>
-              <a:ea typeface="맑은 고딕" panose="020B0503020000020004" pitchFamily="50" charset="-127"/>
-            </a:endParaRPr>
-          </a:p>
-        </p:txBody>
-      </p:sp>
-      <p:sp>
-        <p:nvSpPr>
-          <p:cNvPr id="4" name="슬라이드 번호 개체 틀 3"/>
-          <p:cNvSpPr>
-            <a:spLocks noGrp="1"/>
-          </p:cNvSpPr>
-          <p:nvPr>
-            <p:ph type="sldNum" sz="quarter" idx="10"/>
-          </p:nvPr>
-        </p:nvSpPr>
-        <p:spPr/>
-        <p:txBody>
-          <a:bodyPr/>
-          <a:lstStyle/>
-          <a:p>
-            <a:pPr rtl="0"/>
-            <a:fld id="{82869989-EB00-4EE7-BCB5-25BDC5BB29F8}" type="slidenum">
-              <a:rPr lang="en-US" altLang="ko-KR" smtClean="0">
-                <a:latin typeface="맑은 고딕" panose="020B0503020000020004" pitchFamily="50" charset="-127"/>
-                <a:ea typeface="맑은 고딕" panose="020B0503020000020004" pitchFamily="50" charset="-127"/>
-              </a:rPr>
-              <a:t>8</a:t>
-            </a:fld>
-            <a:endParaRPr lang="ko-KR" altLang="en-US" dirty="0">
-              <a:latin typeface="맑은 고딕" panose="020B0503020000020004" pitchFamily="50" charset="-127"/>
-              <a:ea typeface="맑은 고딕" panose="020B0503020000020004" pitchFamily="50" charset="-127"/>
-            </a:endParaRPr>
-          </a:p>
-        </p:txBody>
-      </p:sp>
-    </p:spTree>
-    <p:extLst>
-      <p:ext uri="{BB962C8B-B14F-4D97-AF65-F5344CB8AC3E}">
-        <p14:creationId xmlns:p14="http://schemas.microsoft.com/office/powerpoint/2010/main" val="3453376837"/>
-      </p:ext>
-    </p:extLst>
-  </p:cSld>
-  <p:clrMapOvr>
-    <a:masterClrMapping/>
-  </p:clrMapOvr>
-</p:notes>
-</file>
-
-<file path=ppt/notesSlides/notesSlide9.xml><?xml version="1.0" encoding="utf-8"?>
-<p:notes xmlns:a="http://schemas.openxmlformats.org/drawingml/2006/main" xmlns:r="http://schemas.openxmlformats.org/officeDocument/2006/relationships" xmlns:p="http://schemas.openxmlformats.org/presentationml/2006/main">
-  <p:cSld>
-    <p:spTree>
-      <p:nvGrpSpPr>
-        <p:cNvPr id="1" name=""/>
-        <p:cNvGrpSpPr/>
-        <p:nvPr/>
-      </p:nvGrpSpPr>
-      <p:grpSpPr>
-        <a:xfrm>
-          <a:off x="0" y="0"/>
-          <a:ext cx="0" cy="0"/>
-          <a:chOff x="0" y="0"/>
-          <a:chExt cx="0" cy="0"/>
-        </a:xfrm>
-      </p:grpSpPr>
-      <p:sp>
-        <p:nvSpPr>
-          <p:cNvPr id="2" name="슬라이드 이미지 개체 틀 1"/>
-          <p:cNvSpPr>
-            <a:spLocks noGrp="1" noRot="1" noChangeAspect="1"/>
-          </p:cNvSpPr>
-          <p:nvPr>
-            <p:ph type="sldImg"/>
-          </p:nvPr>
-        </p:nvSpPr>
-        <p:spPr/>
-      </p:sp>
-      <p:sp>
-        <p:nvSpPr>
-          <p:cNvPr id="3" name="슬라이드 노트 개체 틀 2"/>
-          <p:cNvSpPr>
-            <a:spLocks noGrp="1"/>
-          </p:cNvSpPr>
-          <p:nvPr>
-            <p:ph type="body" idx="1"/>
-          </p:nvPr>
-        </p:nvSpPr>
-        <p:spPr/>
-        <p:txBody>
-          <a:bodyPr/>
-          <a:lstStyle/>
-          <a:p>
-            <a:endParaRPr lang="ko-KR" altLang="en-US" dirty="0">
-              <a:latin typeface="맑은 고딕" panose="020B0503020000020004" pitchFamily="50" charset="-127"/>
-              <a:ea typeface="맑은 고딕" panose="020B0503020000020004" pitchFamily="50" charset="-127"/>
-            </a:endParaRPr>
-          </a:p>
-        </p:txBody>
-      </p:sp>
-      <p:sp>
-        <p:nvSpPr>
-          <p:cNvPr id="4" name="슬라이드 번호 개체 틀 3"/>
-          <p:cNvSpPr>
-            <a:spLocks noGrp="1"/>
-          </p:cNvSpPr>
-          <p:nvPr>
-            <p:ph type="sldNum" sz="quarter" idx="10"/>
-          </p:nvPr>
-        </p:nvSpPr>
-        <p:spPr/>
-        <p:txBody>
-          <a:bodyPr/>
-          <a:lstStyle/>
-          <a:p>
-            <a:pPr rtl="0"/>
-            <a:fld id="{82869989-EB00-4EE7-BCB5-25BDC5BB29F8}" type="slidenum">
-              <a:rPr lang="en-US" altLang="ko-KR" smtClean="0">
-                <a:latin typeface="맑은 고딕" panose="020B0503020000020004" pitchFamily="50" charset="-127"/>
-                <a:ea typeface="맑은 고딕" panose="020B0503020000020004" pitchFamily="50" charset="-127"/>
-              </a:rPr>
-              <a:t>9</a:t>
-            </a:fld>
-            <a:endParaRPr lang="ko-KR" altLang="en-US" dirty="0">
-              <a:latin typeface="맑은 고딕" panose="020B0503020000020004" pitchFamily="50" charset="-127"/>
-              <a:ea typeface="맑은 고딕" panose="020B0503020000020004" pitchFamily="50" charset="-127"/>
-            </a:endParaRPr>
-          </a:p>
-        </p:txBody>
-      </p:sp>
-    </p:spTree>
-    <p:extLst>
-      <p:ext uri="{BB962C8B-B14F-4D97-AF65-F5344CB8AC3E}">
-        <p14:creationId xmlns:p14="http://schemas.microsoft.com/office/powerpoint/2010/main" val="1355721338"/>
-      </p:ext>
-    </p:extLst>
-  </p:cSld>
-  <p:clrMapOvr>
-    <a:masterClrMapping/>
-  </p:clrMapOvr>
-</p:notes>
 </file>
 
 <file path=ppt/slideLayouts/slideLayout1.xml><?xml version="1.0" encoding="utf-8"?>
@@ -8010,7 +2870,6 @@
               <a:rPr lang="ko-KR" altLang="en-US"/>
               <a:t>바닥글 추가</a:t>
             </a:r>
-            <a:endParaRPr lang="ko-KR" altLang="en-US" dirty="0"/>
           </a:p>
         </p:txBody>
       </p:sp>
@@ -8038,9 +2897,9 @@
           <a:p>
             <a:fld id="{2A5B65E4-62A8-4988-B07B-5D6D443B14ED}" type="datetime4">
               <a:rPr lang="ko-KR" altLang="en-US" smtClean="0"/>
-              <a:t>2021년 3월 5일</a:t>
+              <a:t>2021년 6월 24일</a:t>
             </a:fld>
-            <a:endParaRPr lang="ko-KR" altLang="en-US" dirty="0"/>
+            <a:endParaRPr lang="ko-KR" altLang="en-US"/>
           </a:p>
         </p:txBody>
       </p:sp>
@@ -8071,7 +2930,7 @@
               <a:pPr/>
               <a:t>‹#›</a:t>
             </a:fld>
-            <a:endParaRPr lang="ko-KR" altLang="en-US" dirty="0"/>
+            <a:endParaRPr lang="ko-KR" altLang="en-US"/>
           </a:p>
         </p:txBody>
       </p:sp>
@@ -8264,7 +3123,7 @@
           </a:lstStyle>
           <a:p>
             <a:r>
-              <a:rPr lang="ko-KR" altLang="en-US" noProof="0" dirty="0"/>
+              <a:rPr lang="ko-KR" altLang="en-US" noProof="0"/>
               <a:t>바닥글 추가</a:t>
             </a:r>
           </a:p>
@@ -8294,9 +3153,9 @@
           <a:p>
             <a:fld id="{58EB6286-0DE7-4336-9826-977AD102FCF2}" type="datetime4">
               <a:rPr lang="ko-KR" altLang="en-US" noProof="0" smtClean="0"/>
-              <a:t>2021년 3월 5일</a:t>
+              <a:t>2021년 6월 24일</a:t>
             </a:fld>
-            <a:endParaRPr lang="ko-KR" altLang="en-US" noProof="0" dirty="0"/>
+            <a:endParaRPr lang="ko-KR" altLang="en-US" noProof="0"/>
           </a:p>
         </p:txBody>
       </p:sp>
@@ -8327,7 +3186,7 @@
               <a:pPr/>
               <a:t>‹#›</a:t>
             </a:fld>
-            <a:endParaRPr lang="ko-KR" altLang="en-US" noProof="0" dirty="0"/>
+            <a:endParaRPr lang="ko-KR" altLang="en-US" noProof="0"/>
           </a:p>
         </p:txBody>
       </p:sp>
@@ -8466,7 +3325,7 @@
           <a:p>
             <a:pPr rtl="0"/>
             <a:r>
-              <a:rPr lang="ko-KR" altLang="en-US" noProof="0" dirty="0"/>
+              <a:rPr lang="ko-KR" altLang="en-US" noProof="0"/>
               <a:t>바닥글 추가</a:t>
             </a:r>
           </a:p>
@@ -8490,9 +3349,9 @@
             <a:pPr rtl="0"/>
             <a:fld id="{6A5419DA-7218-42E5-A443-F000500111E1}" type="datetime4">
               <a:rPr lang="ko-KR" altLang="en-US" noProof="0" smtClean="0"/>
-              <a:t>2021년 3월 5일</a:t>
+              <a:t>2021년 6월 24일</a:t>
             </a:fld>
-            <a:endParaRPr lang="ko-KR" altLang="en-US" noProof="0" dirty="0"/>
+            <a:endParaRPr lang="ko-KR" altLang="en-US" noProof="0"/>
           </a:p>
         </p:txBody>
       </p:sp>
@@ -8516,7 +3375,7 @@
               <a:rPr lang="en-US" altLang="ko-KR" noProof="0" smtClean="0"/>
               <a:t>‹#›</a:t>
             </a:fld>
-            <a:endParaRPr lang="ko-KR" altLang="en-US" noProof="0" dirty="0"/>
+            <a:endParaRPr lang="ko-KR" altLang="en-US" noProof="0"/>
           </a:p>
         </p:txBody>
       </p:sp>
@@ -10861,7 +5720,7 @@
           </a:lstStyle>
           <a:p>
             <a:r>
-              <a:rPr lang="ko-KR" altLang="en-US" noProof="0" dirty="0"/>
+              <a:rPr lang="ko-KR" altLang="en-US" noProof="0"/>
               <a:t>바닥글 추가</a:t>
             </a:r>
           </a:p>
@@ -10891,9 +5750,9 @@
           <a:p>
             <a:fld id="{E498C52F-1DF1-4226-BAB6-C1E2EE4C9D62}" type="datetime4">
               <a:rPr lang="ko-KR" altLang="en-US" noProof="0" smtClean="0"/>
-              <a:t>2021년 3월 5일</a:t>
+              <a:t>2021년 6월 24일</a:t>
             </a:fld>
-            <a:endParaRPr lang="ko-KR" altLang="en-US" noProof="0" dirty="0"/>
+            <a:endParaRPr lang="ko-KR" altLang="en-US" noProof="0"/>
           </a:p>
         </p:txBody>
       </p:sp>
@@ -10924,7 +5783,7 @@
               <a:pPr/>
               <a:t>‹#›</a:t>
             </a:fld>
-            <a:endParaRPr lang="ko-KR" altLang="en-US" noProof="0" dirty="0"/>
+            <a:endParaRPr lang="ko-KR" altLang="en-US" noProof="0"/>
           </a:p>
         </p:txBody>
       </p:sp>
@@ -11380,7 +6239,7 @@
           </a:lstStyle>
           <a:p>
             <a:r>
-              <a:rPr lang="ko-KR" altLang="en-US" noProof="0" dirty="0"/>
+              <a:rPr lang="ko-KR" altLang="en-US" noProof="0"/>
               <a:t>바닥글 추가</a:t>
             </a:r>
           </a:p>
@@ -11410,9 +6269,9 @@
           <a:p>
             <a:fld id="{7B1E1FFC-F755-4558-8D3C-A157D1A01A8A}" type="datetime4">
               <a:rPr lang="ko-KR" altLang="en-US" noProof="0" smtClean="0"/>
-              <a:t>2021년 3월 5일</a:t>
+              <a:t>2021년 6월 24일</a:t>
             </a:fld>
-            <a:endParaRPr lang="ko-KR" altLang="en-US" noProof="0" dirty="0"/>
+            <a:endParaRPr lang="ko-KR" altLang="en-US" noProof="0"/>
           </a:p>
         </p:txBody>
       </p:sp>
@@ -11443,7 +6302,7 @@
               <a:pPr/>
               <a:t>‹#›</a:t>
             </a:fld>
-            <a:endParaRPr lang="ko-KR" altLang="en-US" noProof="0" dirty="0"/>
+            <a:endParaRPr lang="ko-KR" altLang="en-US" noProof="0"/>
           </a:p>
         </p:txBody>
       </p:sp>
@@ -11530,7 +6389,7 @@
           <a:p>
             <a:pPr rtl="0"/>
             <a:r>
-              <a:rPr lang="ko-KR" altLang="en-US" noProof="0" dirty="0"/>
+              <a:rPr lang="ko-KR" altLang="en-US" noProof="0"/>
               <a:t>바닥글 추가</a:t>
             </a:r>
           </a:p>
@@ -11554,9 +6413,9 @@
             <a:pPr rtl="0"/>
             <a:fld id="{DA2A33C0-A4A8-4C90-B6DA-35B8CF58C816}" type="datetime4">
               <a:rPr lang="ko-KR" altLang="en-US" noProof="0" smtClean="0"/>
-              <a:t>2021년 3월 5일</a:t>
+              <a:t>2021년 6월 24일</a:t>
             </a:fld>
-            <a:endParaRPr lang="ko-KR" altLang="en-US" noProof="0" dirty="0"/>
+            <a:endParaRPr lang="ko-KR" altLang="en-US" noProof="0"/>
           </a:p>
         </p:txBody>
       </p:sp>
@@ -11580,7 +6439,7 @@
               <a:rPr lang="en-US" altLang="ko-KR" noProof="0" smtClean="0"/>
               <a:t>‹#›</a:t>
             </a:fld>
-            <a:endParaRPr lang="ko-KR" altLang="en-US" noProof="0" dirty="0"/>
+            <a:endParaRPr lang="ko-KR" altLang="en-US" noProof="0"/>
           </a:p>
         </p:txBody>
       </p:sp>
@@ -13472,7 +8331,7 @@
           </a:lstStyle>
           <a:p>
             <a:r>
-              <a:rPr lang="ko-KR" altLang="en-US" noProof="0" dirty="0"/>
+              <a:rPr lang="ko-KR" altLang="en-US" noProof="0"/>
               <a:t>바닥글 추가</a:t>
             </a:r>
           </a:p>
@@ -13502,9 +8361,9 @@
           <a:p>
             <a:fld id="{53CB1B8F-A14A-4BE4-A9B9-3B263F04145C}" type="datetime4">
               <a:rPr lang="ko-KR" altLang="en-US" noProof="0" smtClean="0"/>
-              <a:t>2021년 3월 5일</a:t>
+              <a:t>2021년 6월 24일</a:t>
             </a:fld>
-            <a:endParaRPr lang="ko-KR" altLang="en-US" noProof="0" dirty="0"/>
+            <a:endParaRPr lang="ko-KR" altLang="en-US" noProof="0"/>
           </a:p>
         </p:txBody>
       </p:sp>
@@ -13535,7 +8394,7 @@
               <a:pPr/>
               <a:t>‹#›</a:t>
             </a:fld>
-            <a:endParaRPr lang="ko-KR" altLang="en-US" noProof="0" dirty="0"/>
+            <a:endParaRPr lang="ko-KR" altLang="en-US" noProof="0"/>
           </a:p>
         </p:txBody>
       </p:sp>
@@ -15482,7 +10341,7 @@
           <a:lstStyle/>
           <a:p>
             <a:pPr algn="ctr" rtl="0"/>
-            <a:endParaRPr lang="ko-KR" altLang="en-US" noProof="0" dirty="0">
+            <a:endParaRPr lang="ko-KR" altLang="en-US" noProof="0">
               <a:latin typeface="맑은 고딕" panose="020B0503020000020004" pitchFamily="50" charset="-127"/>
               <a:ea typeface="맑은 고딕" panose="020B0503020000020004" pitchFamily="50" charset="-127"/>
             </a:endParaRPr>
@@ -15766,7 +10625,7 @@
           </a:lstStyle>
           <a:p>
             <a:r>
-              <a:rPr lang="ko-KR" altLang="en-US" noProof="0" dirty="0"/>
+              <a:rPr lang="ko-KR" altLang="en-US" noProof="0"/>
               <a:t>바닥글 추가</a:t>
             </a:r>
           </a:p>
@@ -15799,9 +10658,9 @@
           <a:p>
             <a:fld id="{5B9196A3-957C-4113-A568-B6ED9AEA3D01}" type="datetime4">
               <a:rPr lang="ko-KR" altLang="en-US" noProof="0" smtClean="0"/>
-              <a:t>2021년 3월 5일</a:t>
+              <a:t>2021년 6월 24일</a:t>
             </a:fld>
-            <a:endParaRPr lang="ko-KR" altLang="en-US" noProof="0" dirty="0"/>
+            <a:endParaRPr lang="ko-KR" altLang="en-US" noProof="0"/>
           </a:p>
         </p:txBody>
       </p:sp>
@@ -15835,7 +10694,7 @@
               <a:pPr/>
               <a:t>‹#›</a:t>
             </a:fld>
-            <a:endParaRPr lang="ko-KR" altLang="en-US" noProof="0" dirty="0"/>
+            <a:endParaRPr lang="ko-KR" altLang="en-US" noProof="0"/>
           </a:p>
         </p:txBody>
       </p:sp>
@@ -17782,7 +12641,7 @@
           <a:lstStyle/>
           <a:p>
             <a:pPr algn="ctr" rtl="0"/>
-            <a:endParaRPr lang="ko-KR" altLang="en-US" noProof="0" dirty="0">
+            <a:endParaRPr lang="ko-KR" altLang="en-US" noProof="0">
               <a:latin typeface="맑은 고딕" panose="020B0503020000020004" pitchFamily="50" charset="-127"/>
               <a:ea typeface="맑은 고딕" panose="020B0503020000020004" pitchFamily="50" charset="-127"/>
             </a:endParaRPr>
@@ -17932,7 +12791,7 @@
               <a:rPr lang="ko-KR" altLang="en-US" noProof="0"/>
               <a:t>그림을 추가하려면 아이콘을 클릭하십시오</a:t>
             </a:r>
-            <a:endParaRPr lang="en-US" altLang="ko-KR" noProof="0" dirty="0"/>
+            <a:endParaRPr lang="en-US" altLang="ko-KR" noProof="0"/>
           </a:p>
         </p:txBody>
       </p:sp>
@@ -20072,7 +14931,7 @@
           </a:lstStyle>
           <a:p>
             <a:r>
-              <a:rPr lang="ko-KR" altLang="en-US" noProof="0" dirty="0"/>
+              <a:rPr lang="ko-KR" altLang="en-US" noProof="0"/>
               <a:t>바닥글 추가</a:t>
             </a:r>
           </a:p>
@@ -20116,9 +14975,9 @@
           <a:p>
             <a:fld id="{28BEB146-D335-4DA5-9826-58595BCDBE2E}" type="datetime4">
               <a:rPr lang="ko-KR" altLang="en-US" noProof="0" smtClean="0"/>
-              <a:t>2021년 3월 5일</a:t>
+              <a:t>2021년 6월 24일</a:t>
             </a:fld>
-            <a:endParaRPr lang="ko-KR" altLang="en-US" noProof="0" dirty="0"/>
+            <a:endParaRPr lang="ko-KR" altLang="en-US" noProof="0"/>
           </a:p>
         </p:txBody>
       </p:sp>
@@ -20163,7 +15022,7 @@
               <a:pPr/>
               <a:t>‹#›</a:t>
             </a:fld>
-            <a:endParaRPr lang="ko-KR" altLang="en-US" noProof="0" dirty="0"/>
+            <a:endParaRPr lang="ko-KR" altLang="en-US" noProof="0"/>
           </a:p>
         </p:txBody>
       </p:sp>
@@ -20575,101 +15434,13 @@
       </p:grpSpPr>
       <p:sp>
         <p:nvSpPr>
-          <p:cNvPr id="2" name="제목 1"/>
-          <p:cNvSpPr>
-            <a:spLocks noGrp="1"/>
-          </p:cNvSpPr>
-          <p:nvPr>
-            <p:ph type="ctrTitle"/>
-          </p:nvPr>
-        </p:nvSpPr>
-        <p:spPr/>
-        <p:txBody>
-          <a:bodyPr rtlCol="0"/>
-          <a:lstStyle/>
-          <a:p>
-            <a:pPr rtl="0"/>
-            <a:r>
-              <a:rPr lang="ko-KR" altLang="en-US" dirty="0">
-                <a:latin typeface="맑은 고딕" panose="020B0503020000020004" pitchFamily="50" charset="-127"/>
-                <a:ea typeface="맑은 고딕" panose="020B0503020000020004" pitchFamily="50" charset="-127"/>
-              </a:rPr>
-              <a:t>제목 레이아웃</a:t>
-            </a:r>
-          </a:p>
-        </p:txBody>
-      </p:sp>
-      <p:sp>
-        <p:nvSpPr>
-          <p:cNvPr id="3" name="부제목 2"/>
-          <p:cNvSpPr>
-            <a:spLocks noGrp="1"/>
-          </p:cNvSpPr>
-          <p:nvPr>
-            <p:ph type="subTitle" idx="1"/>
-          </p:nvPr>
-        </p:nvSpPr>
-        <p:spPr/>
-        <p:txBody>
-          <a:bodyPr rtlCol="0"/>
-          <a:lstStyle/>
-          <a:p>
-            <a:pPr rtl="0"/>
-            <a:r>
-              <a:rPr lang="ko-KR" altLang="en-US" dirty="0">
-                <a:latin typeface="맑은 고딕" panose="020B0503020000020004" pitchFamily="50" charset="-127"/>
-                <a:ea typeface="맑은 고딕" panose="020B0503020000020004" pitchFamily="50" charset="-127"/>
-              </a:rPr>
-              <a:t>부제목</a:t>
-            </a:r>
-          </a:p>
-        </p:txBody>
-      </p:sp>
-    </p:spTree>
-    <p:extLst>
-      <p:ext uri="{BB962C8B-B14F-4D97-AF65-F5344CB8AC3E}">
-        <p14:creationId xmlns:p14="http://schemas.microsoft.com/office/powerpoint/2010/main" val="106904919"/>
-      </p:ext>
-    </p:extLst>
-  </p:cSld>
-  <p:clrMapOvr>
-    <a:masterClrMapping/>
-  </p:clrMapOvr>
-  <mc:AlternateContent xmlns:mc="http://schemas.openxmlformats.org/markup-compatibility/2006" xmlns:p14="http://schemas.microsoft.com/office/powerpoint/2010/main">
-    <mc:Choice Requires="p14">
-      <p:transition spd="med" p14:dur="700">
-        <p:fade/>
-      </p:transition>
-    </mc:Choice>
-    <mc:Fallback xmlns="">
-      <p:transition spd="med">
-        <p:fade/>
-      </p:transition>
-    </mc:Fallback>
-  </mc:AlternateContent>
-</p:sld>
-</file>
-
-<file path=ppt/slides/slide10.xml><?xml version="1.0" encoding="utf-8"?>
-<p:sld xmlns:a="http://schemas.openxmlformats.org/drawingml/2006/main" xmlns:r="http://schemas.openxmlformats.org/officeDocument/2006/relationships" xmlns:p="http://schemas.openxmlformats.org/presentationml/2006/main">
-  <p:cSld>
-    <p:spTree>
-      <p:nvGrpSpPr>
-        <p:cNvPr id="1" name=""/>
-        <p:cNvGrpSpPr/>
-        <p:nvPr/>
-      </p:nvGrpSpPr>
-      <p:grpSpPr>
-        <a:xfrm>
-          <a:off x="0" y="0"/>
-          <a:ext cx="0" cy="0"/>
-          <a:chOff x="0" y="0"/>
-          <a:chExt cx="0" cy="0"/>
-        </a:xfrm>
-      </p:grpSpPr>
-      <p:sp>
-        <p:nvSpPr>
-          <p:cNvPr id="2" name="제목 1"/>
+          <p:cNvPr id="2" name="제목 1">
+            <a:extLst>
+              <a:ext uri="{FF2B5EF4-FFF2-40B4-BE49-F238E27FC236}">
+                <a16:creationId xmlns:a16="http://schemas.microsoft.com/office/drawing/2014/main" id="{EB00CFD6-B5AC-461F-B8D3-8F0BD6C55969}"/>
+              </a:ext>
+            </a:extLst>
+          </p:cNvPr>
           <p:cNvSpPr>
             <a:spLocks noGrp="1"/>
           </p:cNvSpPr>
@@ -20679,30 +15450,25 @@
         </p:nvSpPr>
         <p:spPr/>
         <p:txBody>
-          <a:bodyPr rtlCol="0"/>
+          <a:bodyPr/>
           <a:lstStyle/>
           <a:p>
-            <a:pPr rtl="0"/>
-            <a:r>
-              <a:rPr lang="ko-KR" altLang="en-US" dirty="0">
-                <a:latin typeface="맑은 고딕" panose="020B0503020000020004" pitchFamily="50" charset="-127"/>
-                <a:ea typeface="맑은 고딕" panose="020B0503020000020004" pitchFamily="50" charset="-127"/>
-              </a:rPr>
-              <a:t>슬라이드 제목 추가 </a:t>
-            </a:r>
-            <a:r>
-              <a:rPr lang="en-US" altLang="ko-KR" dirty="0">
-                <a:latin typeface="맑은 고딕" panose="020B0503020000020004" pitchFamily="50" charset="-127"/>
-                <a:ea typeface="맑은 고딕" panose="020B0503020000020004" pitchFamily="50" charset="-127"/>
-              </a:rPr>
-              <a:t>- 4</a:t>
+            <a:r>
+              <a:rPr lang="ko-KR" altLang="en-US"/>
+              <a:t>개발자가 알아 두면 좋은 네트워크 개념</a:t>
             </a:r>
           </a:p>
         </p:txBody>
       </p:sp>
       <p:sp>
         <p:nvSpPr>
-          <p:cNvPr id="5" name="내용 개체 틀 4"/>
+          <p:cNvPr id="3" name="내용 개체 틀 2">
+            <a:extLst>
+              <a:ext uri="{FF2B5EF4-FFF2-40B4-BE49-F238E27FC236}">
+                <a16:creationId xmlns:a16="http://schemas.microsoft.com/office/drawing/2014/main" id="{DA8C688D-11E6-4416-BA44-AC1E01AAF60C}"/>
+              </a:ext>
+            </a:extLst>
+          </p:cNvPr>
           <p:cNvSpPr>
             <a:spLocks noGrp="1"/>
           </p:cNvSpPr>
@@ -20712,154 +15478,91 @@
         </p:nvSpPr>
         <p:spPr/>
         <p:txBody>
-          <a:bodyPr rtlCol="0"/>
+          <a:bodyPr/>
           <a:lstStyle/>
           <a:p>
-            <a:pPr rtl="0"/>
-            <a:endParaRPr lang="ko-KR" altLang="en-US" dirty="0">
-              <a:latin typeface="맑은 고딕" panose="020B0503020000020004" pitchFamily="50" charset="-127"/>
-              <a:ea typeface="맑은 고딕" panose="020B0503020000020004" pitchFamily="50" charset="-127"/>
-            </a:endParaRPr>
-          </a:p>
-        </p:txBody>
-      </p:sp>
-      <p:sp>
-        <p:nvSpPr>
-          <p:cNvPr id="6" name="텍스트 개체 틀 5"/>
-          <p:cNvSpPr>
-            <a:spLocks noGrp="1"/>
-          </p:cNvSpPr>
-          <p:nvPr>
-            <p:ph type="body" sz="half" idx="2"/>
-          </p:nvPr>
-        </p:nvSpPr>
-        <p:spPr/>
-        <p:txBody>
-          <a:bodyPr rtlCol="0"/>
-          <a:lstStyle/>
-          <a:p>
-            <a:pPr rtl="0"/>
-            <a:endParaRPr lang="ko-KR" altLang="en-US" dirty="0">
-              <a:latin typeface="맑은 고딕" panose="020B0503020000020004" pitchFamily="50" charset="-127"/>
-              <a:ea typeface="맑은 고딕" panose="020B0503020000020004" pitchFamily="50" charset="-127"/>
-            </a:endParaRPr>
+            <a:r>
+              <a:rPr lang="ko-KR" altLang="en-US"/>
+              <a:t>개발자가 입력한 데이터가 백엔드서버로 전달되기까지 사용되는 개념</a:t>
+            </a:r>
+            <a:endParaRPr lang="en-US" altLang="ko-KR"/>
+          </a:p>
+          <a:p>
+            <a:pPr lvl="1"/>
+            <a:r>
+              <a:rPr lang="en-US" altLang="ko-KR"/>
+              <a:t>MAC / IP / PORT </a:t>
+            </a:r>
+            <a:r>
+              <a:rPr lang="ko-KR" altLang="en-US"/>
+              <a:t>그리고 프로토콜</a:t>
+            </a:r>
+            <a:endParaRPr lang="en-US" altLang="ko-KR"/>
+          </a:p>
+          <a:p>
+            <a:r>
+              <a:rPr lang="ko-KR" altLang="en-US"/>
+              <a:t>아래 질문에 답을 할 수 있으면 이 강의는 넘기셔도 됩니다</a:t>
+            </a:r>
+            <a:r>
+              <a:rPr lang="en-US" altLang="ko-KR"/>
+              <a:t>.</a:t>
+            </a:r>
+          </a:p>
+          <a:p>
+            <a:pPr lvl="1"/>
+            <a:r>
+              <a:rPr lang="ko-KR" altLang="en-US"/>
+              <a:t>사설아이피를 사용하는 서버에 접속할 수 있는 방법</a:t>
+            </a:r>
+            <a:endParaRPr lang="en-US" altLang="ko-KR"/>
+          </a:p>
+          <a:p>
+            <a:pPr lvl="1"/>
+            <a:r>
+              <a:rPr lang="ko-KR" altLang="en-US"/>
+              <a:t>웹 브라우저의 </a:t>
+            </a:r>
+            <a:r>
+              <a:rPr lang="en-US" altLang="ko-KR"/>
+              <a:t>MAC </a:t>
+            </a:r>
+            <a:r>
+              <a:rPr lang="ko-KR" altLang="en-US"/>
+              <a:t>주소를 알 수 있는 방법</a:t>
+            </a:r>
+            <a:endParaRPr lang="en-US" altLang="ko-KR"/>
+          </a:p>
+          <a:p>
+            <a:pPr lvl="1"/>
+            <a:r>
+              <a:rPr lang="ko-KR" altLang="en-US"/>
+              <a:t>아이피를 사용자 인증값으로 사용할 수 있는 방법</a:t>
+            </a:r>
+            <a:endParaRPr lang="en-US" altLang="ko-KR"/>
+          </a:p>
+          <a:p>
+            <a:pPr lvl="1"/>
+            <a:r>
+              <a:rPr lang="en-US" altLang="ko-KR"/>
+              <a:t>80 </a:t>
+            </a:r>
+            <a:r>
+              <a:rPr lang="ko-KR" altLang="en-US"/>
+              <a:t>포트를 사용하는 톰캣을 여러개 실행할 수 있는 방법</a:t>
+            </a:r>
+            <a:endParaRPr lang="en-US" altLang="ko-KR"/>
+          </a:p>
+          <a:p>
+            <a:pPr lvl="1"/>
+            <a:endParaRPr lang="ko-KR" altLang="en-US"/>
           </a:p>
         </p:txBody>
       </p:sp>
     </p:spTree>
     <p:extLst>
       <p:ext uri="{BB962C8B-B14F-4D97-AF65-F5344CB8AC3E}">
-        <p14:creationId xmlns:p14="http://schemas.microsoft.com/office/powerpoint/2010/main" val="4101607575"/>
-      </p:ext>
-    </p:extLst>
-  </p:cSld>
-  <p:clrMapOvr>
-    <a:masterClrMapping/>
-  </p:clrMapOvr>
-  <mc:AlternateContent xmlns:mc="http://schemas.openxmlformats.org/markup-compatibility/2006" xmlns:p14="http://schemas.microsoft.com/office/powerpoint/2010/main">
-    <mc:Choice Requires="p14">
-      <p:transition spd="med" p14:dur="700">
-        <p:fade/>
-      </p:transition>
-    </mc:Choice>
-    <mc:Fallback xmlns="">
-      <p:transition spd="med">
-        <p:fade/>
-      </p:transition>
-    </mc:Fallback>
-  </mc:AlternateContent>
-</p:sld>
-</file>
-
-<file path=ppt/slides/slide11.xml><?xml version="1.0" encoding="utf-8"?>
-<p:sld xmlns:a="http://schemas.openxmlformats.org/drawingml/2006/main" xmlns:r="http://schemas.openxmlformats.org/officeDocument/2006/relationships" xmlns:p="http://schemas.openxmlformats.org/presentationml/2006/main">
-  <p:cSld>
-    <p:spTree>
-      <p:nvGrpSpPr>
-        <p:cNvPr id="1" name=""/>
-        <p:cNvGrpSpPr/>
-        <p:nvPr/>
-      </p:nvGrpSpPr>
-      <p:grpSpPr>
-        <a:xfrm>
-          <a:off x="0" y="0"/>
-          <a:ext cx="0" cy="0"/>
-          <a:chOff x="0" y="0"/>
-          <a:chExt cx="0" cy="0"/>
-        </a:xfrm>
-      </p:grpSpPr>
-      <p:sp>
-        <p:nvSpPr>
-          <p:cNvPr id="3" name="제목 2"/>
-          <p:cNvSpPr>
-            <a:spLocks noGrp="1"/>
-          </p:cNvSpPr>
-          <p:nvPr>
-            <p:ph type="title"/>
-          </p:nvPr>
-        </p:nvSpPr>
-        <p:spPr/>
-        <p:txBody>
-          <a:bodyPr rtlCol="0"/>
-          <a:lstStyle/>
-          <a:p>
-            <a:pPr rtl="0"/>
-            <a:r>
-              <a:rPr lang="ko-KR" altLang="en-US" dirty="0">
-                <a:latin typeface="맑은 고딕" panose="020B0503020000020004" pitchFamily="50" charset="-127"/>
-                <a:ea typeface="맑은 고딕" panose="020B0503020000020004" pitchFamily="50" charset="-127"/>
-              </a:rPr>
-              <a:t>슬라이드 제목 추가 </a:t>
-            </a:r>
-            <a:r>
-              <a:rPr lang="en-US" altLang="ko-KR" dirty="0">
-                <a:latin typeface="맑은 고딕" panose="020B0503020000020004" pitchFamily="50" charset="-127"/>
-                <a:ea typeface="맑은 고딕" panose="020B0503020000020004" pitchFamily="50" charset="-127"/>
-              </a:rPr>
-              <a:t>- 5</a:t>
-            </a:r>
-          </a:p>
-        </p:txBody>
-      </p:sp>
-      <p:sp>
-        <p:nvSpPr>
-          <p:cNvPr id="5" name="그림 개체 틀 4"/>
-          <p:cNvSpPr>
-            <a:spLocks noGrp="1"/>
-          </p:cNvSpPr>
-          <p:nvPr>
-            <p:ph type="pic" idx="1"/>
-          </p:nvPr>
-        </p:nvSpPr>
-        <p:spPr/>
-      </p:sp>
-      <p:sp>
-        <p:nvSpPr>
-          <p:cNvPr id="6" name="텍스트 개체 틀 5"/>
-          <p:cNvSpPr>
-            <a:spLocks noGrp="1"/>
-          </p:cNvSpPr>
-          <p:nvPr>
-            <p:ph type="body" sz="half" idx="2"/>
-          </p:nvPr>
-        </p:nvSpPr>
-        <p:spPr/>
-        <p:txBody>
-          <a:bodyPr rtlCol="0"/>
-          <a:lstStyle/>
-          <a:p>
-            <a:pPr rtl="0"/>
-            <a:endParaRPr lang="ko-KR" altLang="en-US" dirty="0">
-              <a:latin typeface="맑은 고딕" panose="020B0503020000020004" pitchFamily="50" charset="-127"/>
-              <a:ea typeface="맑은 고딕" panose="020B0503020000020004" pitchFamily="50" charset="-127"/>
-            </a:endParaRPr>
-          </a:p>
-        </p:txBody>
-      </p:sp>
-    </p:spTree>
-    <p:extLst>
-      <p:ext uri="{BB962C8B-B14F-4D97-AF65-F5344CB8AC3E}">
-        <p14:creationId xmlns:p14="http://schemas.microsoft.com/office/powerpoint/2010/main" val="2794409471"/>
+        <p14:creationId xmlns:p14="http://schemas.microsoft.com/office/powerpoint/2010/main" val="3003022951"/>
       </p:ext>
     </p:extLst>
   </p:cSld>
@@ -20900,7 +15603,13 @@
       </p:grpSpPr>
       <p:sp>
         <p:nvSpPr>
-          <p:cNvPr id="2" name="제목 1"/>
+          <p:cNvPr id="2" name="제목 1">
+            <a:extLst>
+              <a:ext uri="{FF2B5EF4-FFF2-40B4-BE49-F238E27FC236}">
+                <a16:creationId xmlns:a16="http://schemas.microsoft.com/office/drawing/2014/main" id="{28D78D5F-E582-4987-91DF-9C7C5BEBD4EB}"/>
+              </a:ext>
+            </a:extLst>
+          </p:cNvPr>
           <p:cNvSpPr>
             <a:spLocks noGrp="1"/>
           </p:cNvSpPr>
@@ -20910,23 +15619,25 @@
         </p:nvSpPr>
         <p:spPr/>
         <p:txBody>
-          <a:bodyPr rtlCol="0"/>
+          <a:bodyPr/>
           <a:lstStyle/>
           <a:p>
-            <a:pPr rtl="0"/>
-            <a:r>
-              <a:rPr lang="ko-KR" altLang="en-US" dirty="0">
-                <a:latin typeface="맑은 고딕" panose="020B0503020000020004" pitchFamily="50" charset="-127"/>
-                <a:ea typeface="맑은 고딕" panose="020B0503020000020004" pitchFamily="50" charset="-127"/>
-              </a:rPr>
-              <a:t>목록을 사용한 제목 및 내용 레이아웃</a:t>
+            <a:r>
+              <a:rPr lang="ko-KR" altLang="en-US" dirty="0"/>
+              <a:t>개발자가 알아 두면 좋은 네트워크 개념</a:t>
             </a:r>
           </a:p>
         </p:txBody>
       </p:sp>
       <p:sp>
         <p:nvSpPr>
-          <p:cNvPr id="3" name="내용 개체 틀 2"/>
+          <p:cNvPr id="3" name="내용 개체 틀 2">
+            <a:extLst>
+              <a:ext uri="{FF2B5EF4-FFF2-40B4-BE49-F238E27FC236}">
+                <a16:creationId xmlns:a16="http://schemas.microsoft.com/office/drawing/2014/main" id="{DFA47AE3-6532-4E43-9E16-6D279FF62F6D}"/>
+              </a:ext>
+            </a:extLst>
+          </p:cNvPr>
           <p:cNvSpPr>
             <a:spLocks noGrp="1"/>
           </p:cNvSpPr>
@@ -20934,53 +15645,347 @@
             <p:ph idx="1"/>
           </p:nvPr>
         </p:nvSpPr>
-        <p:spPr/>
+        <p:spPr>
+          <a:xfrm>
+            <a:off x="1295400" y="1997385"/>
+            <a:ext cx="9601200" cy="3809999"/>
+          </a:xfrm>
+        </p:spPr>
         <p:txBody>
-          <a:bodyPr rtlCol="0"/>
+          <a:bodyPr>
+            <a:normAutofit lnSpcReduction="10000"/>
+          </a:bodyPr>
           <a:lstStyle/>
           <a:p>
-            <a:pPr rtl="0"/>
-            <a:r>
-              <a:rPr lang="ko-KR" altLang="en-US" dirty="0">
-                <a:latin typeface="맑은 고딕" panose="020B0503020000020004" pitchFamily="50" charset="-127"/>
-                <a:ea typeface="맑은 고딕" panose="020B0503020000020004" pitchFamily="50" charset="-127"/>
-              </a:rPr>
-              <a:t>여기에 첫 번째 글머리 기호 추가</a:t>
-            </a:r>
-          </a:p>
-          <a:p>
-            <a:pPr rtl="0"/>
-            <a:r>
-              <a:rPr lang="ko-KR" altLang="en-US" dirty="0">
-                <a:latin typeface="맑은 고딕" panose="020B0503020000020004" pitchFamily="50" charset="-127"/>
-                <a:ea typeface="맑은 고딕" panose="020B0503020000020004" pitchFamily="50" charset="-127"/>
-              </a:rPr>
-              <a:t>여기에 두 번째 글머리 기호 추가</a:t>
-            </a:r>
-          </a:p>
-          <a:p>
-            <a:pPr rtl="0"/>
-            <a:r>
-              <a:rPr lang="ko-KR" altLang="en-US" dirty="0">
-                <a:latin typeface="맑은 고딕" panose="020B0503020000020004" pitchFamily="50" charset="-127"/>
-                <a:ea typeface="맑은 고딕" panose="020B0503020000020004" pitchFamily="50" charset="-127"/>
-              </a:rPr>
-              <a:t>여기에 세 번째 글머리 기호 추가</a:t>
-            </a:r>
-          </a:p>
-          <a:p>
-            <a:pPr rtl="0"/>
-            <a:endParaRPr lang="ko-KR" altLang="en-US" dirty="0">
-              <a:latin typeface="맑은 고딕" panose="020B0503020000020004" pitchFamily="50" charset="-127"/>
-              <a:ea typeface="맑은 고딕" panose="020B0503020000020004" pitchFamily="50" charset="-127"/>
-            </a:endParaRPr>
+            <a:r>
+              <a:rPr lang="ko-KR" altLang="en-US" dirty="0"/>
+              <a:t>통신 </a:t>
+            </a:r>
+            <a:r>
+              <a:rPr lang="en-US" altLang="ko-KR" dirty="0"/>
+              <a:t>3</a:t>
+            </a:r>
+            <a:r>
+              <a:rPr lang="ko-KR" altLang="en-US" dirty="0"/>
+              <a:t>요소</a:t>
+            </a:r>
+            <a:endParaRPr lang="en-US" altLang="ko-KR" dirty="0"/>
+          </a:p>
+          <a:p>
+            <a:pPr lvl="1"/>
+            <a:r>
+              <a:rPr lang="ko-KR" altLang="en-US"/>
+              <a:t>송신자</a:t>
+            </a:r>
+            <a:endParaRPr lang="en-US" altLang="ko-KR"/>
+          </a:p>
+          <a:p>
+            <a:pPr lvl="2"/>
+            <a:r>
+              <a:rPr lang="ko-KR" altLang="en-US"/>
+              <a:t>데이터를 전송하고 결과를 기다림</a:t>
+            </a:r>
+            <a:endParaRPr lang="en-US" altLang="ko-KR"/>
+          </a:p>
+          <a:p>
+            <a:pPr lvl="2"/>
+            <a:r>
+              <a:rPr lang="ko-KR" altLang="en-US"/>
+              <a:t>수신자 정보가 필요</a:t>
+            </a:r>
+            <a:endParaRPr lang="en-US" altLang="ko-KR"/>
+          </a:p>
+          <a:p>
+            <a:pPr lvl="3"/>
+            <a:r>
+              <a:rPr lang="en-US" altLang="ko-KR"/>
+              <a:t>MAC, IP, PORT</a:t>
+            </a:r>
+          </a:p>
+          <a:p>
+            <a:pPr lvl="1"/>
+            <a:r>
+              <a:rPr lang="ko-KR" altLang="en-US"/>
+              <a:t>수신자</a:t>
+            </a:r>
+            <a:endParaRPr lang="en-US" altLang="ko-KR"/>
+          </a:p>
+          <a:p>
+            <a:pPr lvl="2"/>
+            <a:r>
+              <a:rPr lang="ko-KR" altLang="en-US"/>
+              <a:t>데이터를 받고 결과를 전송함</a:t>
+            </a:r>
+            <a:endParaRPr lang="en-US" altLang="ko-KR"/>
+          </a:p>
+          <a:p>
+            <a:pPr lvl="2"/>
+            <a:r>
+              <a:rPr lang="ko-KR" altLang="en-US"/>
+              <a:t>필요한 것만 받음</a:t>
+            </a:r>
+            <a:endParaRPr lang="en-US" altLang="ko-KR"/>
+          </a:p>
+          <a:p>
+            <a:pPr lvl="3"/>
+            <a:r>
+              <a:rPr lang="ko-KR" altLang="en-US"/>
+              <a:t>프로토콜</a:t>
+            </a:r>
+            <a:endParaRPr lang="en-US" altLang="ko-KR"/>
+          </a:p>
+          <a:p>
+            <a:pPr lvl="1"/>
+            <a:r>
+              <a:rPr lang="ko-KR" altLang="en-US"/>
+              <a:t>통신매체</a:t>
+            </a:r>
+            <a:endParaRPr lang="en-US" altLang="ko-KR"/>
+          </a:p>
+          <a:p>
+            <a:pPr lvl="2"/>
+            <a:r>
+              <a:rPr lang="ko-KR" altLang="en-US"/>
+              <a:t>유선</a:t>
+            </a:r>
+            <a:r>
+              <a:rPr lang="en-US" altLang="ko-KR" dirty="0"/>
+              <a:t>(LAN), </a:t>
+            </a:r>
+            <a:r>
+              <a:rPr lang="ko-KR" altLang="en-US" dirty="0"/>
+              <a:t>무선</a:t>
+            </a:r>
+            <a:r>
+              <a:rPr lang="en-US" altLang="ko-KR" dirty="0"/>
+              <a:t>(</a:t>
+            </a:r>
+            <a:r>
+              <a:rPr lang="en-US" altLang="ko-KR"/>
+              <a:t>WIFI)</a:t>
+            </a:r>
+          </a:p>
+          <a:p>
+            <a:pPr lvl="2"/>
+            <a:r>
+              <a:rPr lang="ko-KR" altLang="en-US"/>
+              <a:t>계속 신호를 주고 받음</a:t>
+            </a:r>
+            <a:endParaRPr lang="en-US" altLang="ko-KR" dirty="0"/>
+          </a:p>
+        </p:txBody>
+      </p:sp>
+      <p:sp>
+        <p:nvSpPr>
+          <p:cNvPr id="4" name="직사각형 3">
+            <a:extLst>
+              <a:ext uri="{FF2B5EF4-FFF2-40B4-BE49-F238E27FC236}">
+                <a16:creationId xmlns:a16="http://schemas.microsoft.com/office/drawing/2014/main" id="{603F50D1-9592-4BE9-BCCC-128C3D969486}"/>
+              </a:ext>
+            </a:extLst>
+          </p:cNvPr>
+          <p:cNvSpPr/>
+          <p:nvPr/>
+        </p:nvSpPr>
+        <p:spPr>
+          <a:xfrm>
+            <a:off x="6096000" y="2661237"/>
+            <a:ext cx="1554292" cy="694261"/>
+          </a:xfrm>
+          <a:prstGeom prst="rect">
+            <a:avLst/>
+          </a:prstGeom>
+        </p:spPr>
+        <p:style>
+          <a:lnRef idx="1">
+            <a:schemeClr val="accent3"/>
+          </a:lnRef>
+          <a:fillRef idx="2">
+            <a:schemeClr val="accent3"/>
+          </a:fillRef>
+          <a:effectRef idx="1">
+            <a:schemeClr val="accent3"/>
+          </a:effectRef>
+          <a:fontRef idx="minor">
+            <a:schemeClr val="dk1"/>
+          </a:fontRef>
+        </p:style>
+        <p:txBody>
+          <a:bodyPr rtlCol="0" anchor="ctr"/>
+          <a:lstStyle/>
+          <a:p>
+            <a:pPr algn="ctr"/>
+            <a:r>
+              <a:rPr lang="ko-KR" altLang="en-US"/>
+              <a:t>송신자</a:t>
+            </a:r>
+            <a:endParaRPr lang="en-US" altLang="ko-KR"/>
+          </a:p>
+          <a:p>
+            <a:pPr algn="ctr"/>
+            <a:r>
+              <a:rPr lang="en-US" altLang="ko-KR"/>
+              <a:t>(</a:t>
+            </a:r>
+            <a:r>
+              <a:rPr lang="ko-KR" altLang="en-US"/>
+              <a:t>개발자</a:t>
+            </a:r>
+            <a:r>
+              <a:rPr lang="en-US" altLang="ko-KR"/>
+              <a:t>)</a:t>
+            </a:r>
+            <a:endParaRPr lang="en-US" altLang="ko-KR" dirty="0"/>
+          </a:p>
+        </p:txBody>
+      </p:sp>
+      <p:sp>
+        <p:nvSpPr>
+          <p:cNvPr id="5" name="직사각형 4">
+            <a:extLst>
+              <a:ext uri="{FF2B5EF4-FFF2-40B4-BE49-F238E27FC236}">
+                <a16:creationId xmlns:a16="http://schemas.microsoft.com/office/drawing/2014/main" id="{A70C5260-2B7D-422E-A476-26607C5AD7FC}"/>
+              </a:ext>
+            </a:extLst>
+          </p:cNvPr>
+          <p:cNvSpPr/>
+          <p:nvPr/>
+        </p:nvSpPr>
+        <p:spPr>
+          <a:xfrm>
+            <a:off x="9537797" y="2661237"/>
+            <a:ext cx="1554292" cy="694261"/>
+          </a:xfrm>
+          <a:prstGeom prst="rect">
+            <a:avLst/>
+          </a:prstGeom>
+        </p:spPr>
+        <p:style>
+          <a:lnRef idx="1">
+            <a:schemeClr val="accent3"/>
+          </a:lnRef>
+          <a:fillRef idx="2">
+            <a:schemeClr val="accent3"/>
+          </a:fillRef>
+          <a:effectRef idx="1">
+            <a:schemeClr val="accent3"/>
+          </a:effectRef>
+          <a:fontRef idx="minor">
+            <a:schemeClr val="dk1"/>
+          </a:fontRef>
+        </p:style>
+        <p:txBody>
+          <a:bodyPr rtlCol="0" anchor="ctr"/>
+          <a:lstStyle/>
+          <a:p>
+            <a:pPr algn="ctr"/>
+            <a:r>
+              <a:rPr lang="ko-KR" altLang="en-US"/>
+              <a:t>수신자</a:t>
+            </a:r>
+            <a:endParaRPr lang="en-US" altLang="ko-KR"/>
+          </a:p>
+          <a:p>
+            <a:pPr algn="ctr"/>
+            <a:r>
+              <a:rPr lang="en-US" altLang="ko-KR"/>
+              <a:t>(</a:t>
+            </a:r>
+            <a:r>
+              <a:rPr lang="ko-KR" altLang="en-US"/>
+              <a:t>백엔드서버</a:t>
+            </a:r>
+            <a:r>
+              <a:rPr lang="en-US" altLang="ko-KR"/>
+              <a:t>)</a:t>
+            </a:r>
+            <a:endParaRPr lang="ko-KR" altLang="en-US" dirty="0"/>
+          </a:p>
+        </p:txBody>
+      </p:sp>
+      <p:cxnSp>
+        <p:nvCxnSpPr>
+          <p:cNvPr id="7" name="직선 연결선 6">
+            <a:extLst>
+              <a:ext uri="{FF2B5EF4-FFF2-40B4-BE49-F238E27FC236}">
+                <a16:creationId xmlns:a16="http://schemas.microsoft.com/office/drawing/2014/main" id="{FBF9D902-7A1B-4C17-A3D9-C7490C32691A}"/>
+              </a:ext>
+            </a:extLst>
+          </p:cNvPr>
+          <p:cNvCxnSpPr>
+            <a:cxnSpLocks/>
+            <a:stCxn id="4" idx="3"/>
+            <a:endCxn id="5" idx="1"/>
+          </p:cNvCxnSpPr>
+          <p:nvPr/>
+        </p:nvCxnSpPr>
+        <p:spPr>
+          <a:xfrm>
+            <a:off x="7650292" y="3008368"/>
+            <a:ext cx="1887505" cy="0"/>
+          </a:xfrm>
+          <a:prstGeom prst="line">
+            <a:avLst/>
+          </a:prstGeom>
+          <a:ln>
+            <a:headEnd type="none" w="med" len="med"/>
+            <a:tailEnd type="arrow" w="med" len="med"/>
+          </a:ln>
+        </p:spPr>
+        <p:style>
+          <a:lnRef idx="3">
+            <a:schemeClr val="accent1"/>
+          </a:lnRef>
+          <a:fillRef idx="0">
+            <a:schemeClr val="accent1"/>
+          </a:fillRef>
+          <a:effectRef idx="2">
+            <a:schemeClr val="accent1"/>
+          </a:effectRef>
+          <a:fontRef idx="minor">
+            <a:schemeClr val="tx1"/>
+          </a:fontRef>
+        </p:style>
+      </p:cxnSp>
+      <p:sp>
+        <p:nvSpPr>
+          <p:cNvPr id="11" name="TextBox 10">
+            <a:extLst>
+              <a:ext uri="{FF2B5EF4-FFF2-40B4-BE49-F238E27FC236}">
+                <a16:creationId xmlns:a16="http://schemas.microsoft.com/office/drawing/2014/main" id="{008AAEE0-856F-484A-A722-362DC251B289}"/>
+              </a:ext>
+            </a:extLst>
+          </p:cNvPr>
+          <p:cNvSpPr txBox="1"/>
+          <p:nvPr/>
+        </p:nvSpPr>
+        <p:spPr>
+          <a:xfrm>
+            <a:off x="8040046" y="2488739"/>
+            <a:ext cx="1107996" cy="369332"/>
+          </a:xfrm>
+          <a:prstGeom prst="rect">
+            <a:avLst/>
+          </a:prstGeom>
+          <a:noFill/>
+        </p:spPr>
+        <p:txBody>
+          <a:bodyPr wrap="none" rtlCol="0">
+            <a:spAutoFit/>
+          </a:bodyPr>
+          <a:lstStyle/>
+          <a:p>
+            <a:r>
+              <a:rPr lang="ko-KR" altLang="en-US" dirty="0"/>
+              <a:t>통신매체</a:t>
+            </a:r>
           </a:p>
         </p:txBody>
       </p:sp>
     </p:spTree>
     <p:extLst>
       <p:ext uri="{BB962C8B-B14F-4D97-AF65-F5344CB8AC3E}">
-        <p14:creationId xmlns:p14="http://schemas.microsoft.com/office/powerpoint/2010/main" val="3984617762"/>
+        <p14:creationId xmlns:p14="http://schemas.microsoft.com/office/powerpoint/2010/main" val="2983092278"/>
       </p:ext>
     </p:extLst>
   </p:cSld>
@@ -21021,7 +16026,13 @@
       </p:grpSpPr>
       <p:sp>
         <p:nvSpPr>
-          <p:cNvPr id="2" name="제목 1"/>
+          <p:cNvPr id="2" name="제목 1">
+            <a:extLst>
+              <a:ext uri="{FF2B5EF4-FFF2-40B4-BE49-F238E27FC236}">
+                <a16:creationId xmlns:a16="http://schemas.microsoft.com/office/drawing/2014/main" id="{28D78D5F-E582-4987-91DF-9C7C5BEBD4EB}"/>
+              </a:ext>
+            </a:extLst>
+          </p:cNvPr>
           <p:cNvSpPr>
             <a:spLocks noGrp="1"/>
           </p:cNvSpPr>
@@ -21031,49 +16042,450 @@
         </p:nvSpPr>
         <p:spPr/>
         <p:txBody>
-          <a:bodyPr rtlCol="0"/>
+          <a:bodyPr/>
           <a:lstStyle/>
           <a:p>
-            <a:pPr rtl="0"/>
-            <a:r>
-              <a:rPr lang="ko-KR" altLang="en-US" dirty="0">
-                <a:latin typeface="맑은 고딕" panose="020B0503020000020004" pitchFamily="50" charset="-127"/>
-                <a:ea typeface="맑은 고딕" panose="020B0503020000020004" pitchFamily="50" charset="-127"/>
-              </a:rPr>
-              <a:t>차트를 사용한 제목 및 내용 레이아웃</a:t>
+            <a:r>
+              <a:rPr lang="ko-KR" altLang="en-US" dirty="0"/>
+              <a:t>개발자가 알아 두면 좋은 네트워크 개념</a:t>
             </a:r>
           </a:p>
         </p:txBody>
       </p:sp>
-      <p:graphicFrame>
-        <p:nvGraphicFramePr>
-          <p:cNvPr id="6" name="내용 개체 틀 5" descr="4가지 범위에 대해 각각 3가지 값을 보여 주는 묶은 세로 막대형 차트"/>
-          <p:cNvGraphicFramePr>
-            <a:graphicFrameLocks noGrp="1"/>
-          </p:cNvGraphicFramePr>
+      <p:sp>
+        <p:nvSpPr>
+          <p:cNvPr id="3" name="내용 개체 틀 2">
+            <a:extLst>
+              <a:ext uri="{FF2B5EF4-FFF2-40B4-BE49-F238E27FC236}">
+                <a16:creationId xmlns:a16="http://schemas.microsoft.com/office/drawing/2014/main" id="{DFA47AE3-6532-4E43-9E16-6D279FF62F6D}"/>
+              </a:ext>
+            </a:extLst>
+          </p:cNvPr>
+          <p:cNvSpPr>
+            <a:spLocks noGrp="1"/>
+          </p:cNvSpPr>
           <p:nvPr>
             <p:ph idx="1"/>
-            <p:extLst>
-              <p:ext uri="{D42A27DB-BD31-4B8C-83A1-F6EECF244321}">
-                <p14:modId xmlns:p14="http://schemas.microsoft.com/office/powerpoint/2010/main" val="1662029953"/>
-              </p:ext>
-            </p:extLst>
           </p:nvPr>
-        </p:nvGraphicFramePr>
-        <p:xfrm>
-          <a:off x="1295400" y="1981200"/>
-          <a:ext cx="9601200" cy="3810000"/>
-        </p:xfrm>
-        <a:graphic>
-          <a:graphicData uri="http://schemas.openxmlformats.org/drawingml/2006/chart">
-            <c:chart xmlns:c="http://schemas.openxmlformats.org/drawingml/2006/chart" xmlns:r="http://schemas.openxmlformats.org/officeDocument/2006/relationships" r:id="rId3"/>
-          </a:graphicData>
-        </a:graphic>
-      </p:graphicFrame>
+        </p:nvSpPr>
+        <p:spPr>
+          <a:xfrm>
+            <a:off x="1295400" y="1981199"/>
+            <a:ext cx="9601200" cy="3809999"/>
+          </a:xfrm>
+        </p:spPr>
+        <p:txBody>
+          <a:bodyPr/>
+          <a:lstStyle/>
+          <a:p>
+            <a:r>
+              <a:rPr lang="en-US" altLang="ko-KR"/>
+              <a:t>MAC (Media Access Control Address)</a:t>
+            </a:r>
+          </a:p>
+          <a:p>
+            <a:pPr lvl="1"/>
+            <a:r>
+              <a:rPr lang="ko-KR" altLang="en-US"/>
+              <a:t>호스트를 구분할 수 있는 물리적 식별 값</a:t>
+            </a:r>
+            <a:endParaRPr lang="en-US" altLang="ko-KR"/>
+          </a:p>
+          <a:p>
+            <a:r>
+              <a:rPr lang="ko-KR" altLang="en-US"/>
+              <a:t>스위치에 연결된 모든 호스트에 데이터 전송</a:t>
+            </a:r>
+            <a:endParaRPr lang="en-US" altLang="ko-KR"/>
+          </a:p>
+          <a:p>
+            <a:pPr lvl="1"/>
+            <a:r>
+              <a:rPr lang="ko-KR" altLang="en-US"/>
+              <a:t>데이터그램 </a:t>
+            </a:r>
+            <a:r>
+              <a:rPr lang="en-US" altLang="ko-KR"/>
+              <a:t>: </a:t>
+            </a:r>
+            <a:r>
+              <a:rPr lang="ko-KR" altLang="en-US" sz="1800"/>
+              <a:t>송신자</a:t>
+            </a:r>
+            <a:r>
+              <a:rPr lang="en-US" altLang="ko-KR" sz="1800"/>
+              <a:t>MAC + </a:t>
+            </a:r>
+            <a:r>
+              <a:rPr lang="ko-KR" altLang="en-US" sz="1800"/>
+              <a:t>수신자</a:t>
+            </a:r>
+            <a:r>
+              <a:rPr lang="en-US" altLang="ko-KR" sz="1800"/>
+              <a:t>MAC + </a:t>
+            </a:r>
+            <a:r>
+              <a:rPr lang="ko-KR" altLang="en-US" sz="1800">
+                <a:solidFill>
+                  <a:srgbClr val="FF0000"/>
+                </a:solidFill>
+              </a:rPr>
+              <a:t>데이터</a:t>
+            </a:r>
+            <a:endParaRPr lang="en-US" altLang="ko-KR" sz="1800">
+              <a:solidFill>
+                <a:srgbClr val="FF0000"/>
+              </a:solidFill>
+            </a:endParaRPr>
+          </a:p>
+          <a:p>
+            <a:pPr lvl="1"/>
+            <a:r>
+              <a:rPr lang="ko-KR" altLang="en-US"/>
+              <a:t>호스트는 필요한 데이터만 선택 사용</a:t>
+            </a:r>
+            <a:endParaRPr lang="en-US" altLang="ko-KR"/>
+          </a:p>
+          <a:p>
+            <a:pPr lvl="2"/>
+            <a:r>
+              <a:rPr lang="ko-KR" altLang="en-US"/>
+              <a:t>자기 </a:t>
+            </a:r>
+            <a:r>
+              <a:rPr lang="en-US" altLang="ko-KR"/>
+              <a:t>MAC </a:t>
+            </a:r>
+            <a:r>
+              <a:rPr lang="ko-KR" altLang="en-US"/>
+              <a:t>정보와 똑같지 않을 경우 버림</a:t>
+            </a:r>
+            <a:endParaRPr lang="en-US" altLang="ko-KR"/>
+          </a:p>
+          <a:p>
+            <a:r>
+              <a:rPr lang="ko-KR" altLang="en-US"/>
+              <a:t>스위치를 사용할 수 없는 호스트</a:t>
+            </a:r>
+            <a:endParaRPr lang="en-US" altLang="ko-KR"/>
+          </a:p>
+          <a:p>
+            <a:pPr lvl="1"/>
+            <a:r>
+              <a:rPr lang="en-US" altLang="ko-KR"/>
+              <a:t>IP </a:t>
+            </a:r>
+            <a:r>
+              <a:rPr lang="ko-KR" altLang="en-US"/>
+              <a:t>를 사용해 데이터 전송</a:t>
+            </a:r>
+            <a:endParaRPr lang="en-US" altLang="ko-KR"/>
+          </a:p>
+        </p:txBody>
+      </p:sp>
+      <p:sp>
+        <p:nvSpPr>
+          <p:cNvPr id="12" name="직사각형 11">
+            <a:extLst>
+              <a:ext uri="{FF2B5EF4-FFF2-40B4-BE49-F238E27FC236}">
+                <a16:creationId xmlns:a16="http://schemas.microsoft.com/office/drawing/2014/main" id="{0392E843-4BE9-4EA6-99B6-4B3EAE765D58}"/>
+              </a:ext>
+            </a:extLst>
+          </p:cNvPr>
+          <p:cNvSpPr/>
+          <p:nvPr/>
+        </p:nvSpPr>
+        <p:spPr>
+          <a:xfrm>
+            <a:off x="9021972" y="2855368"/>
+            <a:ext cx="1181470" cy="495729"/>
+          </a:xfrm>
+          <a:prstGeom prst="rect">
+            <a:avLst/>
+          </a:prstGeom>
+        </p:spPr>
+        <p:style>
+          <a:lnRef idx="2">
+            <a:schemeClr val="accent1">
+              <a:shade val="50000"/>
+            </a:schemeClr>
+          </a:lnRef>
+          <a:fillRef idx="1">
+            <a:schemeClr val="accent1"/>
+          </a:fillRef>
+          <a:effectRef idx="0">
+            <a:schemeClr val="accent1"/>
+          </a:effectRef>
+          <a:fontRef idx="minor">
+            <a:schemeClr val="lt1"/>
+          </a:fontRef>
+        </p:style>
+        <p:txBody>
+          <a:bodyPr rtlCol="0" anchor="ctr"/>
+          <a:lstStyle/>
+          <a:p>
+            <a:pPr algn="ctr"/>
+            <a:r>
+              <a:rPr lang="ko-KR" altLang="en-US"/>
+              <a:t>스위치</a:t>
+            </a:r>
+            <a:endParaRPr lang="ko-KR" altLang="en-US" dirty="0"/>
+          </a:p>
+        </p:txBody>
+      </p:sp>
+      <p:sp>
+        <p:nvSpPr>
+          <p:cNvPr id="8" name="직사각형 7">
+            <a:extLst>
+              <a:ext uri="{FF2B5EF4-FFF2-40B4-BE49-F238E27FC236}">
+                <a16:creationId xmlns:a16="http://schemas.microsoft.com/office/drawing/2014/main" id="{3B209D68-2F0E-433D-AC3F-B6AA97C5C53C}"/>
+              </a:ext>
+            </a:extLst>
+          </p:cNvPr>
+          <p:cNvSpPr/>
+          <p:nvPr/>
+        </p:nvSpPr>
+        <p:spPr>
+          <a:xfrm>
+            <a:off x="9021972" y="3701967"/>
+            <a:ext cx="1181470" cy="495729"/>
+          </a:xfrm>
+          <a:prstGeom prst="rect">
+            <a:avLst/>
+          </a:prstGeom>
+        </p:spPr>
+        <p:style>
+          <a:lnRef idx="1">
+            <a:schemeClr val="accent3"/>
+          </a:lnRef>
+          <a:fillRef idx="2">
+            <a:schemeClr val="accent3"/>
+          </a:fillRef>
+          <a:effectRef idx="1">
+            <a:schemeClr val="accent3"/>
+          </a:effectRef>
+          <a:fontRef idx="minor">
+            <a:schemeClr val="dk1"/>
+          </a:fontRef>
+        </p:style>
+        <p:txBody>
+          <a:bodyPr rtlCol="0" anchor="ctr"/>
+          <a:lstStyle/>
+          <a:p>
+            <a:pPr algn="ctr"/>
+            <a:r>
+              <a:rPr lang="ko-KR" altLang="en-US"/>
+              <a:t>라우터</a:t>
+            </a:r>
+            <a:endParaRPr lang="ko-KR" altLang="en-US" dirty="0"/>
+          </a:p>
+        </p:txBody>
+      </p:sp>
+      <p:sp>
+        <p:nvSpPr>
+          <p:cNvPr id="21" name="직사각형 20">
+            <a:extLst>
+              <a:ext uri="{FF2B5EF4-FFF2-40B4-BE49-F238E27FC236}">
+                <a16:creationId xmlns:a16="http://schemas.microsoft.com/office/drawing/2014/main" id="{0D1935E1-0B38-4B31-87DB-F921D007BCE2}"/>
+              </a:ext>
+            </a:extLst>
+          </p:cNvPr>
+          <p:cNvSpPr/>
+          <p:nvPr/>
+        </p:nvSpPr>
+        <p:spPr>
+          <a:xfrm>
+            <a:off x="9021972" y="2008769"/>
+            <a:ext cx="1181470" cy="495729"/>
+          </a:xfrm>
+          <a:prstGeom prst="rect">
+            <a:avLst/>
+          </a:prstGeom>
+        </p:spPr>
+        <p:style>
+          <a:lnRef idx="1">
+            <a:schemeClr val="accent3"/>
+          </a:lnRef>
+          <a:fillRef idx="2">
+            <a:schemeClr val="accent3"/>
+          </a:fillRef>
+          <a:effectRef idx="1">
+            <a:schemeClr val="accent3"/>
+          </a:effectRef>
+          <a:fontRef idx="minor">
+            <a:schemeClr val="dk1"/>
+          </a:fontRef>
+        </p:style>
+        <p:txBody>
+          <a:bodyPr rtlCol="0" anchor="ctr"/>
+          <a:lstStyle/>
+          <a:p>
+            <a:pPr algn="ctr"/>
+            <a:r>
+              <a:rPr lang="ko-KR" altLang="en-US"/>
+              <a:t>개발자</a:t>
+            </a:r>
+            <a:endParaRPr lang="ko-KR" altLang="en-US" dirty="0"/>
+          </a:p>
+        </p:txBody>
+      </p:sp>
+      <p:sp>
+        <p:nvSpPr>
+          <p:cNvPr id="22" name="직사각형 21">
+            <a:extLst>
+              <a:ext uri="{FF2B5EF4-FFF2-40B4-BE49-F238E27FC236}">
+                <a16:creationId xmlns:a16="http://schemas.microsoft.com/office/drawing/2014/main" id="{A4FD7687-42D3-466F-8965-1824A0D49413}"/>
+              </a:ext>
+            </a:extLst>
+          </p:cNvPr>
+          <p:cNvSpPr/>
+          <p:nvPr/>
+        </p:nvSpPr>
+        <p:spPr>
+          <a:xfrm>
+            <a:off x="8771511" y="4841794"/>
+            <a:ext cx="1682392" cy="495729"/>
+          </a:xfrm>
+          <a:prstGeom prst="rect">
+            <a:avLst/>
+          </a:prstGeom>
+        </p:spPr>
+        <p:style>
+          <a:lnRef idx="1">
+            <a:schemeClr val="accent3"/>
+          </a:lnRef>
+          <a:fillRef idx="2">
+            <a:schemeClr val="accent3"/>
+          </a:fillRef>
+          <a:effectRef idx="1">
+            <a:schemeClr val="accent3"/>
+          </a:effectRef>
+          <a:fontRef idx="minor">
+            <a:schemeClr val="dk1"/>
+          </a:fontRef>
+        </p:style>
+        <p:txBody>
+          <a:bodyPr rtlCol="0" anchor="ctr"/>
+          <a:lstStyle/>
+          <a:p>
+            <a:pPr algn="ctr"/>
+            <a:r>
+              <a:rPr lang="ko-KR" altLang="en-US"/>
+              <a:t>백엔드서버</a:t>
+            </a:r>
+            <a:endParaRPr lang="ko-KR" altLang="en-US" dirty="0"/>
+          </a:p>
+        </p:txBody>
+      </p:sp>
+      <p:sp>
+        <p:nvSpPr>
+          <p:cNvPr id="9" name="직사각형 8">
+            <a:extLst>
+              <a:ext uri="{FF2B5EF4-FFF2-40B4-BE49-F238E27FC236}">
+                <a16:creationId xmlns:a16="http://schemas.microsoft.com/office/drawing/2014/main" id="{C36FF709-1D3C-41FF-A7D5-BEFBB3A6C22C}"/>
+              </a:ext>
+            </a:extLst>
+          </p:cNvPr>
+          <p:cNvSpPr/>
+          <p:nvPr/>
+        </p:nvSpPr>
+        <p:spPr>
+          <a:xfrm>
+            <a:off x="10711799" y="2855368"/>
+            <a:ext cx="1262510" cy="495729"/>
+          </a:xfrm>
+          <a:prstGeom prst="rect">
+            <a:avLst/>
+          </a:prstGeom>
+        </p:spPr>
+        <p:style>
+          <a:lnRef idx="1">
+            <a:schemeClr val="accent3"/>
+          </a:lnRef>
+          <a:fillRef idx="2">
+            <a:schemeClr val="accent3"/>
+          </a:fillRef>
+          <a:effectRef idx="1">
+            <a:schemeClr val="accent3"/>
+          </a:effectRef>
+          <a:fontRef idx="minor">
+            <a:schemeClr val="dk1"/>
+          </a:fontRef>
+        </p:style>
+        <p:txBody>
+          <a:bodyPr rtlCol="0" anchor="ctr"/>
+          <a:lstStyle/>
+          <a:p>
+            <a:pPr algn="ctr"/>
+            <a:r>
+              <a:rPr lang="ko-KR" altLang="en-US" sz="1500"/>
+              <a:t>다른</a:t>
+            </a:r>
+            <a:endParaRPr lang="en-US" altLang="ko-KR" sz="1500"/>
+          </a:p>
+          <a:p>
+            <a:pPr algn="ctr"/>
+            <a:r>
+              <a:rPr lang="ko-KR" altLang="en-US" sz="1500"/>
+              <a:t>개발자</a:t>
+            </a:r>
+            <a:endParaRPr lang="ko-KR" altLang="en-US" sz="1500" dirty="0"/>
+          </a:p>
+        </p:txBody>
+      </p:sp>
+      <p:sp>
+        <p:nvSpPr>
+          <p:cNvPr id="10" name="직사각형 9">
+            <a:extLst>
+              <a:ext uri="{FF2B5EF4-FFF2-40B4-BE49-F238E27FC236}">
+                <a16:creationId xmlns:a16="http://schemas.microsoft.com/office/drawing/2014/main" id="{887539E9-7BC8-4476-BD09-475039141707}"/>
+              </a:ext>
+            </a:extLst>
+          </p:cNvPr>
+          <p:cNvSpPr/>
+          <p:nvPr/>
+        </p:nvSpPr>
+        <p:spPr>
+          <a:xfrm>
+            <a:off x="10711799" y="2028006"/>
+            <a:ext cx="1262510" cy="495729"/>
+          </a:xfrm>
+          <a:prstGeom prst="rect">
+            <a:avLst/>
+          </a:prstGeom>
+        </p:spPr>
+        <p:style>
+          <a:lnRef idx="2">
+            <a:schemeClr val="dk1">
+              <a:shade val="50000"/>
+            </a:schemeClr>
+          </a:lnRef>
+          <a:fillRef idx="1">
+            <a:schemeClr val="dk1"/>
+          </a:fillRef>
+          <a:effectRef idx="0">
+            <a:schemeClr val="dk1"/>
+          </a:effectRef>
+          <a:fontRef idx="minor">
+            <a:schemeClr val="lt1"/>
+          </a:fontRef>
+        </p:style>
+        <p:txBody>
+          <a:bodyPr rtlCol="0" anchor="ctr"/>
+          <a:lstStyle/>
+          <a:p>
+            <a:pPr algn="ctr"/>
+            <a:r>
+              <a:rPr lang="en-US" altLang="ko-KR" sz="1500"/>
+              <a:t>?</a:t>
+            </a:r>
+          </a:p>
+        </p:txBody>
+      </p:sp>
     </p:spTree>
     <p:extLst>
       <p:ext uri="{BB962C8B-B14F-4D97-AF65-F5344CB8AC3E}">
-        <p14:creationId xmlns:p14="http://schemas.microsoft.com/office/powerpoint/2010/main" val="1476019738"/>
+        <p14:creationId xmlns:p14="http://schemas.microsoft.com/office/powerpoint/2010/main" val="169900884"/>
       </p:ext>
     </p:extLst>
   </p:cSld>
@@ -21114,7 +16526,13 @@
       </p:grpSpPr>
       <p:sp>
         <p:nvSpPr>
-          <p:cNvPr id="2" name="제목 1"/>
+          <p:cNvPr id="2" name="제목 1">
+            <a:extLst>
+              <a:ext uri="{FF2B5EF4-FFF2-40B4-BE49-F238E27FC236}">
+                <a16:creationId xmlns:a16="http://schemas.microsoft.com/office/drawing/2014/main" id="{28D78D5F-E582-4987-91DF-9C7C5BEBD4EB}"/>
+              </a:ext>
+            </a:extLst>
+          </p:cNvPr>
           <p:cNvSpPr>
             <a:spLocks noGrp="1"/>
           </p:cNvSpPr>
@@ -21124,442 +16542,406 @@
         </p:nvSpPr>
         <p:spPr/>
         <p:txBody>
-          <a:bodyPr rtlCol="0"/>
+          <a:bodyPr/>
           <a:lstStyle/>
           <a:p>
-            <a:pPr rtl="0"/>
-            <a:r>
-              <a:rPr lang="ko-KR" altLang="en-US" dirty="0">
-                <a:latin typeface="맑은 고딕" panose="020B0503020000020004" pitchFamily="50" charset="-127"/>
-                <a:ea typeface="맑은 고딕" panose="020B0503020000020004" pitchFamily="50" charset="-127"/>
-              </a:rPr>
-              <a:t>표를 사용한 두 개의 내용 레이아웃</a:t>
+            <a:r>
+              <a:rPr lang="ko-KR" altLang="en-US" dirty="0"/>
+              <a:t>개발자가 알아 두면 좋은 네트워크 개념</a:t>
             </a:r>
           </a:p>
         </p:txBody>
       </p:sp>
       <p:sp>
         <p:nvSpPr>
-          <p:cNvPr id="3" name="내용 개체 틀 2"/>
+          <p:cNvPr id="3" name="내용 개체 틀 2">
+            <a:extLst>
+              <a:ext uri="{FF2B5EF4-FFF2-40B4-BE49-F238E27FC236}">
+                <a16:creationId xmlns:a16="http://schemas.microsoft.com/office/drawing/2014/main" id="{DFA47AE3-6532-4E43-9E16-6D279FF62F6D}"/>
+              </a:ext>
+            </a:extLst>
+          </p:cNvPr>
           <p:cNvSpPr>
             <a:spLocks noGrp="1"/>
           </p:cNvSpPr>
           <p:nvPr>
-            <p:ph sz="half" idx="1"/>
+            <p:ph idx="1"/>
           </p:nvPr>
         </p:nvSpPr>
         <p:spPr>
           <a:xfrm>
-            <a:off x="1295400" y="1918446"/>
-            <a:ext cx="4572000" cy="3810001"/>
+            <a:off x="1295400" y="2021169"/>
+            <a:ext cx="9601200" cy="3809999"/>
           </a:xfrm>
         </p:spPr>
         <p:txBody>
-          <a:bodyPr rtlCol="0"/>
+          <a:bodyPr>
+            <a:normAutofit lnSpcReduction="10000"/>
+          </a:bodyPr>
           <a:lstStyle/>
           <a:p>
-            <a:pPr rtl="0"/>
-            <a:r>
-              <a:rPr lang="ko-KR" altLang="en-US" dirty="0">
-                <a:latin typeface="맑은 고딕" panose="020B0503020000020004" pitchFamily="50" charset="-127"/>
-                <a:ea typeface="맑은 고딕" panose="020B0503020000020004" pitchFamily="50" charset="-127"/>
+            <a:r>
+              <a:rPr lang="en-US" altLang="ko-KR"/>
+              <a:t>IP (Internet Protocol) </a:t>
+            </a:r>
+            <a:r>
+              <a:rPr lang="ko-KR" altLang="en-US"/>
+              <a:t>주소</a:t>
+            </a:r>
+            <a:endParaRPr lang="en-US" altLang="ko-KR"/>
+          </a:p>
+          <a:p>
+            <a:pPr lvl="1"/>
+            <a:r>
+              <a:rPr lang="ko-KR" altLang="en-US"/>
+              <a:t>인터넷을 통해 특정 호스트를 찾아 갈 수 있는 논리적 식별 값</a:t>
+            </a:r>
+            <a:endParaRPr lang="en-US" altLang="ko-KR"/>
+          </a:p>
+          <a:p>
+            <a:r>
+              <a:rPr lang="ko-KR" altLang="en-US"/>
+              <a:t>라우터를 사용 특정 호스트를 찾아 데이터 전송</a:t>
+            </a:r>
+            <a:endParaRPr lang="en-US" altLang="ko-KR"/>
+          </a:p>
+          <a:p>
+            <a:pPr lvl="1"/>
+            <a:r>
+              <a:rPr lang="ko-KR" altLang="en-US"/>
+              <a:t>패킷 </a:t>
+            </a:r>
+            <a:r>
+              <a:rPr lang="en-US" altLang="ko-KR"/>
+              <a:t>: </a:t>
+            </a:r>
+            <a:r>
+              <a:rPr lang="ko-KR" altLang="en-US" sz="1800"/>
+              <a:t>송신자</a:t>
+            </a:r>
+            <a:r>
+              <a:rPr lang="en-US" altLang="ko-KR" sz="1800"/>
+              <a:t>IP + </a:t>
+            </a:r>
+            <a:r>
+              <a:rPr lang="ko-KR" altLang="en-US" sz="1800"/>
+              <a:t>수신자</a:t>
+            </a:r>
+            <a:r>
+              <a:rPr lang="en-US" altLang="ko-KR" sz="1800"/>
+              <a:t>IP + </a:t>
+            </a:r>
+            <a:r>
+              <a:rPr lang="ko-KR" altLang="en-US" sz="1800">
+                <a:solidFill>
+                  <a:srgbClr val="FF0000"/>
+                </a:solidFill>
               </a:rPr>
-              <a:t>여기에 첫 번째 글머리 기호</a:t>
-            </a:r>
-          </a:p>
-          <a:p>
-            <a:pPr rtl="0"/>
-            <a:r>
-              <a:rPr lang="ko-KR" altLang="en-US" dirty="0">
-                <a:latin typeface="맑은 고딕" panose="020B0503020000020004" pitchFamily="50" charset="-127"/>
-                <a:ea typeface="맑은 고딕" panose="020B0503020000020004" pitchFamily="50" charset="-127"/>
-              </a:rPr>
-              <a:t>여기에 두 번째 글머리 기호</a:t>
-            </a:r>
-          </a:p>
-          <a:p>
-            <a:pPr rtl="0"/>
-            <a:r>
-              <a:rPr lang="ko-KR" altLang="en-US" dirty="0">
-                <a:latin typeface="맑은 고딕" panose="020B0503020000020004" pitchFamily="50" charset="-127"/>
-                <a:ea typeface="맑은 고딕" panose="020B0503020000020004" pitchFamily="50" charset="-127"/>
-              </a:rPr>
-              <a:t>여기에 세 번째 글머리 기호</a:t>
-            </a:r>
+              <a:t>데이터그램</a:t>
+            </a:r>
+            <a:endParaRPr lang="en-US" altLang="ko-KR" sz="1800">
+              <a:solidFill>
+                <a:srgbClr val="FF0000"/>
+              </a:solidFill>
+            </a:endParaRPr>
+          </a:p>
+          <a:p>
+            <a:r>
+              <a:rPr lang="ko-KR" altLang="en-US"/>
+              <a:t>인터넷</a:t>
+            </a:r>
+            <a:endParaRPr lang="en-US" altLang="ko-KR"/>
+          </a:p>
+          <a:p>
+            <a:pPr lvl="1"/>
+            <a:r>
+              <a:rPr lang="ko-KR" altLang="en-US"/>
+              <a:t>세상의 모든 라우터가 연결된 네트워크</a:t>
+            </a:r>
+            <a:endParaRPr lang="en-US" altLang="ko-KR"/>
+          </a:p>
+          <a:p>
+            <a:pPr lvl="1"/>
+            <a:r>
+              <a:rPr lang="ko-KR" altLang="en-US"/>
+              <a:t>사설 아이피 </a:t>
+            </a:r>
+            <a:r>
+              <a:rPr lang="en-US" altLang="ko-KR"/>
+              <a:t>: </a:t>
+            </a:r>
+            <a:r>
+              <a:rPr lang="ko-KR" altLang="en-US"/>
+              <a:t>라우터를 외부에 공개할 필요가 없을 때 사용</a:t>
+            </a:r>
+            <a:endParaRPr lang="en-US" altLang="ko-KR"/>
+          </a:p>
+          <a:p>
+            <a:r>
+              <a:rPr lang="ko-KR" altLang="en-US"/>
+              <a:t>백엔드 서버에 여러개의 수신자</a:t>
+            </a:r>
+            <a:r>
+              <a:rPr lang="en-US" altLang="ko-KR"/>
+              <a:t>(</a:t>
+            </a:r>
+            <a:r>
+              <a:rPr lang="ko-KR" altLang="en-US"/>
+              <a:t>프로세스</a:t>
+            </a:r>
+            <a:r>
+              <a:rPr lang="en-US" altLang="ko-KR"/>
+              <a:t>)</a:t>
+            </a:r>
+            <a:r>
+              <a:rPr lang="ko-KR" altLang="en-US"/>
+              <a:t>가 있을경우</a:t>
+            </a:r>
+            <a:endParaRPr lang="en-US" altLang="ko-KR"/>
+          </a:p>
+          <a:p>
+            <a:pPr lvl="1"/>
+            <a:r>
+              <a:rPr lang="en-US" altLang="ko-KR"/>
+              <a:t>PORT</a:t>
+            </a:r>
+            <a:r>
+              <a:rPr lang="ko-KR" altLang="en-US"/>
+              <a:t> 사용</a:t>
+            </a:r>
+            <a:endParaRPr lang="en-US" altLang="ko-KR"/>
           </a:p>
         </p:txBody>
       </p:sp>
-      <p:graphicFrame>
-        <p:nvGraphicFramePr>
-          <p:cNvPr id="5" name="내용 개체 틀 4"/>
-          <p:cNvGraphicFramePr>
-            <a:graphicFrameLocks noGrp="1"/>
-          </p:cNvGraphicFramePr>
-          <p:nvPr>
-            <p:ph sz="half" idx="2"/>
-            <p:extLst>
-              <p:ext uri="{D42A27DB-BD31-4B8C-83A1-F6EECF244321}">
-                <p14:modId xmlns:p14="http://schemas.microsoft.com/office/powerpoint/2010/main" val="4176322543"/>
-              </p:ext>
-            </p:extLst>
-          </p:nvPr>
-        </p:nvGraphicFramePr>
-        <p:xfrm>
-          <a:off x="6324600" y="1981200"/>
-          <a:ext cx="4572000" cy="2141912"/>
-        </p:xfrm>
-        <a:graphic>
-          <a:graphicData uri="http://schemas.openxmlformats.org/drawingml/2006/table">
-            <a:tbl>
-              <a:tblPr firstRow="1" bandRow="1">
-                <a:tableStyleId>{BC89EF96-8CEA-46FF-86C4-4CE0E7609802}</a:tableStyleId>
-              </a:tblPr>
-              <a:tblGrid>
-                <a:gridCol w="1524000">
-                  <a:extLst>
-                    <a:ext uri="{9D8B030D-6E8A-4147-A177-3AD203B41FA5}">
-                      <a16:colId xmlns:a16="http://schemas.microsoft.com/office/drawing/2014/main" val="20000"/>
-                    </a:ext>
-                  </a:extLst>
-                </a:gridCol>
-                <a:gridCol w="1524000">
-                  <a:extLst>
-                    <a:ext uri="{9D8B030D-6E8A-4147-A177-3AD203B41FA5}">
-                      <a16:colId xmlns:a16="http://schemas.microsoft.com/office/drawing/2014/main" val="20001"/>
-                    </a:ext>
-                  </a:extLst>
-                </a:gridCol>
-                <a:gridCol w="1524000">
-                  <a:extLst>
-                    <a:ext uri="{9D8B030D-6E8A-4147-A177-3AD203B41FA5}">
-                      <a16:colId xmlns:a16="http://schemas.microsoft.com/office/drawing/2014/main" val="20002"/>
-                    </a:ext>
-                  </a:extLst>
-                </a:gridCol>
-              </a:tblGrid>
-              <a:tr h="535478">
-                <a:tc>
-                  <a:txBody>
-                    <a:bodyPr/>
-                    <a:lstStyle/>
-                    <a:p>
-                      <a:pPr rtl="0"/>
-                      <a:r>
-                        <a:rPr lang="ko-KR" altLang="en-US" noProof="0">
-                          <a:latin typeface="맑은 고딕" panose="020B0503020000020004" pitchFamily="50" charset="-127"/>
-                          <a:ea typeface="맑은 고딕" panose="020B0503020000020004" pitchFamily="50" charset="-127"/>
-                        </a:rPr>
-                        <a:t>클래스</a:t>
-                      </a:r>
-                      <a:endParaRPr lang="ko-KR" altLang="en-US" noProof="0" dirty="0">
-                        <a:latin typeface="맑은 고딕" panose="020B0503020000020004" pitchFamily="50" charset="-127"/>
-                        <a:ea typeface="맑은 고딕" panose="020B0503020000020004" pitchFamily="50" charset="-127"/>
-                      </a:endParaRPr>
-                    </a:p>
-                  </a:txBody>
-                  <a:tcPr anchor="ctr"/>
-                </a:tc>
-                <a:tc>
-                  <a:txBody>
-                    <a:bodyPr/>
-                    <a:lstStyle/>
-                    <a:p>
-                      <a:pPr algn="ctr" rtl="0"/>
-                      <a:r>
-                        <a:rPr lang="ko-KR" altLang="en-US" noProof="0" dirty="0">
-                          <a:latin typeface="맑은 고딕" panose="020B0503020000020004" pitchFamily="50" charset="-127"/>
-                          <a:ea typeface="맑은 고딕" panose="020B0503020000020004" pitchFamily="50" charset="-127"/>
-                        </a:rPr>
-                        <a:t>그룹 </a:t>
-                      </a:r>
-                      <a:r>
-                        <a:rPr lang="en-US" altLang="ko-KR" noProof="0" dirty="0">
-                          <a:latin typeface="맑은 고딕" panose="020B0503020000020004" pitchFamily="50" charset="-127"/>
-                          <a:ea typeface="맑은 고딕" panose="020B0503020000020004" pitchFamily="50" charset="-127"/>
-                        </a:rPr>
-                        <a:t>1</a:t>
-                      </a:r>
-                      <a:endParaRPr lang="ko-KR" altLang="en-US" noProof="0" dirty="0">
-                        <a:latin typeface="맑은 고딕" panose="020B0503020000020004" pitchFamily="50" charset="-127"/>
-                        <a:ea typeface="맑은 고딕" panose="020B0503020000020004" pitchFamily="50" charset="-127"/>
-                      </a:endParaRPr>
-                    </a:p>
-                  </a:txBody>
-                  <a:tcPr anchor="ctr"/>
-                </a:tc>
-                <a:tc>
-                  <a:txBody>
-                    <a:bodyPr/>
-                    <a:lstStyle/>
-                    <a:p>
-                      <a:pPr algn="ctr" rtl="0"/>
-                      <a:r>
-                        <a:rPr lang="ko-KR" altLang="en-US" noProof="0" dirty="0">
-                          <a:latin typeface="맑은 고딕" panose="020B0503020000020004" pitchFamily="50" charset="-127"/>
-                          <a:ea typeface="맑은 고딕" panose="020B0503020000020004" pitchFamily="50" charset="-127"/>
-                        </a:rPr>
-                        <a:t>그룹 </a:t>
-                      </a:r>
-                      <a:r>
-                        <a:rPr lang="en-US" altLang="ko-KR" noProof="0" dirty="0">
-                          <a:latin typeface="맑은 고딕" panose="020B0503020000020004" pitchFamily="50" charset="-127"/>
-                          <a:ea typeface="맑은 고딕" panose="020B0503020000020004" pitchFamily="50" charset="-127"/>
-                        </a:rPr>
-                        <a:t>2</a:t>
-                      </a:r>
-                      <a:endParaRPr lang="ko-KR" altLang="en-US" noProof="0" dirty="0">
-                        <a:latin typeface="맑은 고딕" panose="020B0503020000020004" pitchFamily="50" charset="-127"/>
-                        <a:ea typeface="맑은 고딕" panose="020B0503020000020004" pitchFamily="50" charset="-127"/>
-                      </a:endParaRPr>
-                    </a:p>
-                  </a:txBody>
-                  <a:tcPr anchor="ctr"/>
-                </a:tc>
-                <a:extLst>
-                  <a:ext uri="{0D108BD9-81ED-4DB2-BD59-A6C34878D82A}">
-                    <a16:rowId xmlns:a16="http://schemas.microsoft.com/office/drawing/2014/main" val="10000"/>
-                  </a:ext>
-                </a:extLst>
-              </a:tr>
-              <a:tr h="535478">
-                <a:tc>
-                  <a:txBody>
-                    <a:bodyPr/>
-                    <a:lstStyle/>
-                    <a:p>
-                      <a:pPr rtl="0"/>
-                      <a:r>
-                        <a:rPr lang="ko-KR" altLang="en-US" noProof="0" dirty="0">
-                          <a:latin typeface="맑은 고딕" panose="020B0503020000020004" pitchFamily="50" charset="-127"/>
-                          <a:ea typeface="맑은 고딕" panose="020B0503020000020004" pitchFamily="50" charset="-127"/>
-                        </a:rPr>
-                        <a:t>클래스 </a:t>
-                      </a:r>
-                      <a:r>
-                        <a:rPr lang="en-US" altLang="ko-KR" noProof="0" dirty="0">
-                          <a:latin typeface="맑은 고딕" panose="020B0503020000020004" pitchFamily="50" charset="-127"/>
-                          <a:ea typeface="맑은 고딕" panose="020B0503020000020004" pitchFamily="50" charset="-127"/>
-                        </a:rPr>
-                        <a:t>1</a:t>
-                      </a:r>
-                      <a:endParaRPr lang="ko-KR" altLang="en-US" noProof="0" dirty="0">
-                        <a:latin typeface="맑은 고딕" panose="020B0503020000020004" pitchFamily="50" charset="-127"/>
-                        <a:ea typeface="맑은 고딕" panose="020B0503020000020004" pitchFamily="50" charset="-127"/>
-                      </a:endParaRPr>
-                    </a:p>
-                  </a:txBody>
-                  <a:tcPr anchor="ctr"/>
-                </a:tc>
-                <a:tc>
-                  <a:txBody>
-                    <a:bodyPr/>
-                    <a:lstStyle/>
-                    <a:p>
-                      <a:pPr algn="ctr" rtl="0"/>
-                      <a:r>
-                        <a:rPr lang="en-US" altLang="ko-KR" noProof="0" dirty="0">
-                          <a:latin typeface="맑은 고딕" panose="020B0503020000020004" pitchFamily="50" charset="-127"/>
-                          <a:ea typeface="맑은 고딕" panose="020B0503020000020004" pitchFamily="50" charset="-127"/>
-                        </a:rPr>
-                        <a:t>82</a:t>
-                      </a:r>
-                      <a:endParaRPr lang="ko-KR" altLang="en-US" noProof="0" dirty="0">
-                        <a:latin typeface="맑은 고딕" panose="020B0503020000020004" pitchFamily="50" charset="-127"/>
-                        <a:ea typeface="맑은 고딕" panose="020B0503020000020004" pitchFamily="50" charset="-127"/>
-                      </a:endParaRPr>
-                    </a:p>
-                  </a:txBody>
-                  <a:tcPr anchor="ctr"/>
-                </a:tc>
-                <a:tc>
-                  <a:txBody>
-                    <a:bodyPr/>
-                    <a:lstStyle/>
-                    <a:p>
-                      <a:pPr algn="ctr" rtl="0"/>
-                      <a:r>
-                        <a:rPr lang="en-US" altLang="ko-KR" noProof="0" dirty="0">
-                          <a:latin typeface="맑은 고딕" panose="020B0503020000020004" pitchFamily="50" charset="-127"/>
-                          <a:ea typeface="맑은 고딕" panose="020B0503020000020004" pitchFamily="50" charset="-127"/>
-                        </a:rPr>
-                        <a:t>95</a:t>
-                      </a:r>
-                      <a:endParaRPr lang="ko-KR" altLang="en-US" noProof="0" dirty="0">
-                        <a:latin typeface="맑은 고딕" panose="020B0503020000020004" pitchFamily="50" charset="-127"/>
-                        <a:ea typeface="맑은 고딕" panose="020B0503020000020004" pitchFamily="50" charset="-127"/>
-                      </a:endParaRPr>
-                    </a:p>
-                  </a:txBody>
-                  <a:tcPr anchor="ctr"/>
-                </a:tc>
-                <a:extLst>
-                  <a:ext uri="{0D108BD9-81ED-4DB2-BD59-A6C34878D82A}">
-                    <a16:rowId xmlns:a16="http://schemas.microsoft.com/office/drawing/2014/main" val="10001"/>
-                  </a:ext>
-                </a:extLst>
-              </a:tr>
-              <a:tr h="535478">
-                <a:tc>
-                  <a:txBody>
-                    <a:bodyPr/>
-                    <a:lstStyle/>
-                    <a:p>
-                      <a:pPr rtl="0"/>
-                      <a:r>
-                        <a:rPr lang="ko-KR" altLang="en-US" noProof="0" dirty="0">
-                          <a:latin typeface="맑은 고딕" panose="020B0503020000020004" pitchFamily="50" charset="-127"/>
-                          <a:ea typeface="맑은 고딕" panose="020B0503020000020004" pitchFamily="50" charset="-127"/>
-                        </a:rPr>
-                        <a:t>클래스 </a:t>
-                      </a:r>
-                      <a:r>
-                        <a:rPr lang="en-US" altLang="ko-KR" noProof="0" dirty="0">
-                          <a:latin typeface="맑은 고딕" panose="020B0503020000020004" pitchFamily="50" charset="-127"/>
-                          <a:ea typeface="맑은 고딕" panose="020B0503020000020004" pitchFamily="50" charset="-127"/>
-                        </a:rPr>
-                        <a:t>2</a:t>
-                      </a:r>
-                      <a:endParaRPr lang="ko-KR" altLang="en-US" noProof="0" dirty="0">
-                        <a:latin typeface="맑은 고딕" panose="020B0503020000020004" pitchFamily="50" charset="-127"/>
-                        <a:ea typeface="맑은 고딕" panose="020B0503020000020004" pitchFamily="50" charset="-127"/>
-                      </a:endParaRPr>
-                    </a:p>
-                  </a:txBody>
-                  <a:tcPr anchor="ctr"/>
-                </a:tc>
-                <a:tc>
-                  <a:txBody>
-                    <a:bodyPr/>
-                    <a:lstStyle/>
-                    <a:p>
-                      <a:pPr algn="ctr" rtl="0"/>
-                      <a:r>
-                        <a:rPr lang="en-US" altLang="ko-KR" noProof="0" dirty="0">
-                          <a:latin typeface="맑은 고딕" panose="020B0503020000020004" pitchFamily="50" charset="-127"/>
-                          <a:ea typeface="맑은 고딕" panose="020B0503020000020004" pitchFamily="50" charset="-127"/>
-                        </a:rPr>
-                        <a:t>76</a:t>
-                      </a:r>
-                      <a:endParaRPr lang="ko-KR" altLang="en-US" noProof="0" dirty="0">
-                        <a:latin typeface="맑은 고딕" panose="020B0503020000020004" pitchFamily="50" charset="-127"/>
-                        <a:ea typeface="맑은 고딕" panose="020B0503020000020004" pitchFamily="50" charset="-127"/>
-                      </a:endParaRPr>
-                    </a:p>
-                  </a:txBody>
-                  <a:tcPr anchor="ctr"/>
-                </a:tc>
-                <a:tc>
-                  <a:txBody>
-                    <a:bodyPr/>
-                    <a:lstStyle/>
-                    <a:p>
-                      <a:pPr algn="ctr" rtl="0"/>
-                      <a:r>
-                        <a:rPr lang="en-US" altLang="ko-KR" noProof="0" dirty="0">
-                          <a:latin typeface="맑은 고딕" panose="020B0503020000020004" pitchFamily="50" charset="-127"/>
-                          <a:ea typeface="맑은 고딕" panose="020B0503020000020004" pitchFamily="50" charset="-127"/>
-                        </a:rPr>
-                        <a:t>88</a:t>
-                      </a:r>
-                      <a:endParaRPr lang="ko-KR" altLang="en-US" noProof="0" dirty="0">
-                        <a:latin typeface="맑은 고딕" panose="020B0503020000020004" pitchFamily="50" charset="-127"/>
-                        <a:ea typeface="맑은 고딕" panose="020B0503020000020004" pitchFamily="50" charset="-127"/>
-                      </a:endParaRPr>
-                    </a:p>
-                  </a:txBody>
-                  <a:tcPr anchor="ctr"/>
-                </a:tc>
-                <a:extLst>
-                  <a:ext uri="{0D108BD9-81ED-4DB2-BD59-A6C34878D82A}">
-                    <a16:rowId xmlns:a16="http://schemas.microsoft.com/office/drawing/2014/main" val="10002"/>
-                  </a:ext>
-                </a:extLst>
-              </a:tr>
-              <a:tr h="535478">
-                <a:tc>
-                  <a:txBody>
-                    <a:bodyPr/>
-                    <a:lstStyle/>
-                    <a:p>
-                      <a:pPr rtl="0"/>
-                      <a:r>
-                        <a:rPr lang="ko-KR" altLang="en-US" noProof="0" dirty="0">
-                          <a:latin typeface="맑은 고딕" panose="020B0503020000020004" pitchFamily="50" charset="-127"/>
-                          <a:ea typeface="맑은 고딕" panose="020B0503020000020004" pitchFamily="50" charset="-127"/>
-                        </a:rPr>
-                        <a:t>클래스 </a:t>
-                      </a:r>
-                      <a:r>
-                        <a:rPr lang="en-US" altLang="ko-KR" noProof="0" dirty="0">
-                          <a:latin typeface="맑은 고딕" panose="020B0503020000020004" pitchFamily="50" charset="-127"/>
-                          <a:ea typeface="맑은 고딕" panose="020B0503020000020004" pitchFamily="50" charset="-127"/>
-                        </a:rPr>
-                        <a:t>3</a:t>
-                      </a:r>
-                      <a:endParaRPr lang="ko-KR" altLang="en-US" noProof="0" dirty="0">
-                        <a:latin typeface="맑은 고딕" panose="020B0503020000020004" pitchFamily="50" charset="-127"/>
-                        <a:ea typeface="맑은 고딕" panose="020B0503020000020004" pitchFamily="50" charset="-127"/>
-                      </a:endParaRPr>
-                    </a:p>
-                  </a:txBody>
-                  <a:tcPr anchor="ctr"/>
-                </a:tc>
-                <a:tc>
-                  <a:txBody>
-                    <a:bodyPr/>
-                    <a:lstStyle/>
-                    <a:p>
-                      <a:pPr algn="ctr" rtl="0"/>
-                      <a:r>
-                        <a:rPr lang="en-US" altLang="ko-KR" noProof="0" dirty="0">
-                          <a:latin typeface="맑은 고딕" panose="020B0503020000020004" pitchFamily="50" charset="-127"/>
-                          <a:ea typeface="맑은 고딕" panose="020B0503020000020004" pitchFamily="50" charset="-127"/>
-                        </a:rPr>
-                        <a:t>84</a:t>
-                      </a:r>
-                      <a:endParaRPr lang="ko-KR" altLang="en-US" noProof="0" dirty="0">
-                        <a:latin typeface="맑은 고딕" panose="020B0503020000020004" pitchFamily="50" charset="-127"/>
-                        <a:ea typeface="맑은 고딕" panose="020B0503020000020004" pitchFamily="50" charset="-127"/>
-                      </a:endParaRPr>
-                    </a:p>
-                  </a:txBody>
-                  <a:tcPr anchor="ctr"/>
-                </a:tc>
-                <a:tc>
-                  <a:txBody>
-                    <a:bodyPr/>
-                    <a:lstStyle/>
-                    <a:p>
-                      <a:pPr algn="ctr" rtl="0"/>
-                      <a:r>
-                        <a:rPr lang="en-US" altLang="ko-KR" noProof="0" dirty="0">
-                          <a:latin typeface="맑은 고딕" panose="020B0503020000020004" pitchFamily="50" charset="-127"/>
-                          <a:ea typeface="맑은 고딕" panose="020B0503020000020004" pitchFamily="50" charset="-127"/>
-                        </a:rPr>
-                        <a:t>90</a:t>
-                      </a:r>
-                      <a:endParaRPr lang="ko-KR" altLang="en-US" noProof="0" dirty="0">
-                        <a:latin typeface="맑은 고딕" panose="020B0503020000020004" pitchFamily="50" charset="-127"/>
-                        <a:ea typeface="맑은 고딕" panose="020B0503020000020004" pitchFamily="50" charset="-127"/>
-                      </a:endParaRPr>
-                    </a:p>
-                  </a:txBody>
-                  <a:tcPr anchor="ctr"/>
-                </a:tc>
-                <a:extLst>
-                  <a:ext uri="{0D108BD9-81ED-4DB2-BD59-A6C34878D82A}">
-                    <a16:rowId xmlns:a16="http://schemas.microsoft.com/office/drawing/2014/main" val="10003"/>
-                  </a:ext>
-                </a:extLst>
-              </a:tr>
-            </a:tbl>
-          </a:graphicData>
-        </a:graphic>
-      </p:graphicFrame>
+      <p:sp>
+        <p:nvSpPr>
+          <p:cNvPr id="12" name="직사각형 11">
+            <a:extLst>
+              <a:ext uri="{FF2B5EF4-FFF2-40B4-BE49-F238E27FC236}">
+                <a16:creationId xmlns:a16="http://schemas.microsoft.com/office/drawing/2014/main" id="{0392E843-4BE9-4EA6-99B6-4B3EAE765D58}"/>
+              </a:ext>
+            </a:extLst>
+          </p:cNvPr>
+          <p:cNvSpPr/>
+          <p:nvPr/>
+        </p:nvSpPr>
+        <p:spPr>
+          <a:xfrm>
+            <a:off x="9021972" y="2855368"/>
+            <a:ext cx="1181470" cy="495729"/>
+          </a:xfrm>
+          <a:prstGeom prst="rect">
+            <a:avLst/>
+          </a:prstGeom>
+        </p:spPr>
+        <p:style>
+          <a:lnRef idx="2">
+            <a:schemeClr val="accent1">
+              <a:shade val="50000"/>
+            </a:schemeClr>
+          </a:lnRef>
+          <a:fillRef idx="1">
+            <a:schemeClr val="accent1"/>
+          </a:fillRef>
+          <a:effectRef idx="0">
+            <a:schemeClr val="accent1"/>
+          </a:effectRef>
+          <a:fontRef idx="minor">
+            <a:schemeClr val="lt1"/>
+          </a:fontRef>
+        </p:style>
+        <p:txBody>
+          <a:bodyPr rtlCol="0" anchor="ctr"/>
+          <a:lstStyle/>
+          <a:p>
+            <a:pPr algn="ctr"/>
+            <a:r>
+              <a:rPr lang="ko-KR" altLang="en-US" dirty="0"/>
+              <a:t>라우터</a:t>
+            </a:r>
+          </a:p>
+        </p:txBody>
+      </p:sp>
+      <p:sp>
+        <p:nvSpPr>
+          <p:cNvPr id="8" name="직사각형 7">
+            <a:extLst>
+              <a:ext uri="{FF2B5EF4-FFF2-40B4-BE49-F238E27FC236}">
+                <a16:creationId xmlns:a16="http://schemas.microsoft.com/office/drawing/2014/main" id="{3B209D68-2F0E-433D-AC3F-B6AA97C5C53C}"/>
+              </a:ext>
+            </a:extLst>
+          </p:cNvPr>
+          <p:cNvSpPr/>
+          <p:nvPr/>
+        </p:nvSpPr>
+        <p:spPr>
+          <a:xfrm>
+            <a:off x="9021972" y="3970805"/>
+            <a:ext cx="1181470" cy="495729"/>
+          </a:xfrm>
+          <a:prstGeom prst="rect">
+            <a:avLst/>
+          </a:prstGeom>
+        </p:spPr>
+        <p:style>
+          <a:lnRef idx="2">
+            <a:schemeClr val="accent1">
+              <a:shade val="50000"/>
+            </a:schemeClr>
+          </a:lnRef>
+          <a:fillRef idx="1">
+            <a:schemeClr val="accent1"/>
+          </a:fillRef>
+          <a:effectRef idx="0">
+            <a:schemeClr val="accent1"/>
+          </a:effectRef>
+          <a:fontRef idx="minor">
+            <a:schemeClr val="lt1"/>
+          </a:fontRef>
+        </p:style>
+        <p:txBody>
+          <a:bodyPr rtlCol="0" anchor="ctr"/>
+          <a:lstStyle/>
+          <a:p>
+            <a:pPr algn="ctr"/>
+            <a:r>
+              <a:rPr lang="ko-KR" altLang="en-US"/>
+              <a:t>라우터</a:t>
+            </a:r>
+            <a:endParaRPr lang="ko-KR" altLang="en-US" dirty="0"/>
+          </a:p>
+        </p:txBody>
+      </p:sp>
+      <p:sp>
+        <p:nvSpPr>
+          <p:cNvPr id="21" name="직사각형 20">
+            <a:extLst>
+              <a:ext uri="{FF2B5EF4-FFF2-40B4-BE49-F238E27FC236}">
+                <a16:creationId xmlns:a16="http://schemas.microsoft.com/office/drawing/2014/main" id="{0D1935E1-0B38-4B31-87DB-F921D007BCE2}"/>
+              </a:ext>
+            </a:extLst>
+          </p:cNvPr>
+          <p:cNvSpPr/>
+          <p:nvPr/>
+        </p:nvSpPr>
+        <p:spPr>
+          <a:xfrm>
+            <a:off x="9021972" y="2021169"/>
+            <a:ext cx="1181470" cy="495729"/>
+          </a:xfrm>
+          <a:prstGeom prst="rect">
+            <a:avLst/>
+          </a:prstGeom>
+        </p:spPr>
+        <p:style>
+          <a:lnRef idx="1">
+            <a:schemeClr val="accent3"/>
+          </a:lnRef>
+          <a:fillRef idx="2">
+            <a:schemeClr val="accent3"/>
+          </a:fillRef>
+          <a:effectRef idx="1">
+            <a:schemeClr val="accent3"/>
+          </a:effectRef>
+          <a:fontRef idx="minor">
+            <a:schemeClr val="dk1"/>
+          </a:fontRef>
+        </p:style>
+        <p:txBody>
+          <a:bodyPr rtlCol="0" anchor="ctr"/>
+          <a:lstStyle/>
+          <a:p>
+            <a:pPr algn="ctr"/>
+            <a:r>
+              <a:rPr lang="ko-KR" altLang="en-US"/>
+              <a:t>개발자</a:t>
+            </a:r>
+            <a:endParaRPr lang="ko-KR" altLang="en-US" dirty="0"/>
+          </a:p>
+        </p:txBody>
+      </p:sp>
+      <p:sp>
+        <p:nvSpPr>
+          <p:cNvPr id="22" name="직사각형 21">
+            <a:extLst>
+              <a:ext uri="{FF2B5EF4-FFF2-40B4-BE49-F238E27FC236}">
+                <a16:creationId xmlns:a16="http://schemas.microsoft.com/office/drawing/2014/main" id="{A4FD7687-42D3-466F-8965-1824A0D49413}"/>
+              </a:ext>
+            </a:extLst>
+          </p:cNvPr>
+          <p:cNvSpPr/>
+          <p:nvPr/>
+        </p:nvSpPr>
+        <p:spPr>
+          <a:xfrm>
+            <a:off x="8771510" y="4801495"/>
+            <a:ext cx="1683399" cy="1227071"/>
+          </a:xfrm>
+          <a:prstGeom prst="rect">
+            <a:avLst/>
+          </a:prstGeom>
+        </p:spPr>
+        <p:style>
+          <a:lnRef idx="1">
+            <a:schemeClr val="accent3"/>
+          </a:lnRef>
+          <a:fillRef idx="2">
+            <a:schemeClr val="accent3"/>
+          </a:fillRef>
+          <a:effectRef idx="1">
+            <a:schemeClr val="accent3"/>
+          </a:effectRef>
+          <a:fontRef idx="minor">
+            <a:schemeClr val="dk1"/>
+          </a:fontRef>
+        </p:style>
+        <p:txBody>
+          <a:bodyPr rtlCol="0" anchor="ctr"/>
+          <a:lstStyle/>
+          <a:p>
+            <a:pPr algn="ctr"/>
+            <a:r>
+              <a:rPr lang="ko-KR" altLang="en-US"/>
+              <a:t>백엔드서버</a:t>
+            </a:r>
+            <a:endParaRPr lang="en-US" altLang="ko-KR"/>
+          </a:p>
+          <a:p>
+            <a:pPr algn="ctr"/>
+            <a:endParaRPr lang="en-US" altLang="ko-KR" sz="1500"/>
+          </a:p>
+          <a:p>
+            <a:pPr algn="ctr"/>
+            <a:r>
+              <a:rPr lang="en-US" altLang="ko-KR" sz="1500"/>
+              <a:t>HTTP</a:t>
+            </a:r>
+          </a:p>
+          <a:p>
+            <a:pPr algn="ctr"/>
+            <a:r>
+              <a:rPr lang="en-US" altLang="ko-KR" sz="1500"/>
+              <a:t>TELNET</a:t>
+            </a:r>
+          </a:p>
+          <a:p>
+            <a:pPr algn="ctr"/>
+            <a:r>
+              <a:rPr lang="en-US" altLang="ko-KR" sz="1500"/>
+              <a:t>TCP/IP</a:t>
+            </a:r>
+            <a:r>
+              <a:rPr lang="ko-KR" altLang="en-US" sz="1500"/>
+              <a:t>서버</a:t>
+            </a:r>
+            <a:endParaRPr lang="ko-KR" altLang="en-US" sz="1500" dirty="0"/>
+          </a:p>
+        </p:txBody>
+      </p:sp>
     </p:spTree>
     <p:extLst>
       <p:ext uri="{BB962C8B-B14F-4D97-AF65-F5344CB8AC3E}">
-        <p14:creationId xmlns:p14="http://schemas.microsoft.com/office/powerpoint/2010/main" val="2475092730"/>
+        <p14:creationId xmlns:p14="http://schemas.microsoft.com/office/powerpoint/2010/main" val="2480475538"/>
       </p:ext>
     </p:extLst>
   </p:cSld>
@@ -21600,7 +16982,13 @@
       </p:grpSpPr>
       <p:sp>
         <p:nvSpPr>
-          <p:cNvPr id="2" name="제목 1"/>
+          <p:cNvPr id="2" name="제목 1">
+            <a:extLst>
+              <a:ext uri="{FF2B5EF4-FFF2-40B4-BE49-F238E27FC236}">
+                <a16:creationId xmlns:a16="http://schemas.microsoft.com/office/drawing/2014/main" id="{28D78D5F-E582-4987-91DF-9C7C5BEBD4EB}"/>
+              </a:ext>
+            </a:extLst>
+          </p:cNvPr>
           <p:cNvSpPr>
             <a:spLocks noGrp="1"/>
           </p:cNvSpPr>
@@ -21610,56 +16998,373 @@
         </p:nvSpPr>
         <p:spPr/>
         <p:txBody>
-          <a:bodyPr rtlCol="0"/>
+          <a:bodyPr/>
           <a:lstStyle/>
           <a:p>
-            <a:pPr rtl="0"/>
-            <a:r>
-              <a:rPr lang="en-US" altLang="ko-KR" dirty="0">
-                <a:latin typeface="맑은 고딕" panose="020B0503020000020004" pitchFamily="50" charset="-127"/>
-                <a:ea typeface="맑은 고딕" panose="020B0503020000020004" pitchFamily="50" charset="-127"/>
-              </a:rPr>
-              <a:t>SmartArt</a:t>
-            </a:r>
-            <a:r>
-              <a:rPr lang="ko-KR" altLang="en-US" dirty="0">
-                <a:latin typeface="맑은 고딕" panose="020B0503020000020004" pitchFamily="50" charset="-127"/>
-                <a:ea typeface="맑은 고딕" panose="020B0503020000020004" pitchFamily="50" charset="-127"/>
-              </a:rPr>
-              <a:t>가 있는 제목 및 내용 레이아웃</a:t>
+            <a:r>
+              <a:rPr lang="ko-KR" altLang="en-US" dirty="0"/>
+              <a:t>개발자가 알아 두면 좋은 네트워크 개념</a:t>
             </a:r>
           </a:p>
         </p:txBody>
       </p:sp>
-      <p:graphicFrame>
-        <p:nvGraphicFramePr>
-          <p:cNvPr id="4" name="내용 개체 틀 3" descr="왼쪽에서 오른쪽으로 정렬된 3개의 단계와 각 단계에 대한 작업 설명이 있는 프로세스 화살표형 다이어그램"/>
-          <p:cNvGraphicFramePr>
-            <a:graphicFrameLocks noGrp="1"/>
-          </p:cNvGraphicFramePr>
+      <p:sp>
+        <p:nvSpPr>
+          <p:cNvPr id="3" name="내용 개체 틀 2">
+            <a:extLst>
+              <a:ext uri="{FF2B5EF4-FFF2-40B4-BE49-F238E27FC236}">
+                <a16:creationId xmlns:a16="http://schemas.microsoft.com/office/drawing/2014/main" id="{DFA47AE3-6532-4E43-9E16-6D279FF62F6D}"/>
+              </a:ext>
+            </a:extLst>
+          </p:cNvPr>
+          <p:cNvSpPr>
+            <a:spLocks noGrp="1"/>
+          </p:cNvSpPr>
           <p:nvPr>
             <p:ph idx="1"/>
-            <p:extLst>
-              <p:ext uri="{D42A27DB-BD31-4B8C-83A1-F6EECF244321}">
-                <p14:modId xmlns:p14="http://schemas.microsoft.com/office/powerpoint/2010/main" val="2474722938"/>
-              </p:ext>
-            </p:extLst>
           </p:nvPr>
-        </p:nvGraphicFramePr>
-        <p:xfrm>
-          <a:off x="1295400" y="1981200"/>
-          <a:ext cx="9601200" cy="3810000"/>
-        </p:xfrm>
-        <a:graphic>
-          <a:graphicData uri="http://schemas.openxmlformats.org/drawingml/2006/diagram">
-            <dgm:relIds xmlns:dgm="http://schemas.openxmlformats.org/drawingml/2006/diagram" xmlns:r="http://schemas.openxmlformats.org/officeDocument/2006/relationships" r:dm="rId3" r:lo="rId4" r:qs="rId5" r:cs="rId6"/>
-          </a:graphicData>
-        </a:graphic>
-      </p:graphicFrame>
+        </p:nvSpPr>
+        <p:spPr/>
+        <p:txBody>
+          <a:bodyPr/>
+          <a:lstStyle/>
+          <a:p>
+            <a:r>
+              <a:rPr lang="en-US" altLang="ko-KR"/>
+              <a:t>PORT</a:t>
+            </a:r>
+            <a:endParaRPr lang="en-US" altLang="ko-KR" dirty="0"/>
+          </a:p>
+          <a:p>
+            <a:pPr lvl="1"/>
+            <a:r>
+              <a:rPr lang="ko-KR" altLang="en-US" dirty="0"/>
+              <a:t>프로그램</a:t>
+            </a:r>
+            <a:r>
+              <a:rPr lang="en-US" altLang="ko-KR" dirty="0"/>
+              <a:t>(</a:t>
+            </a:r>
+            <a:r>
+              <a:rPr lang="ko-KR" altLang="en-US" dirty="0"/>
+              <a:t>프로세스</a:t>
+            </a:r>
+            <a:r>
+              <a:rPr lang="en-US" altLang="ko-KR" dirty="0"/>
+              <a:t>)</a:t>
+            </a:r>
+            <a:r>
+              <a:rPr lang="ko-KR" altLang="en-US"/>
+              <a:t>를 구분 할 수 있는 유일한 정보</a:t>
+            </a:r>
+            <a:endParaRPr lang="en-US" altLang="ko-KR"/>
+          </a:p>
+          <a:p>
+            <a:pPr lvl="1"/>
+            <a:r>
+              <a:rPr lang="ko-KR" altLang="en-US"/>
+              <a:t>이미 사용되고 있는 포트를 사용해 프로그램이 실행될때</a:t>
+            </a:r>
+            <a:endParaRPr lang="en-US" altLang="ko-KR"/>
+          </a:p>
+          <a:p>
+            <a:pPr lvl="2"/>
+            <a:r>
+              <a:rPr lang="en-US" altLang="ko-KR"/>
+              <a:t>java.net.BindException </a:t>
+            </a:r>
+            <a:r>
+              <a:rPr lang="ko-KR" altLang="en-US"/>
+              <a:t>발생</a:t>
+            </a:r>
+            <a:endParaRPr lang="en-US" altLang="ko-KR"/>
+          </a:p>
+          <a:p>
+            <a:r>
+              <a:rPr lang="ko-KR" altLang="en-US"/>
+              <a:t>수신자의 정보</a:t>
+            </a:r>
+            <a:r>
+              <a:rPr lang="en-US" altLang="ko-KR"/>
+              <a:t>(</a:t>
+            </a:r>
+            <a:r>
+              <a:rPr lang="en-US" altLang="ko-KR">
+                <a:solidFill>
+                  <a:srgbClr val="FF0000"/>
+                </a:solidFill>
+              </a:rPr>
+              <a:t>IP/PORT</a:t>
+            </a:r>
+            <a:r>
+              <a:rPr lang="en-US" altLang="ko-KR"/>
+              <a:t>)</a:t>
+            </a:r>
+            <a:r>
+              <a:rPr lang="ko-KR" altLang="en-US"/>
+              <a:t>를 가지고 데이터를 보낸 후</a:t>
+            </a:r>
+            <a:endParaRPr lang="en-US" altLang="ko-KR"/>
+          </a:p>
+          <a:p>
+            <a:pPr lvl="1"/>
+            <a:r>
+              <a:rPr lang="ko-KR" altLang="en-US"/>
+              <a:t>송신자는 프로토콜이 맞는지 확인</a:t>
+            </a:r>
+            <a:endParaRPr lang="en-US" altLang="ko-KR"/>
+          </a:p>
+          <a:p>
+            <a:r>
+              <a:rPr lang="en-US" altLang="ko-KR"/>
+              <a:t>MAC </a:t>
+            </a:r>
+            <a:r>
+              <a:rPr lang="ko-KR" altLang="en-US"/>
+              <a:t>정보는 인접한 라우터의 정보</a:t>
+            </a:r>
+            <a:endParaRPr lang="en-US" altLang="ko-KR"/>
+          </a:p>
+          <a:p>
+            <a:pPr lvl="1"/>
+            <a:r>
+              <a:rPr lang="ko-KR" altLang="en-US"/>
+              <a:t>개발자의 정보 아님</a:t>
+            </a:r>
+            <a:endParaRPr lang="en-US" altLang="ko-KR"/>
+          </a:p>
+          <a:p>
+            <a:pPr lvl="1"/>
+            <a:endParaRPr lang="en-US" altLang="ko-KR" dirty="0"/>
+          </a:p>
+        </p:txBody>
+      </p:sp>
+      <p:sp>
+        <p:nvSpPr>
+          <p:cNvPr id="24" name="직사각형 23">
+            <a:extLst>
+              <a:ext uri="{FF2B5EF4-FFF2-40B4-BE49-F238E27FC236}">
+                <a16:creationId xmlns:a16="http://schemas.microsoft.com/office/drawing/2014/main" id="{7307316F-A5AE-4A8C-9E78-8077978BDDD7}"/>
+              </a:ext>
+            </a:extLst>
+          </p:cNvPr>
+          <p:cNvSpPr/>
+          <p:nvPr/>
+        </p:nvSpPr>
+        <p:spPr>
+          <a:xfrm>
+            <a:off x="9715130" y="2520350"/>
+            <a:ext cx="1139352" cy="497374"/>
+          </a:xfrm>
+          <a:prstGeom prst="rect">
+            <a:avLst/>
+          </a:prstGeom>
+        </p:spPr>
+        <p:style>
+          <a:lnRef idx="1">
+            <a:schemeClr val="accent3"/>
+          </a:lnRef>
+          <a:fillRef idx="2">
+            <a:schemeClr val="accent3"/>
+          </a:fillRef>
+          <a:effectRef idx="1">
+            <a:schemeClr val="accent3"/>
+          </a:effectRef>
+          <a:fontRef idx="minor">
+            <a:schemeClr val="dk1"/>
+          </a:fontRef>
+        </p:style>
+        <p:txBody>
+          <a:bodyPr rtlCol="0" anchor="ctr"/>
+          <a:lstStyle/>
+          <a:p>
+            <a:pPr algn="ctr"/>
+            <a:r>
+              <a:rPr lang="ko-KR" altLang="en-US"/>
+              <a:t>개발자</a:t>
+            </a:r>
+            <a:endParaRPr lang="en-US" altLang="ko-KR" dirty="0"/>
+          </a:p>
+        </p:txBody>
+      </p:sp>
+      <p:sp>
+        <p:nvSpPr>
+          <p:cNvPr id="25" name="직사각형 24">
+            <a:extLst>
+              <a:ext uri="{FF2B5EF4-FFF2-40B4-BE49-F238E27FC236}">
+                <a16:creationId xmlns:a16="http://schemas.microsoft.com/office/drawing/2014/main" id="{B2036BCA-013E-4FBF-9E3D-9A23573DCB65}"/>
+              </a:ext>
+            </a:extLst>
+          </p:cNvPr>
+          <p:cNvSpPr/>
+          <p:nvPr/>
+        </p:nvSpPr>
+        <p:spPr>
+          <a:xfrm>
+            <a:off x="9243576" y="4098099"/>
+            <a:ext cx="2124577" cy="1849560"/>
+          </a:xfrm>
+          <a:prstGeom prst="rect">
+            <a:avLst/>
+          </a:prstGeom>
+        </p:spPr>
+        <p:style>
+          <a:lnRef idx="1">
+            <a:schemeClr val="accent3"/>
+          </a:lnRef>
+          <a:fillRef idx="2">
+            <a:schemeClr val="accent3"/>
+          </a:fillRef>
+          <a:effectRef idx="1">
+            <a:schemeClr val="accent3"/>
+          </a:effectRef>
+          <a:fontRef idx="minor">
+            <a:schemeClr val="dk1"/>
+          </a:fontRef>
+        </p:style>
+        <p:txBody>
+          <a:bodyPr rtlCol="0" anchor="ctr"/>
+          <a:lstStyle/>
+          <a:p>
+            <a:pPr algn="ctr"/>
+            <a:r>
+              <a:rPr lang="ko-KR" altLang="en-US"/>
+              <a:t>백엔드서버</a:t>
+            </a:r>
+            <a:endParaRPr lang="en-US" altLang="ko-KR"/>
+          </a:p>
+          <a:p>
+            <a:pPr algn="ctr"/>
+            <a:endParaRPr lang="en-US" altLang="ko-KR"/>
+          </a:p>
+          <a:p>
+            <a:r>
+              <a:rPr lang="en-US" altLang="ko-KR"/>
+              <a:t>80 -&gt; WAS</a:t>
+            </a:r>
+          </a:p>
+          <a:p>
+            <a:r>
+              <a:rPr lang="en-US" altLang="ko-KR"/>
+              <a:t>23 -&gt; TELNET</a:t>
+            </a:r>
+          </a:p>
+          <a:p>
+            <a:r>
+              <a:rPr lang="en-US" altLang="ko-KR"/>
+              <a:t>69 -&gt; TFTP</a:t>
+            </a:r>
+            <a:endParaRPr lang="ko-KR" altLang="en-US"/>
+          </a:p>
+          <a:p>
+            <a:pPr algn="ctr"/>
+            <a:endParaRPr lang="ko-KR" altLang="en-US" dirty="0"/>
+          </a:p>
+        </p:txBody>
+      </p:sp>
+      <p:sp>
+        <p:nvSpPr>
+          <p:cNvPr id="11" name="TextBox 10">
+            <a:extLst>
+              <a:ext uri="{FF2B5EF4-FFF2-40B4-BE49-F238E27FC236}">
+                <a16:creationId xmlns:a16="http://schemas.microsoft.com/office/drawing/2014/main" id="{CB9269A6-1BB2-4554-9B03-657EB0466D45}"/>
+              </a:ext>
+            </a:extLst>
+          </p:cNvPr>
+          <p:cNvSpPr txBox="1"/>
+          <p:nvPr/>
+        </p:nvSpPr>
+        <p:spPr>
+          <a:xfrm>
+            <a:off x="9362301" y="1334376"/>
+            <a:ext cx="2193126" cy="923330"/>
+          </a:xfrm>
+          <a:prstGeom prst="rect">
+            <a:avLst/>
+          </a:prstGeom>
+          <a:noFill/>
+        </p:spPr>
+        <p:txBody>
+          <a:bodyPr wrap="square" rtlCol="0">
+            <a:spAutoFit/>
+          </a:bodyPr>
+          <a:lstStyle/>
+          <a:p>
+            <a:r>
+              <a:rPr lang="en-US" altLang="ko-KR"/>
+              <a:t>http://1.1.2.3/waf/a</a:t>
+            </a:r>
+            <a:endParaRPr lang="en-US" altLang="ko-KR" dirty="0"/>
+          </a:p>
+          <a:p>
+            <a:r>
+              <a:rPr lang="en-US" altLang="ko-KR"/>
+              <a:t>telnet 1.1.2.3</a:t>
+            </a:r>
+          </a:p>
+          <a:p>
+            <a:r>
+              <a:rPr lang="en-US" altLang="ko-KR"/>
+              <a:t>tftp –g a.zip</a:t>
+            </a:r>
+            <a:endParaRPr lang="ko-KR" altLang="en-US" dirty="0"/>
+          </a:p>
+        </p:txBody>
+      </p:sp>
+      <p:sp>
+        <p:nvSpPr>
+          <p:cNvPr id="15" name="직사각형 14">
+            <a:extLst>
+              <a:ext uri="{FF2B5EF4-FFF2-40B4-BE49-F238E27FC236}">
+                <a16:creationId xmlns:a16="http://schemas.microsoft.com/office/drawing/2014/main" id="{B1CB2080-7647-4E58-9F64-0B98DE26C17D}"/>
+              </a:ext>
+            </a:extLst>
+          </p:cNvPr>
+          <p:cNvSpPr/>
+          <p:nvPr/>
+        </p:nvSpPr>
+        <p:spPr>
+          <a:xfrm>
+            <a:off x="9715130" y="3310047"/>
+            <a:ext cx="1181470" cy="495729"/>
+          </a:xfrm>
+          <a:prstGeom prst="rect">
+            <a:avLst/>
+          </a:prstGeom>
+        </p:spPr>
+        <p:style>
+          <a:lnRef idx="2">
+            <a:schemeClr val="accent1">
+              <a:shade val="50000"/>
+            </a:schemeClr>
+          </a:lnRef>
+          <a:fillRef idx="1">
+            <a:schemeClr val="accent1"/>
+          </a:fillRef>
+          <a:effectRef idx="0">
+            <a:schemeClr val="accent1"/>
+          </a:effectRef>
+          <a:fontRef idx="minor">
+            <a:schemeClr val="lt1"/>
+          </a:fontRef>
+        </p:style>
+        <p:txBody>
+          <a:bodyPr rtlCol="0" anchor="ctr"/>
+          <a:lstStyle/>
+          <a:p>
+            <a:pPr algn="ctr"/>
+            <a:r>
+              <a:rPr lang="ko-KR" altLang="en-US"/>
+              <a:t>인터넷</a:t>
+            </a:r>
+            <a:endParaRPr lang="ko-KR" altLang="en-US" dirty="0"/>
+          </a:p>
+        </p:txBody>
+      </p:sp>
     </p:spTree>
     <p:extLst>
       <p:ext uri="{BB962C8B-B14F-4D97-AF65-F5344CB8AC3E}">
-        <p14:creationId xmlns:p14="http://schemas.microsoft.com/office/powerpoint/2010/main" val="2761515851"/>
+        <p14:creationId xmlns:p14="http://schemas.microsoft.com/office/powerpoint/2010/main" val="4163272331"/>
       </p:ext>
     </p:extLst>
   </p:cSld>
@@ -21700,7 +17405,13 @@
       </p:grpSpPr>
       <p:sp>
         <p:nvSpPr>
-          <p:cNvPr id="2" name="제목 1"/>
+          <p:cNvPr id="2" name="제목 1">
+            <a:extLst>
+              <a:ext uri="{FF2B5EF4-FFF2-40B4-BE49-F238E27FC236}">
+                <a16:creationId xmlns:a16="http://schemas.microsoft.com/office/drawing/2014/main" id="{28D78D5F-E582-4987-91DF-9C7C5BEBD4EB}"/>
+              </a:ext>
+            </a:extLst>
+          </p:cNvPr>
           <p:cNvSpPr>
             <a:spLocks noGrp="1"/>
           </p:cNvSpPr>
@@ -21710,54 +17421,271 @@
         </p:nvSpPr>
         <p:spPr/>
         <p:txBody>
-          <a:bodyPr rtlCol="0"/>
+          <a:bodyPr/>
           <a:lstStyle/>
           <a:p>
-            <a:pPr rtl="0"/>
-            <a:r>
-              <a:rPr lang="ko-KR" altLang="en-US" dirty="0">
-                <a:latin typeface="맑은 고딕" panose="020B0503020000020004" pitchFamily="50" charset="-127"/>
-                <a:ea typeface="맑은 고딕" panose="020B0503020000020004" pitchFamily="50" charset="-127"/>
-              </a:rPr>
-              <a:t>슬라이드 제목 추가 </a:t>
-            </a:r>
-            <a:r>
-              <a:rPr lang="en-US" altLang="ko-KR" dirty="0">
-                <a:latin typeface="맑은 고딕" panose="020B0503020000020004" pitchFamily="50" charset="-127"/>
-                <a:ea typeface="맑은 고딕" panose="020B0503020000020004" pitchFamily="50" charset="-127"/>
-              </a:rPr>
-              <a:t>- 1</a:t>
+            <a:r>
+              <a:rPr lang="ko-KR" altLang="en-US" dirty="0"/>
+              <a:t>개발자가 알아 두면 좋은 네트워크 개념</a:t>
             </a:r>
           </a:p>
         </p:txBody>
       </p:sp>
       <p:sp>
         <p:nvSpPr>
-          <p:cNvPr id="3" name="텍스트 개체 틀 2"/>
+          <p:cNvPr id="3" name="내용 개체 틀 2">
+            <a:extLst>
+              <a:ext uri="{FF2B5EF4-FFF2-40B4-BE49-F238E27FC236}">
+                <a16:creationId xmlns:a16="http://schemas.microsoft.com/office/drawing/2014/main" id="{DFA47AE3-6532-4E43-9E16-6D279FF62F6D}"/>
+              </a:ext>
+            </a:extLst>
+          </p:cNvPr>
           <p:cNvSpPr>
             <a:spLocks noGrp="1"/>
           </p:cNvSpPr>
           <p:nvPr>
-            <p:ph type="body" idx="1"/>
+            <p:ph idx="1"/>
           </p:nvPr>
         </p:nvSpPr>
-        <p:spPr/>
+        <p:spPr>
+          <a:xfrm>
+            <a:off x="1263032" y="1981201"/>
+            <a:ext cx="9601200" cy="3809999"/>
+          </a:xfrm>
+        </p:spPr>
         <p:txBody>
-          <a:bodyPr rtlCol="0"/>
+          <a:bodyPr>
+            <a:normAutofit fontScale="92500" lnSpcReduction="10000"/>
+          </a:bodyPr>
           <a:lstStyle/>
           <a:p>
-            <a:pPr rtl="0"/>
-            <a:endParaRPr lang="ko-KR" altLang="en-US" dirty="0">
-              <a:latin typeface="맑은 고딕" panose="020B0503020000020004" pitchFamily="50" charset="-127"/>
-              <a:ea typeface="맑은 고딕" panose="020B0503020000020004" pitchFamily="50" charset="-127"/>
-            </a:endParaRPr>
+            <a:r>
+              <a:rPr lang="ko-KR" altLang="en-US"/>
+              <a:t>프로토콜</a:t>
+            </a:r>
+            <a:endParaRPr lang="en-US" altLang="ko-KR" dirty="0"/>
+          </a:p>
+          <a:p>
+            <a:pPr lvl="1"/>
+            <a:r>
+              <a:rPr lang="ko-KR" altLang="en-US"/>
+              <a:t>송신자와 수신자가 데이터를 주고 받을때 필요한 약속</a:t>
+            </a:r>
+            <a:endParaRPr lang="en-US" altLang="ko-KR"/>
+          </a:p>
+          <a:p>
+            <a:pPr lvl="2"/>
+            <a:r>
+              <a:rPr lang="ko-KR" altLang="en-US"/>
+              <a:t>흐름제어</a:t>
+            </a:r>
+            <a:r>
+              <a:rPr lang="en-US" altLang="ko-KR"/>
+              <a:t>, </a:t>
+            </a:r>
+            <a:r>
+              <a:rPr lang="ko-KR" altLang="en-US"/>
+              <a:t>오류제어</a:t>
+            </a:r>
+            <a:r>
+              <a:rPr lang="en-US" altLang="ko-KR"/>
+              <a:t>, </a:t>
+            </a:r>
+            <a:r>
+              <a:rPr lang="ko-KR" altLang="en-US"/>
+              <a:t>혼잡제어</a:t>
+            </a:r>
+            <a:endParaRPr lang="en-US" altLang="ko-KR"/>
+          </a:p>
+          <a:p>
+            <a:pPr lvl="1"/>
+            <a:r>
+              <a:rPr lang="en-US" altLang="ko-KR"/>
+              <a:t>TCP</a:t>
+            </a:r>
+          </a:p>
+          <a:p>
+            <a:pPr lvl="2"/>
+            <a:r>
+              <a:rPr lang="ko-KR" altLang="en-US"/>
+              <a:t>연결지향</a:t>
+            </a:r>
+            <a:r>
+              <a:rPr lang="en-US" altLang="ko-KR"/>
+              <a:t>, </a:t>
+            </a:r>
+            <a:r>
+              <a:rPr lang="ko-KR" altLang="en-US"/>
+              <a:t>데이터 송수신에 필요한 부가 기능을 제공</a:t>
+            </a:r>
+            <a:endParaRPr lang="en-US" altLang="ko-KR"/>
+          </a:p>
+          <a:p>
+            <a:pPr lvl="2"/>
+            <a:r>
+              <a:rPr lang="en-US" altLang="ko-KR"/>
+              <a:t>SQL </a:t>
+            </a:r>
+            <a:r>
+              <a:rPr lang="ko-KR" altLang="en-US"/>
+              <a:t>실행</a:t>
+            </a:r>
+            <a:endParaRPr lang="en-US" altLang="ko-KR"/>
+          </a:p>
+          <a:p>
+            <a:pPr lvl="1"/>
+            <a:r>
+              <a:rPr lang="en-US" altLang="ko-KR"/>
+              <a:t>UDP	</a:t>
+            </a:r>
+          </a:p>
+          <a:p>
+            <a:pPr lvl="2"/>
+            <a:r>
+              <a:rPr lang="ko-KR" altLang="en-US"/>
+              <a:t>전송지향</a:t>
+            </a:r>
+            <a:r>
+              <a:rPr lang="en-US" altLang="ko-KR"/>
+              <a:t>, </a:t>
+            </a:r>
+            <a:r>
+              <a:rPr lang="ko-KR" altLang="en-US"/>
+              <a:t>어플리케이션에서 부가 기능을 구현해야 함</a:t>
+            </a:r>
+            <a:endParaRPr lang="en-US" altLang="ko-KR"/>
+          </a:p>
+          <a:p>
+            <a:pPr lvl="2"/>
+            <a:r>
+              <a:rPr lang="ko-KR" altLang="en-US"/>
+              <a:t>동영상 재생</a:t>
+            </a:r>
+            <a:endParaRPr lang="en-US" altLang="ko-KR"/>
+          </a:p>
+          <a:p>
+            <a:pPr lvl="1"/>
+            <a:r>
+              <a:rPr lang="en-US" altLang="ko-KR"/>
+              <a:t>HTTP </a:t>
+            </a:r>
+          </a:p>
+          <a:p>
+            <a:pPr lvl="2"/>
+            <a:r>
+              <a:rPr lang="en-US" altLang="ko-KR"/>
+              <a:t>TCP </a:t>
+            </a:r>
+            <a:r>
+              <a:rPr lang="ko-KR" altLang="en-US"/>
+              <a:t>의 연결지향 장점과 </a:t>
+            </a:r>
+            <a:r>
+              <a:rPr lang="en-US" altLang="ko-KR"/>
+              <a:t>UDP </a:t>
+            </a:r>
+            <a:r>
+              <a:rPr lang="ko-KR" altLang="en-US"/>
+              <a:t>의 전송지향 장점을 섞음</a:t>
+            </a:r>
+            <a:r>
+              <a:rPr lang="en-US" altLang="ko-KR"/>
+              <a:t>, </a:t>
+            </a:r>
+            <a:r>
+              <a:rPr lang="ko-KR" altLang="en-US"/>
+              <a:t>어플리케이션 계층</a:t>
+            </a:r>
+            <a:endParaRPr lang="en-US" altLang="ko-KR"/>
+          </a:p>
+          <a:p>
+            <a:pPr lvl="2"/>
+            <a:r>
+              <a:rPr lang="en-US" altLang="ko-KR"/>
+              <a:t>HTTP1.0  -&gt; HTTP1.1 -&gt; HTTP/2</a:t>
+            </a:r>
           </a:p>
         </p:txBody>
       </p:sp>
+      <p:sp>
+        <p:nvSpPr>
+          <p:cNvPr id="4" name="AutoShape 2">
+            <a:extLst>
+              <a:ext uri="{FF2B5EF4-FFF2-40B4-BE49-F238E27FC236}">
+                <a16:creationId xmlns:a16="http://schemas.microsoft.com/office/drawing/2014/main" id="{62FE6BF8-0B4A-461D-A72D-067417FB536C}"/>
+              </a:ext>
+            </a:extLst>
+          </p:cNvPr>
+          <p:cNvSpPr>
+            <a:spLocks noChangeAspect="1" noChangeArrowheads="1"/>
+          </p:cNvSpPr>
+          <p:nvPr/>
+        </p:nvSpPr>
+        <p:spPr bwMode="auto">
+          <a:xfrm>
+            <a:off x="5943600" y="3276600"/>
+            <a:ext cx="304800" cy="304800"/>
+          </a:xfrm>
+          <a:prstGeom prst="rect">
+            <a:avLst/>
+          </a:prstGeom>
+          <a:noFill/>
+          <a:extLst>
+            <a:ext uri="{909E8E84-426E-40DD-AFC4-6F175D3DCCD1}">
+              <a14:hiddenFill xmlns:a14="http://schemas.microsoft.com/office/drawing/2010/main">
+                <a:solidFill>
+                  <a:srgbClr val="FFFFFF"/>
+                </a:solidFill>
+              </a14:hiddenFill>
+            </a:ext>
+          </a:extLst>
+        </p:spPr>
+        <p:txBody>
+          <a:bodyPr vert="horz" wrap="square" lIns="91440" tIns="45720" rIns="91440" bIns="45720" numCol="1" anchor="t" anchorCtr="0" compatLnSpc="1">
+            <a:prstTxWarp prst="textNoShape">
+              <a:avLst/>
+            </a:prstTxWarp>
+          </a:bodyPr>
+          <a:lstStyle/>
+          <a:p>
+            <a:endParaRPr lang="ko-KR" altLang="en-US"/>
+          </a:p>
+        </p:txBody>
+      </p:sp>
+      <p:pic>
+        <p:nvPicPr>
+          <p:cNvPr id="6" name="그림 5">
+            <a:extLst>
+              <a:ext uri="{FF2B5EF4-FFF2-40B4-BE49-F238E27FC236}">
+                <a16:creationId xmlns:a16="http://schemas.microsoft.com/office/drawing/2014/main" id="{344E7E1F-3C4F-4F1D-8775-017C09E86F4B}"/>
+              </a:ext>
+            </a:extLst>
+          </p:cNvPr>
+          <p:cNvPicPr>
+            <a:picLocks noChangeAspect="1"/>
+          </p:cNvPicPr>
+          <p:nvPr/>
+        </p:nvPicPr>
+        <p:blipFill>
+          <a:blip r:embed="rId2"/>
+          <a:stretch>
+            <a:fillRect/>
+          </a:stretch>
+        </p:blipFill>
+        <p:spPr>
+          <a:xfrm>
+            <a:off x="7483384" y="2719256"/>
+            <a:ext cx="3978113" cy="1724287"/>
+          </a:xfrm>
+          <a:prstGeom prst="rect">
+            <a:avLst/>
+          </a:prstGeom>
+        </p:spPr>
+      </p:pic>
     </p:spTree>
     <p:extLst>
       <p:ext uri="{BB962C8B-B14F-4D97-AF65-F5344CB8AC3E}">
-        <p14:creationId xmlns:p14="http://schemas.microsoft.com/office/powerpoint/2010/main" val="2362296366"/>
+        <p14:creationId xmlns:p14="http://schemas.microsoft.com/office/powerpoint/2010/main" val="2756907947"/>
       </p:ext>
     </p:extLst>
   </p:cSld>
@@ -21798,7 +17726,13 @@
       </p:grpSpPr>
       <p:sp>
         <p:nvSpPr>
-          <p:cNvPr id="2" name="제목 1"/>
+          <p:cNvPr id="2" name="제목 1">
+            <a:extLst>
+              <a:ext uri="{FF2B5EF4-FFF2-40B4-BE49-F238E27FC236}">
+                <a16:creationId xmlns:a16="http://schemas.microsoft.com/office/drawing/2014/main" id="{EB00CFD6-B5AC-461F-B8D3-8F0BD6C55969}"/>
+              </a:ext>
+            </a:extLst>
+          </p:cNvPr>
           <p:cNvSpPr>
             <a:spLocks noGrp="1"/>
           </p:cNvSpPr>
@@ -21808,123 +17742,185 @@
         </p:nvSpPr>
         <p:spPr/>
         <p:txBody>
-          <a:bodyPr rtlCol="0"/>
+          <a:bodyPr/>
           <a:lstStyle/>
           <a:p>
-            <a:pPr rtl="0"/>
-            <a:r>
-              <a:rPr lang="ko-KR" altLang="en-US" dirty="0">
-                <a:latin typeface="맑은 고딕" panose="020B0503020000020004" pitchFamily="50" charset="-127"/>
-                <a:ea typeface="맑은 고딕" panose="020B0503020000020004" pitchFamily="50" charset="-127"/>
-              </a:rPr>
-              <a:t>슬라이드 제목 추가 </a:t>
-            </a:r>
-            <a:r>
-              <a:rPr lang="en-US" altLang="ko-KR" dirty="0">
-                <a:latin typeface="맑은 고딕" panose="020B0503020000020004" pitchFamily="50" charset="-127"/>
-                <a:ea typeface="맑은 고딕" panose="020B0503020000020004" pitchFamily="50" charset="-127"/>
-              </a:rPr>
-              <a:t>- 2</a:t>
+            <a:r>
+              <a:rPr lang="ko-KR" altLang="en-US"/>
+              <a:t>개발자가 알아 두면 좋은 네트워크 개념</a:t>
             </a:r>
           </a:p>
         </p:txBody>
       </p:sp>
       <p:sp>
         <p:nvSpPr>
-          <p:cNvPr id="3" name="텍스트 개체 틀 2"/>
+          <p:cNvPr id="3" name="내용 개체 틀 2">
+            <a:extLst>
+              <a:ext uri="{FF2B5EF4-FFF2-40B4-BE49-F238E27FC236}">
+                <a16:creationId xmlns:a16="http://schemas.microsoft.com/office/drawing/2014/main" id="{DA8C688D-11E6-4416-BA44-AC1E01AAF60C}"/>
+              </a:ext>
+            </a:extLst>
+          </p:cNvPr>
           <p:cNvSpPr>
             <a:spLocks noGrp="1"/>
           </p:cNvSpPr>
           <p:nvPr>
-            <p:ph type="body" idx="1"/>
+            <p:ph idx="1"/>
           </p:nvPr>
         </p:nvSpPr>
         <p:spPr/>
         <p:txBody>
-          <a:bodyPr rtlCol="0"/>
+          <a:bodyPr>
+            <a:normAutofit lnSpcReduction="10000"/>
+          </a:bodyPr>
           <a:lstStyle/>
           <a:p>
-            <a:pPr rtl="0"/>
-            <a:endParaRPr lang="ko-KR" altLang="en-US" dirty="0">
-              <a:latin typeface="맑은 고딕" panose="020B0503020000020004" pitchFamily="50" charset="-127"/>
-              <a:ea typeface="맑은 고딕" panose="020B0503020000020004" pitchFamily="50" charset="-127"/>
-            </a:endParaRPr>
-          </a:p>
-        </p:txBody>
-      </p:sp>
-      <p:sp>
-        <p:nvSpPr>
-          <p:cNvPr id="4" name="내용 개체 틀 3"/>
-          <p:cNvSpPr>
-            <a:spLocks noGrp="1"/>
-          </p:cNvSpPr>
-          <p:nvPr>
-            <p:ph sz="half" idx="2"/>
-          </p:nvPr>
-        </p:nvSpPr>
-        <p:spPr/>
-        <p:txBody>
-          <a:bodyPr rtlCol="0"/>
-          <a:lstStyle/>
-          <a:p>
-            <a:pPr rtl="0"/>
-            <a:endParaRPr lang="ko-KR" altLang="en-US" dirty="0">
-              <a:latin typeface="맑은 고딕" panose="020B0503020000020004" pitchFamily="50" charset="-127"/>
-              <a:ea typeface="맑은 고딕" panose="020B0503020000020004" pitchFamily="50" charset="-127"/>
-            </a:endParaRPr>
-          </a:p>
-        </p:txBody>
-      </p:sp>
-      <p:sp>
-        <p:nvSpPr>
-          <p:cNvPr id="5" name="텍스트 개체 틀 4"/>
-          <p:cNvSpPr>
-            <a:spLocks noGrp="1"/>
-          </p:cNvSpPr>
-          <p:nvPr>
-            <p:ph type="body" sz="quarter" idx="3"/>
-          </p:nvPr>
-        </p:nvSpPr>
-        <p:spPr/>
-        <p:txBody>
-          <a:bodyPr rtlCol="0"/>
-          <a:lstStyle/>
-          <a:p>
-            <a:pPr rtl="0"/>
-            <a:endParaRPr lang="ko-KR" altLang="en-US" dirty="0">
-              <a:latin typeface="맑은 고딕" panose="020B0503020000020004" pitchFamily="50" charset="-127"/>
-              <a:ea typeface="맑은 고딕" panose="020B0503020000020004" pitchFamily="50" charset="-127"/>
-            </a:endParaRPr>
-          </a:p>
-        </p:txBody>
-      </p:sp>
-      <p:sp>
-        <p:nvSpPr>
-          <p:cNvPr id="6" name="내용 개체 틀 5"/>
-          <p:cNvSpPr>
-            <a:spLocks noGrp="1"/>
-          </p:cNvSpPr>
-          <p:nvPr>
-            <p:ph sz="quarter" idx="4"/>
-          </p:nvPr>
-        </p:nvSpPr>
-        <p:spPr/>
-        <p:txBody>
-          <a:bodyPr rtlCol="0"/>
-          <a:lstStyle/>
-          <a:p>
-            <a:pPr rtl="0"/>
-            <a:endParaRPr lang="ko-KR" altLang="en-US" dirty="0">
-              <a:latin typeface="맑은 고딕" panose="020B0503020000020004" pitchFamily="50" charset="-127"/>
-              <a:ea typeface="맑은 고딕" panose="020B0503020000020004" pitchFamily="50" charset="-127"/>
-            </a:endParaRPr>
+            <a:r>
+              <a:rPr lang="ko-KR" altLang="en-US"/>
+              <a:t>이제 아래 질문에 답을 할 수 있습니다</a:t>
+            </a:r>
+            <a:r>
+              <a:rPr lang="en-US" altLang="ko-KR"/>
+              <a:t>.</a:t>
+            </a:r>
+          </a:p>
+          <a:p>
+            <a:pPr lvl="1"/>
+            <a:r>
+              <a:rPr lang="ko-KR" altLang="en-US"/>
+              <a:t>사설아이피를 사용하는 서버에 접속할 수 있는 방법</a:t>
+            </a:r>
+            <a:endParaRPr lang="en-US" altLang="ko-KR"/>
+          </a:p>
+          <a:p>
+            <a:pPr lvl="2"/>
+            <a:r>
+              <a:rPr lang="ko-KR" altLang="en-US"/>
+              <a:t>공인아이피를 할당받아 </a:t>
+            </a:r>
+            <a:r>
+              <a:rPr lang="en-US" altLang="ko-KR"/>
+              <a:t>DMZ </a:t>
+            </a:r>
+            <a:r>
+              <a:rPr lang="ko-KR" altLang="en-US"/>
+              <a:t>영역에 서버를 구성</a:t>
+            </a:r>
+            <a:r>
+              <a:rPr lang="en-US" altLang="ko-KR"/>
+              <a:t>, </a:t>
+            </a:r>
+            <a:r>
+              <a:rPr lang="ko-KR" altLang="en-US"/>
+              <a:t>접속</a:t>
+            </a:r>
+            <a:endParaRPr lang="en-US" altLang="ko-KR"/>
+          </a:p>
+          <a:p>
+            <a:pPr lvl="1"/>
+            <a:r>
+              <a:rPr lang="ko-KR" altLang="en-US"/>
+              <a:t>웹 브라우저의 </a:t>
+            </a:r>
+            <a:r>
+              <a:rPr lang="en-US" altLang="ko-KR"/>
+              <a:t>MAC </a:t>
+            </a:r>
+            <a:r>
+              <a:rPr lang="ko-KR" altLang="en-US"/>
+              <a:t>주소를 알 수 있는 방법</a:t>
+            </a:r>
+            <a:endParaRPr lang="en-US" altLang="ko-KR"/>
+          </a:p>
+          <a:p>
+            <a:pPr lvl="2"/>
+            <a:r>
+              <a:rPr lang="ko-KR" altLang="en-US"/>
+              <a:t>사용자의 </a:t>
+            </a:r>
+            <a:r>
+              <a:rPr lang="en-US" altLang="ko-KR"/>
+              <a:t>MAC </a:t>
+            </a:r>
+            <a:r>
+              <a:rPr lang="ko-KR" altLang="en-US"/>
+              <a:t>주소를 알 방법은 없음</a:t>
+            </a:r>
+            <a:endParaRPr lang="en-US" altLang="ko-KR"/>
+          </a:p>
+          <a:p>
+            <a:pPr lvl="2"/>
+            <a:r>
+              <a:rPr lang="ko-KR" altLang="en-US"/>
+              <a:t>별도의 프로그램으로 수집할 수 있지만 개인정보수집 이슈 발생</a:t>
+            </a:r>
+            <a:endParaRPr lang="en-US" altLang="ko-KR"/>
+          </a:p>
+          <a:p>
+            <a:pPr lvl="1"/>
+            <a:r>
+              <a:rPr lang="ko-KR" altLang="en-US"/>
+              <a:t>아이피를 사용자 인증값으로 사용할 수 있는 방법</a:t>
+            </a:r>
+            <a:endParaRPr lang="en-US" altLang="ko-KR"/>
+          </a:p>
+          <a:p>
+            <a:pPr lvl="2"/>
+            <a:r>
+              <a:rPr lang="ko-KR" altLang="en-US"/>
+              <a:t>논리적 아이피는 환경에 따라 변경 가능</a:t>
+            </a:r>
+            <a:r>
+              <a:rPr lang="en-US" altLang="ko-KR"/>
+              <a:t>, </a:t>
+            </a:r>
+            <a:r>
+              <a:rPr lang="ko-KR" altLang="en-US"/>
+              <a:t>따라서 인증값으로 사용이 불가능</a:t>
+            </a:r>
+            <a:endParaRPr lang="en-US" altLang="ko-KR"/>
+          </a:p>
+          <a:p>
+            <a:pPr lvl="1"/>
+            <a:r>
+              <a:rPr lang="en-US" altLang="ko-KR"/>
+              <a:t>80 </a:t>
+            </a:r>
+            <a:r>
+              <a:rPr lang="ko-KR" altLang="en-US"/>
+              <a:t>포트를 사용하는 톰캣을 여러개 실행할 수 있는 방법</a:t>
+            </a:r>
+            <a:endParaRPr lang="en-US" altLang="ko-KR"/>
+          </a:p>
+          <a:p>
+            <a:pPr lvl="2"/>
+            <a:r>
+              <a:rPr lang="ko-KR" altLang="en-US"/>
+              <a:t>포트는 운영체에에서 실행되는 프로세스를 식별할 수 있는 키</a:t>
+            </a:r>
+            <a:r>
+              <a:rPr lang="en-US" altLang="ko-KR"/>
+              <a:t>, </a:t>
+            </a:r>
+            <a:r>
+              <a:rPr lang="ko-KR" altLang="en-US"/>
+              <a:t>여러개 실행은 불가능</a:t>
+            </a:r>
+            <a:endParaRPr lang="en-US" altLang="ko-KR"/>
+          </a:p>
+          <a:p>
+            <a:pPr lvl="2"/>
+            <a:r>
+              <a:rPr lang="ko-KR" altLang="en-US"/>
+              <a:t>하나의 컴퓨터에 여거래 가상화 환경을 준비하고 실행</a:t>
+            </a:r>
           </a:p>
         </p:txBody>
       </p:sp>
     </p:spTree>
     <p:extLst>
       <p:ext uri="{BB962C8B-B14F-4D97-AF65-F5344CB8AC3E}">
-        <p14:creationId xmlns:p14="http://schemas.microsoft.com/office/powerpoint/2010/main" val="3229171051"/>
+        <p14:creationId xmlns:p14="http://schemas.microsoft.com/office/powerpoint/2010/main" val="3074071336"/>
       </p:ext>
     </p:extLst>
   </p:cSld>
@@ -21965,7 +17961,13 @@
       </p:grpSpPr>
       <p:sp>
         <p:nvSpPr>
-          <p:cNvPr id="2" name="제목 1"/>
+          <p:cNvPr id="2" name="제목 1">
+            <a:extLst>
+              <a:ext uri="{FF2B5EF4-FFF2-40B4-BE49-F238E27FC236}">
+                <a16:creationId xmlns:a16="http://schemas.microsoft.com/office/drawing/2014/main" id="{28D78D5F-E582-4987-91DF-9C7C5BEBD4EB}"/>
+              </a:ext>
+            </a:extLst>
+          </p:cNvPr>
           <p:cNvSpPr>
             <a:spLocks noGrp="1"/>
           </p:cNvSpPr>
@@ -21975,73 +17977,654 @@
         </p:nvSpPr>
         <p:spPr/>
         <p:txBody>
-          <a:bodyPr rtlCol="0"/>
+          <a:bodyPr/>
           <a:lstStyle/>
           <a:p>
-            <a:pPr rtl="0"/>
-            <a:r>
-              <a:rPr lang="ko-KR" altLang="en-US" dirty="0">
-                <a:latin typeface="맑은 고딕" panose="020B0503020000020004" pitchFamily="50" charset="-127"/>
-                <a:ea typeface="맑은 고딕" panose="020B0503020000020004" pitchFamily="50" charset="-127"/>
-              </a:rPr>
-              <a:t>슬라이드 제목 추가 </a:t>
-            </a:r>
-            <a:r>
-              <a:rPr lang="en-US" altLang="ko-KR" dirty="0">
-                <a:latin typeface="맑은 고딕" panose="020B0503020000020004" pitchFamily="50" charset="-127"/>
-                <a:ea typeface="맑은 고딕" panose="020B0503020000020004" pitchFamily="50" charset="-127"/>
-              </a:rPr>
-              <a:t>- 3</a:t>
+            <a:r>
+              <a:rPr lang="ko-KR" altLang="en-US" dirty="0"/>
+              <a:t>개발자가 알아 두면 좋은 네트워크 개념</a:t>
             </a:r>
           </a:p>
         </p:txBody>
       </p:sp>
+      <p:sp>
+        <p:nvSpPr>
+          <p:cNvPr id="3" name="내용 개체 틀 2">
+            <a:extLst>
+              <a:ext uri="{FF2B5EF4-FFF2-40B4-BE49-F238E27FC236}">
+                <a16:creationId xmlns:a16="http://schemas.microsoft.com/office/drawing/2014/main" id="{DFA47AE3-6532-4E43-9E16-6D279FF62F6D}"/>
+              </a:ext>
+            </a:extLst>
+          </p:cNvPr>
+          <p:cNvSpPr>
+            <a:spLocks noGrp="1"/>
+          </p:cNvSpPr>
+          <p:nvPr>
+            <p:ph idx="1"/>
+          </p:nvPr>
+        </p:nvSpPr>
+        <p:spPr/>
+        <p:txBody>
+          <a:bodyPr/>
+          <a:lstStyle/>
+          <a:p>
+            <a:r>
+              <a:rPr lang="ko-KR" altLang="en-US"/>
+              <a:t>일반적 네트워크 구성</a:t>
+            </a:r>
+            <a:endParaRPr lang="en-US" altLang="ko-KR"/>
+          </a:p>
+          <a:p>
+            <a:pPr lvl="1"/>
+            <a:endParaRPr lang="ko-KR" altLang="en-US" dirty="0"/>
+          </a:p>
+        </p:txBody>
+      </p:sp>
+      <p:sp>
+        <p:nvSpPr>
+          <p:cNvPr id="24" name="직사각형 23">
+            <a:extLst>
+              <a:ext uri="{FF2B5EF4-FFF2-40B4-BE49-F238E27FC236}">
+                <a16:creationId xmlns:a16="http://schemas.microsoft.com/office/drawing/2014/main" id="{7307316F-A5AE-4A8C-9E78-8077978BDDD7}"/>
+              </a:ext>
+            </a:extLst>
+          </p:cNvPr>
+          <p:cNvSpPr/>
+          <p:nvPr/>
+        </p:nvSpPr>
+        <p:spPr>
+          <a:xfrm>
+            <a:off x="2023839" y="3928488"/>
+            <a:ext cx="1139352" cy="497374"/>
+          </a:xfrm>
+          <a:prstGeom prst="rect">
+            <a:avLst/>
+          </a:prstGeom>
+        </p:spPr>
+        <p:style>
+          <a:lnRef idx="1">
+            <a:schemeClr val="accent3"/>
+          </a:lnRef>
+          <a:fillRef idx="2">
+            <a:schemeClr val="accent3"/>
+          </a:fillRef>
+          <a:effectRef idx="1">
+            <a:schemeClr val="accent3"/>
+          </a:effectRef>
+          <a:fontRef idx="minor">
+            <a:schemeClr val="dk1"/>
+          </a:fontRef>
+        </p:style>
+        <p:txBody>
+          <a:bodyPr rtlCol="0" anchor="ctr"/>
+          <a:lstStyle/>
+          <a:p>
+            <a:pPr algn="ctr"/>
+            <a:r>
+              <a:rPr lang="ko-KR" altLang="en-US" dirty="0"/>
+              <a:t>브라우저</a:t>
+            </a:r>
+            <a:endParaRPr lang="en-US" altLang="ko-KR" dirty="0"/>
+          </a:p>
+        </p:txBody>
+      </p:sp>
+      <p:sp>
+        <p:nvSpPr>
+          <p:cNvPr id="25" name="직사각형 24">
+            <a:extLst>
+              <a:ext uri="{FF2B5EF4-FFF2-40B4-BE49-F238E27FC236}">
+                <a16:creationId xmlns:a16="http://schemas.microsoft.com/office/drawing/2014/main" id="{B2036BCA-013E-4FBF-9E3D-9A23573DCB65}"/>
+              </a:ext>
+            </a:extLst>
+          </p:cNvPr>
+          <p:cNvSpPr/>
+          <p:nvPr/>
+        </p:nvSpPr>
+        <p:spPr>
+          <a:xfrm>
+            <a:off x="4606037" y="3928488"/>
+            <a:ext cx="1026234" cy="497374"/>
+          </a:xfrm>
+          <a:prstGeom prst="rect">
+            <a:avLst/>
+          </a:prstGeom>
+        </p:spPr>
+        <p:style>
+          <a:lnRef idx="1">
+            <a:schemeClr val="accent3"/>
+          </a:lnRef>
+          <a:fillRef idx="2">
+            <a:schemeClr val="accent3"/>
+          </a:fillRef>
+          <a:effectRef idx="1">
+            <a:schemeClr val="accent3"/>
+          </a:effectRef>
+          <a:fontRef idx="minor">
+            <a:schemeClr val="dk1"/>
+          </a:fontRef>
+        </p:style>
+        <p:txBody>
+          <a:bodyPr rtlCol="0" anchor="ctr"/>
+          <a:lstStyle/>
+          <a:p>
+            <a:pPr algn="ctr"/>
+            <a:r>
+              <a:rPr lang="en-US" altLang="ko-KR" dirty="0"/>
+              <a:t>WEB</a:t>
+            </a:r>
+            <a:endParaRPr lang="ko-KR" altLang="en-US" dirty="0"/>
+          </a:p>
+        </p:txBody>
+      </p:sp>
+      <p:cxnSp>
+        <p:nvCxnSpPr>
+          <p:cNvPr id="26" name="직선 연결선 25">
+            <a:extLst>
+              <a:ext uri="{FF2B5EF4-FFF2-40B4-BE49-F238E27FC236}">
+                <a16:creationId xmlns:a16="http://schemas.microsoft.com/office/drawing/2014/main" id="{9A332B51-3407-4991-A568-3F347D0F35FD}"/>
+              </a:ext>
+            </a:extLst>
+          </p:cNvPr>
+          <p:cNvCxnSpPr>
+            <a:cxnSpLocks/>
+            <a:stCxn id="24" idx="3"/>
+            <a:endCxn id="25" idx="1"/>
+          </p:cNvCxnSpPr>
+          <p:nvPr/>
+        </p:nvCxnSpPr>
+        <p:spPr>
+          <a:xfrm>
+            <a:off x="3163191" y="4177175"/>
+            <a:ext cx="1442846" cy="0"/>
+          </a:xfrm>
+          <a:prstGeom prst="line">
+            <a:avLst/>
+          </a:prstGeom>
+        </p:spPr>
+        <p:style>
+          <a:lnRef idx="3">
+            <a:schemeClr val="dk1"/>
+          </a:lnRef>
+          <a:fillRef idx="0">
+            <a:schemeClr val="dk1"/>
+          </a:fillRef>
+          <a:effectRef idx="2">
+            <a:schemeClr val="dk1"/>
+          </a:effectRef>
+          <a:fontRef idx="minor">
+            <a:schemeClr val="tx1"/>
+          </a:fontRef>
+        </p:style>
+      </p:cxnSp>
+      <p:sp>
+        <p:nvSpPr>
+          <p:cNvPr id="27" name="TextBox 26">
+            <a:extLst>
+              <a:ext uri="{FF2B5EF4-FFF2-40B4-BE49-F238E27FC236}">
+                <a16:creationId xmlns:a16="http://schemas.microsoft.com/office/drawing/2014/main" id="{8FFBCECA-0F00-446A-953F-430CC5998390}"/>
+              </a:ext>
+            </a:extLst>
+          </p:cNvPr>
+          <p:cNvSpPr txBox="1"/>
+          <p:nvPr/>
+        </p:nvSpPr>
+        <p:spPr>
+          <a:xfrm>
+            <a:off x="3476733" y="3807843"/>
+            <a:ext cx="877163" cy="369332"/>
+          </a:xfrm>
+          <a:prstGeom prst="rect">
+            <a:avLst/>
+          </a:prstGeom>
+          <a:noFill/>
+        </p:spPr>
+        <p:txBody>
+          <a:bodyPr wrap="square" rtlCol="0">
+            <a:spAutoFit/>
+          </a:bodyPr>
+          <a:lstStyle/>
+          <a:p>
+            <a:r>
+              <a:rPr lang="ko-KR" altLang="en-US" dirty="0"/>
+              <a:t>인터넷</a:t>
+            </a:r>
+          </a:p>
+        </p:txBody>
+      </p:sp>
+      <p:sp>
+        <p:nvSpPr>
+          <p:cNvPr id="28" name="TextBox 27">
+            <a:extLst>
+              <a:ext uri="{FF2B5EF4-FFF2-40B4-BE49-F238E27FC236}">
+                <a16:creationId xmlns:a16="http://schemas.microsoft.com/office/drawing/2014/main" id="{83375635-060F-464B-AA1B-DC0C9F3CD995}"/>
+              </a:ext>
+            </a:extLst>
+          </p:cNvPr>
+          <p:cNvSpPr txBox="1"/>
+          <p:nvPr/>
+        </p:nvSpPr>
+        <p:spPr>
+          <a:xfrm>
+            <a:off x="4606037" y="4576159"/>
+            <a:ext cx="1941557" cy="369332"/>
+          </a:xfrm>
+          <a:prstGeom prst="rect">
+            <a:avLst/>
+          </a:prstGeom>
+          <a:noFill/>
+        </p:spPr>
+        <p:txBody>
+          <a:bodyPr wrap="square" rtlCol="0">
+            <a:spAutoFit/>
+          </a:bodyPr>
+          <a:lstStyle/>
+          <a:p>
+            <a:r>
+              <a:rPr lang="en-US" altLang="ko-KR" dirty="0"/>
+              <a:t>443 : WEB(https)</a:t>
+            </a:r>
+            <a:endParaRPr lang="ko-KR" altLang="en-US" dirty="0"/>
+          </a:p>
+        </p:txBody>
+      </p:sp>
+      <p:sp>
+        <p:nvSpPr>
+          <p:cNvPr id="9" name="직사각형 8">
+            <a:extLst>
+              <a:ext uri="{FF2B5EF4-FFF2-40B4-BE49-F238E27FC236}">
+                <a16:creationId xmlns:a16="http://schemas.microsoft.com/office/drawing/2014/main" id="{21125A84-E343-49FF-B2AD-889CCB0AF864}"/>
+              </a:ext>
+            </a:extLst>
+          </p:cNvPr>
+          <p:cNvSpPr/>
+          <p:nvPr/>
+        </p:nvSpPr>
+        <p:spPr>
+          <a:xfrm>
+            <a:off x="7075117" y="3928488"/>
+            <a:ext cx="1026234" cy="497374"/>
+          </a:xfrm>
+          <a:prstGeom prst="rect">
+            <a:avLst/>
+          </a:prstGeom>
+        </p:spPr>
+        <p:style>
+          <a:lnRef idx="1">
+            <a:schemeClr val="accent3"/>
+          </a:lnRef>
+          <a:fillRef idx="2">
+            <a:schemeClr val="accent3"/>
+          </a:fillRef>
+          <a:effectRef idx="1">
+            <a:schemeClr val="accent3"/>
+          </a:effectRef>
+          <a:fontRef idx="minor">
+            <a:schemeClr val="dk1"/>
+          </a:fontRef>
+        </p:style>
+        <p:txBody>
+          <a:bodyPr rtlCol="0" anchor="ctr"/>
+          <a:lstStyle/>
+          <a:p>
+            <a:pPr algn="ctr"/>
+            <a:r>
+              <a:rPr lang="en-US" altLang="ko-KR" dirty="0"/>
+              <a:t>WAS</a:t>
+            </a:r>
+            <a:endParaRPr lang="ko-KR" altLang="en-US" dirty="0"/>
+          </a:p>
+        </p:txBody>
+      </p:sp>
+      <p:cxnSp>
+        <p:nvCxnSpPr>
+          <p:cNvPr id="12" name="직선 연결선 11">
+            <a:extLst>
+              <a:ext uri="{FF2B5EF4-FFF2-40B4-BE49-F238E27FC236}">
+                <a16:creationId xmlns:a16="http://schemas.microsoft.com/office/drawing/2014/main" id="{05F482C8-5245-4735-9B8A-3549052121DB}"/>
+              </a:ext>
+            </a:extLst>
+          </p:cNvPr>
+          <p:cNvCxnSpPr>
+            <a:cxnSpLocks/>
+          </p:cNvCxnSpPr>
+          <p:nvPr/>
+        </p:nvCxnSpPr>
+        <p:spPr>
+          <a:xfrm>
+            <a:off x="5632271" y="4177175"/>
+            <a:ext cx="1442846" cy="0"/>
+          </a:xfrm>
+          <a:prstGeom prst="line">
+            <a:avLst/>
+          </a:prstGeom>
+        </p:spPr>
+        <p:style>
+          <a:lnRef idx="3">
+            <a:schemeClr val="dk1"/>
+          </a:lnRef>
+          <a:fillRef idx="0">
+            <a:schemeClr val="dk1"/>
+          </a:fillRef>
+          <a:effectRef idx="2">
+            <a:schemeClr val="dk1"/>
+          </a:effectRef>
+          <a:fontRef idx="minor">
+            <a:schemeClr val="tx1"/>
+          </a:fontRef>
+        </p:style>
+      </p:cxnSp>
+      <p:sp>
+        <p:nvSpPr>
+          <p:cNvPr id="13" name="TextBox 12">
+            <a:extLst>
+              <a:ext uri="{FF2B5EF4-FFF2-40B4-BE49-F238E27FC236}">
+                <a16:creationId xmlns:a16="http://schemas.microsoft.com/office/drawing/2014/main" id="{17305224-18C1-40B4-BDDA-FA0DC5EDFDE4}"/>
+              </a:ext>
+            </a:extLst>
+          </p:cNvPr>
+          <p:cNvSpPr txBox="1"/>
+          <p:nvPr/>
+        </p:nvSpPr>
+        <p:spPr>
+          <a:xfrm>
+            <a:off x="7350333" y="4576159"/>
+            <a:ext cx="2433102" cy="369332"/>
+          </a:xfrm>
+          <a:prstGeom prst="rect">
+            <a:avLst/>
+          </a:prstGeom>
+          <a:noFill/>
+        </p:spPr>
+        <p:txBody>
+          <a:bodyPr wrap="square" rtlCol="0">
+            <a:spAutoFit/>
+          </a:bodyPr>
+          <a:lstStyle/>
+          <a:p>
+            <a:r>
+              <a:rPr lang="en-US" altLang="ko-KR" dirty="0"/>
+              <a:t>18080 : WAS(TCP/IP)</a:t>
+            </a:r>
+            <a:endParaRPr lang="ko-KR" altLang="en-US" dirty="0"/>
+          </a:p>
+        </p:txBody>
+      </p:sp>
+      <p:sp>
+        <p:nvSpPr>
+          <p:cNvPr id="14" name="직사각형 13">
+            <a:extLst>
+              <a:ext uri="{FF2B5EF4-FFF2-40B4-BE49-F238E27FC236}">
+                <a16:creationId xmlns:a16="http://schemas.microsoft.com/office/drawing/2014/main" id="{332C5718-DD11-4DA7-A957-AE5C2C9D6CED}"/>
+              </a:ext>
+            </a:extLst>
+          </p:cNvPr>
+          <p:cNvSpPr/>
+          <p:nvPr/>
+        </p:nvSpPr>
+        <p:spPr>
+          <a:xfrm>
+            <a:off x="4097550" y="5135313"/>
+            <a:ext cx="1941557" cy="462133"/>
+          </a:xfrm>
+          <a:prstGeom prst="rect">
+            <a:avLst/>
+          </a:prstGeom>
+        </p:spPr>
+        <p:style>
+          <a:lnRef idx="0">
+            <a:schemeClr val="accent1"/>
+          </a:lnRef>
+          <a:fillRef idx="3">
+            <a:schemeClr val="accent1"/>
+          </a:fillRef>
+          <a:effectRef idx="3">
+            <a:schemeClr val="accent1"/>
+          </a:effectRef>
+          <a:fontRef idx="minor">
+            <a:schemeClr val="lt1"/>
+          </a:fontRef>
+        </p:style>
+        <p:txBody>
+          <a:bodyPr rtlCol="0" anchor="ctr"/>
+          <a:lstStyle/>
+          <a:p>
+            <a:pPr algn="ctr"/>
+            <a:r>
+              <a:rPr lang="en-US" altLang="ko-KR" dirty="0"/>
+              <a:t>DMZ</a:t>
+            </a:r>
+            <a:endParaRPr lang="ko-KR" altLang="en-US" dirty="0"/>
+          </a:p>
+        </p:txBody>
+      </p:sp>
+      <p:sp>
+        <p:nvSpPr>
+          <p:cNvPr id="15" name="직사각형 14">
+            <a:extLst>
+              <a:ext uri="{FF2B5EF4-FFF2-40B4-BE49-F238E27FC236}">
+                <a16:creationId xmlns:a16="http://schemas.microsoft.com/office/drawing/2014/main" id="{8CD0E332-7534-4087-87BB-C764DAFB1265}"/>
+              </a:ext>
+            </a:extLst>
+          </p:cNvPr>
+          <p:cNvSpPr/>
+          <p:nvPr/>
+        </p:nvSpPr>
+        <p:spPr>
+          <a:xfrm>
+            <a:off x="6617455" y="5116081"/>
+            <a:ext cx="1941557" cy="462133"/>
+          </a:xfrm>
+          <a:prstGeom prst="rect">
+            <a:avLst/>
+          </a:prstGeom>
+        </p:spPr>
+        <p:style>
+          <a:lnRef idx="0">
+            <a:schemeClr val="accent1"/>
+          </a:lnRef>
+          <a:fillRef idx="3">
+            <a:schemeClr val="accent1"/>
+          </a:fillRef>
+          <a:effectRef idx="3">
+            <a:schemeClr val="accent1"/>
+          </a:effectRef>
+          <a:fontRef idx="minor">
+            <a:schemeClr val="lt1"/>
+          </a:fontRef>
+        </p:style>
+        <p:txBody>
+          <a:bodyPr rtlCol="0" anchor="ctr"/>
+          <a:lstStyle/>
+          <a:p>
+            <a:pPr algn="ctr"/>
+            <a:r>
+              <a:rPr lang="ko-KR" altLang="en-US" dirty="0" err="1"/>
+              <a:t>내부망</a:t>
+            </a:r>
+            <a:endParaRPr lang="ko-KR" altLang="en-US" dirty="0"/>
+          </a:p>
+        </p:txBody>
+      </p:sp>
+      <p:sp>
+        <p:nvSpPr>
+          <p:cNvPr id="16" name="직사각형 15">
+            <a:extLst>
+              <a:ext uri="{FF2B5EF4-FFF2-40B4-BE49-F238E27FC236}">
+                <a16:creationId xmlns:a16="http://schemas.microsoft.com/office/drawing/2014/main" id="{17DA843E-4A3C-4691-88EB-76052E00FEA7}"/>
+              </a:ext>
+            </a:extLst>
+          </p:cNvPr>
+          <p:cNvSpPr/>
+          <p:nvPr/>
+        </p:nvSpPr>
+        <p:spPr>
+          <a:xfrm>
+            <a:off x="7777900" y="2955902"/>
+            <a:ext cx="1026234" cy="497374"/>
+          </a:xfrm>
+          <a:prstGeom prst="rect">
+            <a:avLst/>
+          </a:prstGeom>
+        </p:spPr>
+        <p:style>
+          <a:lnRef idx="1">
+            <a:schemeClr val="accent3"/>
+          </a:lnRef>
+          <a:fillRef idx="2">
+            <a:schemeClr val="accent3"/>
+          </a:fillRef>
+          <a:effectRef idx="1">
+            <a:schemeClr val="accent3"/>
+          </a:effectRef>
+          <a:fontRef idx="minor">
+            <a:schemeClr val="dk1"/>
+          </a:fontRef>
+        </p:style>
+        <p:txBody>
+          <a:bodyPr rtlCol="0" anchor="ctr"/>
+          <a:lstStyle/>
+          <a:p>
+            <a:pPr algn="ctr"/>
+            <a:r>
+              <a:rPr lang="en-US" altLang="ko-KR" dirty="0"/>
+              <a:t>DBMS</a:t>
+            </a:r>
+            <a:endParaRPr lang="ko-KR" altLang="en-US" dirty="0"/>
+          </a:p>
+        </p:txBody>
+      </p:sp>
+      <p:sp>
+        <p:nvSpPr>
+          <p:cNvPr id="17" name="직사각형 16">
+            <a:extLst>
+              <a:ext uri="{FF2B5EF4-FFF2-40B4-BE49-F238E27FC236}">
+                <a16:creationId xmlns:a16="http://schemas.microsoft.com/office/drawing/2014/main" id="{AC0B66A1-4600-4A82-A369-47B697A4A890}"/>
+              </a:ext>
+            </a:extLst>
+          </p:cNvPr>
+          <p:cNvSpPr/>
+          <p:nvPr/>
+        </p:nvSpPr>
+        <p:spPr>
+          <a:xfrm>
+            <a:off x="6618531" y="2955902"/>
+            <a:ext cx="1026234" cy="497374"/>
+          </a:xfrm>
+          <a:prstGeom prst="rect">
+            <a:avLst/>
+          </a:prstGeom>
+        </p:spPr>
+        <p:style>
+          <a:lnRef idx="1">
+            <a:schemeClr val="accent3"/>
+          </a:lnRef>
+          <a:fillRef idx="2">
+            <a:schemeClr val="accent3"/>
+          </a:fillRef>
+          <a:effectRef idx="1">
+            <a:schemeClr val="accent3"/>
+          </a:effectRef>
+          <a:fontRef idx="minor">
+            <a:schemeClr val="dk1"/>
+          </a:fontRef>
+        </p:style>
+        <p:txBody>
+          <a:bodyPr rtlCol="0" anchor="ctr"/>
+          <a:lstStyle/>
+          <a:p>
+            <a:pPr algn="ctr"/>
+            <a:r>
+              <a:rPr lang="en-US" altLang="ko-KR" sz="1600" dirty="0"/>
+              <a:t>API G/W</a:t>
+            </a:r>
+            <a:endParaRPr lang="ko-KR" altLang="en-US" sz="1600" dirty="0"/>
+          </a:p>
+        </p:txBody>
+      </p:sp>
+      <p:cxnSp>
+        <p:nvCxnSpPr>
+          <p:cNvPr id="21" name="직선 연결선 20">
+            <a:extLst>
+              <a:ext uri="{FF2B5EF4-FFF2-40B4-BE49-F238E27FC236}">
+                <a16:creationId xmlns:a16="http://schemas.microsoft.com/office/drawing/2014/main" id="{2E394BD2-3A4D-4642-B805-A5268A92F4A9}"/>
+              </a:ext>
+            </a:extLst>
+          </p:cNvPr>
+          <p:cNvCxnSpPr>
+            <a:cxnSpLocks/>
+            <a:stCxn id="9" idx="0"/>
+            <a:endCxn id="16" idx="2"/>
+          </p:cNvCxnSpPr>
+          <p:nvPr/>
+        </p:nvCxnSpPr>
+        <p:spPr>
+          <a:xfrm flipV="1">
+            <a:off x="7588234" y="3453276"/>
+            <a:ext cx="702783" cy="475212"/>
+          </a:xfrm>
+          <a:prstGeom prst="line">
+            <a:avLst/>
+          </a:prstGeom>
+        </p:spPr>
+        <p:style>
+          <a:lnRef idx="3">
+            <a:schemeClr val="dk1"/>
+          </a:lnRef>
+          <a:fillRef idx="0">
+            <a:schemeClr val="dk1"/>
+          </a:fillRef>
+          <a:effectRef idx="2">
+            <a:schemeClr val="dk1"/>
+          </a:effectRef>
+          <a:fontRef idx="minor">
+            <a:schemeClr val="tx1"/>
+          </a:fontRef>
+        </p:style>
+      </p:cxnSp>
+      <p:cxnSp>
+        <p:nvCxnSpPr>
+          <p:cNvPr id="23" name="직선 연결선 22">
+            <a:extLst>
+              <a:ext uri="{FF2B5EF4-FFF2-40B4-BE49-F238E27FC236}">
+                <a16:creationId xmlns:a16="http://schemas.microsoft.com/office/drawing/2014/main" id="{1376E256-90E3-47CF-A1DC-AB66855065AB}"/>
+              </a:ext>
+            </a:extLst>
+          </p:cNvPr>
+          <p:cNvCxnSpPr>
+            <a:cxnSpLocks/>
+            <a:stCxn id="9" idx="0"/>
+            <a:endCxn id="17" idx="2"/>
+          </p:cNvCxnSpPr>
+          <p:nvPr/>
+        </p:nvCxnSpPr>
+        <p:spPr>
+          <a:xfrm flipH="1" flipV="1">
+            <a:off x="7131648" y="3453276"/>
+            <a:ext cx="456586" cy="475212"/>
+          </a:xfrm>
+          <a:prstGeom prst="line">
+            <a:avLst/>
+          </a:prstGeom>
+        </p:spPr>
+        <p:style>
+          <a:lnRef idx="3">
+            <a:schemeClr val="dk1"/>
+          </a:lnRef>
+          <a:fillRef idx="0">
+            <a:schemeClr val="dk1"/>
+          </a:fillRef>
+          <a:effectRef idx="2">
+            <a:schemeClr val="dk1"/>
+          </a:effectRef>
+          <a:fontRef idx="minor">
+            <a:schemeClr val="tx1"/>
+          </a:fontRef>
+        </p:style>
+      </p:cxnSp>
     </p:spTree>
     <p:extLst>
       <p:ext uri="{BB962C8B-B14F-4D97-AF65-F5344CB8AC3E}">
-        <p14:creationId xmlns:p14="http://schemas.microsoft.com/office/powerpoint/2010/main" val="452733939"/>
-      </p:ext>
-    </p:extLst>
-  </p:cSld>
-  <p:clrMapOvr>
-    <a:masterClrMapping/>
-  </p:clrMapOvr>
-  <mc:AlternateContent xmlns:mc="http://schemas.openxmlformats.org/markup-compatibility/2006" xmlns:p14="http://schemas.microsoft.com/office/powerpoint/2010/main">
-    <mc:Choice Requires="p14">
-      <p:transition spd="med" p14:dur="700">
-        <p:fade/>
-      </p:transition>
-    </mc:Choice>
-    <mc:Fallback xmlns="">
-      <p:transition spd="med">
-        <p:fade/>
-      </p:transition>
-    </mc:Fallback>
-  </mc:AlternateContent>
-</p:sld>
-</file>
-
-<file path=ppt/slides/slide9.xml><?xml version="1.0" encoding="utf-8"?>
-<p:sld xmlns:a="http://schemas.openxmlformats.org/drawingml/2006/main" xmlns:r="http://schemas.openxmlformats.org/officeDocument/2006/relationships" xmlns:p="http://schemas.openxmlformats.org/presentationml/2006/main">
-  <p:cSld>
-    <p:spTree>
-      <p:nvGrpSpPr>
-        <p:cNvPr id="1" name=""/>
-        <p:cNvGrpSpPr/>
-        <p:nvPr/>
-      </p:nvGrpSpPr>
-      <p:grpSpPr>
-        <a:xfrm>
-          <a:off x="0" y="0"/>
-          <a:ext cx="0" cy="0"/>
-          <a:chOff x="0" y="0"/>
-          <a:chExt cx="0" cy="0"/>
-        </a:xfrm>
-      </p:grpSpPr>
-    </p:spTree>
-    <p:extLst>
-      <p:ext uri="{BB962C8B-B14F-4D97-AF65-F5344CB8AC3E}">
-        <p14:creationId xmlns:p14="http://schemas.microsoft.com/office/powerpoint/2010/main" val="1544302913"/>
+        <p14:creationId xmlns:p14="http://schemas.microsoft.com/office/powerpoint/2010/main" val="112143458"/>
       </p:ext>
     </p:extLst>
   </p:cSld>
@@ -22314,7 +18897,27 @@
       </a:bgFillStyleLst>
     </a:fmtScheme>
   </a:themeElements>
-  <a:objectDefaults/>
+  <a:objectDefaults>
+    <a:lnDef>
+      <a:spPr/>
+      <a:bodyPr/>
+      <a:lstStyle/>
+      <a:style>
+        <a:lnRef idx="3">
+          <a:schemeClr val="accent1"/>
+        </a:lnRef>
+        <a:fillRef idx="0">
+          <a:schemeClr val="accent1"/>
+        </a:fillRef>
+        <a:effectRef idx="2">
+          <a:schemeClr val="accent1"/>
+        </a:effectRef>
+        <a:fontRef idx="minor">
+          <a:schemeClr val="tx1"/>
+        </a:fontRef>
+      </a:style>
+    </a:lnDef>
+  </a:objectDefaults>
   <a:extraClrSchemeLst/>
   <a:extLst>
     <a:ext uri="{05A4C25C-085E-4340-85A3-A5531E510DB2}">

--- a/inflearn01/doc/심화_개발자가알아두면좋을네트워크개념.pptx
+++ b/inflearn01/doc/심화_개발자가알아두면좋을네트워크개념.pptx
@@ -17455,7 +17455,7 @@
         </p:spPr>
         <p:txBody>
           <a:bodyPr>
-            <a:normAutofit fontScale="92500" lnSpcReduction="10000"/>
+            <a:normAutofit fontScale="92500" lnSpcReduction="20000"/>
           </a:bodyPr>
           <a:lstStyle/>
           <a:p>
@@ -17604,6 +17604,30 @@
               <a:rPr lang="en-US" altLang="ko-KR"/>
               <a:t>HTTP1.0  -&gt; HTTP1.1 -&gt; HTTP/2</a:t>
             </a:r>
+          </a:p>
+          <a:p>
+            <a:pPr lvl="2"/>
+            <a:r>
+              <a:rPr lang="ko-KR" altLang="en-US"/>
+              <a:t>비연결성</a:t>
+            </a:r>
+            <a:r>
+              <a:rPr lang="en-US" altLang="ko-KR"/>
+              <a:t>, </a:t>
+            </a:r>
+            <a:r>
+              <a:rPr lang="ko-KR" altLang="en-US"/>
+              <a:t>송신자의 </a:t>
+            </a:r>
+            <a:r>
+              <a:rPr lang="en-US" altLang="ko-KR"/>
+              <a:t>IP </a:t>
+            </a:r>
+            <a:r>
+              <a:rPr lang="ko-KR" altLang="en-US"/>
+              <a:t>가 변경될 수 있음</a:t>
+            </a:r>
+            <a:endParaRPr lang="en-US" altLang="ko-KR"/>
           </a:p>
         </p:txBody>
       </p:sp>
